--- a/c++11.pptx
+++ b/c++11.pptx
@@ -7,6 +7,7 @@
   <p:sldIdLst>
     <p:sldId id="256" r:id="rId2"/>
     <p:sldId id="257" r:id="rId3"/>
+    <p:sldId id="258" r:id="rId4"/>
   </p:sldIdLst>
   <p:sldSz cx="12192000" cy="6858000"/>
   <p:notesSz cx="6858000" cy="9144000"/>
@@ -105,6 +106,11 @@
       </a:defRPr>
     </a:lvl9pPr>
   </p:defaultTextStyle>
+  <p:extLst>
+    <p:ext uri="{EFAFB233-063F-42B5-8137-9DF3F51BA10A}">
+      <p15:sldGuideLst xmlns:p15="http://schemas.microsoft.com/office/powerpoint/2012/main"/>
+    </p:ext>
+  </p:extLst>
 </p:presentation>
 </file>
 
@@ -3056,6 +3062,18 @@
           <a:bodyPr/>
           <a:lstStyle/>
           <a:p>
+            <a:r>
+              <a:rPr lang="zh-CN" altLang="en-US" dirty="0" smtClean="0"/>
+              <a:t>保持与</a:t>
+            </a:r>
+            <a:r>
+              <a:rPr lang="en-US" altLang="zh-CN" dirty="0" smtClean="0"/>
+              <a:t>C99</a:t>
+            </a:r>
+            <a:r>
+              <a:rPr lang="zh-CN" altLang="en-US" dirty="0" smtClean="0"/>
+              <a:t>兼容性</a:t>
+            </a:r>
             <a:endParaRPr lang="zh-CN" altLang="en-US" dirty="0"/>
           </a:p>
         </p:txBody>
@@ -3075,7 +3093,23 @@
           <a:bodyPr/>
           <a:lstStyle/>
           <a:p>
-            <a:endParaRPr lang="zh-CN" altLang="en-US"/>
+            <a:pPr marL="0" indent="0">
+              <a:buNone/>
+            </a:pPr>
+            <a:r>
+              <a:rPr lang="en-US" altLang="zh-CN" dirty="0" smtClean="0"/>
+              <a:t>C99</a:t>
+            </a:r>
+          </a:p>
+          <a:p>
+            <a:pPr marL="0" indent="0">
+              <a:buNone/>
+            </a:pPr>
+            <a:r>
+              <a:rPr lang="zh-CN" altLang="en-US" dirty="0" smtClean="0"/>
+              <a:t>预定义宏</a:t>
+            </a:r>
+            <a:endParaRPr lang="zh-CN" altLang="en-US" dirty="0"/>
           </a:p>
         </p:txBody>
       </p:sp>
@@ -3083,6 +3117,80 @@
     <p:extLst>
       <p:ext uri="{BB962C8B-B14F-4D97-AF65-F5344CB8AC3E}">
         <p14:creationId xmlns:p14="http://schemas.microsoft.com/office/powerpoint/2010/main" val="4023426591"/>
+      </p:ext>
+    </p:extLst>
+  </p:cSld>
+  <p:clrMapOvr>
+    <a:masterClrMapping/>
+  </p:clrMapOvr>
+</p:sld>
+</file>
+
+<file path=ppt/slides/slide3.xml><?xml version="1.0" encoding="utf-8"?>
+<p:sld xmlns:a="http://schemas.openxmlformats.org/drawingml/2006/main" xmlns:r="http://schemas.openxmlformats.org/officeDocument/2006/relationships" xmlns:p="http://schemas.openxmlformats.org/presentationml/2006/main">
+  <p:cSld>
+    <p:spTree>
+      <p:nvGrpSpPr>
+        <p:cNvPr id="1" name=""/>
+        <p:cNvGrpSpPr/>
+        <p:nvPr/>
+      </p:nvGrpSpPr>
+      <p:grpSpPr>
+        <a:xfrm>
+          <a:off x="0" y="0"/>
+          <a:ext cx="0" cy="0"/>
+          <a:chOff x="0" y="0"/>
+          <a:chExt cx="0" cy="0"/>
+        </a:xfrm>
+      </p:grpSpPr>
+      <p:sp>
+        <p:nvSpPr>
+          <p:cNvPr id="2" name="标题 1"/>
+          <p:cNvSpPr>
+            <a:spLocks noGrp="1"/>
+          </p:cNvSpPr>
+          <p:nvPr>
+            <p:ph type="title"/>
+          </p:nvPr>
+        </p:nvSpPr>
+        <p:spPr/>
+        <p:txBody>
+          <a:bodyPr/>
+          <a:lstStyle/>
+          <a:p>
+            <a:r>
+              <a:rPr lang="zh-CN" altLang="en-US" b="1" dirty="0">
+                <a:hlinkClick r:id="rId2"/>
+              </a:rPr>
+              <a:t>初始化列表 </a:t>
+            </a:r>
+            <a:endParaRPr lang="zh-CN" altLang="en-US" dirty="0"/>
+          </a:p>
+        </p:txBody>
+      </p:sp>
+      <p:sp>
+        <p:nvSpPr>
+          <p:cNvPr id="3" name="内容占位符 2"/>
+          <p:cNvSpPr>
+            <a:spLocks noGrp="1"/>
+          </p:cNvSpPr>
+          <p:nvPr>
+            <p:ph idx="1"/>
+          </p:nvPr>
+        </p:nvSpPr>
+        <p:spPr/>
+        <p:txBody>
+          <a:bodyPr/>
+          <a:lstStyle/>
+          <a:p>
+            <a:endParaRPr lang="zh-CN" altLang="en-US" dirty="0"/>
+          </a:p>
+        </p:txBody>
+      </p:sp>
+    </p:spTree>
+    <p:extLst>
+      <p:ext uri="{BB962C8B-B14F-4D97-AF65-F5344CB8AC3E}">
+        <p14:creationId xmlns:p14="http://schemas.microsoft.com/office/powerpoint/2010/main" val="760105720"/>
       </p:ext>
     </p:extLst>
   </p:cSld>

--- a/c++11.pptx
+++ b/c++11.pptx
@@ -8,6 +8,9 @@
     <p:sldId id="256" r:id="rId2"/>
     <p:sldId id="257" r:id="rId3"/>
     <p:sldId id="258" r:id="rId4"/>
+    <p:sldId id="259" r:id="rId5"/>
+    <p:sldId id="260" r:id="rId6"/>
+    <p:sldId id="261" r:id="rId7"/>
   </p:sldIdLst>
   <p:sldSz cx="12192000" cy="6858000"/>
   <p:notesSz cx="6858000" cy="9144000"/>
@@ -3159,10 +3162,14 @@
           <a:lstStyle/>
           <a:p>
             <a:r>
-              <a:rPr lang="zh-CN" altLang="en-US" b="1" dirty="0">
+              <a:rPr lang="zh-CN" altLang="en-US" b="1" dirty="0" smtClean="0">
                 <a:hlinkClick r:id="rId2"/>
               </a:rPr>
-              <a:t>初始化列表 </a:t>
+              <a:t>关键</a:t>
+            </a:r>
+            <a:r>
+              <a:rPr lang="zh-CN" altLang="en-US" b="1" dirty="0" smtClean="0"/>
+              <a:t>字</a:t>
             </a:r>
             <a:endParaRPr lang="zh-CN" altLang="en-US" dirty="0"/>
           </a:p>
@@ -3182,6 +3189,66 @@
         <p:txBody>
           <a:bodyPr/>
           <a:lstStyle/>
+          <a:p>
+            <a:r>
+              <a:rPr lang="en-US" altLang="zh-CN" dirty="0" err="1" smtClean="0"/>
+              <a:t>s</a:t>
+            </a:r>
+            <a:r>
+              <a:rPr lang="en-US" altLang="zh-CN" dirty="0" err="1" smtClean="0"/>
+              <a:t>tatic_assert</a:t>
+            </a:r>
+            <a:r>
+              <a:rPr lang="en-US" altLang="zh-CN" dirty="0"/>
+              <a:t> </a:t>
+            </a:r>
+            <a:r>
+              <a:rPr lang="en-US" altLang="zh-CN" dirty="0" smtClean="0"/>
+              <a:t> </a:t>
+            </a:r>
+            <a:r>
+              <a:rPr lang="zh-CN" altLang="en-US" dirty="0" smtClean="0"/>
+              <a:t>和</a:t>
+            </a:r>
+            <a:r>
+              <a:rPr lang="en-US" altLang="zh-CN" dirty="0" smtClean="0"/>
+              <a:t> assert</a:t>
+            </a:r>
+          </a:p>
+          <a:p>
+            <a:r>
+              <a:rPr lang="en-US" altLang="zh-CN" dirty="0" smtClean="0"/>
+              <a:t>friend</a:t>
+            </a:r>
+            <a:r>
+              <a:rPr lang="zh-CN" altLang="en-US" dirty="0" smtClean="0"/>
+              <a:t>，</a:t>
+            </a:r>
+            <a:r>
+              <a:rPr lang="en-US" altLang="zh-CN" dirty="0" smtClean="0"/>
+              <a:t>friend class A ,C++11</a:t>
+            </a:r>
+            <a:r>
+              <a:rPr lang="zh-CN" altLang="en-US" dirty="0" smtClean="0"/>
+              <a:t>中不再需要加 </a:t>
+            </a:r>
+            <a:r>
+              <a:rPr lang="en-US" altLang="zh-CN" dirty="0" smtClean="0"/>
+              <a:t>class</a:t>
+            </a:r>
+          </a:p>
+          <a:p>
+            <a:r>
+              <a:rPr lang="en-US" altLang="zh-CN" dirty="0" smtClean="0"/>
+              <a:t>final  override</a:t>
+            </a:r>
+          </a:p>
+          <a:p>
+            <a:pPr marL="0" indent="0">
+              <a:buNone/>
+            </a:pPr>
+            <a:endParaRPr lang="en-US" altLang="zh-CN" dirty="0"/>
+          </a:p>
           <a:p>
             <a:endParaRPr lang="zh-CN" altLang="en-US" dirty="0"/>
           </a:p>
@@ -3191,6 +3258,440 @@
     <p:extLst>
       <p:ext uri="{BB962C8B-B14F-4D97-AF65-F5344CB8AC3E}">
         <p14:creationId xmlns:p14="http://schemas.microsoft.com/office/powerpoint/2010/main" val="760105720"/>
+      </p:ext>
+    </p:extLst>
+  </p:cSld>
+  <p:clrMapOvr>
+    <a:masterClrMapping/>
+  </p:clrMapOvr>
+</p:sld>
+</file>
+
+<file path=ppt/slides/slide4.xml><?xml version="1.0" encoding="utf-8"?>
+<p:sld xmlns:a="http://schemas.openxmlformats.org/drawingml/2006/main" xmlns:r="http://schemas.openxmlformats.org/officeDocument/2006/relationships" xmlns:p="http://schemas.openxmlformats.org/presentationml/2006/main">
+  <p:cSld>
+    <p:spTree>
+      <p:nvGrpSpPr>
+        <p:cNvPr id="1" name=""/>
+        <p:cNvGrpSpPr/>
+        <p:nvPr/>
+      </p:nvGrpSpPr>
+      <p:grpSpPr>
+        <a:xfrm>
+          <a:off x="0" y="0"/>
+          <a:ext cx="0" cy="0"/>
+          <a:chOff x="0" y="0"/>
+          <a:chExt cx="0" cy="0"/>
+        </a:xfrm>
+      </p:grpSpPr>
+      <p:sp>
+        <p:nvSpPr>
+          <p:cNvPr id="2" name="标题 1"/>
+          <p:cNvSpPr>
+            <a:spLocks noGrp="1"/>
+          </p:cNvSpPr>
+          <p:nvPr>
+            <p:ph type="title"/>
+          </p:nvPr>
+        </p:nvSpPr>
+        <p:spPr/>
+        <p:txBody>
+          <a:bodyPr/>
+          <a:lstStyle/>
+          <a:p>
+            <a:r>
+              <a:rPr lang="zh-CN" altLang="en-US" dirty="0" smtClean="0"/>
+              <a:t>异常</a:t>
+            </a:r>
+            <a:endParaRPr lang="zh-CN" altLang="en-US" dirty="0"/>
+          </a:p>
+        </p:txBody>
+      </p:sp>
+      <p:sp>
+        <p:nvSpPr>
+          <p:cNvPr id="3" name="内容占位符 2"/>
+          <p:cNvSpPr>
+            <a:spLocks noGrp="1"/>
+          </p:cNvSpPr>
+          <p:nvPr>
+            <p:ph idx="1"/>
+          </p:nvPr>
+        </p:nvSpPr>
+        <p:spPr/>
+        <p:txBody>
+          <a:bodyPr/>
+          <a:lstStyle/>
+          <a:p>
+            <a:pPr marL="0" indent="0">
+              <a:buNone/>
+            </a:pPr>
+            <a:r>
+              <a:rPr lang="zh-CN" altLang="en-US" dirty="0" smtClean="0"/>
+              <a:t>在申明函数是否会抛出异常，</a:t>
+            </a:r>
+            <a:r>
+              <a:rPr lang="en-US" altLang="zh-CN" dirty="0" smtClean="0"/>
+              <a:t>C++98</a:t>
+            </a:r>
+            <a:r>
+              <a:rPr lang="zh-CN" altLang="en-US" dirty="0" smtClean="0"/>
+              <a:t>中使用</a:t>
+            </a:r>
+            <a:r>
+              <a:rPr lang="en-US" altLang="zh-CN" dirty="0" smtClean="0"/>
+              <a:t>throw(...)</a:t>
+            </a:r>
+            <a:r>
+              <a:rPr lang="zh-CN" altLang="en-US" dirty="0" smtClean="0"/>
+              <a:t>来表示，</a:t>
+            </a:r>
+            <a:r>
+              <a:rPr lang="en-US" altLang="zh-CN" dirty="0" smtClean="0"/>
+              <a:t>C++11 </a:t>
+            </a:r>
+            <a:r>
+              <a:rPr lang="zh-CN" altLang="en-US" dirty="0" smtClean="0"/>
+              <a:t>中使用 </a:t>
+            </a:r>
+            <a:r>
+              <a:rPr lang="en-US" altLang="zh-CN" dirty="0" err="1" smtClean="0"/>
+              <a:t>noexcept</a:t>
+            </a:r>
+            <a:r>
+              <a:rPr lang="en-US" altLang="zh-CN" dirty="0" smtClean="0"/>
+              <a:t> </a:t>
+            </a:r>
+            <a:r>
+              <a:rPr lang="zh-CN" altLang="en-US" dirty="0" smtClean="0"/>
+              <a:t>来替换 </a:t>
+            </a:r>
+            <a:r>
+              <a:rPr lang="en-US" altLang="zh-CN" dirty="0" smtClean="0"/>
+              <a:t>throw</a:t>
+            </a:r>
+            <a:r>
+              <a:rPr lang="zh-CN" altLang="en-US" dirty="0" smtClean="0"/>
+              <a:t>。</a:t>
+            </a:r>
+            <a:endParaRPr lang="en-US" altLang="zh-CN" dirty="0" smtClean="0"/>
+          </a:p>
+          <a:p>
+            <a:endParaRPr lang="zh-CN" altLang="en-US" dirty="0"/>
+          </a:p>
+        </p:txBody>
+      </p:sp>
+    </p:spTree>
+    <p:extLst>
+      <p:ext uri="{BB962C8B-B14F-4D97-AF65-F5344CB8AC3E}">
+        <p14:creationId xmlns:p14="http://schemas.microsoft.com/office/powerpoint/2010/main" val="3821265864"/>
+      </p:ext>
+    </p:extLst>
+  </p:cSld>
+  <p:clrMapOvr>
+    <a:masterClrMapping/>
+  </p:clrMapOvr>
+</p:sld>
+</file>
+
+<file path=ppt/slides/slide5.xml><?xml version="1.0" encoding="utf-8"?>
+<p:sld xmlns:a="http://schemas.openxmlformats.org/drawingml/2006/main" xmlns:r="http://schemas.openxmlformats.org/officeDocument/2006/relationships" xmlns:p="http://schemas.openxmlformats.org/presentationml/2006/main">
+  <p:cSld>
+    <p:spTree>
+      <p:nvGrpSpPr>
+        <p:cNvPr id="1" name=""/>
+        <p:cNvGrpSpPr/>
+        <p:nvPr/>
+      </p:nvGrpSpPr>
+      <p:grpSpPr>
+        <a:xfrm>
+          <a:off x="0" y="0"/>
+          <a:ext cx="0" cy="0"/>
+          <a:chOff x="0" y="0"/>
+          <a:chExt cx="0" cy="0"/>
+        </a:xfrm>
+      </p:grpSpPr>
+      <p:sp>
+        <p:nvSpPr>
+          <p:cNvPr id="2" name="标题 1"/>
+          <p:cNvSpPr>
+            <a:spLocks noGrp="1"/>
+          </p:cNvSpPr>
+          <p:nvPr>
+            <p:ph type="title"/>
+          </p:nvPr>
+        </p:nvSpPr>
+        <p:spPr/>
+        <p:txBody>
+          <a:bodyPr/>
+          <a:lstStyle/>
+          <a:p>
+            <a:r>
+              <a:rPr lang="zh-CN" altLang="en-US" dirty="0"/>
+              <a:t>初始化</a:t>
+            </a:r>
+          </a:p>
+        </p:txBody>
+      </p:sp>
+      <p:sp>
+        <p:nvSpPr>
+          <p:cNvPr id="3" name="内容占位符 2"/>
+          <p:cNvSpPr>
+            <a:spLocks noGrp="1"/>
+          </p:cNvSpPr>
+          <p:nvPr>
+            <p:ph idx="1"/>
+          </p:nvPr>
+        </p:nvSpPr>
+        <p:spPr/>
+        <p:txBody>
+          <a:bodyPr>
+            <a:normAutofit lnSpcReduction="10000"/>
+          </a:bodyPr>
+          <a:lstStyle/>
+          <a:p>
+            <a:pPr marL="0" indent="0">
+              <a:buNone/>
+            </a:pPr>
+            <a:r>
+              <a:rPr lang="zh-CN" altLang="en-US" dirty="0"/>
+              <a:t>快速初始化成员变量</a:t>
+            </a:r>
+            <a:endParaRPr lang="en-US" altLang="zh-CN" dirty="0"/>
+          </a:p>
+          <a:p>
+            <a:pPr marL="0" indent="0">
+              <a:buNone/>
+            </a:pPr>
+            <a:r>
+              <a:rPr lang="zh-CN" altLang="en-US" dirty="0" smtClean="0"/>
+              <a:t>类成员申明如下方式在</a:t>
+            </a:r>
+            <a:r>
+              <a:rPr lang="en-US" altLang="zh-CN" dirty="0" smtClean="0"/>
+              <a:t>C++98</a:t>
+            </a:r>
+            <a:r>
+              <a:rPr lang="zh-CN" altLang="en-US" dirty="0" smtClean="0"/>
+              <a:t>中是无法通过编译的</a:t>
+            </a:r>
+            <a:endParaRPr lang="en-US" altLang="zh-CN" dirty="0" smtClean="0"/>
+          </a:p>
+          <a:p>
+            <a:pPr marL="0" indent="0">
+              <a:buNone/>
+            </a:pPr>
+            <a:r>
+              <a:rPr lang="en-US" altLang="zh-CN" dirty="0" smtClean="0"/>
+              <a:t>class A { </a:t>
+            </a:r>
+          </a:p>
+          <a:p>
+            <a:pPr marL="0" indent="0">
+              <a:buNone/>
+            </a:pPr>
+            <a:r>
+              <a:rPr lang="en-US" altLang="zh-CN" dirty="0" smtClean="0"/>
+              <a:t>public: </a:t>
+            </a:r>
+          </a:p>
+          <a:p>
+            <a:pPr marL="0" indent="0">
+              <a:buNone/>
+            </a:pPr>
+            <a:r>
+              <a:rPr lang="en-US" altLang="zh-CN" dirty="0"/>
+              <a:t>	</a:t>
+            </a:r>
+            <a:r>
+              <a:rPr lang="en-US" altLang="zh-CN" dirty="0" err="1" smtClean="0"/>
+              <a:t>int</a:t>
+            </a:r>
+            <a:r>
+              <a:rPr lang="en-US" altLang="zh-CN" dirty="0" smtClean="0"/>
+              <a:t> a = 1;		//</a:t>
+            </a:r>
+            <a:r>
+              <a:rPr lang="zh-CN" altLang="en-US" dirty="0" smtClean="0"/>
+              <a:t>编译不通过</a:t>
+            </a:r>
+            <a:endParaRPr lang="en-US" altLang="zh-CN" dirty="0" smtClean="0"/>
+          </a:p>
+          <a:p>
+            <a:pPr marL="0" indent="0">
+              <a:buNone/>
+            </a:pPr>
+            <a:r>
+              <a:rPr lang="en-US" altLang="zh-CN" dirty="0"/>
+              <a:t>	</a:t>
+            </a:r>
+            <a:r>
+              <a:rPr lang="en-US" altLang="zh-CN" dirty="0" smtClean="0"/>
+              <a:t>static </a:t>
+            </a:r>
+            <a:r>
+              <a:rPr lang="en-US" altLang="zh-CN" dirty="0" err="1" smtClean="0"/>
+              <a:t>int</a:t>
+            </a:r>
+            <a:r>
+              <a:rPr lang="en-US" altLang="zh-CN" dirty="0" smtClean="0"/>
+              <a:t> b = 2;	</a:t>
+            </a:r>
+            <a:r>
+              <a:rPr lang="en-US" altLang="zh-CN" dirty="0"/>
+              <a:t>//</a:t>
+            </a:r>
+            <a:r>
+              <a:rPr lang="zh-CN" altLang="en-US" dirty="0"/>
+              <a:t>编译不通过</a:t>
+            </a:r>
+            <a:endParaRPr lang="en-US" altLang="zh-CN" dirty="0"/>
+          </a:p>
+          <a:p>
+            <a:pPr marL="0" indent="0">
+              <a:buNone/>
+            </a:pPr>
+            <a:r>
+              <a:rPr lang="en-US" altLang="zh-CN" dirty="0" smtClean="0"/>
+              <a:t>	</a:t>
+            </a:r>
+            <a:r>
+              <a:rPr lang="en-US" altLang="zh-CN" dirty="0" err="1" smtClean="0"/>
+              <a:t>const</a:t>
+            </a:r>
+            <a:r>
+              <a:rPr lang="en-US" altLang="zh-CN" dirty="0" smtClean="0"/>
+              <a:t> static </a:t>
+            </a:r>
+            <a:r>
+              <a:rPr lang="en-US" altLang="zh-CN" dirty="0" err="1" smtClean="0"/>
+              <a:t>int</a:t>
+            </a:r>
+            <a:r>
+              <a:rPr lang="en-US" altLang="zh-CN" dirty="0" smtClean="0"/>
+              <a:t> c = 3;	//</a:t>
+            </a:r>
+            <a:r>
+              <a:rPr lang="zh-CN" altLang="en-US" dirty="0" smtClean="0"/>
+              <a:t>编译通过</a:t>
+            </a:r>
+            <a:endParaRPr lang="en-US" altLang="zh-CN" dirty="0" smtClean="0"/>
+          </a:p>
+          <a:p>
+            <a:pPr marL="0" indent="0">
+              <a:buNone/>
+            </a:pPr>
+            <a:r>
+              <a:rPr lang="en-US" altLang="zh-CN" dirty="0" smtClean="0"/>
+              <a:t>}</a:t>
+            </a:r>
+          </a:p>
+          <a:p>
+            <a:pPr marL="0" indent="0">
+              <a:buNone/>
+            </a:pPr>
+            <a:r>
+              <a:rPr lang="zh-CN" altLang="en-US" dirty="0" smtClean="0"/>
+              <a:t>在</a:t>
+            </a:r>
+            <a:r>
+              <a:rPr lang="en-US" altLang="zh-CN" dirty="0" smtClean="0"/>
+              <a:t>C++11</a:t>
+            </a:r>
+            <a:r>
+              <a:rPr lang="zh-CN" altLang="en-US" dirty="0" smtClean="0"/>
+              <a:t>中使用</a:t>
+            </a:r>
+            <a:r>
+              <a:rPr lang="en-US" altLang="zh-CN" dirty="0" smtClean="0"/>
+              <a:t>{} </a:t>
+            </a:r>
+            <a:r>
+              <a:rPr lang="zh-CN" altLang="en-US" dirty="0" smtClean="0"/>
+              <a:t>或者 </a:t>
+            </a:r>
+            <a:r>
+              <a:rPr lang="en-US" altLang="zh-CN" dirty="0" smtClean="0"/>
+              <a:t>=</a:t>
+            </a:r>
+            <a:r>
+              <a:rPr lang="zh-CN" altLang="en-US" dirty="0" smtClean="0"/>
+              <a:t>来初始化</a:t>
+            </a:r>
+            <a:endParaRPr lang="en-US" altLang="zh-CN" dirty="0" smtClean="0"/>
+          </a:p>
+          <a:p>
+            <a:pPr marL="0" indent="0">
+              <a:buNone/>
+            </a:pPr>
+            <a:endParaRPr lang="zh-CN" altLang="en-US" dirty="0"/>
+          </a:p>
+        </p:txBody>
+      </p:sp>
+    </p:spTree>
+    <p:extLst>
+      <p:ext uri="{BB962C8B-B14F-4D97-AF65-F5344CB8AC3E}">
+        <p14:creationId xmlns:p14="http://schemas.microsoft.com/office/powerpoint/2010/main" val="1648924066"/>
+      </p:ext>
+    </p:extLst>
+  </p:cSld>
+  <p:clrMapOvr>
+    <a:masterClrMapping/>
+  </p:clrMapOvr>
+</p:sld>
+</file>
+
+<file path=ppt/slides/slide6.xml><?xml version="1.0" encoding="utf-8"?>
+<p:sld xmlns:a="http://schemas.openxmlformats.org/drawingml/2006/main" xmlns:r="http://schemas.openxmlformats.org/officeDocument/2006/relationships" xmlns:p="http://schemas.openxmlformats.org/presentationml/2006/main">
+  <p:cSld>
+    <p:spTree>
+      <p:nvGrpSpPr>
+        <p:cNvPr id="1" name=""/>
+        <p:cNvGrpSpPr/>
+        <p:nvPr/>
+      </p:nvGrpSpPr>
+      <p:grpSpPr>
+        <a:xfrm>
+          <a:off x="0" y="0"/>
+          <a:ext cx="0" cy="0"/>
+          <a:chOff x="0" y="0"/>
+          <a:chExt cx="0" cy="0"/>
+        </a:xfrm>
+      </p:grpSpPr>
+      <p:sp>
+        <p:nvSpPr>
+          <p:cNvPr id="3" name="内容占位符 2"/>
+          <p:cNvSpPr>
+            <a:spLocks noGrp="1"/>
+          </p:cNvSpPr>
+          <p:nvPr>
+            <p:ph idx="1"/>
+          </p:nvPr>
+        </p:nvSpPr>
+        <p:spPr>
+          <a:xfrm>
+            <a:off x="838200" y="408373"/>
+            <a:ext cx="10515600" cy="5768590"/>
+          </a:xfrm>
+        </p:spPr>
+        <p:txBody>
+          <a:bodyPr/>
+          <a:lstStyle/>
+          <a:p>
+            <a:pPr marL="0" indent="0">
+              <a:buNone/>
+            </a:pPr>
+            <a:r>
+              <a:rPr lang="zh-CN" altLang="en-US" dirty="0" smtClean="0"/>
+              <a:t>委托构造函数</a:t>
+            </a:r>
+            <a:endParaRPr lang="zh-CN" altLang="en-US" dirty="0"/>
+          </a:p>
+        </p:txBody>
+      </p:sp>
+    </p:spTree>
+    <p:extLst>
+      <p:ext uri="{BB962C8B-B14F-4D97-AF65-F5344CB8AC3E}">
+        <p14:creationId xmlns:p14="http://schemas.microsoft.com/office/powerpoint/2010/main" val="1681502276"/>
       </p:ext>
     </p:extLst>
   </p:cSld>

--- a/c++11.pptx
+++ b/c++11.pptx
@@ -11,6 +11,7 @@
     <p:sldId id="259" r:id="rId5"/>
     <p:sldId id="260" r:id="rId6"/>
     <p:sldId id="261" r:id="rId7"/>
+    <p:sldId id="262" r:id="rId8"/>
   </p:sldIdLst>
   <p:sldSz cx="12192000" cy="6858000"/>
   <p:notesSz cx="6858000" cy="9144000"/>
@@ -3244,6 +3245,17 @@
             </a:r>
           </a:p>
           <a:p>
+            <a:r>
+              <a:rPr lang="en-US" altLang="zh-CN" dirty="0" smtClean="0"/>
+              <a:t>for </a:t>
+            </a:r>
+            <a:r>
+              <a:rPr lang="zh-CN" altLang="en-US" dirty="0" smtClean="0"/>
+              <a:t>新用法</a:t>
+            </a:r>
+            <a:endParaRPr lang="en-US" altLang="zh-CN" dirty="0" smtClean="0"/>
+          </a:p>
+          <a:p>
             <a:pPr marL="0" indent="0">
               <a:buNone/>
             </a:pPr>
@@ -3692,6 +3704,1029 @@
     <p:extLst>
       <p:ext uri="{BB962C8B-B14F-4D97-AF65-F5344CB8AC3E}">
         <p14:creationId xmlns:p14="http://schemas.microsoft.com/office/powerpoint/2010/main" val="1681502276"/>
+      </p:ext>
+    </p:extLst>
+  </p:cSld>
+  <p:clrMapOvr>
+    <a:masterClrMapping/>
+  </p:clrMapOvr>
+</p:sld>
+</file>
+
+<file path=ppt/slides/slide7.xml><?xml version="1.0" encoding="utf-8"?>
+<p:sld xmlns:a="http://schemas.openxmlformats.org/drawingml/2006/main" xmlns:r="http://schemas.openxmlformats.org/officeDocument/2006/relationships" xmlns:p="http://schemas.openxmlformats.org/presentationml/2006/main">
+  <p:cSld>
+    <p:spTree>
+      <p:nvGrpSpPr>
+        <p:cNvPr id="1" name=""/>
+        <p:cNvGrpSpPr/>
+        <p:nvPr/>
+      </p:nvGrpSpPr>
+      <p:grpSpPr>
+        <a:xfrm>
+          <a:off x="0" y="0"/>
+          <a:ext cx="0" cy="0"/>
+          <a:chOff x="0" y="0"/>
+          <a:chExt cx="0" cy="0"/>
+        </a:xfrm>
+      </p:grpSpPr>
+      <p:sp>
+        <p:nvSpPr>
+          <p:cNvPr id="2" name="标题 1"/>
+          <p:cNvSpPr>
+            <a:spLocks noGrp="1"/>
+          </p:cNvSpPr>
+          <p:nvPr>
+            <p:ph type="title"/>
+          </p:nvPr>
+        </p:nvSpPr>
+        <p:spPr/>
+        <p:txBody>
+          <a:bodyPr/>
+          <a:lstStyle/>
+          <a:p>
+            <a:r>
+              <a:rPr lang="en-US" altLang="zh-CN" dirty="0" err="1" smtClean="0"/>
+              <a:t>Lamda</a:t>
+            </a:r>
+            <a:r>
+              <a:rPr lang="en-US" altLang="zh-CN" dirty="0" smtClean="0"/>
+              <a:t>  </a:t>
+            </a:r>
+            <a:r>
+              <a:rPr lang="en-US" altLang="zh-CN" dirty="0" err="1" smtClean="0"/>
+              <a:t>std</a:t>
+            </a:r>
+            <a:r>
+              <a:rPr lang="en-US" altLang="zh-CN" dirty="0" smtClean="0"/>
+              <a:t>::function </a:t>
+            </a:r>
+            <a:r>
+              <a:rPr lang="en-US" altLang="zh-CN" dirty="0" err="1" smtClean="0"/>
+              <a:t>std</a:t>
+            </a:r>
+            <a:r>
+              <a:rPr lang="en-US" altLang="zh-CN" smtClean="0"/>
+              <a:t>::bind</a:t>
+            </a:r>
+            <a:endParaRPr lang="zh-CN" altLang="en-US" dirty="0"/>
+          </a:p>
+        </p:txBody>
+      </p:sp>
+      <p:sp>
+        <p:nvSpPr>
+          <p:cNvPr id="4" name="Rectangle 1"/>
+          <p:cNvSpPr>
+            <a:spLocks noGrp="1" noChangeArrowheads="1"/>
+          </p:cNvSpPr>
+          <p:nvPr>
+            <p:ph idx="1"/>
+          </p:nvPr>
+        </p:nvSpPr>
+        <p:spPr bwMode="auto">
+          <a:prstGeom prst="rect">
+            <a:avLst/>
+          </a:prstGeom>
+          <a:noFill/>
+          <a:ln>
+            <a:noFill/>
+          </a:ln>
+          <a:effectLst/>
+          <a:extLst>
+            <a:ext uri="{909E8E84-426E-40DD-AFC4-6F175D3DCCD1}">
+              <a14:hiddenFill xmlns:a14="http://schemas.microsoft.com/office/drawing/2010/main">
+                <a:solidFill>
+                  <a:schemeClr val="accent1"/>
+                </a:solidFill>
+              </a14:hiddenFill>
+            </a:ext>
+            <a:ext uri="{91240B29-F687-4F45-9708-019B960494DF}">
+              <a14:hiddenLine xmlns:a14="http://schemas.microsoft.com/office/drawing/2010/main" w="9525">
+                <a:solidFill>
+                  <a:schemeClr val="tx1"/>
+                </a:solidFill>
+                <a:miter lim="800000"/>
+                <a:headEnd/>
+                <a:tailEnd/>
+              </a14:hiddenLine>
+            </a:ext>
+            <a:ext uri="{AF507438-7753-43E0-B8FC-AC1667EBCBE1}">
+              <a14:hiddenEffects xmlns:a14="http://schemas.microsoft.com/office/drawing/2010/main">
+                <a:effectLst>
+                  <a:outerShdw dist="35921" dir="2700000" algn="ctr" rotWithShape="0">
+                    <a:schemeClr val="bg2"/>
+                  </a:outerShdw>
+                </a:effectLst>
+              </a14:hiddenEffects>
+            </a:ext>
+          </a:extLst>
+        </p:spPr>
+        <p:txBody>
+          <a:bodyPr vert="horz" wrap="none" lIns="91440" tIns="45720" rIns="91440" bIns="45720" numCol="1" anchor="ctr" anchorCtr="0" compatLnSpc="1">
+            <a:prstTxWarp prst="textNoShape">
+              <a:avLst/>
+            </a:prstTxWarp>
+            <a:spAutoFit/>
+          </a:bodyPr>
+          <a:lstStyle/>
+          <a:p>
+            <a:pPr marL="0" marR="0" lvl="0" indent="0" algn="l" defTabSz="914400" rtl="0" eaLnBrk="0" fontAlgn="base" latinLnBrk="0" hangingPunct="0">
+              <a:lnSpc>
+                <a:spcPct val="100000"/>
+              </a:lnSpc>
+              <a:spcBef>
+                <a:spcPct val="0"/>
+              </a:spcBef>
+              <a:spcAft>
+                <a:spcPct val="0"/>
+              </a:spcAft>
+              <a:buClrTx/>
+              <a:buSzTx/>
+              <a:buFontTx/>
+              <a:buNone/>
+              <a:tabLst/>
+            </a:pPr>
+            <a:endParaRPr kumimoji="0" lang="zh-CN" altLang="zh-CN" sz="1800" b="0" i="0" u="none" strike="noStrike" cap="none" normalizeH="0" baseline="0" dirty="0" smtClean="0">
+              <a:ln>
+                <a:noFill/>
+              </a:ln>
+              <a:solidFill>
+                <a:schemeClr val="tx1"/>
+              </a:solidFill>
+              <a:effectLst/>
+              <a:latin typeface="Arial" panose="020B0604020202020204" pitchFamily="34" charset="0"/>
+            </a:endParaRPr>
+          </a:p>
+          <a:p>
+            <a:pPr marL="0" marR="0" lvl="0" indent="0" algn="l" defTabSz="914400" rtl="0" eaLnBrk="0" fontAlgn="base" latinLnBrk="0" hangingPunct="0">
+              <a:lnSpc>
+                <a:spcPct val="100000"/>
+              </a:lnSpc>
+              <a:spcBef>
+                <a:spcPct val="0"/>
+              </a:spcBef>
+              <a:spcAft>
+                <a:spcPct val="0"/>
+              </a:spcAft>
+              <a:buClrTx/>
+              <a:buSzTx/>
+              <a:buFontTx/>
+              <a:buChar char="•"/>
+              <a:tabLst/>
+            </a:pPr>
+            <a:r>
+              <a:rPr kumimoji="0" lang="zh-CN" altLang="zh-CN" sz="1000" b="1" i="0" u="none" strike="noStrike" cap="none" normalizeH="0" baseline="0" dirty="0" smtClean="0">
+                <a:ln>
+                  <a:noFill/>
+                </a:ln>
+                <a:solidFill>
+                  <a:schemeClr val="tx1"/>
+                </a:solidFill>
+                <a:effectLst/>
+                <a:latin typeface="Arial Unicode MS"/>
+              </a:rPr>
+              <a:t>[a,&amp;b]</a:t>
+            </a:r>
+            <a:r>
+              <a:rPr kumimoji="0" lang="zh-CN" altLang="zh-CN" sz="800" b="0" i="0" u="none" strike="noStrike" cap="none" normalizeH="0" baseline="0" dirty="0" smtClean="0">
+                <a:ln>
+                  <a:noFill/>
+                </a:ln>
+                <a:solidFill>
+                  <a:schemeClr val="tx1"/>
+                </a:solidFill>
+                <a:effectLst/>
+              </a:rPr>
+              <a:t> a变量以值的方式呗捕获，b以引用的方式被捕获。</a:t>
+            </a:r>
+            <a:r>
+              <a:rPr kumimoji="0" lang="zh-CN" altLang="zh-CN" sz="1800" b="0" i="0" u="none" strike="noStrike" cap="none" normalizeH="0" baseline="0" dirty="0" smtClean="0">
+                <a:ln>
+                  <a:noFill/>
+                </a:ln>
+                <a:solidFill>
+                  <a:schemeClr val="tx1"/>
+                </a:solidFill>
+                <a:effectLst/>
+                <a:latin typeface="Arial" panose="020B0604020202020204" pitchFamily="34" charset="0"/>
+              </a:rPr>
+              <a:t> </a:t>
+            </a:r>
+          </a:p>
+          <a:p>
+            <a:pPr marL="0" marR="0" lvl="0" indent="0" algn="l" defTabSz="914400" rtl="0" eaLnBrk="0" fontAlgn="base" latinLnBrk="0" hangingPunct="0">
+              <a:lnSpc>
+                <a:spcPct val="100000"/>
+              </a:lnSpc>
+              <a:spcBef>
+                <a:spcPct val="0"/>
+              </a:spcBef>
+              <a:spcAft>
+                <a:spcPct val="0"/>
+              </a:spcAft>
+              <a:buClrTx/>
+              <a:buSzTx/>
+              <a:buFontTx/>
+              <a:buChar char="•"/>
+              <a:tabLst/>
+            </a:pPr>
+            <a:r>
+              <a:rPr kumimoji="0" lang="zh-CN" altLang="zh-CN" sz="1000" b="1" i="0" u="none" strike="noStrike" cap="none" normalizeH="0" baseline="0" dirty="0" smtClean="0">
+                <a:ln>
+                  <a:noFill/>
+                </a:ln>
+                <a:solidFill>
+                  <a:schemeClr val="tx1"/>
+                </a:solidFill>
+                <a:effectLst/>
+                <a:latin typeface="Arial Unicode MS"/>
+              </a:rPr>
+              <a:t>[this]</a:t>
+            </a:r>
+            <a:r>
+              <a:rPr kumimoji="0" lang="zh-CN" altLang="zh-CN" sz="800" b="0" i="0" u="none" strike="noStrike" cap="none" normalizeH="0" baseline="0" dirty="0" smtClean="0">
+                <a:ln>
+                  <a:noFill/>
+                </a:ln>
+                <a:solidFill>
+                  <a:schemeClr val="tx1"/>
+                </a:solidFill>
+                <a:effectLst/>
+              </a:rPr>
+              <a:t> 以值的方式捕获 this 指针。</a:t>
+            </a:r>
+            <a:r>
+              <a:rPr kumimoji="0" lang="zh-CN" altLang="zh-CN" sz="1800" b="0" i="0" u="none" strike="noStrike" cap="none" normalizeH="0" baseline="0" dirty="0" smtClean="0">
+                <a:ln>
+                  <a:noFill/>
+                </a:ln>
+                <a:solidFill>
+                  <a:schemeClr val="tx1"/>
+                </a:solidFill>
+                <a:effectLst/>
+                <a:latin typeface="Arial" panose="020B0604020202020204" pitchFamily="34" charset="0"/>
+              </a:rPr>
+              <a:t> </a:t>
+            </a:r>
+          </a:p>
+          <a:p>
+            <a:pPr marL="0" marR="0" lvl="0" indent="0" algn="l" defTabSz="914400" rtl="0" eaLnBrk="0" fontAlgn="base" latinLnBrk="0" hangingPunct="0">
+              <a:lnSpc>
+                <a:spcPct val="100000"/>
+              </a:lnSpc>
+              <a:spcBef>
+                <a:spcPct val="0"/>
+              </a:spcBef>
+              <a:spcAft>
+                <a:spcPct val="0"/>
+              </a:spcAft>
+              <a:buClrTx/>
+              <a:buSzTx/>
+              <a:buFontTx/>
+              <a:buChar char="•"/>
+              <a:tabLst/>
+            </a:pPr>
+            <a:r>
+              <a:rPr kumimoji="0" lang="zh-CN" altLang="zh-CN" sz="1000" b="1" i="0" u="none" strike="noStrike" cap="none" normalizeH="0" baseline="0" dirty="0" smtClean="0">
+                <a:ln>
+                  <a:noFill/>
+                </a:ln>
+                <a:solidFill>
+                  <a:schemeClr val="tx1"/>
+                </a:solidFill>
+                <a:effectLst/>
+                <a:latin typeface="Arial Unicode MS"/>
+              </a:rPr>
+              <a:t>[&amp;]</a:t>
+            </a:r>
+            <a:r>
+              <a:rPr kumimoji="0" lang="zh-CN" altLang="zh-CN" sz="800" b="0" i="0" u="none" strike="noStrike" cap="none" normalizeH="0" baseline="0" dirty="0" smtClean="0">
+                <a:ln>
+                  <a:noFill/>
+                </a:ln>
+                <a:solidFill>
+                  <a:schemeClr val="tx1"/>
+                </a:solidFill>
+                <a:effectLst/>
+              </a:rPr>
+              <a:t> 以引用的方式捕获所有的外部自动变量。</a:t>
+            </a:r>
+            <a:r>
+              <a:rPr kumimoji="0" lang="zh-CN" altLang="zh-CN" sz="1800" b="0" i="0" u="none" strike="noStrike" cap="none" normalizeH="0" baseline="0" dirty="0" smtClean="0">
+                <a:ln>
+                  <a:noFill/>
+                </a:ln>
+                <a:solidFill>
+                  <a:schemeClr val="tx1"/>
+                </a:solidFill>
+                <a:effectLst/>
+                <a:latin typeface="Arial" panose="020B0604020202020204" pitchFamily="34" charset="0"/>
+              </a:rPr>
+              <a:t> </a:t>
+            </a:r>
+          </a:p>
+          <a:p>
+            <a:pPr marL="0" marR="0" lvl="0" indent="0" algn="l" defTabSz="914400" rtl="0" eaLnBrk="0" fontAlgn="base" latinLnBrk="0" hangingPunct="0">
+              <a:lnSpc>
+                <a:spcPct val="100000"/>
+              </a:lnSpc>
+              <a:spcBef>
+                <a:spcPct val="0"/>
+              </a:spcBef>
+              <a:spcAft>
+                <a:spcPct val="0"/>
+              </a:spcAft>
+              <a:buClrTx/>
+              <a:buSzTx/>
+              <a:buFontTx/>
+              <a:buChar char="•"/>
+              <a:tabLst/>
+            </a:pPr>
+            <a:r>
+              <a:rPr kumimoji="0" lang="zh-CN" altLang="zh-CN" sz="1000" b="1" i="0" u="none" strike="noStrike" cap="none" normalizeH="0" baseline="0" dirty="0" smtClean="0">
+                <a:ln>
+                  <a:noFill/>
+                </a:ln>
+                <a:solidFill>
+                  <a:schemeClr val="tx1"/>
+                </a:solidFill>
+                <a:effectLst/>
+                <a:latin typeface="Arial Unicode MS"/>
+              </a:rPr>
+              <a:t>[=]</a:t>
+            </a:r>
+            <a:r>
+              <a:rPr kumimoji="0" lang="zh-CN" altLang="zh-CN" sz="800" b="0" i="0" u="none" strike="noStrike" cap="none" normalizeH="0" baseline="0" dirty="0" smtClean="0">
+                <a:ln>
+                  <a:noFill/>
+                </a:ln>
+                <a:solidFill>
+                  <a:schemeClr val="tx1"/>
+                </a:solidFill>
+                <a:effectLst/>
+              </a:rPr>
+              <a:t> 以值的方式捕获所有的外部自动变量。</a:t>
+            </a:r>
+            <a:r>
+              <a:rPr kumimoji="0" lang="zh-CN" altLang="zh-CN" sz="1800" b="0" i="0" u="none" strike="noStrike" cap="none" normalizeH="0" baseline="0" dirty="0" smtClean="0">
+                <a:ln>
+                  <a:noFill/>
+                </a:ln>
+                <a:solidFill>
+                  <a:schemeClr val="tx1"/>
+                </a:solidFill>
+                <a:effectLst/>
+                <a:latin typeface="Arial" panose="020B0604020202020204" pitchFamily="34" charset="0"/>
+              </a:rPr>
+              <a:t> </a:t>
+            </a:r>
+          </a:p>
+          <a:p>
+            <a:pPr marL="0" marR="0" lvl="0" indent="0" algn="l" defTabSz="914400" rtl="0" eaLnBrk="0" fontAlgn="base" latinLnBrk="0" hangingPunct="0">
+              <a:lnSpc>
+                <a:spcPct val="100000"/>
+              </a:lnSpc>
+              <a:spcBef>
+                <a:spcPct val="0"/>
+              </a:spcBef>
+              <a:spcAft>
+                <a:spcPct val="0"/>
+              </a:spcAft>
+              <a:buClrTx/>
+              <a:buSzTx/>
+              <a:buFontTx/>
+              <a:buChar char="•"/>
+              <a:tabLst/>
+            </a:pPr>
+            <a:r>
+              <a:rPr kumimoji="0" lang="zh-CN" altLang="zh-CN" sz="1000" b="1" i="0" u="none" strike="noStrike" cap="none" normalizeH="0" baseline="0" dirty="0" smtClean="0">
+                <a:ln>
+                  <a:noFill/>
+                </a:ln>
+                <a:solidFill>
+                  <a:schemeClr val="tx1"/>
+                </a:solidFill>
+                <a:effectLst/>
+                <a:latin typeface="Arial Unicode MS"/>
+              </a:rPr>
+              <a:t>[]</a:t>
+            </a:r>
+            <a:r>
+              <a:rPr kumimoji="0" lang="zh-CN" altLang="zh-CN" sz="800" b="0" i="0" u="none" strike="noStrike" cap="none" normalizeH="0" baseline="0" dirty="0" smtClean="0">
+                <a:ln>
+                  <a:noFill/>
+                </a:ln>
+                <a:solidFill>
+                  <a:schemeClr val="tx1"/>
+                </a:solidFill>
+                <a:effectLst/>
+              </a:rPr>
+              <a:t> 不捕获外部的任何变量。</a:t>
+            </a:r>
+            <a:r>
+              <a:rPr kumimoji="0" lang="zh-CN" altLang="zh-CN" sz="1800" b="0" i="0" u="none" strike="noStrike" cap="none" normalizeH="0" baseline="0" dirty="0" smtClean="0">
+                <a:ln>
+                  <a:noFill/>
+                </a:ln>
+                <a:solidFill>
+                  <a:schemeClr val="tx1"/>
+                </a:solidFill>
+                <a:effectLst/>
+                <a:latin typeface="Arial" panose="020B0604020202020204" pitchFamily="34" charset="0"/>
+              </a:rPr>
+              <a:t> </a:t>
+            </a:r>
+          </a:p>
+          <a:p>
+            <a:pPr marL="0" marR="0" lvl="0" indent="0" algn="l" defTabSz="914400" rtl="0" eaLnBrk="0" fontAlgn="base" latinLnBrk="0" hangingPunct="0">
+              <a:lnSpc>
+                <a:spcPct val="100000"/>
+              </a:lnSpc>
+              <a:spcBef>
+                <a:spcPct val="0"/>
+              </a:spcBef>
+              <a:spcAft>
+                <a:spcPct val="0"/>
+              </a:spcAft>
+              <a:buClrTx/>
+              <a:buSzTx/>
+              <a:buFontTx/>
+              <a:buNone/>
+              <a:tabLst/>
+            </a:pPr>
+            <a:endParaRPr kumimoji="0" lang="zh-CN" altLang="zh-CN" sz="1800" b="0" i="0" u="none" strike="noStrike" cap="none" normalizeH="0" baseline="0" dirty="0" smtClean="0">
+              <a:ln>
+                <a:noFill/>
+              </a:ln>
+              <a:solidFill>
+                <a:schemeClr val="tx1"/>
+              </a:solidFill>
+              <a:effectLst/>
+              <a:latin typeface="Arial" panose="020B0604020202020204" pitchFamily="34" charset="0"/>
+            </a:endParaRPr>
+          </a:p>
+        </p:txBody>
+      </p:sp>
+      <p:graphicFrame>
+        <p:nvGraphicFramePr>
+          <p:cNvPr id="5" name="表格 4"/>
+          <p:cNvGraphicFramePr>
+            <a:graphicFrameLocks noGrp="1"/>
+          </p:cNvGraphicFramePr>
+          <p:nvPr>
+            <p:extLst>
+              <p:ext uri="{D42A27DB-BD31-4B8C-83A1-F6EECF244321}">
+                <p14:modId xmlns:p14="http://schemas.microsoft.com/office/powerpoint/2010/main" val="1646860573"/>
+              </p:ext>
+            </p:extLst>
+          </p:nvPr>
+        </p:nvGraphicFramePr>
+        <p:xfrm>
+          <a:off x="1252651" y="1660880"/>
+          <a:ext cx="5547643" cy="1361459"/>
+        </p:xfrm>
+        <a:graphic>
+          <a:graphicData uri="http://schemas.openxmlformats.org/drawingml/2006/table">
+            <a:tbl>
+              <a:tblPr/>
+              <a:tblGrid>
+                <a:gridCol w="4950101">
+                  <a:extLst>
+                    <a:ext uri="{9D8B030D-6E8A-4147-A177-3AD203B41FA5}">
+                      <a16:colId xmlns:a16="http://schemas.microsoft.com/office/drawing/2014/main" val="2737143197"/>
+                    </a:ext>
+                  </a:extLst>
+                </a:gridCol>
+                <a:gridCol w="341452">
+                  <a:extLst>
+                    <a:ext uri="{9D8B030D-6E8A-4147-A177-3AD203B41FA5}">
+                      <a16:colId xmlns:a16="http://schemas.microsoft.com/office/drawing/2014/main" val="3682403333"/>
+                    </a:ext>
+                  </a:extLst>
+                </a:gridCol>
+                <a:gridCol w="256090">
+                  <a:extLst>
+                    <a:ext uri="{9D8B030D-6E8A-4147-A177-3AD203B41FA5}">
+                      <a16:colId xmlns:a16="http://schemas.microsoft.com/office/drawing/2014/main" val="1815264350"/>
+                    </a:ext>
+                  </a:extLst>
+                </a:gridCol>
+              </a:tblGrid>
+              <a:tr h="392678">
+                <a:tc>
+                  <a:txBody>
+                    <a:bodyPr/>
+                    <a:lstStyle/>
+                    <a:p>
+                      <a:r>
+                        <a:rPr lang="en-US" sz="1300" b="1" dirty="0"/>
+                        <a:t>[</a:t>
+                      </a:r>
+                      <a:r>
+                        <a:rPr lang="en-US" sz="1300" dirty="0"/>
+                        <a:t> capture </a:t>
+                      </a:r>
+                      <a:r>
+                        <a:rPr lang="en-US" sz="1300" b="1" dirty="0"/>
+                        <a:t>]</a:t>
+                      </a:r>
+                      <a:r>
+                        <a:rPr lang="en-US" sz="1300" dirty="0"/>
+                        <a:t> </a:t>
+                      </a:r>
+                      <a:r>
+                        <a:rPr lang="en-US" sz="1300" b="1" dirty="0"/>
+                        <a:t>(</a:t>
+                      </a:r>
+                      <a:r>
+                        <a:rPr lang="en-US" sz="1300" dirty="0"/>
+                        <a:t> </a:t>
+                      </a:r>
+                      <a:r>
+                        <a:rPr lang="en-US" sz="1300" dirty="0" err="1"/>
+                        <a:t>params</a:t>
+                      </a:r>
+                      <a:r>
+                        <a:rPr lang="en-US" sz="1300" dirty="0"/>
+                        <a:t> </a:t>
+                      </a:r>
+                      <a:r>
+                        <a:rPr lang="en-US" sz="1300" b="1" dirty="0"/>
+                        <a:t>)</a:t>
+                      </a:r>
+                      <a:r>
+                        <a:rPr lang="en-US" sz="1300" dirty="0"/>
+                        <a:t> mutable exception attribute </a:t>
+                      </a:r>
+                      <a:r>
+                        <a:rPr lang="en-US" sz="1300" b="1" dirty="0"/>
+                        <a:t>-&gt;</a:t>
+                      </a:r>
+                      <a:r>
+                        <a:rPr lang="en-US" sz="1300" dirty="0"/>
+                        <a:t> ret </a:t>
+                      </a:r>
+                      <a:r>
+                        <a:rPr lang="en-US" sz="1300" b="1" dirty="0"/>
+                        <a:t>{</a:t>
+                      </a:r>
+                      <a:r>
+                        <a:rPr lang="en-US" sz="1300" dirty="0"/>
+                        <a:t> body </a:t>
+                      </a:r>
+                      <a:r>
+                        <a:rPr lang="en-US" sz="1300" b="1" dirty="0"/>
+                        <a:t>}</a:t>
+                      </a:r>
+                      <a:endParaRPr lang="en-US" sz="1300" dirty="0"/>
+                    </a:p>
+                  </a:txBody>
+                  <a:tcPr marL="66054" marR="66054" marT="33027" marB="33027" anchor="ctr">
+                    <a:lnL>
+                      <a:noFill/>
+                    </a:lnL>
+                    <a:lnR>
+                      <a:noFill/>
+                    </a:lnR>
+                    <a:lnT>
+                      <a:noFill/>
+                    </a:lnT>
+                    <a:lnB>
+                      <a:noFill/>
+                    </a:lnB>
+                  </a:tcPr>
+                </a:tc>
+                <a:tc>
+                  <a:txBody>
+                    <a:bodyPr/>
+                    <a:lstStyle/>
+                    <a:p>
+                      <a:r>
+                        <a:rPr lang="en-US" altLang="zh-CN" sz="1300" dirty="0"/>
+                        <a:t>(1)</a:t>
+                      </a:r>
+                    </a:p>
+                  </a:txBody>
+                  <a:tcPr marL="66054" marR="66054" marT="33027" marB="33027" anchor="ctr">
+                    <a:lnL>
+                      <a:noFill/>
+                    </a:lnL>
+                    <a:lnR>
+                      <a:noFill/>
+                    </a:lnR>
+                    <a:lnT>
+                      <a:noFill/>
+                    </a:lnT>
+                    <a:lnB>
+                      <a:noFill/>
+                    </a:lnB>
+                  </a:tcPr>
+                </a:tc>
+                <a:tc>
+                  <a:txBody>
+                    <a:bodyPr/>
+                    <a:lstStyle/>
+                    <a:p>
+                      <a:r>
+                        <a:rPr lang="zh-CN" altLang="en-US" sz="1300" dirty="0"/>
+                        <a:t> </a:t>
+                      </a:r>
+                    </a:p>
+                  </a:txBody>
+                  <a:tcPr marL="66054" marR="66054" marT="33027" marB="33027" anchor="ctr">
+                    <a:lnL>
+                      <a:noFill/>
+                    </a:lnL>
+                    <a:lnR>
+                      <a:noFill/>
+                    </a:lnR>
+                    <a:lnT>
+                      <a:noFill/>
+                    </a:lnT>
+                    <a:lnB>
+                      <a:noFill/>
+                    </a:lnB>
+                  </a:tcPr>
+                </a:tc>
+                <a:extLst>
+                  <a:ext uri="{0D108BD9-81ED-4DB2-BD59-A6C34878D82A}">
+                    <a16:rowId xmlns:a16="http://schemas.microsoft.com/office/drawing/2014/main" val="41373006"/>
+                  </a:ext>
+                </a:extLst>
+              </a:tr>
+              <a:tr h="322927">
+                <a:tc>
+                  <a:txBody>
+                    <a:bodyPr/>
+                    <a:lstStyle/>
+                    <a:p>
+                      <a:r>
+                        <a:rPr lang="en-US" sz="1300" b="1" dirty="0"/>
+                        <a:t>[</a:t>
+                      </a:r>
+                      <a:r>
+                        <a:rPr lang="en-US" sz="1300" dirty="0"/>
+                        <a:t> capture </a:t>
+                      </a:r>
+                      <a:r>
+                        <a:rPr lang="en-US" sz="1300" b="1" dirty="0"/>
+                        <a:t>]</a:t>
+                      </a:r>
+                      <a:r>
+                        <a:rPr lang="en-US" sz="1300" dirty="0"/>
+                        <a:t> </a:t>
+                      </a:r>
+                      <a:r>
+                        <a:rPr lang="en-US" sz="1300" b="1" dirty="0"/>
+                        <a:t>(</a:t>
+                      </a:r>
+                      <a:r>
+                        <a:rPr lang="en-US" sz="1300" dirty="0"/>
+                        <a:t> </a:t>
+                      </a:r>
+                      <a:r>
+                        <a:rPr lang="en-US" sz="1300" dirty="0" err="1" smtClean="0"/>
+                        <a:t>params</a:t>
+                      </a:r>
+                      <a:r>
+                        <a:rPr lang="en-US" sz="1300" dirty="0" smtClean="0"/>
+                        <a:t> </a:t>
+                      </a:r>
+                      <a:r>
+                        <a:rPr lang="en-US" sz="1300" b="1" dirty="0"/>
+                        <a:t>)</a:t>
+                      </a:r>
+                      <a:r>
+                        <a:rPr lang="en-US" sz="1300" dirty="0"/>
+                        <a:t> </a:t>
+                      </a:r>
+                      <a:r>
+                        <a:rPr lang="en-US" sz="1300" b="1" dirty="0"/>
+                        <a:t>-&gt;</a:t>
+                      </a:r>
+                      <a:r>
+                        <a:rPr lang="en-US" sz="1300" dirty="0"/>
+                        <a:t> ret </a:t>
+                      </a:r>
+                      <a:r>
+                        <a:rPr lang="en-US" sz="1300" b="1" dirty="0"/>
+                        <a:t>{</a:t>
+                      </a:r>
+                      <a:r>
+                        <a:rPr lang="en-US" sz="1300" dirty="0"/>
+                        <a:t> body </a:t>
+                      </a:r>
+                      <a:r>
+                        <a:rPr lang="en-US" sz="1300" b="1" dirty="0"/>
+                        <a:t>}</a:t>
+                      </a:r>
+                      <a:endParaRPr lang="en-US" sz="1300" dirty="0"/>
+                    </a:p>
+                  </a:txBody>
+                  <a:tcPr marL="66054" marR="66054" marT="33027" marB="33027" anchor="ctr">
+                    <a:lnL>
+                      <a:noFill/>
+                    </a:lnL>
+                    <a:lnR>
+                      <a:noFill/>
+                    </a:lnR>
+                    <a:lnT>
+                      <a:noFill/>
+                    </a:lnT>
+                    <a:lnB>
+                      <a:noFill/>
+                    </a:lnB>
+                  </a:tcPr>
+                </a:tc>
+                <a:tc>
+                  <a:txBody>
+                    <a:bodyPr/>
+                    <a:lstStyle/>
+                    <a:p>
+                      <a:r>
+                        <a:rPr lang="en-US" altLang="zh-CN" sz="1300" dirty="0"/>
+                        <a:t>(2)</a:t>
+                      </a:r>
+                    </a:p>
+                  </a:txBody>
+                  <a:tcPr marL="66054" marR="66054" marT="33027" marB="33027" anchor="ctr">
+                    <a:lnL>
+                      <a:noFill/>
+                    </a:lnL>
+                    <a:lnR>
+                      <a:noFill/>
+                    </a:lnR>
+                    <a:lnT>
+                      <a:noFill/>
+                    </a:lnT>
+                    <a:lnB>
+                      <a:noFill/>
+                    </a:lnB>
+                  </a:tcPr>
+                </a:tc>
+                <a:tc>
+                  <a:txBody>
+                    <a:bodyPr/>
+                    <a:lstStyle/>
+                    <a:p>
+                      <a:r>
+                        <a:rPr lang="zh-CN" altLang="en-US" sz="1300"/>
+                        <a:t> </a:t>
+                      </a:r>
+                    </a:p>
+                  </a:txBody>
+                  <a:tcPr marL="66054" marR="66054" marT="33027" marB="33027" anchor="ctr">
+                    <a:lnL>
+                      <a:noFill/>
+                    </a:lnL>
+                    <a:lnR>
+                      <a:noFill/>
+                    </a:lnR>
+                    <a:lnT>
+                      <a:noFill/>
+                    </a:lnT>
+                    <a:lnB>
+                      <a:noFill/>
+                    </a:lnB>
+                  </a:tcPr>
+                </a:tc>
+                <a:extLst>
+                  <a:ext uri="{0D108BD9-81ED-4DB2-BD59-A6C34878D82A}">
+                    <a16:rowId xmlns:a16="http://schemas.microsoft.com/office/drawing/2014/main" val="3292222343"/>
+                  </a:ext>
+                </a:extLst>
+              </a:tr>
+              <a:tr h="322927">
+                <a:tc>
+                  <a:txBody>
+                    <a:bodyPr/>
+                    <a:lstStyle/>
+                    <a:p>
+                      <a:r>
+                        <a:rPr lang="en-US" sz="1300" b="1" dirty="0"/>
+                        <a:t>[</a:t>
+                      </a:r>
+                      <a:r>
+                        <a:rPr lang="en-US" sz="1300" dirty="0"/>
+                        <a:t> capture </a:t>
+                      </a:r>
+                      <a:r>
+                        <a:rPr lang="en-US" sz="1300" b="1" dirty="0"/>
+                        <a:t>]</a:t>
+                      </a:r>
+                      <a:r>
+                        <a:rPr lang="en-US" sz="1300" dirty="0"/>
+                        <a:t> </a:t>
+                      </a:r>
+                      <a:r>
+                        <a:rPr lang="en-US" sz="1300" b="1" dirty="0"/>
+                        <a:t>(</a:t>
+                      </a:r>
+                      <a:r>
+                        <a:rPr lang="en-US" sz="1300" dirty="0"/>
+                        <a:t> </a:t>
+                      </a:r>
+                      <a:r>
+                        <a:rPr lang="en-US" sz="1300" dirty="0" err="1"/>
+                        <a:t>params</a:t>
+                      </a:r>
+                      <a:r>
+                        <a:rPr lang="en-US" sz="1300" dirty="0"/>
+                        <a:t> </a:t>
+                      </a:r>
+                      <a:r>
+                        <a:rPr lang="en-US" sz="1300" b="1" dirty="0"/>
+                        <a:t>)</a:t>
+                      </a:r>
+                      <a:r>
+                        <a:rPr lang="en-US" sz="1300" dirty="0"/>
+                        <a:t> </a:t>
+                      </a:r>
+                      <a:r>
+                        <a:rPr lang="en-US" sz="1300" b="1" dirty="0"/>
+                        <a:t>{</a:t>
+                      </a:r>
+                      <a:r>
+                        <a:rPr lang="en-US" sz="1300" dirty="0"/>
+                        <a:t> body </a:t>
+                      </a:r>
+                      <a:r>
+                        <a:rPr lang="en-US" sz="1300" b="1" dirty="0"/>
+                        <a:t>}</a:t>
+                      </a:r>
+                      <a:endParaRPr lang="en-US" sz="1300" dirty="0"/>
+                    </a:p>
+                  </a:txBody>
+                  <a:tcPr marL="66054" marR="66054" marT="33027" marB="33027" anchor="ctr">
+                    <a:lnL>
+                      <a:noFill/>
+                    </a:lnL>
+                    <a:lnR>
+                      <a:noFill/>
+                    </a:lnR>
+                    <a:lnT>
+                      <a:noFill/>
+                    </a:lnT>
+                    <a:lnB>
+                      <a:noFill/>
+                    </a:lnB>
+                  </a:tcPr>
+                </a:tc>
+                <a:tc>
+                  <a:txBody>
+                    <a:bodyPr/>
+                    <a:lstStyle/>
+                    <a:p>
+                      <a:r>
+                        <a:rPr lang="en-US" altLang="zh-CN" sz="1300" dirty="0"/>
+                        <a:t>(3)</a:t>
+                      </a:r>
+                    </a:p>
+                  </a:txBody>
+                  <a:tcPr marL="66054" marR="66054" marT="33027" marB="33027" anchor="ctr">
+                    <a:lnL>
+                      <a:noFill/>
+                    </a:lnL>
+                    <a:lnR>
+                      <a:noFill/>
+                    </a:lnR>
+                    <a:lnT>
+                      <a:noFill/>
+                    </a:lnT>
+                    <a:lnB>
+                      <a:noFill/>
+                    </a:lnB>
+                  </a:tcPr>
+                </a:tc>
+                <a:tc>
+                  <a:txBody>
+                    <a:bodyPr/>
+                    <a:lstStyle/>
+                    <a:p>
+                      <a:r>
+                        <a:rPr lang="zh-CN" altLang="en-US" sz="1300"/>
+                        <a:t> </a:t>
+                      </a:r>
+                    </a:p>
+                  </a:txBody>
+                  <a:tcPr marL="66054" marR="66054" marT="33027" marB="33027" anchor="ctr">
+                    <a:lnL>
+                      <a:noFill/>
+                    </a:lnL>
+                    <a:lnR>
+                      <a:noFill/>
+                    </a:lnR>
+                    <a:lnT>
+                      <a:noFill/>
+                    </a:lnT>
+                    <a:lnB>
+                      <a:noFill/>
+                    </a:lnB>
+                  </a:tcPr>
+                </a:tc>
+                <a:extLst>
+                  <a:ext uri="{0D108BD9-81ED-4DB2-BD59-A6C34878D82A}">
+                    <a16:rowId xmlns:a16="http://schemas.microsoft.com/office/drawing/2014/main" val="1561118859"/>
+                  </a:ext>
+                </a:extLst>
+              </a:tr>
+              <a:tr h="322927">
+                <a:tc>
+                  <a:txBody>
+                    <a:bodyPr/>
+                    <a:lstStyle/>
+                    <a:p>
+                      <a:r>
+                        <a:rPr lang="en-US" sz="1300" b="1"/>
+                        <a:t>[</a:t>
+                      </a:r>
+                      <a:r>
+                        <a:rPr lang="en-US" sz="1300"/>
+                        <a:t> capture </a:t>
+                      </a:r>
+                      <a:r>
+                        <a:rPr lang="en-US" sz="1300" b="1"/>
+                        <a:t>]</a:t>
+                      </a:r>
+                      <a:r>
+                        <a:rPr lang="en-US" sz="1300"/>
+                        <a:t> </a:t>
+                      </a:r>
+                      <a:r>
+                        <a:rPr lang="en-US" sz="1300" b="1"/>
+                        <a:t>{</a:t>
+                      </a:r>
+                      <a:r>
+                        <a:rPr lang="en-US" sz="1300"/>
+                        <a:t> body </a:t>
+                      </a:r>
+                      <a:r>
+                        <a:rPr lang="en-US" sz="1300" b="1"/>
+                        <a:t>}</a:t>
+                      </a:r>
+                      <a:endParaRPr lang="en-US" sz="1300"/>
+                    </a:p>
+                  </a:txBody>
+                  <a:tcPr marL="66054" marR="66054" marT="33027" marB="33027" anchor="ctr">
+                    <a:lnL>
+                      <a:noFill/>
+                    </a:lnL>
+                    <a:lnR>
+                      <a:noFill/>
+                    </a:lnR>
+                    <a:lnT>
+                      <a:noFill/>
+                    </a:lnT>
+                    <a:lnB>
+                      <a:noFill/>
+                    </a:lnB>
+                  </a:tcPr>
+                </a:tc>
+                <a:tc>
+                  <a:txBody>
+                    <a:bodyPr/>
+                    <a:lstStyle/>
+                    <a:p>
+                      <a:endParaRPr lang="zh-CN" altLang="en-US" sz="1300"/>
+                    </a:p>
+                  </a:txBody>
+                  <a:tcPr marL="66054" marR="66054" marT="33027" marB="33027">
+                    <a:lnL>
+                      <a:noFill/>
+                    </a:lnL>
+                    <a:lnT>
+                      <a:noFill/>
+                    </a:lnT>
+                  </a:tcPr>
+                </a:tc>
+                <a:tc>
+                  <a:txBody>
+                    <a:bodyPr/>
+                    <a:lstStyle/>
+                    <a:p>
+                      <a:endParaRPr lang="zh-CN" altLang="en-US" sz="1300" dirty="0"/>
+                    </a:p>
+                  </a:txBody>
+                  <a:tcPr marL="66054" marR="66054" marT="33027" marB="33027">
+                    <a:lnT>
+                      <a:noFill/>
+                    </a:lnT>
+                  </a:tcPr>
+                </a:tc>
+                <a:extLst>
+                  <a:ext uri="{0D108BD9-81ED-4DB2-BD59-A6C34878D82A}">
+                    <a16:rowId xmlns:a16="http://schemas.microsoft.com/office/drawing/2014/main" val="1139228729"/>
+                  </a:ext>
+                </a:extLst>
+              </a:tr>
+            </a:tbl>
+          </a:graphicData>
+        </a:graphic>
+      </p:graphicFrame>
+    </p:spTree>
+    <p:extLst>
+      <p:ext uri="{BB962C8B-B14F-4D97-AF65-F5344CB8AC3E}">
+        <p14:creationId xmlns:p14="http://schemas.microsoft.com/office/powerpoint/2010/main" val="574571740"/>
       </p:ext>
     </p:extLst>
   </p:cSld>

--- a/c++11.pptx
+++ b/c++11.pptx
@@ -12,6 +12,8 @@
     <p:sldId id="260" r:id="rId6"/>
     <p:sldId id="261" r:id="rId7"/>
     <p:sldId id="262" r:id="rId8"/>
+    <p:sldId id="263" r:id="rId9"/>
+    <p:sldId id="264" r:id="rId10"/>
   </p:sldIdLst>
   <p:sldSz cx="12192000" cy="6858000"/>
   <p:notesSz cx="6858000" cy="9144000"/>
@@ -3766,7 +3768,7 @@
               <a:t>std</a:t>
             </a:r>
             <a:r>
-              <a:rPr lang="en-US" altLang="zh-CN" smtClean="0"/>
+              <a:rPr lang="en-US" altLang="zh-CN" dirty="0" smtClean="0"/>
               <a:t>::bind</a:t>
             </a:r>
             <a:endParaRPr lang="zh-CN" altLang="en-US" dirty="0"/>
@@ -4727,6 +4729,333 @@
     <p:extLst>
       <p:ext uri="{BB962C8B-B14F-4D97-AF65-F5344CB8AC3E}">
         <p14:creationId xmlns:p14="http://schemas.microsoft.com/office/powerpoint/2010/main" val="574571740"/>
+      </p:ext>
+    </p:extLst>
+  </p:cSld>
+  <p:clrMapOvr>
+    <a:masterClrMapping/>
+  </p:clrMapOvr>
+</p:sld>
+</file>
+
+<file path=ppt/slides/slide8.xml><?xml version="1.0" encoding="utf-8"?>
+<p:sld xmlns:a="http://schemas.openxmlformats.org/drawingml/2006/main" xmlns:r="http://schemas.openxmlformats.org/officeDocument/2006/relationships" xmlns:p="http://schemas.openxmlformats.org/presentationml/2006/main">
+  <p:cSld>
+    <p:spTree>
+      <p:nvGrpSpPr>
+        <p:cNvPr id="1" name=""/>
+        <p:cNvGrpSpPr/>
+        <p:nvPr/>
+      </p:nvGrpSpPr>
+      <p:grpSpPr>
+        <a:xfrm>
+          <a:off x="0" y="0"/>
+          <a:ext cx="0" cy="0"/>
+          <a:chOff x="0" y="0"/>
+          <a:chExt cx="0" cy="0"/>
+        </a:xfrm>
+      </p:grpSpPr>
+      <p:sp>
+        <p:nvSpPr>
+          <p:cNvPr id="2" name="标题 1"/>
+          <p:cNvSpPr>
+            <a:spLocks noGrp="1"/>
+          </p:cNvSpPr>
+          <p:nvPr>
+            <p:ph type="title"/>
+          </p:nvPr>
+        </p:nvSpPr>
+        <p:spPr/>
+        <p:txBody>
+          <a:bodyPr/>
+          <a:lstStyle/>
+          <a:p>
+            <a:r>
+              <a:rPr lang="en-US" altLang="zh-CN" dirty="0" smtClean="0"/>
+              <a:t>Thread</a:t>
+            </a:r>
+            <a:endParaRPr lang="zh-CN" altLang="en-US" dirty="0"/>
+          </a:p>
+        </p:txBody>
+      </p:sp>
+      <p:sp>
+        <p:nvSpPr>
+          <p:cNvPr id="3" name="内容占位符 2"/>
+          <p:cNvSpPr>
+            <a:spLocks noGrp="1"/>
+          </p:cNvSpPr>
+          <p:nvPr>
+            <p:ph idx="1"/>
+          </p:nvPr>
+        </p:nvSpPr>
+        <p:spPr/>
+        <p:txBody>
+          <a:bodyPr/>
+          <a:lstStyle/>
+          <a:p>
+            <a:endParaRPr lang="zh-CN" altLang="en-US" dirty="0"/>
+          </a:p>
+        </p:txBody>
+      </p:sp>
+    </p:spTree>
+    <p:extLst>
+      <p:ext uri="{BB962C8B-B14F-4D97-AF65-F5344CB8AC3E}">
+        <p14:creationId xmlns:p14="http://schemas.microsoft.com/office/powerpoint/2010/main" val="1191166952"/>
+      </p:ext>
+    </p:extLst>
+  </p:cSld>
+  <p:clrMapOvr>
+    <a:masterClrMapping/>
+  </p:clrMapOvr>
+</p:sld>
+</file>
+
+<file path=ppt/slides/slide9.xml><?xml version="1.0" encoding="utf-8"?>
+<p:sld xmlns:a="http://schemas.openxmlformats.org/drawingml/2006/main" xmlns:r="http://schemas.openxmlformats.org/officeDocument/2006/relationships" xmlns:p="http://schemas.openxmlformats.org/presentationml/2006/main">
+  <p:cSld>
+    <p:spTree>
+      <p:nvGrpSpPr>
+        <p:cNvPr id="1" name=""/>
+        <p:cNvGrpSpPr/>
+        <p:nvPr/>
+      </p:nvGrpSpPr>
+      <p:grpSpPr>
+        <a:xfrm>
+          <a:off x="0" y="0"/>
+          <a:ext cx="0" cy="0"/>
+          <a:chOff x="0" y="0"/>
+          <a:chExt cx="0" cy="0"/>
+        </a:xfrm>
+      </p:grpSpPr>
+      <p:sp>
+        <p:nvSpPr>
+          <p:cNvPr id="2" name="标题 1"/>
+          <p:cNvSpPr>
+            <a:spLocks noGrp="1"/>
+          </p:cNvSpPr>
+          <p:nvPr>
+            <p:ph type="title"/>
+          </p:nvPr>
+        </p:nvSpPr>
+        <p:spPr/>
+        <p:txBody>
+          <a:bodyPr/>
+          <a:lstStyle/>
+          <a:p>
+            <a:r>
+              <a:rPr lang="zh-CN" altLang="en-US" dirty="0" smtClean="0"/>
+              <a:t>左值、右值</a:t>
+            </a:r>
+            <a:endParaRPr lang="zh-CN" altLang="en-US" dirty="0"/>
+          </a:p>
+        </p:txBody>
+      </p:sp>
+      <p:sp>
+        <p:nvSpPr>
+          <p:cNvPr id="3" name="内容占位符 2"/>
+          <p:cNvSpPr>
+            <a:spLocks noGrp="1"/>
+          </p:cNvSpPr>
+          <p:nvPr>
+            <p:ph idx="1"/>
+          </p:nvPr>
+        </p:nvSpPr>
+        <p:spPr/>
+        <p:txBody>
+          <a:bodyPr>
+            <a:normAutofit fontScale="92500" lnSpcReduction="20000"/>
+          </a:bodyPr>
+          <a:lstStyle/>
+          <a:p>
+            <a:r>
+              <a:rPr lang="zh-CN" altLang="en-US" b="1" dirty="0"/>
+              <a:t>左值、右值</a:t>
+            </a:r>
+          </a:p>
+          <a:p>
+            <a:r>
+              <a:rPr lang="zh-CN" altLang="en-US" dirty="0"/>
+              <a:t>在</a:t>
+            </a:r>
+            <a:r>
+              <a:rPr lang="en-US" altLang="zh-CN" b="1" dirty="0">
+                <a:hlinkClick r:id="rId2" tooltip="C++知识库"/>
+              </a:rPr>
+              <a:t>C++</a:t>
+            </a:r>
+            <a:r>
+              <a:rPr lang="en-US" altLang="zh-CN" dirty="0"/>
+              <a:t>11</a:t>
+            </a:r>
+            <a:r>
+              <a:rPr lang="zh-CN" altLang="en-US" dirty="0"/>
+              <a:t>中所有的值必属于左值、右值两者之一，右值又可以细分为纯右值、将亡值。在</a:t>
+            </a:r>
+            <a:r>
+              <a:rPr lang="en-US" altLang="zh-CN" b="1" dirty="0" err="1">
+                <a:hlinkClick r:id="rId2" tooltip="C++知识库"/>
+              </a:rPr>
+              <a:t>c++</a:t>
+            </a:r>
+            <a:r>
+              <a:rPr lang="en-US" altLang="zh-CN" dirty="0"/>
+              <a:t>11</a:t>
+            </a:r>
+            <a:r>
+              <a:rPr lang="zh-CN" altLang="en-US" dirty="0"/>
+              <a:t>中可以取地址的、有名字的就是左值，反之，不能取地址的、没有名字的就是右值（将亡值或纯右值）。举个例子，</a:t>
+            </a:r>
+            <a:r>
+              <a:rPr lang="en-US" altLang="zh-CN" dirty="0" err="1"/>
+              <a:t>int</a:t>
+            </a:r>
+            <a:r>
+              <a:rPr lang="en-US" altLang="zh-CN" dirty="0"/>
+              <a:t> a = </a:t>
+            </a:r>
+            <a:r>
+              <a:rPr lang="en-US" altLang="zh-CN" dirty="0" err="1"/>
+              <a:t>b+c</a:t>
+            </a:r>
+            <a:r>
+              <a:rPr lang="en-US" altLang="zh-CN" dirty="0"/>
+              <a:t>, a </a:t>
+            </a:r>
+            <a:r>
+              <a:rPr lang="zh-CN" altLang="en-US" dirty="0"/>
+              <a:t>就是左值，其有变量名为</a:t>
+            </a:r>
+            <a:r>
+              <a:rPr lang="en-US" altLang="zh-CN" dirty="0"/>
+              <a:t>a</a:t>
+            </a:r>
+            <a:r>
+              <a:rPr lang="zh-CN" altLang="en-US" dirty="0"/>
+              <a:t>，通过</a:t>
+            </a:r>
+            <a:r>
+              <a:rPr lang="en-US" altLang="zh-CN" dirty="0"/>
+              <a:t>&amp;a</a:t>
+            </a:r>
+            <a:r>
+              <a:rPr lang="zh-CN" altLang="en-US" dirty="0"/>
+              <a:t>可以获取该变量的地址；表达式</a:t>
+            </a:r>
+            <a:r>
+              <a:rPr lang="en-US" altLang="zh-CN" dirty="0" err="1"/>
+              <a:t>b+c</a:t>
+            </a:r>
+            <a:r>
+              <a:rPr lang="zh-CN" altLang="en-US" dirty="0"/>
+              <a:t>、函数</a:t>
+            </a:r>
+            <a:r>
+              <a:rPr lang="en-US" altLang="zh-CN" dirty="0" err="1"/>
+              <a:t>int</a:t>
+            </a:r>
+            <a:r>
+              <a:rPr lang="en-US" altLang="zh-CN" dirty="0"/>
+              <a:t> </a:t>
+            </a:r>
+            <a:r>
+              <a:rPr lang="en-US" altLang="zh-CN" dirty="0" err="1"/>
+              <a:t>func</a:t>
+            </a:r>
+            <a:r>
+              <a:rPr lang="en-US" altLang="zh-CN" dirty="0"/>
+              <a:t>()</a:t>
+            </a:r>
+            <a:r>
+              <a:rPr lang="zh-CN" altLang="en-US" dirty="0"/>
+              <a:t>的返回值是右值，在其被赋值给某一变量前，我们不能通过变量名找到它，＆</a:t>
+            </a:r>
+            <a:r>
+              <a:rPr lang="en-US" altLang="zh-CN" dirty="0"/>
+              <a:t>(</a:t>
+            </a:r>
+            <a:r>
+              <a:rPr lang="en-US" altLang="zh-CN" dirty="0" err="1"/>
+              <a:t>b+c</a:t>
+            </a:r>
+            <a:r>
+              <a:rPr lang="en-US" altLang="zh-CN" dirty="0"/>
+              <a:t>)</a:t>
+            </a:r>
+            <a:r>
+              <a:rPr lang="zh-CN" altLang="en-US" dirty="0"/>
+              <a:t>这样的操作则不会通过编译</a:t>
+            </a:r>
+            <a:r>
+              <a:rPr lang="zh-CN" altLang="en-US" dirty="0" smtClean="0"/>
+              <a:t>。</a:t>
+            </a:r>
+            <a:endParaRPr lang="en-US" altLang="zh-CN" dirty="0" smtClean="0"/>
+          </a:p>
+          <a:p>
+            <a:r>
+              <a:rPr lang="zh-CN" altLang="en-US" dirty="0"/>
+              <a:t>可以看出，传入不同类型的值，编译器自动识别调用了不同的函数。 </a:t>
+            </a:r>
+            <a:br>
+              <a:rPr lang="zh-CN" altLang="en-US" dirty="0"/>
+            </a:br>
+            <a:r>
+              <a:rPr lang="zh-CN" altLang="en-US" dirty="0"/>
+              <a:t>右值引用是用来支持转移语义的。转移语义可以将资源 </a:t>
+            </a:r>
+            <a:r>
+              <a:rPr lang="en-US" altLang="zh-CN" dirty="0"/>
+              <a:t>( </a:t>
+            </a:r>
+            <a:r>
+              <a:rPr lang="zh-CN" altLang="en-US" dirty="0"/>
+              <a:t>堆，系统对象等 </a:t>
+            </a:r>
+            <a:r>
+              <a:rPr lang="en-US" altLang="zh-CN" dirty="0"/>
+              <a:t>) </a:t>
+            </a:r>
+            <a:r>
+              <a:rPr lang="zh-CN" altLang="en-US" dirty="0"/>
+              <a:t>从一个对象转移到另一个对象，这样能够减少不必要的临时对象的创建、拷贝以及销毁，能够大幅度提高 </a:t>
+            </a:r>
+            <a:r>
+              <a:rPr lang="en-US" altLang="zh-CN" dirty="0"/>
+              <a:t>C++ </a:t>
+            </a:r>
+            <a:r>
+              <a:rPr lang="zh-CN" altLang="en-US" dirty="0"/>
+              <a:t>应用程序的性能。临时对象的维护 </a:t>
+            </a:r>
+            <a:r>
+              <a:rPr lang="en-US" altLang="zh-CN" dirty="0"/>
+              <a:t>( </a:t>
+            </a:r>
+            <a:r>
+              <a:rPr lang="zh-CN" altLang="en-US" dirty="0"/>
+              <a:t>创建和销毁 </a:t>
+            </a:r>
+            <a:r>
+              <a:rPr lang="en-US" altLang="zh-CN" dirty="0"/>
+              <a:t>) </a:t>
+            </a:r>
+            <a:r>
+              <a:rPr lang="zh-CN" altLang="en-US" dirty="0"/>
+              <a:t>对性能有严重影响。</a:t>
+            </a:r>
+          </a:p>
+          <a:p>
+            <a:pPr marL="0" indent="0">
+              <a:buNone/>
+            </a:pPr>
+            <a:endParaRPr lang="zh-CN" altLang="en-US" dirty="0"/>
+          </a:p>
+        </p:txBody>
+      </p:sp>
+    </p:spTree>
+    <p:extLst>
+      <p:ext uri="{BB962C8B-B14F-4D97-AF65-F5344CB8AC3E}">
+        <p14:creationId xmlns:p14="http://schemas.microsoft.com/office/powerpoint/2010/main" val="1489405188"/>
       </p:ext>
     </p:extLst>
   </p:cSld>

--- a/c++11.pptx
+++ b/c++11.pptx
@@ -5,17 +5,18 @@
     <p:sldMasterId id="2147483660" r:id="rId1"/>
   </p:sldMasterIdLst>
   <p:notesMasterIdLst>
-    <p:notesMasterId r:id="rId10"/>
+    <p:notesMasterId r:id="rId11"/>
   </p:notesMasterIdLst>
   <p:sldIdLst>
     <p:sldId id="256" r:id="rId2"/>
     <p:sldId id="260" r:id="rId3"/>
     <p:sldId id="261" r:id="rId4"/>
     <p:sldId id="262" r:id="rId5"/>
-    <p:sldId id="263" r:id="rId6"/>
-    <p:sldId id="264" r:id="rId7"/>
-    <p:sldId id="265" r:id="rId8"/>
-    <p:sldId id="259" r:id="rId9"/>
+    <p:sldId id="265" r:id="rId6"/>
+    <p:sldId id="263" r:id="rId7"/>
+    <p:sldId id="264" r:id="rId8"/>
+    <p:sldId id="266" r:id="rId9"/>
+    <p:sldId id="259" r:id="rId10"/>
   </p:sldIdLst>
   <p:sldSz cx="9144000" cy="6858000" type="screen4x3"/>
   <p:notesSz cx="6858000" cy="9144000"/>
@@ -8584,7 +8585,6 @@
               <a:rPr lang="zh-CN" altLang="en-US" dirty="0"/>
               <a:t>新特性</a:t>
             </a:r>
-            <a:endParaRPr lang="zh-CN" altLang="en-US" dirty="0"/>
           </a:p>
         </p:txBody>
       </p:sp>
@@ -8644,7 +8644,6 @@
               <a:rPr lang="zh-CN" altLang="en-US" dirty="0"/>
               <a:t>关键字</a:t>
             </a:r>
-            <a:endParaRPr lang="zh-CN" altLang="en-US" dirty="0"/>
           </a:p>
         </p:txBody>
       </p:sp>
@@ -9169,7 +9168,6 @@
               <a:rPr lang="zh-CN" altLang="en-US" dirty="0"/>
               <a:t>异常</a:t>
             </a:r>
-            <a:endParaRPr lang="zh-CN" altLang="en-US" dirty="0"/>
           </a:p>
         </p:txBody>
       </p:sp>
@@ -9764,7 +9762,6 @@
               <a:rPr lang="zh-CN" altLang="en-US" dirty="0"/>
               <a:t>初始化</a:t>
             </a:r>
-            <a:endParaRPr lang="zh-CN" altLang="en-US" dirty="0"/>
           </a:p>
         </p:txBody>
       </p:sp>
@@ -10370,30 +10367,9 @@
           <a:lstStyle/>
           <a:p>
             <a:r>
-              <a:rPr lang="en-US" altLang="zh-CN" dirty="0" err="1"/>
-              <a:t>Lamda</a:t>
-            </a:r>
-            <a:r>
-              <a:rPr lang="en-US" altLang="zh-CN" dirty="0"/>
-              <a:t>  </a:t>
-            </a:r>
-            <a:r>
-              <a:rPr lang="en-US" altLang="zh-CN" dirty="0" err="1"/>
-              <a:t>std</a:t>
-            </a:r>
-            <a:r>
-              <a:rPr lang="en-US" altLang="zh-CN" dirty="0"/>
-              <a:t>::function </a:t>
-            </a:r>
-            <a:r>
-              <a:rPr lang="en-US" altLang="zh-CN" dirty="0" err="1"/>
-              <a:t>std</a:t>
-            </a:r>
-            <a:r>
-              <a:rPr lang="en-US" altLang="zh-CN" dirty="0"/>
-              <a:t>::bind</a:t>
-            </a:r>
-            <a:endParaRPr lang="zh-CN" altLang="en-US" dirty="0"/>
+              <a:rPr lang="zh-CN" altLang="en-US" dirty="0"/>
+              <a:t>左值、右值</a:t>
+            </a:r>
           </a:p>
         </p:txBody>
       </p:sp>
@@ -10412,304 +10388,188 @@
           <a:bodyPr/>
           <a:lstStyle/>
           <a:p>
-            <a:pPr fontAlgn="ctr"/>
-            <a:r>
-              <a:rPr lang="en-US" altLang="zh-CN" dirty="0" err="1" smtClean="0"/>
-              <a:t>Lamda</a:t>
-            </a:r>
-            <a:r>
-              <a:rPr lang="en-US" altLang="zh-CN" dirty="0" smtClean="0"/>
-              <a:t> </a:t>
-            </a:r>
-            <a:r>
-              <a:rPr lang="zh-CN" altLang="en-US" dirty="0" smtClean="0"/>
-              <a:t>是</a:t>
-            </a:r>
-            <a:r>
-              <a:rPr lang="zh-CN" altLang="en-US" dirty="0"/>
-              <a:t>一个匿名函数，即没有函数名的函数。</a:t>
-            </a:r>
-            <a:endParaRPr lang="en-US" altLang="zh-CN" b="1" dirty="0" smtClean="0"/>
+            <a:r>
+              <a:rPr lang="zh-CN" altLang="en-US" b="1" dirty="0"/>
+              <a:t>左值、右值</a:t>
+            </a:r>
           </a:p>
           <a:p>
-            <a:pPr fontAlgn="ctr"/>
+            <a:r>
+              <a:rPr lang="zh-CN" altLang="en-US" dirty="0"/>
+              <a:t>在</a:t>
+            </a:r>
+            <a:r>
+              <a:rPr lang="en-US" altLang="zh-CN" b="1" dirty="0">
+                <a:hlinkClick r:id="rId2" tooltip="C++知识库"/>
+              </a:rPr>
+              <a:t>C++</a:t>
+            </a:r>
+            <a:r>
+              <a:rPr lang="en-US" altLang="zh-CN" dirty="0"/>
+              <a:t>11</a:t>
+            </a:r>
+            <a:r>
+              <a:rPr lang="zh-CN" altLang="en-US" dirty="0"/>
+              <a:t>中所有的值必属于左值、右值两者之一，右值又可以细分为纯右值、将亡值。在</a:t>
+            </a:r>
+            <a:r>
+              <a:rPr lang="en-US" altLang="zh-CN" b="1" dirty="0" err="1">
+                <a:hlinkClick r:id="rId2" tooltip="C++知识库"/>
+              </a:rPr>
+              <a:t>c++</a:t>
+            </a:r>
+            <a:r>
+              <a:rPr lang="en-US" altLang="zh-CN" dirty="0"/>
+              <a:t>11</a:t>
+            </a:r>
+            <a:r>
+              <a:rPr lang="zh-CN" altLang="en-US" dirty="0"/>
+              <a:t>中可以取地址的、有名字的就是左值，反之，不能取地址的、没有名字的就是右值（将亡值或纯右值）。举个例子，</a:t>
+            </a:r>
             <a:r>
               <a:rPr lang="en-US" altLang="zh-CN" dirty="0" err="1"/>
-              <a:t>Lamda</a:t>
+              <a:t>int</a:t>
+            </a:r>
+            <a:r>
+              <a:rPr lang="en-US" altLang="zh-CN" dirty="0"/>
+              <a:t> a = </a:t>
+            </a:r>
+            <a:r>
+              <a:rPr lang="en-US" altLang="zh-CN" dirty="0" err="1"/>
+              <a:t>b+c</a:t>
+            </a:r>
+            <a:r>
+              <a:rPr lang="en-US" altLang="zh-CN" dirty="0"/>
+              <a:t>, a </a:t>
+            </a:r>
+            <a:r>
+              <a:rPr lang="zh-CN" altLang="en-US" dirty="0"/>
+              <a:t>就是左值，其有变量名为</a:t>
+            </a:r>
+            <a:r>
+              <a:rPr lang="en-US" altLang="zh-CN" dirty="0"/>
+              <a:t>a</a:t>
+            </a:r>
+            <a:r>
+              <a:rPr lang="zh-CN" altLang="en-US" dirty="0"/>
+              <a:t>，通过</a:t>
+            </a:r>
+            <a:r>
+              <a:rPr lang="en-US" altLang="zh-CN" dirty="0"/>
+              <a:t>&amp;a</a:t>
+            </a:r>
+            <a:r>
+              <a:rPr lang="zh-CN" altLang="en-US" dirty="0"/>
+              <a:t>可以获取该变量的地址；表达式</a:t>
+            </a:r>
+            <a:r>
+              <a:rPr lang="en-US" altLang="zh-CN" dirty="0" err="1"/>
+              <a:t>b+c</a:t>
+            </a:r>
+            <a:r>
+              <a:rPr lang="zh-CN" altLang="en-US" dirty="0"/>
+              <a:t>、函数</a:t>
+            </a:r>
+            <a:r>
+              <a:rPr lang="en-US" altLang="zh-CN" dirty="0" err="1"/>
+              <a:t>int</a:t>
             </a:r>
             <a:r>
               <a:rPr lang="en-US" altLang="zh-CN" dirty="0"/>
               <a:t> </a:t>
             </a:r>
             <a:r>
+              <a:rPr lang="en-US" altLang="zh-CN" dirty="0" err="1"/>
+              <a:t>func</a:t>
+            </a:r>
+            <a:r>
+              <a:rPr lang="en-US" altLang="zh-CN" dirty="0"/>
+              <a:t>()</a:t>
+            </a:r>
+            <a:r>
               <a:rPr lang="zh-CN" altLang="en-US" dirty="0"/>
-              <a:t>语法</a:t>
-            </a:r>
-            <a:r>
-              <a:rPr lang="zh-CN" altLang="en-US" dirty="0" smtClean="0"/>
-              <a:t>类型：</a:t>
+              <a:t>的返回值是右值，在其被赋值给某一变量前，我们不能通过变量名找到它，＆</a:t>
+            </a:r>
+            <a:r>
+              <a:rPr lang="en-US" altLang="zh-CN" dirty="0"/>
+              <a:t>(</a:t>
+            </a:r>
+            <a:r>
+              <a:rPr lang="en-US" altLang="zh-CN" dirty="0" err="1"/>
+              <a:t>b+c</a:t>
+            </a:r>
+            <a:r>
+              <a:rPr lang="en-US" altLang="zh-CN" dirty="0"/>
+              <a:t>)</a:t>
+            </a:r>
+            <a:r>
+              <a:rPr lang="zh-CN" altLang="en-US" dirty="0"/>
+              <a:t>这样的操作则不会通过编译。</a:t>
             </a:r>
             <a:endParaRPr lang="en-US" altLang="zh-CN" dirty="0"/>
           </a:p>
           <a:p>
-            <a:pPr marL="285750" indent="-285750" fontAlgn="ctr">
-              <a:buFont typeface="Arial" panose="020B0604020202020204" pitchFamily="34" charset="0"/>
-              <a:buChar char="•"/>
-            </a:pPr>
+            <a:r>
+              <a:rPr lang="zh-CN" altLang="en-US" dirty="0"/>
+              <a:t>可以看出，传入不同类型的值，编译器自动识别调用了不同的函数。 </a:t>
+            </a:r>
+            <a:br>
+              <a:rPr lang="zh-CN" altLang="en-US" dirty="0"/>
+            </a:br>
+            <a:r>
+              <a:rPr lang="zh-CN" altLang="en-US" dirty="0"/>
+              <a:t>右值引用是用来支持转移语义的。转移语义可以将资源 </a:t>
+            </a:r>
             <a:r>
               <a:rPr lang="en-US" altLang="zh-CN" dirty="0"/>
-              <a:t>[ </a:t>
+              <a:t>( </a:t>
+            </a:r>
+            <a:r>
+              <a:rPr lang="zh-CN" altLang="en-US" dirty="0"/>
+              <a:t>堆，系统对象等 </a:t>
             </a:r>
             <a:r>
               <a:rPr lang="en-US" altLang="zh-CN" dirty="0"/>
-              <a:t>capture ] ( </a:t>
-            </a:r>
-            <a:r>
-              <a:rPr lang="en-US" altLang="zh-CN" dirty="0" err="1"/>
-              <a:t>params</a:t>
+              <a:t>) </a:t>
+            </a:r>
+            <a:r>
+              <a:rPr lang="zh-CN" altLang="en-US" dirty="0"/>
+              <a:t>从一个对象转移到另一个对象，这样能够减少不必要的临时对象的创建、拷贝以及销毁，能够大幅度提高 </a:t>
             </a:r>
             <a:r>
               <a:rPr lang="en-US" altLang="zh-CN" dirty="0"/>
-              <a:t> ) mutable exception attribute -&gt; ret { body }</a:t>
-            </a:r>
-            <a:endParaRPr lang="zh-CN" altLang="zh-CN" dirty="0"/>
+              <a:t>C++ </a:t>
+            </a:r>
+            <a:r>
+              <a:rPr lang="zh-CN" altLang="en-US" dirty="0"/>
+              <a:t>应用程序的性能。临时对象的维护 </a:t>
+            </a:r>
+            <a:r>
+              <a:rPr lang="en-US" altLang="zh-CN" dirty="0"/>
+              <a:t>( </a:t>
+            </a:r>
+            <a:r>
+              <a:rPr lang="zh-CN" altLang="en-US" dirty="0"/>
+              <a:t>创建和销毁 </a:t>
+            </a:r>
+            <a:r>
+              <a:rPr lang="en-US" altLang="zh-CN" dirty="0"/>
+              <a:t>) </a:t>
+            </a:r>
+            <a:r>
+              <a:rPr lang="zh-CN" altLang="en-US" dirty="0"/>
+              <a:t>对性能有严重影响。</a:t>
+            </a:r>
           </a:p>
           <a:p>
-            <a:pPr marL="285750" indent="-285750" fontAlgn="ctr">
-              <a:buFont typeface="Arial" panose="020B0604020202020204" pitchFamily="34" charset="0"/>
-              <a:buChar char="•"/>
-            </a:pPr>
-            <a:r>
-              <a:rPr lang="en-US" altLang="zh-CN" dirty="0"/>
-              <a:t>[ capture ] ( </a:t>
-            </a:r>
-            <a:r>
-              <a:rPr lang="en-US" altLang="zh-CN" dirty="0" err="1"/>
-              <a:t>params</a:t>
-            </a:r>
-            <a:r>
-              <a:rPr lang="en-US" altLang="zh-CN" dirty="0"/>
-              <a:t> ) -&gt; ret { body }</a:t>
-            </a:r>
-            <a:endParaRPr lang="zh-CN" altLang="zh-CN" dirty="0"/>
-          </a:p>
-          <a:p>
-            <a:pPr marL="285750" indent="-285750" fontAlgn="ctr">
-              <a:buFont typeface="Arial" panose="020B0604020202020204" pitchFamily="34" charset="0"/>
-              <a:buChar char="•"/>
-            </a:pPr>
-            <a:r>
-              <a:rPr lang="en-US" altLang="zh-CN" dirty="0"/>
-              <a:t>[ </a:t>
-            </a:r>
-            <a:r>
-              <a:rPr lang="en-US" altLang="zh-CN" dirty="0"/>
-              <a:t>capture ] ( </a:t>
-            </a:r>
-            <a:r>
-              <a:rPr lang="en-US" altLang="zh-CN" dirty="0" err="1"/>
-              <a:t>params</a:t>
-            </a:r>
-            <a:r>
-              <a:rPr lang="en-US" altLang="zh-CN" dirty="0"/>
-              <a:t> ) { body }</a:t>
-            </a:r>
-            <a:endParaRPr lang="zh-CN" altLang="zh-CN" dirty="0"/>
-          </a:p>
-          <a:p>
-            <a:pPr marL="285750" indent="-285750" fontAlgn="ctr">
-              <a:buFont typeface="Arial" panose="020B0604020202020204" pitchFamily="34" charset="0"/>
-              <a:buChar char="•"/>
-            </a:pPr>
-            <a:r>
-              <a:rPr lang="en-US" altLang="zh-CN" dirty="0"/>
-              <a:t>[ </a:t>
-            </a:r>
-            <a:r>
-              <a:rPr lang="en-US" altLang="zh-CN" dirty="0"/>
-              <a:t>capture ] { body }</a:t>
-            </a:r>
-            <a:endParaRPr lang="zh-CN" altLang="zh-CN" dirty="0"/>
-          </a:p>
-          <a:p>
-            <a:r>
-              <a:rPr lang="en-US" altLang="zh-CN" dirty="0" smtClean="0"/>
-              <a:t>Capture </a:t>
-            </a:r>
-            <a:r>
-              <a:rPr lang="zh-CN" altLang="en-US" dirty="0" smtClean="0"/>
-              <a:t>类型</a:t>
-            </a:r>
-            <a:endParaRPr lang="en-US" altLang="zh-CN" dirty="0" smtClean="0"/>
-          </a:p>
-          <a:p>
-            <a:pPr marL="285750" lvl="0" indent="-285750" eaLnBrk="0" fontAlgn="base" hangingPunct="0">
-              <a:lnSpc>
-                <a:spcPct val="100000"/>
-              </a:lnSpc>
-              <a:spcBef>
-                <a:spcPct val="0"/>
-              </a:spcBef>
-              <a:spcAft>
-                <a:spcPct val="0"/>
-              </a:spcAft>
-              <a:buFont typeface="Arial" panose="020B0604020202020204" pitchFamily="34" charset="0"/>
-              <a:buChar char="•"/>
-            </a:pPr>
-            <a:r>
-              <a:rPr lang="zh-CN" altLang="zh-CN" dirty="0"/>
-              <a:t>[a,&amp;b] </a:t>
-            </a:r>
-            <a:r>
-              <a:rPr lang="en-US" altLang="zh-CN" dirty="0" smtClean="0"/>
-              <a:t>	</a:t>
-            </a:r>
-            <a:r>
-              <a:rPr lang="zh-CN" altLang="zh-CN" dirty="0" smtClean="0"/>
-              <a:t>a</a:t>
-            </a:r>
-            <a:r>
-              <a:rPr lang="zh-CN" altLang="zh-CN" dirty="0"/>
-              <a:t>变量以值的方式呗捕获，b以引用的方式被捕获。 </a:t>
-            </a:r>
-          </a:p>
-          <a:p>
-            <a:pPr marL="285750" lvl="0" indent="-285750" eaLnBrk="0" fontAlgn="base" hangingPunct="0">
-              <a:lnSpc>
-                <a:spcPct val="100000"/>
-              </a:lnSpc>
-              <a:spcBef>
-                <a:spcPct val="0"/>
-              </a:spcBef>
-              <a:spcAft>
-                <a:spcPct val="0"/>
-              </a:spcAft>
-              <a:buFont typeface="Arial" panose="020B0604020202020204" pitchFamily="34" charset="0"/>
-              <a:buChar char="•"/>
-            </a:pPr>
-            <a:r>
-              <a:rPr lang="zh-CN" altLang="zh-CN" dirty="0"/>
-              <a:t>[</a:t>
-            </a:r>
-            <a:r>
-              <a:rPr lang="zh-CN" altLang="zh-CN" dirty="0"/>
-              <a:t>this] </a:t>
-            </a:r>
-            <a:r>
-              <a:rPr lang="en-US" altLang="zh-CN" dirty="0" smtClean="0"/>
-              <a:t>		</a:t>
-            </a:r>
-            <a:r>
-              <a:rPr lang="zh-CN" altLang="zh-CN" dirty="0" smtClean="0"/>
-              <a:t>以</a:t>
-            </a:r>
-            <a:r>
-              <a:rPr lang="zh-CN" altLang="zh-CN" dirty="0"/>
-              <a:t>值的方式捕获 this 指针。 </a:t>
-            </a:r>
-          </a:p>
-          <a:p>
-            <a:pPr marL="285750" lvl="0" indent="-285750" eaLnBrk="0" fontAlgn="base" hangingPunct="0">
-              <a:lnSpc>
-                <a:spcPct val="100000"/>
-              </a:lnSpc>
-              <a:spcBef>
-                <a:spcPct val="0"/>
-              </a:spcBef>
-              <a:spcAft>
-                <a:spcPct val="0"/>
-              </a:spcAft>
-              <a:buFont typeface="Arial" panose="020B0604020202020204" pitchFamily="34" charset="0"/>
-              <a:buChar char="•"/>
-            </a:pPr>
-            <a:r>
-              <a:rPr lang="zh-CN" altLang="zh-CN" dirty="0"/>
-              <a:t>[&amp;] </a:t>
-            </a:r>
-            <a:r>
-              <a:rPr lang="en-US" altLang="zh-CN" dirty="0" smtClean="0"/>
-              <a:t>		</a:t>
-            </a:r>
-            <a:r>
-              <a:rPr lang="zh-CN" altLang="zh-CN" dirty="0" smtClean="0"/>
-              <a:t>以</a:t>
-            </a:r>
-            <a:r>
-              <a:rPr lang="zh-CN" altLang="zh-CN" dirty="0"/>
-              <a:t>引用的方式捕获所有的外部自动变量。 </a:t>
-            </a:r>
-          </a:p>
-          <a:p>
-            <a:pPr marL="285750" lvl="0" indent="-285750" eaLnBrk="0" fontAlgn="base" hangingPunct="0">
-              <a:lnSpc>
-                <a:spcPct val="100000"/>
-              </a:lnSpc>
-              <a:spcBef>
-                <a:spcPct val="0"/>
-              </a:spcBef>
-              <a:spcAft>
-                <a:spcPct val="0"/>
-              </a:spcAft>
-              <a:buFont typeface="Arial" panose="020B0604020202020204" pitchFamily="34" charset="0"/>
-              <a:buChar char="•"/>
-            </a:pPr>
-            <a:r>
-              <a:rPr lang="zh-CN" altLang="zh-CN" dirty="0"/>
-              <a:t>[=] </a:t>
-            </a:r>
-            <a:r>
-              <a:rPr lang="en-US" altLang="zh-CN" dirty="0" smtClean="0"/>
-              <a:t>		</a:t>
-            </a:r>
-            <a:r>
-              <a:rPr lang="zh-CN" altLang="zh-CN" dirty="0" smtClean="0"/>
-              <a:t>以</a:t>
-            </a:r>
-            <a:r>
-              <a:rPr lang="zh-CN" altLang="zh-CN" dirty="0"/>
-              <a:t>值的方式捕获所有的外部自动变量。 </a:t>
-            </a:r>
-          </a:p>
-          <a:p>
-            <a:pPr marL="285750" lvl="0" indent="-285750" eaLnBrk="0" fontAlgn="base" hangingPunct="0">
-              <a:lnSpc>
-                <a:spcPct val="100000"/>
-              </a:lnSpc>
-              <a:spcBef>
-                <a:spcPct val="0"/>
-              </a:spcBef>
-              <a:spcAft>
-                <a:spcPct val="0"/>
-              </a:spcAft>
-              <a:buFont typeface="Arial" panose="020B0604020202020204" pitchFamily="34" charset="0"/>
-              <a:buChar char="•"/>
-            </a:pPr>
-            <a:r>
-              <a:rPr lang="zh-CN" altLang="zh-CN" dirty="0"/>
-              <a:t>[] </a:t>
-            </a:r>
-            <a:r>
-              <a:rPr lang="en-US" altLang="zh-CN" dirty="0" smtClean="0"/>
-              <a:t>		</a:t>
-            </a:r>
-            <a:r>
-              <a:rPr lang="zh-CN" altLang="zh-CN" dirty="0" smtClean="0"/>
-              <a:t>不</a:t>
-            </a:r>
-            <a:r>
-              <a:rPr lang="zh-CN" altLang="zh-CN" dirty="0"/>
-              <a:t>捕获外部的任何变量。 </a:t>
-            </a:r>
-          </a:p>
-          <a:p>
-            <a:endParaRPr lang="en-US" altLang="zh-CN" dirty="0" smtClean="0"/>
+            <a:endParaRPr lang="zh-CN" altLang="en-US" dirty="0"/>
           </a:p>
         </p:txBody>
       </p:sp>
     </p:spTree>
     <p:extLst>
       <p:ext uri="{BB962C8B-B14F-4D97-AF65-F5344CB8AC3E}">
-        <p14:creationId xmlns:p14="http://schemas.microsoft.com/office/powerpoint/2010/main" val="251307693"/>
+        <p14:creationId xmlns:p14="http://schemas.microsoft.com/office/powerpoint/2010/main" val="3999193295"/>
       </p:ext>
     </p:extLst>
   </p:cSld>
@@ -10752,8 +10612,28 @@
           <a:lstStyle/>
           <a:p>
             <a:r>
+              <a:rPr lang="en-US" altLang="zh-CN" dirty="0" err="1"/>
+              <a:t>Lamda</a:t>
+            </a:r>
+            <a:r>
               <a:rPr lang="en-US" altLang="zh-CN" dirty="0"/>
-              <a:t>Thread</a:t>
+              <a:t>  </a:t>
+            </a:r>
+            <a:r>
+              <a:rPr lang="en-US" altLang="zh-CN" dirty="0" err="1"/>
+              <a:t>std</a:t>
+            </a:r>
+            <a:r>
+              <a:rPr lang="en-US" altLang="zh-CN" dirty="0"/>
+              <a:t>::function </a:t>
+            </a:r>
+            <a:r>
+              <a:rPr lang="en-US" altLang="zh-CN" dirty="0" err="1"/>
+              <a:t>std</a:t>
+            </a:r>
+            <a:r>
+              <a:rPr lang="en-US" altLang="zh-CN" dirty="0"/>
+              <a:t>::bind</a:t>
             </a:r>
             <a:endParaRPr lang="zh-CN" altLang="en-US" dirty="0"/>
           </a:p>
@@ -10774,14 +10654,288 @@
           <a:bodyPr/>
           <a:lstStyle/>
           <a:p>
-            <a:endParaRPr lang="zh-CN" altLang="en-US" dirty="0"/>
+            <a:pPr fontAlgn="ctr"/>
+            <a:r>
+              <a:rPr lang="en-US" altLang="zh-CN" dirty="0" err="1" smtClean="0"/>
+              <a:t>Lamda</a:t>
+            </a:r>
+            <a:r>
+              <a:rPr lang="en-US" altLang="zh-CN" dirty="0" smtClean="0"/>
+              <a:t> </a:t>
+            </a:r>
+            <a:r>
+              <a:rPr lang="zh-CN" altLang="en-US" dirty="0" smtClean="0"/>
+              <a:t>是</a:t>
+            </a:r>
+            <a:r>
+              <a:rPr lang="zh-CN" altLang="en-US" dirty="0"/>
+              <a:t>一个匿名函数，即没有函数名的函数。</a:t>
+            </a:r>
+            <a:endParaRPr lang="en-US" altLang="zh-CN" b="1" dirty="0" smtClean="0"/>
+          </a:p>
+          <a:p>
+            <a:pPr fontAlgn="ctr"/>
+            <a:r>
+              <a:rPr lang="en-US" altLang="zh-CN" dirty="0" err="1"/>
+              <a:t>Lamda</a:t>
+            </a:r>
+            <a:r>
+              <a:rPr lang="en-US" altLang="zh-CN" dirty="0"/>
+              <a:t> </a:t>
+            </a:r>
+            <a:r>
+              <a:rPr lang="zh-CN" altLang="en-US" dirty="0"/>
+              <a:t>语法</a:t>
+            </a:r>
+            <a:r>
+              <a:rPr lang="zh-CN" altLang="en-US" dirty="0" smtClean="0"/>
+              <a:t>类型：</a:t>
+            </a:r>
+            <a:endParaRPr lang="en-US" altLang="zh-CN" dirty="0"/>
+          </a:p>
+          <a:p>
+            <a:pPr marL="285750" indent="-285750" fontAlgn="ctr">
+              <a:buFont typeface="Arial" panose="020B0604020202020204" pitchFamily="34" charset="0"/>
+              <a:buChar char="•"/>
+            </a:pPr>
+            <a:r>
+              <a:rPr lang="en-US" altLang="zh-CN" dirty="0"/>
+              <a:t>[ capture ] ( </a:t>
+            </a:r>
+            <a:r>
+              <a:rPr lang="en-US" altLang="zh-CN" dirty="0" err="1"/>
+              <a:t>params</a:t>
+            </a:r>
+            <a:r>
+              <a:rPr lang="en-US" altLang="zh-CN" dirty="0"/>
+              <a:t> ) mutable exception attribute -&gt; ret { body }</a:t>
+            </a:r>
+            <a:endParaRPr lang="zh-CN" altLang="zh-CN" dirty="0"/>
+          </a:p>
+          <a:p>
+            <a:pPr marL="285750" indent="-285750" fontAlgn="ctr">
+              <a:buFont typeface="Arial" panose="020B0604020202020204" pitchFamily="34" charset="0"/>
+              <a:buChar char="•"/>
+            </a:pPr>
+            <a:r>
+              <a:rPr lang="en-US" altLang="zh-CN" dirty="0"/>
+              <a:t>[ capture ] ( </a:t>
+            </a:r>
+            <a:r>
+              <a:rPr lang="en-US" altLang="zh-CN" dirty="0" err="1"/>
+              <a:t>params</a:t>
+            </a:r>
+            <a:r>
+              <a:rPr lang="en-US" altLang="zh-CN" dirty="0"/>
+              <a:t> ) -&gt; ret { body }</a:t>
+            </a:r>
+            <a:endParaRPr lang="zh-CN" altLang="zh-CN" dirty="0"/>
+          </a:p>
+          <a:p>
+            <a:pPr marL="285750" indent="-285750" fontAlgn="ctr">
+              <a:buFont typeface="Arial" panose="020B0604020202020204" pitchFamily="34" charset="0"/>
+              <a:buChar char="•"/>
+            </a:pPr>
+            <a:r>
+              <a:rPr lang="en-US" altLang="zh-CN" dirty="0"/>
+              <a:t>[ capture ] ( </a:t>
+            </a:r>
+            <a:r>
+              <a:rPr lang="en-US" altLang="zh-CN" dirty="0" err="1"/>
+              <a:t>params</a:t>
+            </a:r>
+            <a:r>
+              <a:rPr lang="en-US" altLang="zh-CN" dirty="0"/>
+              <a:t> ) { body }</a:t>
+            </a:r>
+            <a:endParaRPr lang="zh-CN" altLang="zh-CN" dirty="0"/>
+          </a:p>
+          <a:p>
+            <a:pPr marL="285750" indent="-285750" fontAlgn="ctr">
+              <a:buFont typeface="Arial" panose="020B0604020202020204" pitchFamily="34" charset="0"/>
+              <a:buChar char="•"/>
+            </a:pPr>
+            <a:r>
+              <a:rPr lang="en-US" altLang="zh-CN" dirty="0"/>
+              <a:t>[ capture ] { body }</a:t>
+            </a:r>
+            <a:endParaRPr lang="zh-CN" altLang="zh-CN" dirty="0"/>
+          </a:p>
+          <a:p>
+            <a:r>
+              <a:rPr lang="en-US" altLang="zh-CN" dirty="0" smtClean="0"/>
+              <a:t>Capture </a:t>
+            </a:r>
+            <a:r>
+              <a:rPr lang="zh-CN" altLang="en-US" dirty="0" smtClean="0"/>
+              <a:t>类型</a:t>
+            </a:r>
+            <a:endParaRPr lang="en-US" altLang="zh-CN" dirty="0" smtClean="0"/>
+          </a:p>
+          <a:p>
+            <a:pPr marL="285750" lvl="0" indent="-285750" eaLnBrk="0" fontAlgn="base" hangingPunct="0">
+              <a:lnSpc>
+                <a:spcPct val="100000"/>
+              </a:lnSpc>
+              <a:spcBef>
+                <a:spcPct val="0"/>
+              </a:spcBef>
+              <a:spcAft>
+                <a:spcPct val="0"/>
+              </a:spcAft>
+              <a:buFont typeface="Arial" panose="020B0604020202020204" pitchFamily="34" charset="0"/>
+              <a:buChar char="•"/>
+            </a:pPr>
+            <a:r>
+              <a:rPr lang="zh-CN" altLang="zh-CN" dirty="0"/>
+              <a:t>[a,&amp;b] </a:t>
+            </a:r>
+            <a:r>
+              <a:rPr lang="en-US" altLang="zh-CN" dirty="0" smtClean="0"/>
+              <a:t>	</a:t>
+            </a:r>
+            <a:r>
+              <a:rPr lang="zh-CN" altLang="zh-CN" dirty="0" smtClean="0"/>
+              <a:t>a</a:t>
+            </a:r>
+            <a:r>
+              <a:rPr lang="zh-CN" altLang="zh-CN" dirty="0"/>
+              <a:t>变量以值的方式呗捕获，b以引用的方式被捕获。 </a:t>
+            </a:r>
+          </a:p>
+          <a:p>
+            <a:pPr marL="285750" lvl="0" indent="-285750" eaLnBrk="0" fontAlgn="base" hangingPunct="0">
+              <a:lnSpc>
+                <a:spcPct val="100000"/>
+              </a:lnSpc>
+              <a:spcBef>
+                <a:spcPct val="0"/>
+              </a:spcBef>
+              <a:spcAft>
+                <a:spcPct val="0"/>
+              </a:spcAft>
+              <a:buFont typeface="Arial" panose="020B0604020202020204" pitchFamily="34" charset="0"/>
+              <a:buChar char="•"/>
+            </a:pPr>
+            <a:r>
+              <a:rPr lang="zh-CN" altLang="zh-CN" dirty="0"/>
+              <a:t>[this] </a:t>
+            </a:r>
+            <a:r>
+              <a:rPr lang="en-US" altLang="zh-CN" dirty="0" smtClean="0"/>
+              <a:t>		</a:t>
+            </a:r>
+            <a:r>
+              <a:rPr lang="zh-CN" altLang="zh-CN" dirty="0" smtClean="0"/>
+              <a:t>以</a:t>
+            </a:r>
+            <a:r>
+              <a:rPr lang="zh-CN" altLang="zh-CN" dirty="0"/>
+              <a:t>值的方式捕获 this 指针。 </a:t>
+            </a:r>
+          </a:p>
+          <a:p>
+            <a:pPr marL="285750" lvl="0" indent="-285750" eaLnBrk="0" fontAlgn="base" hangingPunct="0">
+              <a:lnSpc>
+                <a:spcPct val="100000"/>
+              </a:lnSpc>
+              <a:spcBef>
+                <a:spcPct val="0"/>
+              </a:spcBef>
+              <a:spcAft>
+                <a:spcPct val="0"/>
+              </a:spcAft>
+              <a:buFont typeface="Arial" panose="020B0604020202020204" pitchFamily="34" charset="0"/>
+              <a:buChar char="•"/>
+            </a:pPr>
+            <a:r>
+              <a:rPr lang="zh-CN" altLang="zh-CN" dirty="0"/>
+              <a:t>[&amp;] </a:t>
+            </a:r>
+            <a:r>
+              <a:rPr lang="en-US" altLang="zh-CN" dirty="0" smtClean="0"/>
+              <a:t>		</a:t>
+            </a:r>
+            <a:r>
+              <a:rPr lang="zh-CN" altLang="zh-CN" dirty="0" smtClean="0"/>
+              <a:t>以</a:t>
+            </a:r>
+            <a:r>
+              <a:rPr lang="zh-CN" altLang="zh-CN" dirty="0"/>
+              <a:t>引用的方式捕获所有的外部自动变量。 </a:t>
+            </a:r>
+          </a:p>
+          <a:p>
+            <a:pPr marL="285750" lvl="0" indent="-285750" eaLnBrk="0" fontAlgn="base" hangingPunct="0">
+              <a:lnSpc>
+                <a:spcPct val="100000"/>
+              </a:lnSpc>
+              <a:spcBef>
+                <a:spcPct val="0"/>
+              </a:spcBef>
+              <a:spcAft>
+                <a:spcPct val="0"/>
+              </a:spcAft>
+              <a:buFont typeface="Arial" panose="020B0604020202020204" pitchFamily="34" charset="0"/>
+              <a:buChar char="•"/>
+            </a:pPr>
+            <a:r>
+              <a:rPr lang="zh-CN" altLang="zh-CN" dirty="0"/>
+              <a:t>[=] </a:t>
+            </a:r>
+            <a:r>
+              <a:rPr lang="en-US" altLang="zh-CN" dirty="0" smtClean="0"/>
+              <a:t>		</a:t>
+            </a:r>
+            <a:r>
+              <a:rPr lang="zh-CN" altLang="zh-CN" dirty="0" smtClean="0"/>
+              <a:t>以</a:t>
+            </a:r>
+            <a:r>
+              <a:rPr lang="zh-CN" altLang="zh-CN" dirty="0"/>
+              <a:t>值的方式捕获所有的外部自动变量。 </a:t>
+            </a:r>
+          </a:p>
+          <a:p>
+            <a:pPr marL="285750" lvl="0" indent="-285750" eaLnBrk="0" fontAlgn="base" hangingPunct="0">
+              <a:lnSpc>
+                <a:spcPct val="100000"/>
+              </a:lnSpc>
+              <a:spcBef>
+                <a:spcPct val="0"/>
+              </a:spcBef>
+              <a:spcAft>
+                <a:spcPct val="0"/>
+              </a:spcAft>
+              <a:buFont typeface="Arial" panose="020B0604020202020204" pitchFamily="34" charset="0"/>
+              <a:buChar char="•"/>
+            </a:pPr>
+            <a:r>
+              <a:rPr lang="zh-CN" altLang="zh-CN" dirty="0"/>
+              <a:t>[] </a:t>
+            </a:r>
+            <a:r>
+              <a:rPr lang="en-US" altLang="zh-CN" dirty="0" smtClean="0"/>
+              <a:t>		</a:t>
+            </a:r>
+            <a:r>
+              <a:rPr lang="zh-CN" altLang="zh-CN" dirty="0" smtClean="0"/>
+              <a:t>不</a:t>
+            </a:r>
+            <a:r>
+              <a:rPr lang="zh-CN" altLang="zh-CN" dirty="0"/>
+              <a:t>捕获外部的任何变量。 </a:t>
+            </a:r>
+          </a:p>
+          <a:p>
+            <a:endParaRPr lang="en-US" altLang="zh-CN" dirty="0" smtClean="0"/>
           </a:p>
         </p:txBody>
       </p:sp>
     </p:spTree>
     <p:extLst>
       <p:ext uri="{BB962C8B-B14F-4D97-AF65-F5344CB8AC3E}">
-        <p14:creationId xmlns:p14="http://schemas.microsoft.com/office/powerpoint/2010/main" val="3921107210"/>
+        <p14:creationId xmlns:p14="http://schemas.microsoft.com/office/powerpoint/2010/main" val="251307693"/>
       </p:ext>
     </p:extLst>
   </p:cSld>
@@ -10824,9 +10978,10 @@
           <a:lstStyle/>
           <a:p>
             <a:r>
-              <a:rPr lang="zh-CN" altLang="en-US" dirty="0"/>
-              <a:t>左值、右值</a:t>
-            </a:r>
+              <a:rPr lang="en-US" altLang="zh-CN" dirty="0"/>
+              <a:t>Thread</a:t>
+            </a:r>
+            <a:endParaRPr lang="zh-CN" altLang="en-US" dirty="0"/>
           </a:p>
         </p:txBody>
       </p:sp>
@@ -10846,176 +11001,168 @@
           <a:lstStyle/>
           <a:p>
             <a:r>
-              <a:rPr lang="zh-CN" altLang="en-US" b="1" dirty="0"/>
-              <a:t>左值、右值</a:t>
+              <a:rPr lang="en-US" altLang="zh-CN" dirty="0" smtClean="0"/>
+              <a:t/>
+            </a:r>
+            <a:br>
+              <a:rPr lang="en-US" altLang="zh-CN" dirty="0" smtClean="0"/>
+            </a:br>
+            <a:r>
+              <a:rPr lang="en-US" altLang="zh-CN" b="1" dirty="0" err="1" smtClean="0"/>
+              <a:t>std</a:t>
+            </a:r>
+            <a:r>
+              <a:rPr lang="en-US" altLang="zh-CN" b="1" dirty="0"/>
+              <a:t>::future</a:t>
             </a:r>
           </a:p>
           <a:p>
             <a:r>
               <a:rPr lang="zh-CN" altLang="en-US" dirty="0"/>
-              <a:t>在</a:t>
-            </a:r>
-            <a:r>
-              <a:rPr lang="en-US" altLang="zh-CN" b="1" dirty="0">
-                <a:hlinkClick r:id="rId2" tooltip="C++知识库"/>
-              </a:rPr>
-              <a:t>C++</a:t>
+              <a:t>　　</a:t>
+            </a:r>
+            <a:r>
+              <a:rPr lang="en-US" altLang="zh-CN" dirty="0" err="1"/>
+              <a:t>std</a:t>
             </a:r>
             <a:r>
               <a:rPr lang="en-US" altLang="zh-CN" dirty="0"/>
-              <a:t>11</a:t>
+              <a:t>::future</a:t>
             </a:r>
             <a:r>
               <a:rPr lang="zh-CN" altLang="en-US" dirty="0"/>
-              <a:t>中所有的值必属于左值、右值两者之一，右值又可以细分为纯右值、将亡值。在</a:t>
-            </a:r>
-            <a:r>
-              <a:rPr lang="en-US" altLang="zh-CN" b="1" dirty="0" err="1">
-                <a:hlinkClick r:id="rId2" tooltip="C++知识库"/>
-              </a:rPr>
-              <a:t>c++</a:t>
+              <a:t>是一个非常有用也很有意思的东西，简单说</a:t>
+            </a:r>
+            <a:r>
+              <a:rPr lang="en-US" altLang="zh-CN" dirty="0" err="1"/>
+              <a:t>std</a:t>
             </a:r>
             <a:r>
               <a:rPr lang="en-US" altLang="zh-CN" dirty="0"/>
-              <a:t>11</a:t>
+              <a:t>::future</a:t>
             </a:r>
             <a:r>
               <a:rPr lang="zh-CN" altLang="en-US" dirty="0"/>
-              <a:t>中可以取地址的、有名字的就是左值，反之，不能取地址的、没有名字的就是右值（将亡值或纯右值）。举个例子，</a:t>
+              <a:t>提供了一种访问异步操作结果的机制。从字面意思来理解，它表示未来，我觉得这个名字非常贴切，因为一个异步操作我们是不可能马上就获取操作结果的，只能在未来某个时候获取，但是我们可以以同步等待的方式来获取结果，可以通过查询</a:t>
+            </a:r>
+            <a:r>
+              <a:rPr lang="en-US" altLang="zh-CN" dirty="0"/>
+              <a:t>future</a:t>
+            </a:r>
+            <a:r>
+              <a:rPr lang="zh-CN" altLang="en-US" dirty="0"/>
+              <a:t>的状态（</a:t>
             </a:r>
             <a:r>
               <a:rPr lang="en-US" altLang="zh-CN" dirty="0" err="1"/>
-              <a:t>int</a:t>
-            </a:r>
-            <a:r>
-              <a:rPr lang="en-US" altLang="zh-CN" dirty="0"/>
-              <a:t> a = </a:t>
+              <a:t>future_status</a:t>
+            </a:r>
+            <a:r>
+              <a:rPr lang="zh-CN" altLang="en-US" dirty="0"/>
+              <a:t>）来获取异步操作的结果。</a:t>
             </a:r>
             <a:r>
               <a:rPr lang="en-US" altLang="zh-CN" dirty="0" err="1"/>
-              <a:t>b+c</a:t>
-            </a:r>
-            <a:r>
-              <a:rPr lang="en-US" altLang="zh-CN" dirty="0"/>
-              <a:t>, a </a:t>
+              <a:t>future_status</a:t>
             </a:r>
             <a:r>
               <a:rPr lang="zh-CN" altLang="en-US" dirty="0"/>
-              <a:t>就是左值，其有变量名为</a:t>
-            </a:r>
-            <a:r>
-              <a:rPr lang="en-US" altLang="zh-CN" dirty="0"/>
-              <a:t>a</a:t>
-            </a:r>
-            <a:r>
-              <a:rPr lang="zh-CN" altLang="en-US" dirty="0"/>
-              <a:t>，通过</a:t>
-            </a:r>
-            <a:r>
-              <a:rPr lang="en-US" altLang="zh-CN" dirty="0"/>
-              <a:t>&amp;a</a:t>
-            </a:r>
-            <a:r>
-              <a:rPr lang="zh-CN" altLang="en-US" dirty="0"/>
-              <a:t>可以获取该变量的地址；表达式</a:t>
-            </a:r>
-            <a:r>
-              <a:rPr lang="en-US" altLang="zh-CN" dirty="0" err="1"/>
-              <a:t>b+c</a:t>
-            </a:r>
-            <a:r>
-              <a:rPr lang="zh-CN" altLang="en-US" dirty="0"/>
-              <a:t>、函数</a:t>
-            </a:r>
-            <a:r>
-              <a:rPr lang="en-US" altLang="zh-CN" dirty="0" err="1"/>
-              <a:t>int</a:t>
-            </a:r>
-            <a:r>
-              <a:rPr lang="en-US" altLang="zh-CN" dirty="0"/>
-              <a:t> </a:t>
-            </a:r>
-            <a:r>
-              <a:rPr lang="en-US" altLang="zh-CN" dirty="0" err="1"/>
-              <a:t>func</a:t>
-            </a:r>
-            <a:r>
-              <a:rPr lang="en-US" altLang="zh-CN" dirty="0"/>
-              <a:t>()</a:t>
-            </a:r>
-            <a:r>
-              <a:rPr lang="zh-CN" altLang="en-US" dirty="0"/>
-              <a:t>的返回值是右值，在其被赋值给某一变量前，我们不能通过变量名找到它，＆</a:t>
-            </a:r>
-            <a:r>
-              <a:rPr lang="en-US" altLang="zh-CN" dirty="0"/>
-              <a:t>(</a:t>
-            </a:r>
-            <a:r>
-              <a:rPr lang="en-US" altLang="zh-CN" dirty="0" err="1"/>
-              <a:t>b+c</a:t>
-            </a:r>
-            <a:r>
-              <a:rPr lang="en-US" altLang="zh-CN" dirty="0"/>
-              <a:t>)</a:t>
-            </a:r>
-            <a:r>
-              <a:rPr lang="zh-CN" altLang="en-US" dirty="0"/>
-              <a:t>这样的操作则不会通过编译。</a:t>
-            </a:r>
-            <a:endParaRPr lang="en-US" altLang="zh-CN" dirty="0"/>
+              <a:t>有三种状态：</a:t>
+            </a:r>
           </a:p>
           <a:p>
             <a:r>
+              <a:rPr lang="en-US" altLang="zh-CN" sz="1400" dirty="0"/>
+              <a:t>deferred</a:t>
+            </a:r>
+            <a:r>
+              <a:rPr lang="zh-CN" altLang="en-US" sz="1400" dirty="0"/>
+              <a:t>：异步操作还没开始</a:t>
+            </a:r>
+          </a:p>
+          <a:p>
+            <a:r>
+              <a:rPr lang="en-US" altLang="zh-CN" sz="1400" dirty="0"/>
+              <a:t>ready</a:t>
+            </a:r>
+            <a:r>
+              <a:rPr lang="zh-CN" altLang="en-US" sz="1400" dirty="0"/>
+              <a:t>：异步操作已经完成</a:t>
+            </a:r>
+          </a:p>
+          <a:p>
+            <a:r>
+              <a:rPr lang="en-US" altLang="zh-CN" sz="1400" dirty="0"/>
+              <a:t>timeout</a:t>
+            </a:r>
+            <a:r>
+              <a:rPr lang="zh-CN" altLang="en-US" sz="1400" dirty="0"/>
+              <a:t>：异步操作</a:t>
+            </a:r>
+            <a:r>
+              <a:rPr lang="zh-CN" altLang="en-US" sz="1400" dirty="0" smtClean="0"/>
+              <a:t>超时</a:t>
+            </a:r>
+            <a:endParaRPr lang="en-US" altLang="zh-CN" dirty="0" smtClean="0"/>
+          </a:p>
+          <a:p>
+            <a:r>
+              <a:rPr lang="en-US" altLang="zh-CN" b="1" dirty="0" err="1"/>
+              <a:t>std</a:t>
+            </a:r>
+            <a:r>
+              <a:rPr lang="en-US" altLang="zh-CN" b="1" dirty="0"/>
+              <a:t>::promise</a:t>
+            </a:r>
+          </a:p>
+          <a:p>
+            <a:r>
               <a:rPr lang="zh-CN" altLang="en-US" dirty="0"/>
-              <a:t>可以看出，传入不同类型的值，编译器自动识别调用了不同的函数。 </a:t>
-            </a:r>
-            <a:br>
+              <a:t>　　</a:t>
+            </a:r>
+            <a:r>
+              <a:rPr lang="en-US" altLang="zh-CN" dirty="0" err="1"/>
+              <a:t>std</a:t>
+            </a:r>
+            <a:r>
+              <a:rPr lang="en-US" altLang="zh-CN" dirty="0"/>
+              <a:t>::promise</a:t>
+            </a:r>
+            <a:r>
               <a:rPr lang="zh-CN" altLang="en-US" dirty="0"/>
-            </a:br>
+              <a:t>为获取线程函数中的某个值提供便利，在线程函数中给外面传进来的</a:t>
+            </a:r>
+            <a:r>
+              <a:rPr lang="en-US" altLang="zh-CN" dirty="0"/>
+              <a:t>promise</a:t>
+            </a:r>
             <a:r>
               <a:rPr lang="zh-CN" altLang="en-US" dirty="0"/>
-              <a:t>右值引用是用来支持转移语义的。转移语义可以将资源 </a:t>
+              <a:t>赋值，当线程函数执行完成之后就可以通过</a:t>
+            </a:r>
+            <a:r>
+              <a:rPr lang="en-US" altLang="zh-CN" dirty="0" err="1"/>
+              <a:t>promis</a:t>
+            </a:r>
+            <a:r>
+              <a:rPr lang="zh-CN" altLang="en-US" dirty="0"/>
+              <a:t>获取该值了，值得注意的是取值是间接的通过</a:t>
             </a:r>
             <a:r>
               <a:rPr lang="en-US" altLang="zh-CN" dirty="0"/>
-              <a:t>( </a:t>
+              <a:t>promise</a:t>
             </a:r>
             <a:r>
               <a:rPr lang="zh-CN" altLang="en-US" dirty="0"/>
-              <a:t>堆，系统对象等 </a:t>
+              <a:t>内部提供的</a:t>
             </a:r>
             <a:r>
               <a:rPr lang="en-US" altLang="zh-CN" dirty="0"/>
-              <a:t>) </a:t>
+              <a:t>future</a:t>
             </a:r>
             <a:r>
               <a:rPr lang="zh-CN" altLang="en-US" dirty="0"/>
-              <a:t>从一个对象转移到另一个对象，这样能够减少不必要的临时对象的创建、拷贝以及销毁，能够大幅度提高 </a:t>
-            </a:r>
-            <a:r>
-              <a:rPr lang="en-US" altLang="zh-CN" dirty="0"/>
-              <a:t>C++ </a:t>
-            </a:r>
-            <a:r>
-              <a:rPr lang="zh-CN" altLang="en-US" dirty="0"/>
-              <a:t>应用程序的性能。临时对象的维护 </a:t>
-            </a:r>
-            <a:r>
-              <a:rPr lang="en-US" altLang="zh-CN" dirty="0"/>
-              <a:t>( </a:t>
-            </a:r>
-            <a:r>
-              <a:rPr lang="zh-CN" altLang="en-US" dirty="0"/>
-              <a:t>创建和销毁 </a:t>
-            </a:r>
-            <a:r>
-              <a:rPr lang="en-US" altLang="zh-CN" dirty="0"/>
-              <a:t>) </a:t>
-            </a:r>
-            <a:r>
-              <a:rPr lang="zh-CN" altLang="en-US" dirty="0"/>
-              <a:t>对性能有严重影响。</a:t>
+              <a:t>来获取的。</a:t>
             </a:r>
           </a:p>
           <a:p>
@@ -11026,7 +11173,7 @@
     </p:spTree>
     <p:extLst>
       <p:ext uri="{BB962C8B-B14F-4D97-AF65-F5344CB8AC3E}">
-        <p14:creationId xmlns:p14="http://schemas.microsoft.com/office/powerpoint/2010/main" val="3999193295"/>
+        <p14:creationId xmlns:p14="http://schemas.microsoft.com/office/powerpoint/2010/main" val="3921107210"/>
       </p:ext>
     </p:extLst>
   </p:cSld>
@@ -11037,6 +11184,400 @@
 </file>
 
 <file path=ppt/slides/slide8.xml><?xml version="1.0" encoding="utf-8"?>
+<p:sld xmlns:a="http://schemas.openxmlformats.org/drawingml/2006/main" xmlns:r="http://schemas.openxmlformats.org/officeDocument/2006/relationships" xmlns:p="http://schemas.openxmlformats.org/presentationml/2006/main">
+  <p:cSld>
+    <p:spTree>
+      <p:nvGrpSpPr>
+        <p:cNvPr id="1" name=""/>
+        <p:cNvGrpSpPr/>
+        <p:nvPr/>
+      </p:nvGrpSpPr>
+      <p:grpSpPr>
+        <a:xfrm>
+          <a:off x="0" y="0"/>
+          <a:ext cx="0" cy="0"/>
+          <a:chOff x="0" y="0"/>
+          <a:chExt cx="0" cy="0"/>
+        </a:xfrm>
+      </p:grpSpPr>
+      <p:sp>
+        <p:nvSpPr>
+          <p:cNvPr id="2" name="标题 1"/>
+          <p:cNvSpPr>
+            <a:spLocks noGrp="1"/>
+          </p:cNvSpPr>
+          <p:nvPr>
+            <p:ph type="title"/>
+          </p:nvPr>
+        </p:nvSpPr>
+        <p:spPr/>
+        <p:txBody>
+          <a:bodyPr/>
+          <a:lstStyle/>
+          <a:p>
+            <a:r>
+              <a:rPr lang="en-US" altLang="zh-CN" dirty="0"/>
+              <a:t>Thread</a:t>
+            </a:r>
+            <a:endParaRPr lang="zh-CN" altLang="en-US" dirty="0"/>
+          </a:p>
+        </p:txBody>
+      </p:sp>
+      <p:sp>
+        <p:nvSpPr>
+          <p:cNvPr id="3" name="内容占位符 2"/>
+          <p:cNvSpPr>
+            <a:spLocks noGrp="1"/>
+          </p:cNvSpPr>
+          <p:nvPr>
+            <p:ph idx="1"/>
+          </p:nvPr>
+        </p:nvSpPr>
+        <p:spPr/>
+        <p:txBody>
+          <a:bodyPr/>
+          <a:lstStyle/>
+          <a:p>
+            <a:r>
+              <a:rPr lang="en-US" altLang="zh-CN" b="1" dirty="0" err="1"/>
+              <a:t>std</a:t>
+            </a:r>
+            <a:r>
+              <a:rPr lang="en-US" altLang="zh-CN" b="1" dirty="0"/>
+              <a:t>::</a:t>
+            </a:r>
+            <a:r>
+              <a:rPr lang="en-US" altLang="zh-CN" b="1" dirty="0" err="1"/>
+              <a:t>packaged_task</a:t>
+            </a:r>
+            <a:endParaRPr lang="en-US" altLang="zh-CN" b="1" dirty="0"/>
+          </a:p>
+          <a:p>
+            <a:r>
+              <a:rPr lang="zh-CN" altLang="en-US" dirty="0"/>
+              <a:t>　　</a:t>
+            </a:r>
+            <a:r>
+              <a:rPr lang="en-US" altLang="zh-CN" dirty="0" err="1"/>
+              <a:t>std</a:t>
+            </a:r>
+            <a:r>
+              <a:rPr lang="en-US" altLang="zh-CN" dirty="0"/>
+              <a:t>::</a:t>
+            </a:r>
+            <a:r>
+              <a:rPr lang="en-US" altLang="zh-CN" dirty="0" err="1"/>
+              <a:t>packaged_task</a:t>
+            </a:r>
+            <a:r>
+              <a:rPr lang="zh-CN" altLang="en-US" dirty="0"/>
+              <a:t>它包装了一个可调用的目标（如</a:t>
+            </a:r>
+            <a:r>
+              <a:rPr lang="en-US" altLang="zh-CN" dirty="0"/>
+              <a:t>function, lambda expression, bind expression, or another function object</a:t>
+            </a:r>
+            <a:r>
+              <a:rPr lang="zh-CN" altLang="en-US" dirty="0"/>
+              <a:t>）</a:t>
+            </a:r>
+            <a:r>
+              <a:rPr lang="en-US" altLang="zh-CN" dirty="0"/>
+              <a:t>,</a:t>
+            </a:r>
+            <a:r>
+              <a:rPr lang="zh-CN" altLang="en-US" dirty="0"/>
+              <a:t>以便异步调用，它和</a:t>
+            </a:r>
+            <a:r>
+              <a:rPr lang="en-US" altLang="zh-CN" dirty="0"/>
+              <a:t>promise</a:t>
+            </a:r>
+            <a:r>
+              <a:rPr lang="zh-CN" altLang="en-US" dirty="0"/>
+              <a:t>在某种程度上有点像，</a:t>
+            </a:r>
+            <a:r>
+              <a:rPr lang="en-US" altLang="zh-CN" dirty="0"/>
+              <a:t>promise</a:t>
+            </a:r>
+            <a:r>
+              <a:rPr lang="zh-CN" altLang="en-US" dirty="0"/>
+              <a:t>保存了一个共享状态的值，而</a:t>
+            </a:r>
+            <a:r>
+              <a:rPr lang="en-US" altLang="zh-CN" dirty="0" err="1"/>
+              <a:t>packaged_task</a:t>
+            </a:r>
+            <a:r>
+              <a:rPr lang="zh-CN" altLang="en-US" dirty="0"/>
+              <a:t>保存的是一个函数</a:t>
+            </a:r>
+            <a:r>
+              <a:rPr lang="zh-CN" altLang="en-US" dirty="0" smtClean="0"/>
+              <a:t>。</a:t>
+            </a:r>
+            <a:endParaRPr lang="en-US" altLang="zh-CN" dirty="0" smtClean="0"/>
+          </a:p>
+          <a:p>
+            <a:r>
+              <a:rPr lang="en-US" altLang="zh-CN" b="1" dirty="0" err="1"/>
+              <a:t>std</a:t>
+            </a:r>
+            <a:r>
+              <a:rPr lang="en-US" altLang="zh-CN" b="1" dirty="0"/>
+              <a:t>::</a:t>
+            </a:r>
+            <a:r>
+              <a:rPr lang="en-US" altLang="zh-CN" b="1" dirty="0" err="1"/>
+              <a:t>async</a:t>
+            </a:r>
+            <a:r>
+              <a:rPr lang="zh-CN" altLang="en-US" b="1" dirty="0"/>
+              <a:t>代替线程的创建</a:t>
+            </a:r>
+          </a:p>
+          <a:p>
+            <a:r>
+              <a:rPr lang="zh-CN" altLang="en-US" dirty="0"/>
+              <a:t>　　</a:t>
+            </a:r>
+            <a:r>
+              <a:rPr lang="en-US" altLang="zh-CN" dirty="0" err="1" smtClean="0"/>
+              <a:t>std</a:t>
+            </a:r>
+            <a:r>
+              <a:rPr lang="en-US" altLang="zh-CN" dirty="0"/>
+              <a:t>::</a:t>
+            </a:r>
+            <a:r>
+              <a:rPr lang="en-US" altLang="zh-CN" dirty="0" err="1"/>
+              <a:t>async</a:t>
+            </a:r>
+            <a:r>
+              <a:rPr lang="zh-CN" altLang="en-US" dirty="0"/>
+              <a:t>是为了让用户的少费点脑子的，它让这三个对象默契的工作。大概的工作过程是这样的：</a:t>
+            </a:r>
+            <a:r>
+              <a:rPr lang="en-US" altLang="zh-CN" dirty="0" err="1"/>
+              <a:t>std</a:t>
+            </a:r>
+            <a:r>
+              <a:rPr lang="en-US" altLang="zh-CN" dirty="0"/>
+              <a:t>::</a:t>
+            </a:r>
+            <a:r>
+              <a:rPr lang="en-US" altLang="zh-CN" dirty="0" err="1"/>
+              <a:t>async</a:t>
+            </a:r>
+            <a:r>
+              <a:rPr lang="zh-CN" altLang="en-US" dirty="0"/>
+              <a:t>先将异步操作用</a:t>
+            </a:r>
+            <a:r>
+              <a:rPr lang="en-US" altLang="zh-CN" dirty="0" err="1"/>
+              <a:t>std</a:t>
+            </a:r>
+            <a:r>
+              <a:rPr lang="en-US" altLang="zh-CN" dirty="0"/>
+              <a:t>::</a:t>
+            </a:r>
+            <a:r>
+              <a:rPr lang="en-US" altLang="zh-CN" dirty="0" err="1"/>
+              <a:t>packaged_task</a:t>
+            </a:r>
+            <a:r>
+              <a:rPr lang="zh-CN" altLang="en-US" dirty="0"/>
+              <a:t>包装起来，然后将异步操作的结果放到</a:t>
+            </a:r>
+            <a:r>
+              <a:rPr lang="en-US" altLang="zh-CN" dirty="0" err="1"/>
+              <a:t>std</a:t>
+            </a:r>
+            <a:r>
+              <a:rPr lang="en-US" altLang="zh-CN" dirty="0"/>
+              <a:t>::promise</a:t>
+            </a:r>
+            <a:r>
+              <a:rPr lang="zh-CN" altLang="en-US" dirty="0"/>
+              <a:t>中，这个过程就是创造未来的过程。外面再通过</a:t>
+            </a:r>
+            <a:r>
+              <a:rPr lang="en-US" altLang="zh-CN" dirty="0" err="1"/>
+              <a:t>future.get</a:t>
+            </a:r>
+            <a:r>
+              <a:rPr lang="en-US" altLang="zh-CN" dirty="0"/>
+              <a:t>/wait</a:t>
+            </a:r>
+            <a:r>
+              <a:rPr lang="zh-CN" altLang="en-US" dirty="0"/>
+              <a:t>来获取这个未来的结果，怎么样，</a:t>
+            </a:r>
+            <a:r>
+              <a:rPr lang="en-US" altLang="zh-CN" dirty="0" err="1"/>
+              <a:t>std</a:t>
+            </a:r>
+            <a:r>
+              <a:rPr lang="en-US" altLang="zh-CN" dirty="0"/>
+              <a:t>::</a:t>
+            </a:r>
+            <a:r>
+              <a:rPr lang="en-US" altLang="zh-CN" dirty="0" err="1"/>
+              <a:t>async</a:t>
+            </a:r>
+            <a:r>
+              <a:rPr lang="zh-CN" altLang="en-US" dirty="0"/>
+              <a:t>真的是来帮忙的吧，你不用再想到底该怎么用</a:t>
+            </a:r>
+            <a:r>
+              <a:rPr lang="en-US" altLang="zh-CN" dirty="0" err="1"/>
+              <a:t>std</a:t>
+            </a:r>
+            <a:r>
+              <a:rPr lang="en-US" altLang="zh-CN" dirty="0"/>
+              <a:t>::future</a:t>
+            </a:r>
+            <a:r>
+              <a:rPr lang="zh-CN" altLang="en-US" dirty="0"/>
+              <a:t>、</a:t>
+            </a:r>
+            <a:r>
+              <a:rPr lang="en-US" altLang="zh-CN" dirty="0" err="1"/>
+              <a:t>std</a:t>
+            </a:r>
+            <a:r>
+              <a:rPr lang="en-US" altLang="zh-CN" dirty="0"/>
+              <a:t>::promise</a:t>
+            </a:r>
+            <a:r>
+              <a:rPr lang="zh-CN" altLang="en-US" dirty="0"/>
+              <a:t>和</a:t>
+            </a:r>
+            <a:r>
+              <a:rPr lang="en-US" altLang="zh-CN" dirty="0" err="1"/>
+              <a:t>std</a:t>
+            </a:r>
+            <a:r>
+              <a:rPr lang="en-US" altLang="zh-CN" dirty="0"/>
+              <a:t>::</a:t>
+            </a:r>
+            <a:r>
+              <a:rPr lang="en-US" altLang="zh-CN" dirty="0" err="1"/>
+              <a:t>packaged_task</a:t>
+            </a:r>
+            <a:r>
+              <a:rPr lang="zh-CN" altLang="en-US" dirty="0"/>
+              <a:t>了，</a:t>
+            </a:r>
+            <a:r>
+              <a:rPr lang="en-US" altLang="zh-CN" dirty="0" err="1"/>
+              <a:t>std</a:t>
+            </a:r>
+            <a:r>
+              <a:rPr lang="en-US" altLang="zh-CN" dirty="0"/>
+              <a:t>::</a:t>
+            </a:r>
+            <a:r>
+              <a:rPr lang="en-US" altLang="zh-CN" dirty="0" err="1"/>
+              <a:t>async</a:t>
+            </a:r>
+            <a:r>
+              <a:rPr lang="zh-CN" altLang="en-US" dirty="0"/>
+              <a:t>已经帮你搞定一切了！</a:t>
+            </a:r>
+          </a:p>
+          <a:p>
+            <a:r>
+              <a:rPr lang="en-US" altLang="zh-CN" dirty="0" err="1" smtClean="0"/>
+              <a:t>std</a:t>
+            </a:r>
+            <a:r>
+              <a:rPr lang="en-US" altLang="zh-CN" dirty="0"/>
+              <a:t>::launch::</a:t>
+            </a:r>
+            <a:r>
+              <a:rPr lang="en-US" altLang="zh-CN" dirty="0" err="1"/>
+              <a:t>async</a:t>
+            </a:r>
+            <a:r>
+              <a:rPr lang="zh-CN" altLang="en-US" dirty="0"/>
+              <a:t>：在调用</a:t>
+            </a:r>
+            <a:r>
+              <a:rPr lang="en-US" altLang="zh-CN" dirty="0" err="1"/>
+              <a:t>async</a:t>
+            </a:r>
+            <a:r>
+              <a:rPr lang="zh-CN" altLang="en-US" dirty="0"/>
+              <a:t>就开始创建线程。</a:t>
+            </a:r>
+          </a:p>
+          <a:p>
+            <a:r>
+              <a:rPr lang="en-US" altLang="zh-CN" dirty="0" err="1"/>
+              <a:t>std</a:t>
+            </a:r>
+            <a:r>
+              <a:rPr lang="en-US" altLang="zh-CN" dirty="0"/>
+              <a:t>::launch::deferred</a:t>
+            </a:r>
+            <a:r>
+              <a:rPr lang="zh-CN" altLang="en-US" dirty="0"/>
+              <a:t>：延迟加载方式创建线程。调用</a:t>
+            </a:r>
+            <a:r>
+              <a:rPr lang="en-US" altLang="zh-CN" dirty="0" err="1"/>
+              <a:t>async</a:t>
+            </a:r>
+            <a:r>
+              <a:rPr lang="zh-CN" altLang="en-US" dirty="0"/>
+              <a:t>时不创建线程，直到调用了</a:t>
+            </a:r>
+            <a:r>
+              <a:rPr lang="en-US" altLang="zh-CN" dirty="0"/>
+              <a:t>future</a:t>
+            </a:r>
+            <a:r>
+              <a:rPr lang="zh-CN" altLang="en-US" dirty="0"/>
+              <a:t>的</a:t>
+            </a:r>
+            <a:r>
+              <a:rPr lang="en-US" altLang="zh-CN" dirty="0"/>
+              <a:t>get</a:t>
+            </a:r>
+            <a:r>
+              <a:rPr lang="zh-CN" altLang="en-US" dirty="0"/>
+              <a:t>或者</a:t>
+            </a:r>
+            <a:r>
+              <a:rPr lang="en-US" altLang="zh-CN" dirty="0"/>
+              <a:t>wait</a:t>
+            </a:r>
+            <a:r>
+              <a:rPr lang="zh-CN" altLang="en-US" dirty="0"/>
+              <a:t>时才创建线程。</a:t>
+            </a:r>
+          </a:p>
+          <a:p>
+            <a:endParaRPr lang="zh-CN" altLang="en-US" dirty="0"/>
+          </a:p>
+        </p:txBody>
+      </p:sp>
+    </p:spTree>
+    <p:extLst>
+      <p:ext uri="{BB962C8B-B14F-4D97-AF65-F5344CB8AC3E}">
+        <p14:creationId xmlns:p14="http://schemas.microsoft.com/office/powerpoint/2010/main" val="1653435615"/>
+      </p:ext>
+    </p:extLst>
+  </p:cSld>
+  <p:clrMapOvr>
+    <a:masterClrMapping/>
+  </p:clrMapOvr>
+</p:sld>
+</file>
+
+<file path=ppt/slides/slide9.xml><?xml version="1.0" encoding="utf-8"?>
 <p:sld xmlns:a="http://schemas.openxmlformats.org/drawingml/2006/main" xmlns:r="http://schemas.openxmlformats.org/officeDocument/2006/relationships" xmlns:p="http://schemas.openxmlformats.org/presentationml/2006/main">
   <p:cSld>
     <p:spTree>

--- a/c++11.pptx
+++ b/c++11.pptx
@@ -5,7 +5,7 @@
     <p:sldMasterId id="2147483660" r:id="rId1"/>
   </p:sldMasterIdLst>
   <p:notesMasterIdLst>
-    <p:notesMasterId r:id="rId11"/>
+    <p:notesMasterId r:id="rId12"/>
   </p:notesMasterIdLst>
   <p:sldIdLst>
     <p:sldId id="256" r:id="rId2"/>
@@ -13,10 +13,11 @@
     <p:sldId id="261" r:id="rId4"/>
     <p:sldId id="262" r:id="rId5"/>
     <p:sldId id="265" r:id="rId6"/>
-    <p:sldId id="263" r:id="rId7"/>
-    <p:sldId id="264" r:id="rId8"/>
-    <p:sldId id="266" r:id="rId9"/>
-    <p:sldId id="259" r:id="rId10"/>
+    <p:sldId id="267" r:id="rId7"/>
+    <p:sldId id="263" r:id="rId8"/>
+    <p:sldId id="264" r:id="rId9"/>
+    <p:sldId id="266" r:id="rId10"/>
+    <p:sldId id="259" r:id="rId11"/>
   </p:sldIdLst>
   <p:sldSz cx="9144000" cy="6858000" type="screen4x3"/>
   <p:notesSz cx="6858000" cy="9144000"/>
@@ -205,7 +206,7 @@
           <a:p>
             <a:fld id="{84E2A798-07BE-4CD3-9344-46FF79751B14}" type="datetimeFigureOut">
               <a:rPr lang="zh-CN" altLang="en-US" smtClean="0"/>
-              <a:t>2017/6/13</a:t>
+              <a:t>2017/6/14</a:t>
             </a:fld>
             <a:endParaRPr lang="zh-CN" altLang="en-US"/>
           </a:p>
@@ -8608,9 +8609,60 @@
 </p:sld>
 </file>
 
+<file path=ppt/slides/slide10.xml><?xml version="1.0" encoding="utf-8"?>
+<p:sld xmlns:a="http://schemas.openxmlformats.org/drawingml/2006/main" xmlns:r="http://schemas.openxmlformats.org/officeDocument/2006/relationships" xmlns:p="http://schemas.openxmlformats.org/presentationml/2006/main">
+  <p:cSld>
+    <p:spTree>
+      <p:nvGrpSpPr>
+        <p:cNvPr id="1" name=""/>
+        <p:cNvGrpSpPr/>
+        <p:nvPr/>
+      </p:nvGrpSpPr>
+      <p:grpSpPr>
+        <a:xfrm>
+          <a:off x="0" y="0"/>
+          <a:ext cx="0" cy="0"/>
+          <a:chOff x="0" y="0"/>
+          <a:chExt cx="0" cy="0"/>
+        </a:xfrm>
+      </p:grpSpPr>
+    </p:spTree>
+    <p:extLst>
+      <p:ext uri="{BB962C8B-B14F-4D97-AF65-F5344CB8AC3E}">
+        <p14:creationId xmlns:p14="http://schemas.microsoft.com/office/powerpoint/2010/main" val="817272599"/>
+      </p:ext>
+    </p:extLst>
+  </p:cSld>
+  <p:clrMapOvr>
+    <a:masterClrMapping/>
+  </p:clrMapOvr>
+  <p:timing>
+    <p:tnLst>
+      <p:par>
+        <p:cTn id="1" dur="indefinite" restart="never" nodeType="tmRoot"/>
+      </p:par>
+    </p:tnLst>
+  </p:timing>
+</p:sld>
+</file>
+
 <file path=ppt/slides/slide2.xml><?xml version="1.0" encoding="utf-8"?>
 <p:sld xmlns:a="http://schemas.openxmlformats.org/drawingml/2006/main" xmlns:r="http://schemas.openxmlformats.org/officeDocument/2006/relationships" xmlns:p="http://schemas.openxmlformats.org/presentationml/2006/main">
   <p:cSld>
+    <p:bg>
+      <p:bgPr>
+        <a:blipFill dpi="0" rotWithShape="1">
+          <a:blip r:embed="rId3">
+            <a:lum/>
+          </a:blip>
+          <a:srcRect/>
+          <a:stretch>
+            <a:fillRect/>
+          </a:stretch>
+        </a:blipFill>
+        <a:effectLst/>
+      </p:bgPr>
+    </p:bg>
     <p:spTree>
       <p:nvGrpSpPr>
         <p:cNvPr id="1" name=""/>
@@ -8644,6 +8696,150 @@
               <a:rPr lang="zh-CN" altLang="en-US" dirty="0"/>
               <a:t>关键字</a:t>
             </a:r>
+          </a:p>
+        </p:txBody>
+      </p:sp>
+      <p:sp>
+        <p:nvSpPr>
+          <p:cNvPr id="10" name="内容占位符 9"/>
+          <p:cNvSpPr>
+            <a:spLocks noGrp="1"/>
+          </p:cNvSpPr>
+          <p:nvPr>
+            <p:ph idx="1"/>
+          </p:nvPr>
+        </p:nvSpPr>
+        <p:spPr/>
+        <p:txBody>
+          <a:bodyPr/>
+          <a:lstStyle/>
+          <a:p>
+            <a:pPr marL="285750" indent="-285750">
+              <a:buFont typeface="Arial" panose="020B0604020202020204" pitchFamily="34" charset="0"/>
+              <a:buChar char="•"/>
+            </a:pPr>
+            <a:r>
+              <a:rPr lang="en-US" altLang="zh-CN" dirty="0" err="1"/>
+              <a:t>static_assert</a:t>
+            </a:r>
+            <a:r>
+              <a:rPr lang="en-US" altLang="zh-CN" dirty="0"/>
+              <a:t>  </a:t>
+            </a:r>
+            <a:r>
+              <a:rPr lang="zh-CN" altLang="en-US" dirty="0"/>
+              <a:t>和</a:t>
+            </a:r>
+            <a:r>
+              <a:rPr lang="en-US" altLang="zh-CN" dirty="0"/>
+              <a:t> assert</a:t>
+            </a:r>
+          </a:p>
+          <a:p>
+            <a:pPr marL="285750" indent="-285750">
+              <a:buFont typeface="Arial" panose="020B0604020202020204" pitchFamily="34" charset="0"/>
+              <a:buChar char="•"/>
+            </a:pPr>
+            <a:r>
+              <a:rPr lang="en-US" altLang="zh-CN" dirty="0"/>
+              <a:t>friend      --friend class A ,C++11</a:t>
+            </a:r>
+            <a:r>
+              <a:rPr lang="zh-CN" altLang="en-US" dirty="0"/>
+              <a:t>中不再需要加 </a:t>
+            </a:r>
+            <a:r>
+              <a:rPr lang="en-US" altLang="zh-CN" dirty="0"/>
+              <a:t>class</a:t>
+            </a:r>
+          </a:p>
+          <a:p>
+            <a:pPr marL="285750" indent="-285750">
+              <a:buFont typeface="Arial" panose="020B0604020202020204" pitchFamily="34" charset="0"/>
+              <a:buChar char="•"/>
+            </a:pPr>
+            <a:r>
+              <a:rPr lang="en-US" altLang="zh-CN" dirty="0"/>
+              <a:t>final  override</a:t>
+            </a:r>
+          </a:p>
+          <a:p>
+            <a:pPr marL="285750" indent="-285750">
+              <a:buFont typeface="Arial" panose="020B0604020202020204" pitchFamily="34" charset="0"/>
+              <a:buChar char="•"/>
+            </a:pPr>
+            <a:r>
+              <a:rPr lang="en-US" altLang="zh-CN" dirty="0"/>
+              <a:t>for </a:t>
+            </a:r>
+            <a:r>
+              <a:rPr lang="zh-CN" altLang="en-US" dirty="0"/>
+              <a:t>新</a:t>
+            </a:r>
+            <a:r>
+              <a:rPr lang="zh-CN" altLang="en-US" dirty="0" smtClean="0"/>
+              <a:t>用法</a:t>
+            </a:r>
+            <a:endParaRPr lang="en-US" altLang="zh-CN" dirty="0" smtClean="0"/>
+          </a:p>
+          <a:p>
+            <a:pPr marL="285750" indent="-285750">
+              <a:buFont typeface="Arial" panose="020B0604020202020204" pitchFamily="34" charset="0"/>
+              <a:buChar char="•"/>
+            </a:pPr>
+            <a:r>
+              <a:rPr lang="en-US" altLang="zh-CN" dirty="0" smtClean="0"/>
+              <a:t>using  </a:t>
+            </a:r>
+            <a:r>
+              <a:rPr lang="zh-CN" altLang="en-US" dirty="0" smtClean="0"/>
+              <a:t>除了</a:t>
+            </a:r>
+            <a:r>
+              <a:rPr lang="en-US" altLang="zh-CN" dirty="0" smtClean="0"/>
+              <a:t>using namespace …,</a:t>
+            </a:r>
+            <a:r>
+              <a:rPr lang="zh-CN" altLang="en-US" dirty="0" smtClean="0"/>
+              <a:t>它</a:t>
+            </a:r>
+            <a:r>
+              <a:rPr lang="zh-CN" altLang="en-US" dirty="0"/>
+              <a:t>的用处还有几个 </a:t>
+            </a:r>
+            <a:r>
+              <a:rPr lang="en-US" altLang="zh-CN" dirty="0"/>
+              <a:t>1</a:t>
+            </a:r>
+            <a:r>
+              <a:rPr lang="zh-CN" altLang="en-US" dirty="0"/>
+              <a:t>：取代</a:t>
+            </a:r>
+            <a:r>
+              <a:rPr lang="en-US" altLang="zh-CN" dirty="0" err="1"/>
+              <a:t>typedef</a:t>
+            </a:r>
+            <a:r>
+              <a:rPr lang="en-US" altLang="zh-CN" dirty="0"/>
+              <a:t>  </a:t>
+            </a:r>
+            <a:r>
+              <a:rPr lang="zh-CN" altLang="en-US" dirty="0"/>
+              <a:t>，</a:t>
+            </a:r>
+            <a:r>
+              <a:rPr lang="en-US" altLang="zh-CN" dirty="0"/>
+              <a:t>2</a:t>
+            </a:r>
+            <a:r>
+              <a:rPr lang="zh-CN" altLang="en-US" dirty="0"/>
+              <a:t>：让父类同名函数在子类中以重载方式使用</a:t>
+            </a:r>
+            <a:endParaRPr lang="en-US" altLang="zh-CN" dirty="0"/>
+          </a:p>
+          <a:p>
+            <a:pPr algn="ctr"/>
+            <a:endParaRPr lang="en-US" altLang="zh-CN" dirty="0" smtClean="0"/>
           </a:p>
         </p:txBody>
       </p:sp>
@@ -9027,91 +9223,6 @@
           </p:txBody>
         </p:sp>
       </p:grpSp>
-      <p:sp>
-        <p:nvSpPr>
-          <p:cNvPr id="10" name="内容占位符 9"/>
-          <p:cNvSpPr>
-            <a:spLocks noGrp="1"/>
-          </p:cNvSpPr>
-          <p:nvPr>
-            <p:ph idx="1"/>
-          </p:nvPr>
-        </p:nvSpPr>
-        <p:spPr/>
-        <p:txBody>
-          <a:bodyPr/>
-          <a:lstStyle/>
-          <a:p>
-            <a:pPr marL="285750" indent="-285750">
-              <a:buFont typeface="Arial" panose="020B0604020202020204" pitchFamily="34" charset="0"/>
-              <a:buChar char="•"/>
-            </a:pPr>
-            <a:r>
-              <a:rPr lang="en-US" altLang="zh-CN" dirty="0" err="1"/>
-              <a:t>static_assert</a:t>
-            </a:r>
-            <a:r>
-              <a:rPr lang="en-US" altLang="zh-CN" dirty="0"/>
-              <a:t>  </a:t>
-            </a:r>
-            <a:r>
-              <a:rPr lang="zh-CN" altLang="en-US" dirty="0"/>
-              <a:t>和</a:t>
-            </a:r>
-            <a:r>
-              <a:rPr lang="en-US" altLang="zh-CN" dirty="0"/>
-              <a:t> assert</a:t>
-            </a:r>
-          </a:p>
-          <a:p>
-            <a:pPr marL="285750" indent="-285750">
-              <a:buFont typeface="Arial" panose="020B0604020202020204" pitchFamily="34" charset="0"/>
-              <a:buChar char="•"/>
-            </a:pPr>
-            <a:r>
-              <a:rPr lang="en-US" altLang="zh-CN" dirty="0"/>
-              <a:t>friend      --friend class A ,C++11</a:t>
-            </a:r>
-            <a:r>
-              <a:rPr lang="zh-CN" altLang="en-US" dirty="0"/>
-              <a:t>中不再需要加 </a:t>
-            </a:r>
-            <a:r>
-              <a:rPr lang="en-US" altLang="zh-CN" dirty="0"/>
-              <a:t>class</a:t>
-            </a:r>
-          </a:p>
-          <a:p>
-            <a:pPr marL="285750" indent="-285750">
-              <a:buFont typeface="Arial" panose="020B0604020202020204" pitchFamily="34" charset="0"/>
-              <a:buChar char="•"/>
-            </a:pPr>
-            <a:r>
-              <a:rPr lang="en-US" altLang="zh-CN" dirty="0"/>
-              <a:t>final  override</a:t>
-            </a:r>
-          </a:p>
-          <a:p>
-            <a:pPr marL="285750" indent="-285750">
-              <a:buFont typeface="Arial" panose="020B0604020202020204" pitchFamily="34" charset="0"/>
-              <a:buChar char="•"/>
-            </a:pPr>
-            <a:r>
-              <a:rPr lang="en-US" altLang="zh-CN" dirty="0"/>
-              <a:t>for </a:t>
-            </a:r>
-            <a:r>
-              <a:rPr lang="zh-CN" altLang="en-US" dirty="0"/>
-              <a:t>新用法</a:t>
-            </a:r>
-            <a:endParaRPr lang="en-US" altLang="zh-CN" dirty="0"/>
-          </a:p>
-          <a:p>
-            <a:pPr algn="ctr"/>
-            <a:endParaRPr lang="en-US" altLang="zh-CN" dirty="0" smtClean="0"/>
-          </a:p>
-        </p:txBody>
-      </p:sp>
     </p:spTree>
     <p:extLst>
       <p:ext uri="{BB962C8B-B14F-4D97-AF65-F5344CB8AC3E}">
@@ -9120,7 +9231,7 @@
     </p:extLst>
   </p:cSld>
   <p:clrMapOvr>
-    <a:masterClrMapping/>
+    <a:overrideClrMapping bg1="lt1" tx1="dk1" bg2="lt2" tx2="dk2" accent1="accent1" accent2="accent2" accent3="accent3" accent4="accent4" accent5="accent5" accent6="accent6" hlink="hlink" folHlink="folHlink"/>
   </p:clrMapOvr>
   <p:timing>
     <p:tnLst>
@@ -10612,28 +10723,8 @@
           <a:lstStyle/>
           <a:p>
             <a:r>
-              <a:rPr lang="en-US" altLang="zh-CN" dirty="0" err="1"/>
-              <a:t>Lamda</a:t>
-            </a:r>
-            <a:r>
-              <a:rPr lang="en-US" altLang="zh-CN" dirty="0"/>
-              <a:t>  </a:t>
-            </a:r>
-            <a:r>
-              <a:rPr lang="en-US" altLang="zh-CN" dirty="0" err="1"/>
-              <a:t>std</a:t>
-            </a:r>
-            <a:r>
-              <a:rPr lang="en-US" altLang="zh-CN" dirty="0"/>
-              <a:t>::function </a:t>
-            </a:r>
-            <a:r>
-              <a:rPr lang="en-US" altLang="zh-CN" dirty="0" err="1"/>
-              <a:t>std</a:t>
-            </a:r>
-            <a:r>
-              <a:rPr lang="en-US" altLang="zh-CN" dirty="0"/>
-              <a:t>::bind</a:t>
+              <a:rPr lang="zh-CN" altLang="en-US" dirty="0" smtClean="0"/>
+              <a:t>强类型枚举</a:t>
             </a:r>
             <a:endParaRPr lang="zh-CN" altLang="en-US" dirty="0"/>
           </a:p>
@@ -10654,288 +10745,98 @@
           <a:bodyPr/>
           <a:lstStyle/>
           <a:p>
-            <a:pPr fontAlgn="ctr"/>
-            <a:r>
-              <a:rPr lang="en-US" altLang="zh-CN" dirty="0" err="1" smtClean="0"/>
-              <a:t>Lamda</a:t>
+            <a:r>
+              <a:rPr lang="en-US" altLang="zh-CN" dirty="0" err="1"/>
+              <a:t>enum</a:t>
+            </a:r>
+            <a:r>
+              <a:rPr lang="en-US" altLang="zh-CN" dirty="0"/>
+              <a:t> class Enumeration </a:t>
+            </a:r>
+            <a:endParaRPr lang="en-US" altLang="zh-CN" dirty="0" smtClean="0"/>
+          </a:p>
+          <a:p>
+            <a:r>
+              <a:rPr lang="en-US" altLang="zh-CN" dirty="0" smtClean="0"/>
+              <a:t>{</a:t>
+            </a:r>
+          </a:p>
+          <a:p>
+            <a:r>
+              <a:rPr lang="en-US" altLang="zh-CN" dirty="0"/>
+              <a:t>	</a:t>
+            </a:r>
+            <a:r>
+              <a:rPr lang="en-US" altLang="zh-CN" dirty="0" smtClean="0"/>
+              <a:t> Val1 = 1,</a:t>
+            </a:r>
+          </a:p>
+          <a:p>
+            <a:r>
+              <a:rPr lang="en-US" altLang="zh-CN" dirty="0"/>
+              <a:t>	</a:t>
             </a:r>
             <a:r>
               <a:rPr lang="en-US" altLang="zh-CN" dirty="0" smtClean="0"/>
               <a:t> </a:t>
             </a:r>
             <a:r>
-              <a:rPr lang="zh-CN" altLang="en-US" dirty="0" smtClean="0"/>
-              <a:t>是</a:t>
-            </a:r>
-            <a:r>
-              <a:rPr lang="zh-CN" altLang="en-US" dirty="0"/>
-              <a:t>一个匿名函数，即没有函数名的函数。</a:t>
-            </a:r>
-            <a:endParaRPr lang="en-US" altLang="zh-CN" b="1" dirty="0" smtClean="0"/>
+              <a:rPr lang="en-US" altLang="zh-CN" dirty="0"/>
+              <a:t>Val2, </a:t>
+            </a:r>
+            <a:endParaRPr lang="en-US" altLang="zh-CN" dirty="0" smtClean="0"/>
           </a:p>
           <a:p>
-            <a:pPr fontAlgn="ctr"/>
-            <a:r>
-              <a:rPr lang="en-US" altLang="zh-CN" dirty="0" err="1"/>
-              <a:t>Lamda</a:t>
-            </a:r>
-            <a:r>
-              <a:rPr lang="en-US" altLang="zh-CN" dirty="0"/>
-              <a:t> </a:t>
-            </a:r>
-            <a:r>
-              <a:rPr lang="zh-CN" altLang="en-US" dirty="0"/>
-              <a:t>语法</a:t>
-            </a:r>
-            <a:r>
-              <a:rPr lang="zh-CN" altLang="en-US" dirty="0" smtClean="0"/>
-              <a:t>类型：</a:t>
+            <a:r>
+              <a:rPr lang="en-US" altLang="zh-CN" dirty="0" smtClean="0"/>
+              <a:t>}; </a:t>
             </a:r>
             <a:endParaRPr lang="en-US" altLang="zh-CN" dirty="0"/>
           </a:p>
           <a:p>
-            <a:pPr marL="285750" indent="-285750" fontAlgn="ctr">
-              <a:buFont typeface="Arial" panose="020B0604020202020204" pitchFamily="34" charset="0"/>
-              <a:buChar char="•"/>
-            </a:pPr>
-            <a:r>
-              <a:rPr lang="en-US" altLang="zh-CN" dirty="0"/>
-              <a:t>[ capture ] ( </a:t>
-            </a:r>
-            <a:r>
-              <a:rPr lang="en-US" altLang="zh-CN" dirty="0" err="1"/>
-              <a:t>params</a:t>
-            </a:r>
-            <a:r>
-              <a:rPr lang="en-US" altLang="zh-CN" dirty="0"/>
-              <a:t> ) mutable exception attribute -&gt; ret { body }</a:t>
-            </a:r>
-            <a:endParaRPr lang="zh-CN" altLang="zh-CN" dirty="0"/>
-          </a:p>
-          <a:p>
-            <a:pPr marL="285750" indent="-285750" fontAlgn="ctr">
-              <a:buFont typeface="Arial" panose="020B0604020202020204" pitchFamily="34" charset="0"/>
-              <a:buChar char="•"/>
-            </a:pPr>
-            <a:r>
-              <a:rPr lang="en-US" altLang="zh-CN" dirty="0"/>
-              <a:t>[ capture ] ( </a:t>
-            </a:r>
-            <a:r>
-              <a:rPr lang="en-US" altLang="zh-CN" dirty="0" err="1"/>
-              <a:t>params</a:t>
-            </a:r>
-            <a:r>
-              <a:rPr lang="en-US" altLang="zh-CN" dirty="0"/>
-              <a:t> ) -&gt; ret { body }</a:t>
-            </a:r>
-            <a:endParaRPr lang="zh-CN" altLang="zh-CN" dirty="0"/>
-          </a:p>
-          <a:p>
-            <a:pPr marL="285750" indent="-285750" fontAlgn="ctr">
-              <a:buFont typeface="Arial" panose="020B0604020202020204" pitchFamily="34" charset="0"/>
-              <a:buChar char="•"/>
-            </a:pPr>
-            <a:r>
-              <a:rPr lang="en-US" altLang="zh-CN" dirty="0"/>
-              <a:t>[ capture ] ( </a:t>
-            </a:r>
-            <a:r>
-              <a:rPr lang="en-US" altLang="zh-CN" dirty="0" err="1"/>
-              <a:t>params</a:t>
-            </a:r>
-            <a:r>
-              <a:rPr lang="en-US" altLang="zh-CN" dirty="0"/>
-              <a:t> ) { body }</a:t>
-            </a:r>
-            <a:endParaRPr lang="zh-CN" altLang="zh-CN" dirty="0"/>
-          </a:p>
-          <a:p>
-            <a:pPr marL="285750" indent="-285750" fontAlgn="ctr">
-              <a:buFont typeface="Arial" panose="020B0604020202020204" pitchFamily="34" charset="0"/>
-              <a:buChar char="•"/>
-            </a:pPr>
-            <a:r>
-              <a:rPr lang="en-US" altLang="zh-CN" dirty="0"/>
-              <a:t>[ capture ] { body }</a:t>
-            </a:r>
-            <a:endParaRPr lang="zh-CN" altLang="zh-CN" dirty="0"/>
-          </a:p>
-          <a:p>
-            <a:r>
-              <a:rPr lang="en-US" altLang="zh-CN" dirty="0" smtClean="0"/>
-              <a:t>Capture </a:t>
+            <a:r>
+              <a:rPr lang="zh-CN" altLang="en-US" dirty="0"/>
+              <a:t>此种枚举为类型安全的。枚举类型不能隐式地转换为整数；也无法与整数数值做比较</a:t>
             </a:r>
             <a:r>
               <a:rPr lang="zh-CN" altLang="en-US" dirty="0" smtClean="0"/>
-              <a:t>类型</a:t>
+              <a:t>。</a:t>
             </a:r>
             <a:endParaRPr lang="en-US" altLang="zh-CN" dirty="0" smtClean="0"/>
           </a:p>
           <a:p>
-            <a:pPr marL="285750" lvl="0" indent="-285750" eaLnBrk="0" fontAlgn="base" hangingPunct="0">
-              <a:lnSpc>
-                <a:spcPct val="100000"/>
-              </a:lnSpc>
-              <a:spcBef>
-                <a:spcPct val="0"/>
-              </a:spcBef>
-              <a:spcAft>
-                <a:spcPct val="0"/>
-              </a:spcAft>
-              <a:buFont typeface="Arial" panose="020B0604020202020204" pitchFamily="34" charset="0"/>
-              <a:buChar char="•"/>
-            </a:pPr>
-            <a:r>
-              <a:rPr lang="zh-CN" altLang="zh-CN" dirty="0"/>
-              <a:t>[a,&amp;b] </a:t>
-            </a:r>
-            <a:r>
-              <a:rPr lang="en-US" altLang="zh-CN" dirty="0" smtClean="0"/>
-              <a:t>	</a:t>
-            </a:r>
-            <a:r>
-              <a:rPr lang="zh-CN" altLang="zh-CN" dirty="0" smtClean="0"/>
-              <a:t>a</a:t>
-            </a:r>
-            <a:r>
-              <a:rPr lang="zh-CN" altLang="zh-CN" dirty="0"/>
-              <a:t>变量以值的方式呗捕获，b以引用的方式被捕获。 </a:t>
-            </a:r>
-          </a:p>
-          <a:p>
-            <a:pPr marL="285750" lvl="0" indent="-285750" eaLnBrk="0" fontAlgn="base" hangingPunct="0">
-              <a:lnSpc>
-                <a:spcPct val="100000"/>
-              </a:lnSpc>
-              <a:spcBef>
-                <a:spcPct val="0"/>
-              </a:spcBef>
-              <a:spcAft>
-                <a:spcPct val="0"/>
-              </a:spcAft>
-              <a:buFont typeface="Arial" panose="020B0604020202020204" pitchFamily="34" charset="0"/>
-              <a:buChar char="•"/>
-            </a:pPr>
-            <a:r>
-              <a:rPr lang="zh-CN" altLang="zh-CN" dirty="0"/>
-              <a:t>[this] </a:t>
-            </a:r>
-            <a:r>
-              <a:rPr lang="en-US" altLang="zh-CN" dirty="0" smtClean="0"/>
-              <a:t>		</a:t>
-            </a:r>
-            <a:r>
-              <a:rPr lang="zh-CN" altLang="zh-CN" dirty="0" smtClean="0"/>
-              <a:t>以</a:t>
-            </a:r>
-            <a:r>
-              <a:rPr lang="zh-CN" altLang="zh-CN" dirty="0"/>
-              <a:t>值的方式捕获 this 指针。 </a:t>
-            </a:r>
-          </a:p>
-          <a:p>
-            <a:pPr marL="285750" lvl="0" indent="-285750" eaLnBrk="0" fontAlgn="base" hangingPunct="0">
-              <a:lnSpc>
-                <a:spcPct val="100000"/>
-              </a:lnSpc>
-              <a:spcBef>
-                <a:spcPct val="0"/>
-              </a:spcBef>
-              <a:spcAft>
-                <a:spcPct val="0"/>
-              </a:spcAft>
-              <a:buFont typeface="Arial" panose="020B0604020202020204" pitchFamily="34" charset="0"/>
-              <a:buChar char="•"/>
-            </a:pPr>
-            <a:r>
-              <a:rPr lang="zh-CN" altLang="zh-CN" dirty="0"/>
-              <a:t>[&amp;] </a:t>
-            </a:r>
-            <a:r>
-              <a:rPr lang="en-US" altLang="zh-CN" dirty="0" smtClean="0"/>
-              <a:t>		</a:t>
-            </a:r>
-            <a:r>
-              <a:rPr lang="zh-CN" altLang="zh-CN" dirty="0" smtClean="0"/>
-              <a:t>以</a:t>
-            </a:r>
-            <a:r>
-              <a:rPr lang="zh-CN" altLang="zh-CN" dirty="0"/>
-              <a:t>引用的方式捕获所有的外部自动变量。 </a:t>
-            </a:r>
-          </a:p>
-          <a:p>
-            <a:pPr marL="285750" lvl="0" indent="-285750" eaLnBrk="0" fontAlgn="base" hangingPunct="0">
-              <a:lnSpc>
-                <a:spcPct val="100000"/>
-              </a:lnSpc>
-              <a:spcBef>
-                <a:spcPct val="0"/>
-              </a:spcBef>
-              <a:spcAft>
-                <a:spcPct val="0"/>
-              </a:spcAft>
-              <a:buFont typeface="Arial" panose="020B0604020202020204" pitchFamily="34" charset="0"/>
-              <a:buChar char="•"/>
-            </a:pPr>
-            <a:r>
-              <a:rPr lang="zh-CN" altLang="zh-CN" dirty="0"/>
-              <a:t>[=] </a:t>
-            </a:r>
-            <a:r>
-              <a:rPr lang="en-US" altLang="zh-CN" dirty="0" smtClean="0"/>
-              <a:t>		</a:t>
-            </a:r>
-            <a:r>
-              <a:rPr lang="zh-CN" altLang="zh-CN" dirty="0" smtClean="0"/>
-              <a:t>以</a:t>
-            </a:r>
-            <a:r>
-              <a:rPr lang="zh-CN" altLang="zh-CN" dirty="0"/>
-              <a:t>值的方式捕获所有的外部自动变量。 </a:t>
-            </a:r>
-          </a:p>
-          <a:p>
-            <a:pPr marL="285750" lvl="0" indent="-285750" eaLnBrk="0" fontAlgn="base" hangingPunct="0">
-              <a:lnSpc>
-                <a:spcPct val="100000"/>
-              </a:lnSpc>
-              <a:spcBef>
-                <a:spcPct val="0"/>
-              </a:spcBef>
-              <a:spcAft>
-                <a:spcPct val="0"/>
-              </a:spcAft>
-              <a:buFont typeface="Arial" panose="020B0604020202020204" pitchFamily="34" charset="0"/>
-              <a:buChar char="•"/>
-            </a:pPr>
-            <a:r>
-              <a:rPr lang="zh-CN" altLang="zh-CN" dirty="0"/>
-              <a:t>[] </a:t>
-            </a:r>
-            <a:r>
-              <a:rPr lang="en-US" altLang="zh-CN" dirty="0" smtClean="0"/>
-              <a:t>		</a:t>
-            </a:r>
-            <a:r>
-              <a:rPr lang="zh-CN" altLang="zh-CN" dirty="0" smtClean="0"/>
-              <a:t>不</a:t>
-            </a:r>
-            <a:r>
-              <a:rPr lang="zh-CN" altLang="zh-CN" dirty="0"/>
-              <a:t>捕获外部的任何变量。 </a:t>
-            </a:r>
-          </a:p>
-          <a:p>
-            <a:endParaRPr lang="en-US" altLang="zh-CN" dirty="0" smtClean="0"/>
+            <a:r>
+              <a:rPr lang="zh-CN" altLang="en-US" dirty="0"/>
+              <a:t>枚举类型所使用类型必须显式</a:t>
+            </a:r>
+            <a:r>
+              <a:rPr lang="zh-CN" altLang="en-US" dirty="0" smtClean="0"/>
+              <a:t>指定 </a:t>
+            </a:r>
+            <a:r>
+              <a:rPr lang="en-US" altLang="zh-CN" dirty="0" err="1"/>
+              <a:t>enum</a:t>
+            </a:r>
+            <a:r>
+              <a:rPr lang="en-US" altLang="zh-CN" dirty="0"/>
+              <a:t> class Enum2 : unsigned </a:t>
+            </a:r>
+            <a:r>
+              <a:rPr lang="en-US" altLang="zh-CN" dirty="0" err="1"/>
+              <a:t>int</a:t>
+            </a:r>
+            <a:r>
+              <a:rPr lang="en-US" altLang="zh-CN" dirty="0"/>
+              <a:t> {Val1, Val2};</a:t>
+            </a:r>
+            <a:endParaRPr lang="zh-CN" altLang="en-US" dirty="0"/>
           </a:p>
         </p:txBody>
       </p:sp>
     </p:spTree>
     <p:extLst>
       <p:ext uri="{BB962C8B-B14F-4D97-AF65-F5344CB8AC3E}">
-        <p14:creationId xmlns:p14="http://schemas.microsoft.com/office/powerpoint/2010/main" val="251307693"/>
+        <p14:creationId xmlns:p14="http://schemas.microsoft.com/office/powerpoint/2010/main" val="593130355"/>
       </p:ext>
     </p:extLst>
   </p:cSld>
@@ -10978,8 +10879,28 @@
           <a:lstStyle/>
           <a:p>
             <a:r>
+              <a:rPr lang="en-US" altLang="zh-CN" dirty="0" err="1"/>
+              <a:t>Lamda</a:t>
+            </a:r>
+            <a:r>
               <a:rPr lang="en-US" altLang="zh-CN" dirty="0"/>
-              <a:t>Thread</a:t>
+              <a:t>  </a:t>
+            </a:r>
+            <a:r>
+              <a:rPr lang="en-US" altLang="zh-CN" dirty="0" err="1"/>
+              <a:t>std</a:t>
+            </a:r>
+            <a:r>
+              <a:rPr lang="en-US" altLang="zh-CN" dirty="0"/>
+              <a:t>::function </a:t>
+            </a:r>
+            <a:r>
+              <a:rPr lang="en-US" altLang="zh-CN" dirty="0" err="1"/>
+              <a:t>std</a:t>
+            </a:r>
+            <a:r>
+              <a:rPr lang="en-US" altLang="zh-CN" dirty="0"/>
+              <a:t>::bind</a:t>
             </a:r>
             <a:endParaRPr lang="zh-CN" altLang="en-US" dirty="0"/>
           </a:p>
@@ -11000,180 +10921,288 @@
           <a:bodyPr/>
           <a:lstStyle/>
           <a:p>
+            <a:pPr fontAlgn="ctr"/>
+            <a:r>
+              <a:rPr lang="en-US" altLang="zh-CN" dirty="0" err="1" smtClean="0"/>
+              <a:t>Lamda</a:t>
+            </a:r>
             <a:r>
               <a:rPr lang="en-US" altLang="zh-CN" dirty="0" smtClean="0"/>
-              <a:t/>
-            </a:r>
-            <a:br>
-              <a:rPr lang="en-US" altLang="zh-CN" dirty="0" smtClean="0"/>
-            </a:br>
-            <a:r>
-              <a:rPr lang="en-US" altLang="zh-CN" b="1" dirty="0" err="1" smtClean="0"/>
-              <a:t>std</a:t>
-            </a:r>
-            <a:r>
-              <a:rPr lang="en-US" altLang="zh-CN" b="1" dirty="0"/>
-              <a:t>::future</a:t>
-            </a:r>
+              <a:t> </a:t>
+            </a:r>
+            <a:r>
+              <a:rPr lang="zh-CN" altLang="en-US" dirty="0" smtClean="0"/>
+              <a:t>是</a:t>
+            </a:r>
+            <a:r>
+              <a:rPr lang="zh-CN" altLang="en-US" dirty="0"/>
+              <a:t>一个匿名函数，即没有函数名的函数。</a:t>
+            </a:r>
+            <a:endParaRPr lang="en-US" altLang="zh-CN" b="1" dirty="0" smtClean="0"/>
           </a:p>
           <a:p>
+            <a:pPr fontAlgn="ctr"/>
+            <a:r>
+              <a:rPr lang="en-US" altLang="zh-CN" dirty="0" err="1"/>
+              <a:t>Lamda</a:t>
+            </a:r>
+            <a:r>
+              <a:rPr lang="en-US" altLang="zh-CN" dirty="0"/>
+              <a:t> </a:t>
+            </a:r>
             <a:r>
               <a:rPr lang="zh-CN" altLang="en-US" dirty="0"/>
-              <a:t>　　</a:t>
-            </a:r>
-            <a:r>
-              <a:rPr lang="en-US" altLang="zh-CN" dirty="0" err="1"/>
-              <a:t>std</a:t>
-            </a:r>
-            <a:r>
-              <a:rPr lang="en-US" altLang="zh-CN" dirty="0"/>
-              <a:t>::future</a:t>
-            </a:r>
-            <a:r>
-              <a:rPr lang="zh-CN" altLang="en-US" dirty="0"/>
-              <a:t>是一个非常有用也很有意思的东西，简单说</a:t>
-            </a:r>
-            <a:r>
-              <a:rPr lang="en-US" altLang="zh-CN" dirty="0" err="1"/>
-              <a:t>std</a:t>
-            </a:r>
-            <a:r>
-              <a:rPr lang="en-US" altLang="zh-CN" dirty="0"/>
-              <a:t>::future</a:t>
-            </a:r>
-            <a:r>
-              <a:rPr lang="zh-CN" altLang="en-US" dirty="0"/>
-              <a:t>提供了一种访问异步操作结果的机制。从字面意思来理解，它表示未来，我觉得这个名字非常贴切，因为一个异步操作我们是不可能马上就获取操作结果的，只能在未来某个时候获取，但是我们可以以同步等待的方式来获取结果，可以通过查询</a:t>
-            </a:r>
-            <a:r>
-              <a:rPr lang="en-US" altLang="zh-CN" dirty="0"/>
-              <a:t>future</a:t>
-            </a:r>
-            <a:r>
-              <a:rPr lang="zh-CN" altLang="en-US" dirty="0"/>
-              <a:t>的状态（</a:t>
-            </a:r>
-            <a:r>
-              <a:rPr lang="en-US" altLang="zh-CN" dirty="0" err="1"/>
-              <a:t>future_status</a:t>
-            </a:r>
-            <a:r>
-              <a:rPr lang="zh-CN" altLang="en-US" dirty="0"/>
-              <a:t>）来获取异步操作的结果。</a:t>
-            </a:r>
-            <a:r>
-              <a:rPr lang="en-US" altLang="zh-CN" dirty="0" err="1"/>
-              <a:t>future_status</a:t>
-            </a:r>
-            <a:r>
-              <a:rPr lang="zh-CN" altLang="en-US" dirty="0"/>
-              <a:t>有三种状态：</a:t>
-            </a:r>
+              <a:t>语法</a:t>
+            </a:r>
+            <a:r>
+              <a:rPr lang="zh-CN" altLang="en-US" dirty="0" smtClean="0"/>
+              <a:t>类型：</a:t>
+            </a:r>
+            <a:endParaRPr lang="en-US" altLang="zh-CN" dirty="0"/>
           </a:p>
           <a:p>
-            <a:r>
-              <a:rPr lang="en-US" altLang="zh-CN" sz="1400" dirty="0"/>
-              <a:t>deferred</a:t>
-            </a:r>
-            <a:r>
-              <a:rPr lang="zh-CN" altLang="en-US" sz="1400" dirty="0"/>
-              <a:t>：异步操作还没开始</a:t>
-            </a:r>
+            <a:pPr marL="285750" indent="-285750" fontAlgn="ctr">
+              <a:buFont typeface="Arial" panose="020B0604020202020204" pitchFamily="34" charset="0"/>
+              <a:buChar char="•"/>
+            </a:pPr>
+            <a:r>
+              <a:rPr lang="en-US" altLang="zh-CN" dirty="0"/>
+              <a:t>[ capture ] ( </a:t>
+            </a:r>
+            <a:r>
+              <a:rPr lang="en-US" altLang="zh-CN" dirty="0" err="1"/>
+              <a:t>params</a:t>
+            </a:r>
+            <a:r>
+              <a:rPr lang="en-US" altLang="zh-CN" dirty="0"/>
+              <a:t> ) mutable exception attribute -&gt; ret { body }</a:t>
+            </a:r>
+            <a:endParaRPr lang="zh-CN" altLang="zh-CN" dirty="0"/>
           </a:p>
           <a:p>
-            <a:r>
-              <a:rPr lang="en-US" altLang="zh-CN" sz="1400" dirty="0"/>
-              <a:t>ready</a:t>
-            </a:r>
-            <a:r>
-              <a:rPr lang="zh-CN" altLang="en-US" sz="1400" dirty="0"/>
-              <a:t>：异步操作已经完成</a:t>
-            </a:r>
+            <a:pPr marL="285750" indent="-285750" fontAlgn="ctr">
+              <a:buFont typeface="Arial" panose="020B0604020202020204" pitchFamily="34" charset="0"/>
+              <a:buChar char="•"/>
+            </a:pPr>
+            <a:r>
+              <a:rPr lang="en-US" altLang="zh-CN" dirty="0"/>
+              <a:t>[ capture ] ( </a:t>
+            </a:r>
+            <a:r>
+              <a:rPr lang="en-US" altLang="zh-CN" dirty="0" err="1"/>
+              <a:t>params</a:t>
+            </a:r>
+            <a:r>
+              <a:rPr lang="en-US" altLang="zh-CN" dirty="0"/>
+              <a:t> ) -&gt; ret { body }</a:t>
+            </a:r>
+            <a:endParaRPr lang="zh-CN" altLang="zh-CN" dirty="0"/>
           </a:p>
           <a:p>
-            <a:r>
-              <a:rPr lang="en-US" altLang="zh-CN" sz="1400" dirty="0"/>
-              <a:t>timeout</a:t>
-            </a:r>
-            <a:r>
-              <a:rPr lang="zh-CN" altLang="en-US" sz="1400" dirty="0"/>
-              <a:t>：异步操作</a:t>
-            </a:r>
-            <a:r>
-              <a:rPr lang="zh-CN" altLang="en-US" sz="1400" dirty="0" smtClean="0"/>
-              <a:t>超时</a:t>
+            <a:pPr marL="285750" indent="-285750" fontAlgn="ctr">
+              <a:buFont typeface="Arial" panose="020B0604020202020204" pitchFamily="34" charset="0"/>
+              <a:buChar char="•"/>
+            </a:pPr>
+            <a:r>
+              <a:rPr lang="en-US" altLang="zh-CN" dirty="0"/>
+              <a:t>[ capture ] ( </a:t>
+            </a:r>
+            <a:r>
+              <a:rPr lang="en-US" altLang="zh-CN" dirty="0" err="1"/>
+              <a:t>params</a:t>
+            </a:r>
+            <a:r>
+              <a:rPr lang="en-US" altLang="zh-CN" dirty="0"/>
+              <a:t> ) { body }</a:t>
+            </a:r>
+            <a:endParaRPr lang="zh-CN" altLang="zh-CN" dirty="0"/>
+          </a:p>
+          <a:p>
+            <a:pPr marL="285750" indent="-285750" fontAlgn="ctr">
+              <a:buFont typeface="Arial" panose="020B0604020202020204" pitchFamily="34" charset="0"/>
+              <a:buChar char="•"/>
+            </a:pPr>
+            <a:r>
+              <a:rPr lang="en-US" altLang="zh-CN" dirty="0"/>
+              <a:t>[ capture ] { body }</a:t>
+            </a:r>
+            <a:endParaRPr lang="zh-CN" altLang="zh-CN" dirty="0"/>
+          </a:p>
+          <a:p>
+            <a:r>
+              <a:rPr lang="en-US" altLang="zh-CN" dirty="0" smtClean="0"/>
+              <a:t>Capture </a:t>
+            </a:r>
+            <a:r>
+              <a:rPr lang="zh-CN" altLang="en-US" dirty="0" smtClean="0"/>
+              <a:t>类型</a:t>
             </a:r>
             <a:endParaRPr lang="en-US" altLang="zh-CN" dirty="0" smtClean="0"/>
           </a:p>
           <a:p>
-            <a:r>
-              <a:rPr lang="en-US" altLang="zh-CN" b="1" dirty="0" err="1"/>
-              <a:t>std</a:t>
-            </a:r>
-            <a:r>
-              <a:rPr lang="en-US" altLang="zh-CN" b="1" dirty="0"/>
-              <a:t>::promise</a:t>
+            <a:pPr marL="285750" lvl="0" indent="-285750" eaLnBrk="0" fontAlgn="base" hangingPunct="0">
+              <a:lnSpc>
+                <a:spcPct val="100000"/>
+              </a:lnSpc>
+              <a:spcBef>
+                <a:spcPct val="0"/>
+              </a:spcBef>
+              <a:spcAft>
+                <a:spcPct val="0"/>
+              </a:spcAft>
+              <a:buFont typeface="Arial" panose="020B0604020202020204" pitchFamily="34" charset="0"/>
+              <a:buChar char="•"/>
+            </a:pPr>
+            <a:r>
+              <a:rPr lang="zh-CN" altLang="zh-CN" dirty="0"/>
+              <a:t>[a,&amp;b] </a:t>
+            </a:r>
+            <a:r>
+              <a:rPr lang="en-US" altLang="zh-CN" dirty="0" smtClean="0"/>
+              <a:t>	</a:t>
+            </a:r>
+            <a:r>
+              <a:rPr lang="zh-CN" altLang="zh-CN" dirty="0" smtClean="0"/>
+              <a:t>a</a:t>
+            </a:r>
+            <a:r>
+              <a:rPr lang="zh-CN" altLang="zh-CN" dirty="0"/>
+              <a:t>变量以值的方式呗捕获，b以引用的方式被捕获。 </a:t>
             </a:r>
           </a:p>
           <a:p>
-            <a:r>
-              <a:rPr lang="zh-CN" altLang="en-US" dirty="0"/>
-              <a:t>　　</a:t>
-            </a:r>
-            <a:r>
-              <a:rPr lang="en-US" altLang="zh-CN" dirty="0" err="1"/>
-              <a:t>std</a:t>
-            </a:r>
-            <a:r>
-              <a:rPr lang="en-US" altLang="zh-CN" dirty="0"/>
-              <a:t>::promise</a:t>
-            </a:r>
-            <a:r>
-              <a:rPr lang="zh-CN" altLang="en-US" dirty="0"/>
-              <a:t>为获取线程函数中的某个值提供便利，在线程函数中给外面传进来的</a:t>
-            </a:r>
-            <a:r>
-              <a:rPr lang="en-US" altLang="zh-CN" dirty="0"/>
-              <a:t>promise</a:t>
-            </a:r>
-            <a:r>
-              <a:rPr lang="zh-CN" altLang="en-US" dirty="0"/>
-              <a:t>赋值，当线程函数执行完成之后就可以通过</a:t>
-            </a:r>
-            <a:r>
-              <a:rPr lang="en-US" altLang="zh-CN" dirty="0" err="1"/>
-              <a:t>promis</a:t>
-            </a:r>
-            <a:r>
-              <a:rPr lang="zh-CN" altLang="en-US" dirty="0"/>
-              <a:t>获取该值了，值得注意的是取值是间接的通过</a:t>
-            </a:r>
-            <a:r>
-              <a:rPr lang="en-US" altLang="zh-CN" dirty="0"/>
-              <a:t>promise</a:t>
-            </a:r>
-            <a:r>
-              <a:rPr lang="zh-CN" altLang="en-US" dirty="0"/>
-              <a:t>内部提供的</a:t>
-            </a:r>
-            <a:r>
-              <a:rPr lang="en-US" altLang="zh-CN" dirty="0"/>
-              <a:t>future</a:t>
-            </a:r>
-            <a:r>
-              <a:rPr lang="zh-CN" altLang="en-US" dirty="0"/>
-              <a:t>来获取的。</a:t>
+            <a:pPr marL="285750" lvl="0" indent="-285750" eaLnBrk="0" fontAlgn="base" hangingPunct="0">
+              <a:lnSpc>
+                <a:spcPct val="100000"/>
+              </a:lnSpc>
+              <a:spcBef>
+                <a:spcPct val="0"/>
+              </a:spcBef>
+              <a:spcAft>
+                <a:spcPct val="0"/>
+              </a:spcAft>
+              <a:buFont typeface="Arial" panose="020B0604020202020204" pitchFamily="34" charset="0"/>
+              <a:buChar char="•"/>
+            </a:pPr>
+            <a:r>
+              <a:rPr lang="zh-CN" altLang="zh-CN" dirty="0"/>
+              <a:t>[this] </a:t>
+            </a:r>
+            <a:r>
+              <a:rPr lang="en-US" altLang="zh-CN" dirty="0" smtClean="0"/>
+              <a:t>		</a:t>
+            </a:r>
+            <a:r>
+              <a:rPr lang="zh-CN" altLang="zh-CN" dirty="0" smtClean="0"/>
+              <a:t>以</a:t>
+            </a:r>
+            <a:r>
+              <a:rPr lang="zh-CN" altLang="zh-CN" dirty="0"/>
+              <a:t>值的方式捕获 this 指针。 </a:t>
             </a:r>
           </a:p>
           <a:p>
-            <a:endParaRPr lang="zh-CN" altLang="en-US" dirty="0"/>
+            <a:pPr marL="285750" lvl="0" indent="-285750" eaLnBrk="0" fontAlgn="base" hangingPunct="0">
+              <a:lnSpc>
+                <a:spcPct val="100000"/>
+              </a:lnSpc>
+              <a:spcBef>
+                <a:spcPct val="0"/>
+              </a:spcBef>
+              <a:spcAft>
+                <a:spcPct val="0"/>
+              </a:spcAft>
+              <a:buFont typeface="Arial" panose="020B0604020202020204" pitchFamily="34" charset="0"/>
+              <a:buChar char="•"/>
+            </a:pPr>
+            <a:r>
+              <a:rPr lang="zh-CN" altLang="zh-CN" dirty="0"/>
+              <a:t>[&amp;] </a:t>
+            </a:r>
+            <a:r>
+              <a:rPr lang="en-US" altLang="zh-CN" dirty="0" smtClean="0"/>
+              <a:t>		</a:t>
+            </a:r>
+            <a:r>
+              <a:rPr lang="zh-CN" altLang="zh-CN" dirty="0" smtClean="0"/>
+              <a:t>以</a:t>
+            </a:r>
+            <a:r>
+              <a:rPr lang="zh-CN" altLang="zh-CN" dirty="0"/>
+              <a:t>引用的方式捕获所有的外部自动变量。 </a:t>
+            </a:r>
+          </a:p>
+          <a:p>
+            <a:pPr marL="285750" lvl="0" indent="-285750" eaLnBrk="0" fontAlgn="base" hangingPunct="0">
+              <a:lnSpc>
+                <a:spcPct val="100000"/>
+              </a:lnSpc>
+              <a:spcBef>
+                <a:spcPct val="0"/>
+              </a:spcBef>
+              <a:spcAft>
+                <a:spcPct val="0"/>
+              </a:spcAft>
+              <a:buFont typeface="Arial" panose="020B0604020202020204" pitchFamily="34" charset="0"/>
+              <a:buChar char="•"/>
+            </a:pPr>
+            <a:r>
+              <a:rPr lang="zh-CN" altLang="zh-CN" dirty="0"/>
+              <a:t>[=] </a:t>
+            </a:r>
+            <a:r>
+              <a:rPr lang="en-US" altLang="zh-CN" dirty="0" smtClean="0"/>
+              <a:t>		</a:t>
+            </a:r>
+            <a:r>
+              <a:rPr lang="zh-CN" altLang="zh-CN" dirty="0" smtClean="0"/>
+              <a:t>以</a:t>
+            </a:r>
+            <a:r>
+              <a:rPr lang="zh-CN" altLang="zh-CN" dirty="0"/>
+              <a:t>值的方式捕获所有的外部自动变量。 </a:t>
+            </a:r>
+          </a:p>
+          <a:p>
+            <a:pPr marL="285750" lvl="0" indent="-285750" eaLnBrk="0" fontAlgn="base" hangingPunct="0">
+              <a:lnSpc>
+                <a:spcPct val="100000"/>
+              </a:lnSpc>
+              <a:spcBef>
+                <a:spcPct val="0"/>
+              </a:spcBef>
+              <a:spcAft>
+                <a:spcPct val="0"/>
+              </a:spcAft>
+              <a:buFont typeface="Arial" panose="020B0604020202020204" pitchFamily="34" charset="0"/>
+              <a:buChar char="•"/>
+            </a:pPr>
+            <a:r>
+              <a:rPr lang="zh-CN" altLang="zh-CN" dirty="0"/>
+              <a:t>[] </a:t>
+            </a:r>
+            <a:r>
+              <a:rPr lang="en-US" altLang="zh-CN" dirty="0" smtClean="0"/>
+              <a:t>		</a:t>
+            </a:r>
+            <a:r>
+              <a:rPr lang="zh-CN" altLang="zh-CN" dirty="0" smtClean="0"/>
+              <a:t>不</a:t>
+            </a:r>
+            <a:r>
+              <a:rPr lang="zh-CN" altLang="zh-CN" dirty="0"/>
+              <a:t>捕获外部的任何变量。 </a:t>
+            </a:r>
+          </a:p>
+          <a:p>
+            <a:endParaRPr lang="en-US" altLang="zh-CN" dirty="0" smtClean="0"/>
           </a:p>
         </p:txBody>
       </p:sp>
     </p:spTree>
     <p:extLst>
       <p:ext uri="{BB962C8B-B14F-4D97-AF65-F5344CB8AC3E}">
-        <p14:creationId xmlns:p14="http://schemas.microsoft.com/office/powerpoint/2010/main" val="3921107210"/>
+        <p14:creationId xmlns:p14="http://schemas.microsoft.com/office/powerpoint/2010/main" val="251307693"/>
       </p:ext>
     </p:extLst>
   </p:cSld>
@@ -11239,18 +11268,20 @@
           <a:lstStyle/>
           <a:p>
             <a:r>
-              <a:rPr lang="en-US" altLang="zh-CN" b="1" dirty="0" err="1"/>
+              <a:rPr lang="en-US" altLang="zh-CN" dirty="0" smtClean="0"/>
+              <a:t/>
+            </a:r>
+            <a:br>
+              <a:rPr lang="en-US" altLang="zh-CN" dirty="0" smtClean="0"/>
+            </a:br>
+            <a:r>
+              <a:rPr lang="en-US" altLang="zh-CN" b="1" dirty="0" err="1" smtClean="0"/>
               <a:t>std</a:t>
             </a:r>
             <a:r>
               <a:rPr lang="en-US" altLang="zh-CN" b="1" dirty="0"/>
-              <a:t>::</a:t>
-            </a:r>
-            <a:r>
-              <a:rPr lang="en-US" altLang="zh-CN" b="1" dirty="0" err="1"/>
-              <a:t>packaged_task</a:t>
-            </a:r>
-            <a:endParaRPr lang="en-US" altLang="zh-CN" b="1" dirty="0"/>
+              <a:t>::future</a:t>
+            </a:r>
           </a:p>
           <a:p>
             <a:r>
@@ -11263,59 +11294,81 @@
             </a:r>
             <a:r>
               <a:rPr lang="en-US" altLang="zh-CN" dirty="0"/>
-              <a:t>::</a:t>
+              <a:t>::future</a:t>
+            </a:r>
+            <a:r>
+              <a:rPr lang="zh-CN" altLang="en-US" dirty="0"/>
+              <a:t>是一个非常有用也很有意思的东西，简单说</a:t>
             </a:r>
             <a:r>
               <a:rPr lang="en-US" altLang="zh-CN" dirty="0" err="1"/>
-              <a:t>packaged_task</a:t>
+              <a:t>std</a:t>
+            </a:r>
+            <a:r>
+              <a:rPr lang="en-US" altLang="zh-CN" dirty="0"/>
+              <a:t>::future</a:t>
             </a:r>
             <a:r>
               <a:rPr lang="zh-CN" altLang="en-US" dirty="0"/>
-              <a:t>它包装了一个可调用的目标（如</a:t>
+              <a:t>提供了一种访问异步操作结果的机制。从字面意思来理解，它表示未来，我觉得这个名字非常贴切，因为一个异步操作我们是不可能马上就获取操作结果的，只能在未来某个时候获取，但是我们可以以同步等待的方式来获取结果，可以通过查询</a:t>
             </a:r>
             <a:r>
               <a:rPr lang="en-US" altLang="zh-CN" dirty="0"/>
-              <a:t>function, lambda expression, bind expression, or another function object</a:t>
+              <a:t>future</a:t>
             </a:r>
             <a:r>
               <a:rPr lang="zh-CN" altLang="en-US" dirty="0"/>
-              <a:t>）</a:t>
-            </a:r>
-            <a:r>
-              <a:rPr lang="en-US" altLang="zh-CN" dirty="0"/>
-              <a:t>,</a:t>
+              <a:t>的状态（</a:t>
+            </a:r>
+            <a:r>
+              <a:rPr lang="en-US" altLang="zh-CN" dirty="0" err="1"/>
+              <a:t>future_status</a:t>
             </a:r>
             <a:r>
               <a:rPr lang="zh-CN" altLang="en-US" dirty="0"/>
-              <a:t>以便异步调用，它和</a:t>
-            </a:r>
-            <a:r>
-              <a:rPr lang="en-US" altLang="zh-CN" dirty="0"/>
-              <a:t>promise</a:t>
+              <a:t>）来获取异步操作的结果。</a:t>
+            </a:r>
+            <a:r>
+              <a:rPr lang="en-US" altLang="zh-CN" dirty="0" err="1"/>
+              <a:t>future_status</a:t>
             </a:r>
             <a:r>
               <a:rPr lang="zh-CN" altLang="en-US" dirty="0"/>
-              <a:t>在某种程度上有点像，</a:t>
-            </a:r>
-            <a:r>
-              <a:rPr lang="en-US" altLang="zh-CN" dirty="0"/>
-              <a:t>promise</a:t>
-            </a:r>
-            <a:r>
-              <a:rPr lang="zh-CN" altLang="en-US" dirty="0"/>
-              <a:t>保存了一个共享状态的值，而</a:t>
-            </a:r>
-            <a:r>
-              <a:rPr lang="en-US" altLang="zh-CN" dirty="0" err="1"/>
-              <a:t>packaged_task</a:t>
-            </a:r>
-            <a:r>
-              <a:rPr lang="zh-CN" altLang="en-US" dirty="0"/>
-              <a:t>保存的是一个函数</a:t>
-            </a:r>
-            <a:r>
-              <a:rPr lang="zh-CN" altLang="en-US" dirty="0" smtClean="0"/>
-              <a:t>。</a:t>
+              <a:t>有三种状态：</a:t>
+            </a:r>
+          </a:p>
+          <a:p>
+            <a:r>
+              <a:rPr lang="en-US" altLang="zh-CN" sz="1400" dirty="0"/>
+              <a:t>deferred</a:t>
+            </a:r>
+            <a:r>
+              <a:rPr lang="zh-CN" altLang="en-US" sz="1400" dirty="0"/>
+              <a:t>：异步操作还没开始</a:t>
+            </a:r>
+          </a:p>
+          <a:p>
+            <a:r>
+              <a:rPr lang="en-US" altLang="zh-CN" sz="1400" dirty="0"/>
+              <a:t>ready</a:t>
+            </a:r>
+            <a:r>
+              <a:rPr lang="zh-CN" altLang="en-US" sz="1400" dirty="0"/>
+              <a:t>：异步操作已经完成</a:t>
+            </a:r>
+          </a:p>
+          <a:p>
+            <a:r>
+              <a:rPr lang="en-US" altLang="zh-CN" sz="1400" dirty="0"/>
+              <a:t>timeout</a:t>
+            </a:r>
+            <a:r>
+              <a:rPr lang="zh-CN" altLang="en-US" sz="1400" dirty="0"/>
+              <a:t>：异步操作</a:t>
+            </a:r>
+            <a:r>
+              <a:rPr lang="zh-CN" altLang="en-US" sz="1400" dirty="0" smtClean="0"/>
+              <a:t>超时</a:t>
             </a:r>
             <a:endParaRPr lang="en-US" altLang="zh-CN" dirty="0" smtClean="0"/>
           </a:p>
@@ -11326,15 +11379,7 @@
             </a:r>
             <a:r>
               <a:rPr lang="en-US" altLang="zh-CN" b="1" dirty="0"/>
-              <a:t>::</a:t>
-            </a:r>
-            <a:r>
-              <a:rPr lang="en-US" altLang="zh-CN" b="1" dirty="0" err="1"/>
-              <a:t>async</a:t>
-            </a:r>
-            <a:r>
-              <a:rPr lang="zh-CN" altLang="en-US" b="1" dirty="0"/>
-              <a:t>代替线程的创建</a:t>
+              <a:t>::promise</a:t>
             </a:r>
           </a:p>
           <a:p>
@@ -11343,196 +11388,40 @@
               <a:t>　　</a:t>
             </a:r>
             <a:r>
-              <a:rPr lang="en-US" altLang="zh-CN" dirty="0" err="1" smtClean="0"/>
-              <a:t>std</a:t>
-            </a:r>
-            <a:r>
-              <a:rPr lang="en-US" altLang="zh-CN" dirty="0"/>
-              <a:t>::</a:t>
-            </a:r>
-            <a:r>
-              <a:rPr lang="en-US" altLang="zh-CN" dirty="0" err="1"/>
-              <a:t>async</a:t>
-            </a:r>
-            <a:r>
-              <a:rPr lang="zh-CN" altLang="en-US" dirty="0"/>
-              <a:t>是为了让用户的少费点脑子的，它让这三个对象默契的工作。大概的工作过程是这样的：</a:t>
-            </a:r>
-            <a:r>
               <a:rPr lang="en-US" altLang="zh-CN" dirty="0" err="1"/>
               <a:t>std</a:t>
             </a:r>
             <a:r>
               <a:rPr lang="en-US" altLang="zh-CN" dirty="0"/>
-              <a:t>::</a:t>
+              <a:t>::promise</a:t>
+            </a:r>
+            <a:r>
+              <a:rPr lang="zh-CN" altLang="en-US" dirty="0"/>
+              <a:t>为获取线程函数中的某个值提供便利，在线程函数中给外面传进来的</a:t>
+            </a:r>
+            <a:r>
+              <a:rPr lang="en-US" altLang="zh-CN" dirty="0"/>
+              <a:t>promise</a:t>
+            </a:r>
+            <a:r>
+              <a:rPr lang="zh-CN" altLang="en-US" dirty="0"/>
+              <a:t>赋值，当线程函数执行完成之后就可以通过</a:t>
             </a:r>
             <a:r>
               <a:rPr lang="en-US" altLang="zh-CN" dirty="0" err="1"/>
-              <a:t>async</a:t>
+              <a:t>promis</a:t>
             </a:r>
             <a:r>
               <a:rPr lang="zh-CN" altLang="en-US" dirty="0"/>
-              <a:t>先将异步操作用</a:t>
-            </a:r>
-            <a:r>
-              <a:rPr lang="en-US" altLang="zh-CN" dirty="0" err="1"/>
-              <a:t>std</a:t>
+              <a:t>获取该值了，值得注意的是取值是间接的通过</a:t>
             </a:r>
             <a:r>
               <a:rPr lang="en-US" altLang="zh-CN" dirty="0"/>
-              <a:t>::</a:t>
-            </a:r>
-            <a:r>
-              <a:rPr lang="en-US" altLang="zh-CN" dirty="0" err="1"/>
-              <a:t>packaged_task</a:t>
+              <a:t>promise</a:t>
             </a:r>
             <a:r>
               <a:rPr lang="zh-CN" altLang="en-US" dirty="0"/>
-              <a:t>包装起来，然后将异步操作的结果放到</a:t>
-            </a:r>
-            <a:r>
-              <a:rPr lang="en-US" altLang="zh-CN" dirty="0" err="1"/>
-              <a:t>std</a:t>
-            </a:r>
-            <a:r>
-              <a:rPr lang="en-US" altLang="zh-CN" dirty="0"/>
-              <a:t>::promise</a:t>
-            </a:r>
-            <a:r>
-              <a:rPr lang="zh-CN" altLang="en-US" dirty="0"/>
-              <a:t>中，这个过程就是创造未来的过程。外面再通过</a:t>
-            </a:r>
-            <a:r>
-              <a:rPr lang="en-US" altLang="zh-CN" dirty="0" err="1"/>
-              <a:t>future.get</a:t>
-            </a:r>
-            <a:r>
-              <a:rPr lang="en-US" altLang="zh-CN" dirty="0"/>
-              <a:t>/wait</a:t>
-            </a:r>
-            <a:r>
-              <a:rPr lang="zh-CN" altLang="en-US" dirty="0"/>
-              <a:t>来获取这个未来的结果，怎么样，</a:t>
-            </a:r>
-            <a:r>
-              <a:rPr lang="en-US" altLang="zh-CN" dirty="0" err="1"/>
-              <a:t>std</a:t>
-            </a:r>
-            <a:r>
-              <a:rPr lang="en-US" altLang="zh-CN" dirty="0"/>
-              <a:t>::</a:t>
-            </a:r>
-            <a:r>
-              <a:rPr lang="en-US" altLang="zh-CN" dirty="0" err="1"/>
-              <a:t>async</a:t>
-            </a:r>
-            <a:r>
-              <a:rPr lang="zh-CN" altLang="en-US" dirty="0"/>
-              <a:t>真的是来帮忙的吧，你不用再想到底该怎么用</a:t>
-            </a:r>
-            <a:r>
-              <a:rPr lang="en-US" altLang="zh-CN" dirty="0" err="1"/>
-              <a:t>std</a:t>
-            </a:r>
-            <a:r>
-              <a:rPr lang="en-US" altLang="zh-CN" dirty="0"/>
-              <a:t>::future</a:t>
-            </a:r>
-            <a:r>
-              <a:rPr lang="zh-CN" altLang="en-US" dirty="0"/>
-              <a:t>、</a:t>
-            </a:r>
-            <a:r>
-              <a:rPr lang="en-US" altLang="zh-CN" dirty="0" err="1"/>
-              <a:t>std</a:t>
-            </a:r>
-            <a:r>
-              <a:rPr lang="en-US" altLang="zh-CN" dirty="0"/>
-              <a:t>::promise</a:t>
-            </a:r>
-            <a:r>
-              <a:rPr lang="zh-CN" altLang="en-US" dirty="0"/>
-              <a:t>和</a:t>
-            </a:r>
-            <a:r>
-              <a:rPr lang="en-US" altLang="zh-CN" dirty="0" err="1"/>
-              <a:t>std</a:t>
-            </a:r>
-            <a:r>
-              <a:rPr lang="en-US" altLang="zh-CN" dirty="0"/>
-              <a:t>::</a:t>
-            </a:r>
-            <a:r>
-              <a:rPr lang="en-US" altLang="zh-CN" dirty="0" err="1"/>
-              <a:t>packaged_task</a:t>
-            </a:r>
-            <a:r>
-              <a:rPr lang="zh-CN" altLang="en-US" dirty="0"/>
-              <a:t>了，</a:t>
-            </a:r>
-            <a:r>
-              <a:rPr lang="en-US" altLang="zh-CN" dirty="0" err="1"/>
-              <a:t>std</a:t>
-            </a:r>
-            <a:r>
-              <a:rPr lang="en-US" altLang="zh-CN" dirty="0"/>
-              <a:t>::</a:t>
-            </a:r>
-            <a:r>
-              <a:rPr lang="en-US" altLang="zh-CN" dirty="0" err="1"/>
-              <a:t>async</a:t>
-            </a:r>
-            <a:r>
-              <a:rPr lang="zh-CN" altLang="en-US" dirty="0"/>
-              <a:t>已经帮你搞定一切了！</a:t>
-            </a:r>
-          </a:p>
-          <a:p>
-            <a:r>
-              <a:rPr lang="en-US" altLang="zh-CN" dirty="0" err="1" smtClean="0"/>
-              <a:t>std</a:t>
-            </a:r>
-            <a:r>
-              <a:rPr lang="en-US" altLang="zh-CN" dirty="0"/>
-              <a:t>::launch::</a:t>
-            </a:r>
-            <a:r>
-              <a:rPr lang="en-US" altLang="zh-CN" dirty="0" err="1"/>
-              <a:t>async</a:t>
-            </a:r>
-            <a:r>
-              <a:rPr lang="zh-CN" altLang="en-US" dirty="0"/>
-              <a:t>：在调用</a:t>
-            </a:r>
-            <a:r>
-              <a:rPr lang="en-US" altLang="zh-CN" dirty="0" err="1"/>
-              <a:t>async</a:t>
-            </a:r>
-            <a:r>
-              <a:rPr lang="zh-CN" altLang="en-US" dirty="0"/>
-              <a:t>就开始创建线程。</a:t>
-            </a:r>
-          </a:p>
-          <a:p>
-            <a:r>
-              <a:rPr lang="en-US" altLang="zh-CN" dirty="0" err="1"/>
-              <a:t>std</a:t>
-            </a:r>
-            <a:r>
-              <a:rPr lang="en-US" altLang="zh-CN" dirty="0"/>
-              <a:t>::launch::deferred</a:t>
-            </a:r>
-            <a:r>
-              <a:rPr lang="zh-CN" altLang="en-US" dirty="0"/>
-              <a:t>：延迟加载方式创建线程。调用</a:t>
-            </a:r>
-            <a:r>
-              <a:rPr lang="en-US" altLang="zh-CN" dirty="0" err="1"/>
-              <a:t>async</a:t>
-            </a:r>
-            <a:r>
-              <a:rPr lang="zh-CN" altLang="en-US" dirty="0"/>
-              <a:t>时不创建线程，直到调用了</a:t>
+              <a:t>内部提供的</a:t>
             </a:r>
             <a:r>
               <a:rPr lang="en-US" altLang="zh-CN" dirty="0"/>
@@ -11540,23 +11429,7 @@
             </a:r>
             <a:r>
               <a:rPr lang="zh-CN" altLang="en-US" dirty="0"/>
-              <a:t>的</a:t>
-            </a:r>
-            <a:r>
-              <a:rPr lang="en-US" altLang="zh-CN" dirty="0"/>
-              <a:t>get</a:t>
-            </a:r>
-            <a:r>
-              <a:rPr lang="zh-CN" altLang="en-US" dirty="0"/>
-              <a:t>或者</a:t>
-            </a:r>
-            <a:r>
-              <a:rPr lang="en-US" altLang="zh-CN" dirty="0"/>
-              <a:t>wait</a:t>
-            </a:r>
-            <a:r>
-              <a:rPr lang="zh-CN" altLang="en-US" dirty="0"/>
-              <a:t>时才创建线程。</a:t>
+              <a:t>来获取的。</a:t>
             </a:r>
           </a:p>
           <a:p>
@@ -11567,7 +11440,7 @@
     </p:spTree>
     <p:extLst>
       <p:ext uri="{BB962C8B-B14F-4D97-AF65-F5344CB8AC3E}">
-        <p14:creationId xmlns:p14="http://schemas.microsoft.com/office/powerpoint/2010/main" val="1653435615"/>
+        <p14:creationId xmlns:p14="http://schemas.microsoft.com/office/powerpoint/2010/main" val="3921107210"/>
       </p:ext>
     </p:extLst>
   </p:cSld>
@@ -11594,23 +11467,380 @@
           <a:chExt cx="0" cy="0"/>
         </a:xfrm>
       </p:grpSpPr>
+      <p:sp>
+        <p:nvSpPr>
+          <p:cNvPr id="2" name="标题 1"/>
+          <p:cNvSpPr>
+            <a:spLocks noGrp="1"/>
+          </p:cNvSpPr>
+          <p:nvPr>
+            <p:ph type="title"/>
+          </p:nvPr>
+        </p:nvSpPr>
+        <p:spPr/>
+        <p:txBody>
+          <a:bodyPr/>
+          <a:lstStyle/>
+          <a:p>
+            <a:r>
+              <a:rPr lang="en-US" altLang="zh-CN" dirty="0"/>
+              <a:t>Thread</a:t>
+            </a:r>
+            <a:endParaRPr lang="zh-CN" altLang="en-US" dirty="0"/>
+          </a:p>
+        </p:txBody>
+      </p:sp>
+      <p:sp>
+        <p:nvSpPr>
+          <p:cNvPr id="3" name="内容占位符 2"/>
+          <p:cNvSpPr>
+            <a:spLocks noGrp="1"/>
+          </p:cNvSpPr>
+          <p:nvPr>
+            <p:ph idx="1"/>
+          </p:nvPr>
+        </p:nvSpPr>
+        <p:spPr/>
+        <p:txBody>
+          <a:bodyPr/>
+          <a:lstStyle/>
+          <a:p>
+            <a:r>
+              <a:rPr lang="en-US" altLang="zh-CN" b="1" dirty="0" err="1"/>
+              <a:t>std</a:t>
+            </a:r>
+            <a:r>
+              <a:rPr lang="en-US" altLang="zh-CN" b="1" dirty="0"/>
+              <a:t>::</a:t>
+            </a:r>
+            <a:r>
+              <a:rPr lang="en-US" altLang="zh-CN" b="1" dirty="0" err="1"/>
+              <a:t>packaged_task</a:t>
+            </a:r>
+            <a:endParaRPr lang="en-US" altLang="zh-CN" b="1" dirty="0"/>
+          </a:p>
+          <a:p>
+            <a:r>
+              <a:rPr lang="zh-CN" altLang="en-US" dirty="0"/>
+              <a:t>　　</a:t>
+            </a:r>
+            <a:r>
+              <a:rPr lang="en-US" altLang="zh-CN" dirty="0" err="1"/>
+              <a:t>std</a:t>
+            </a:r>
+            <a:r>
+              <a:rPr lang="en-US" altLang="zh-CN" dirty="0"/>
+              <a:t>::</a:t>
+            </a:r>
+            <a:r>
+              <a:rPr lang="en-US" altLang="zh-CN" dirty="0" err="1"/>
+              <a:t>packaged_task</a:t>
+            </a:r>
+            <a:r>
+              <a:rPr lang="zh-CN" altLang="en-US" dirty="0"/>
+              <a:t>它包装了一个可调用的目标（如</a:t>
+            </a:r>
+            <a:r>
+              <a:rPr lang="en-US" altLang="zh-CN" dirty="0"/>
+              <a:t>function, lambda expression, bind expression, or another function object</a:t>
+            </a:r>
+            <a:r>
+              <a:rPr lang="zh-CN" altLang="en-US" dirty="0"/>
+              <a:t>）</a:t>
+            </a:r>
+            <a:r>
+              <a:rPr lang="en-US" altLang="zh-CN" dirty="0"/>
+              <a:t>,</a:t>
+            </a:r>
+            <a:r>
+              <a:rPr lang="zh-CN" altLang="en-US" dirty="0"/>
+              <a:t>以便异步调用，它和</a:t>
+            </a:r>
+            <a:r>
+              <a:rPr lang="en-US" altLang="zh-CN" dirty="0"/>
+              <a:t>promise</a:t>
+            </a:r>
+            <a:r>
+              <a:rPr lang="zh-CN" altLang="en-US" dirty="0"/>
+              <a:t>在某种程度上有点像，</a:t>
+            </a:r>
+            <a:r>
+              <a:rPr lang="en-US" altLang="zh-CN" dirty="0"/>
+              <a:t>promise</a:t>
+            </a:r>
+            <a:r>
+              <a:rPr lang="zh-CN" altLang="en-US" dirty="0"/>
+              <a:t>保存了一个共享状态的值，而</a:t>
+            </a:r>
+            <a:r>
+              <a:rPr lang="en-US" altLang="zh-CN" dirty="0" err="1"/>
+              <a:t>packaged_task</a:t>
+            </a:r>
+            <a:r>
+              <a:rPr lang="zh-CN" altLang="en-US" dirty="0"/>
+              <a:t>保存的是一个函数</a:t>
+            </a:r>
+            <a:r>
+              <a:rPr lang="zh-CN" altLang="en-US" dirty="0" smtClean="0"/>
+              <a:t>。</a:t>
+            </a:r>
+            <a:endParaRPr lang="en-US" altLang="zh-CN" dirty="0" smtClean="0"/>
+          </a:p>
+          <a:p>
+            <a:r>
+              <a:rPr lang="en-US" altLang="zh-CN" b="1" dirty="0" err="1"/>
+              <a:t>std</a:t>
+            </a:r>
+            <a:r>
+              <a:rPr lang="en-US" altLang="zh-CN" b="1" dirty="0"/>
+              <a:t>::</a:t>
+            </a:r>
+            <a:r>
+              <a:rPr lang="en-US" altLang="zh-CN" b="1" dirty="0" err="1"/>
+              <a:t>async</a:t>
+            </a:r>
+            <a:r>
+              <a:rPr lang="zh-CN" altLang="en-US" b="1" dirty="0"/>
+              <a:t>代替线程的创建</a:t>
+            </a:r>
+          </a:p>
+          <a:p>
+            <a:r>
+              <a:rPr lang="zh-CN" altLang="en-US" dirty="0"/>
+              <a:t>　　</a:t>
+            </a:r>
+            <a:r>
+              <a:rPr lang="en-US" altLang="zh-CN" dirty="0" err="1" smtClean="0"/>
+              <a:t>std</a:t>
+            </a:r>
+            <a:r>
+              <a:rPr lang="en-US" altLang="zh-CN" dirty="0"/>
+              <a:t>::</a:t>
+            </a:r>
+            <a:r>
+              <a:rPr lang="en-US" altLang="zh-CN" dirty="0" err="1"/>
+              <a:t>async</a:t>
+            </a:r>
+            <a:r>
+              <a:rPr lang="zh-CN" altLang="en-US" dirty="0"/>
+              <a:t>是为了让用户的少费点脑子的，它让这三个对象默契的工作。大概的工作过程是这样的：</a:t>
+            </a:r>
+            <a:r>
+              <a:rPr lang="en-US" altLang="zh-CN" dirty="0" err="1"/>
+              <a:t>std</a:t>
+            </a:r>
+            <a:r>
+              <a:rPr lang="en-US" altLang="zh-CN" dirty="0"/>
+              <a:t>::</a:t>
+            </a:r>
+            <a:r>
+              <a:rPr lang="en-US" altLang="zh-CN" dirty="0" err="1"/>
+              <a:t>async</a:t>
+            </a:r>
+            <a:r>
+              <a:rPr lang="zh-CN" altLang="en-US" dirty="0"/>
+              <a:t>先将异步操作用</a:t>
+            </a:r>
+            <a:r>
+              <a:rPr lang="en-US" altLang="zh-CN" dirty="0" err="1"/>
+              <a:t>std</a:t>
+            </a:r>
+            <a:r>
+              <a:rPr lang="en-US" altLang="zh-CN" dirty="0"/>
+              <a:t>::</a:t>
+            </a:r>
+            <a:r>
+              <a:rPr lang="en-US" altLang="zh-CN" dirty="0" err="1"/>
+              <a:t>packaged_task</a:t>
+            </a:r>
+            <a:r>
+              <a:rPr lang="zh-CN" altLang="en-US" dirty="0"/>
+              <a:t>包装起来，然后将异步操作的结果放到</a:t>
+            </a:r>
+            <a:r>
+              <a:rPr lang="en-US" altLang="zh-CN" dirty="0" err="1"/>
+              <a:t>std</a:t>
+            </a:r>
+            <a:r>
+              <a:rPr lang="en-US" altLang="zh-CN" dirty="0"/>
+              <a:t>::promise</a:t>
+            </a:r>
+            <a:r>
+              <a:rPr lang="zh-CN" altLang="en-US" dirty="0"/>
+              <a:t>中，这个过程就是创造未来的过程。外面再通过</a:t>
+            </a:r>
+            <a:r>
+              <a:rPr lang="en-US" altLang="zh-CN" dirty="0" err="1"/>
+              <a:t>future.get</a:t>
+            </a:r>
+            <a:r>
+              <a:rPr lang="en-US" altLang="zh-CN" dirty="0"/>
+              <a:t>/wait</a:t>
+            </a:r>
+            <a:r>
+              <a:rPr lang="zh-CN" altLang="en-US" dirty="0"/>
+              <a:t>来获取这个未来的结果，怎么样，</a:t>
+            </a:r>
+            <a:r>
+              <a:rPr lang="en-US" altLang="zh-CN" dirty="0" err="1"/>
+              <a:t>std</a:t>
+            </a:r>
+            <a:r>
+              <a:rPr lang="en-US" altLang="zh-CN" dirty="0"/>
+              <a:t>::</a:t>
+            </a:r>
+            <a:r>
+              <a:rPr lang="en-US" altLang="zh-CN" dirty="0" err="1"/>
+              <a:t>async</a:t>
+            </a:r>
+            <a:r>
+              <a:rPr lang="zh-CN" altLang="en-US" dirty="0"/>
+              <a:t>真的是来帮忙的吧，你不用再想到底该怎么用</a:t>
+            </a:r>
+            <a:r>
+              <a:rPr lang="en-US" altLang="zh-CN" dirty="0" err="1"/>
+              <a:t>std</a:t>
+            </a:r>
+            <a:r>
+              <a:rPr lang="en-US" altLang="zh-CN" dirty="0"/>
+              <a:t>::future</a:t>
+            </a:r>
+            <a:r>
+              <a:rPr lang="zh-CN" altLang="en-US" dirty="0"/>
+              <a:t>、</a:t>
+            </a:r>
+            <a:r>
+              <a:rPr lang="en-US" altLang="zh-CN" dirty="0" err="1"/>
+              <a:t>std</a:t>
+            </a:r>
+            <a:r>
+              <a:rPr lang="en-US" altLang="zh-CN" dirty="0"/>
+              <a:t>::promise</a:t>
+            </a:r>
+            <a:r>
+              <a:rPr lang="zh-CN" altLang="en-US" dirty="0"/>
+              <a:t>和</a:t>
+            </a:r>
+            <a:r>
+              <a:rPr lang="en-US" altLang="zh-CN" dirty="0" err="1"/>
+              <a:t>std</a:t>
+            </a:r>
+            <a:r>
+              <a:rPr lang="en-US" altLang="zh-CN" dirty="0"/>
+              <a:t>::</a:t>
+            </a:r>
+            <a:r>
+              <a:rPr lang="en-US" altLang="zh-CN" dirty="0" err="1"/>
+              <a:t>packaged_task</a:t>
+            </a:r>
+            <a:r>
+              <a:rPr lang="zh-CN" altLang="en-US" dirty="0"/>
+              <a:t>了，</a:t>
+            </a:r>
+            <a:r>
+              <a:rPr lang="en-US" altLang="zh-CN" dirty="0" err="1"/>
+              <a:t>std</a:t>
+            </a:r>
+            <a:r>
+              <a:rPr lang="en-US" altLang="zh-CN" dirty="0"/>
+              <a:t>::</a:t>
+            </a:r>
+            <a:r>
+              <a:rPr lang="en-US" altLang="zh-CN" dirty="0" err="1"/>
+              <a:t>async</a:t>
+            </a:r>
+            <a:r>
+              <a:rPr lang="zh-CN" altLang="en-US" dirty="0"/>
+              <a:t>已经帮你搞定一切了！</a:t>
+            </a:r>
+          </a:p>
+          <a:p>
+            <a:r>
+              <a:rPr lang="en-US" altLang="zh-CN" dirty="0" err="1" smtClean="0"/>
+              <a:t>std</a:t>
+            </a:r>
+            <a:r>
+              <a:rPr lang="en-US" altLang="zh-CN" dirty="0"/>
+              <a:t>::launch::</a:t>
+            </a:r>
+            <a:r>
+              <a:rPr lang="en-US" altLang="zh-CN" dirty="0" err="1"/>
+              <a:t>async</a:t>
+            </a:r>
+            <a:r>
+              <a:rPr lang="zh-CN" altLang="en-US" dirty="0"/>
+              <a:t>：在调用</a:t>
+            </a:r>
+            <a:r>
+              <a:rPr lang="en-US" altLang="zh-CN" dirty="0" err="1"/>
+              <a:t>async</a:t>
+            </a:r>
+            <a:r>
+              <a:rPr lang="zh-CN" altLang="en-US" dirty="0"/>
+              <a:t>就开始创建线程。</a:t>
+            </a:r>
+          </a:p>
+          <a:p>
+            <a:r>
+              <a:rPr lang="en-US" altLang="zh-CN" dirty="0" err="1"/>
+              <a:t>std</a:t>
+            </a:r>
+            <a:r>
+              <a:rPr lang="en-US" altLang="zh-CN" dirty="0"/>
+              <a:t>::launch::deferred</a:t>
+            </a:r>
+            <a:r>
+              <a:rPr lang="zh-CN" altLang="en-US" dirty="0"/>
+              <a:t>：延迟加载方式创建线程。调用</a:t>
+            </a:r>
+            <a:r>
+              <a:rPr lang="en-US" altLang="zh-CN" dirty="0" err="1"/>
+              <a:t>async</a:t>
+            </a:r>
+            <a:r>
+              <a:rPr lang="zh-CN" altLang="en-US" dirty="0"/>
+              <a:t>时不创建线程，直到调用了</a:t>
+            </a:r>
+            <a:r>
+              <a:rPr lang="en-US" altLang="zh-CN" dirty="0"/>
+              <a:t>future</a:t>
+            </a:r>
+            <a:r>
+              <a:rPr lang="zh-CN" altLang="en-US" dirty="0"/>
+              <a:t>的</a:t>
+            </a:r>
+            <a:r>
+              <a:rPr lang="en-US" altLang="zh-CN" dirty="0"/>
+              <a:t>get</a:t>
+            </a:r>
+            <a:r>
+              <a:rPr lang="zh-CN" altLang="en-US" dirty="0"/>
+              <a:t>或者</a:t>
+            </a:r>
+            <a:r>
+              <a:rPr lang="en-US" altLang="zh-CN" dirty="0"/>
+              <a:t>wait</a:t>
+            </a:r>
+            <a:r>
+              <a:rPr lang="zh-CN" altLang="en-US" dirty="0"/>
+              <a:t>时才创建线程。</a:t>
+            </a:r>
+          </a:p>
+          <a:p>
+            <a:endParaRPr lang="zh-CN" altLang="en-US" dirty="0"/>
+          </a:p>
+        </p:txBody>
+      </p:sp>
     </p:spTree>
     <p:extLst>
       <p:ext uri="{BB962C8B-B14F-4D97-AF65-F5344CB8AC3E}">
-        <p14:creationId xmlns:p14="http://schemas.microsoft.com/office/powerpoint/2010/main" val="817272599"/>
+        <p14:creationId xmlns:p14="http://schemas.microsoft.com/office/powerpoint/2010/main" val="1653435615"/>
       </p:ext>
     </p:extLst>
   </p:cSld>
   <p:clrMapOvr>
     <a:masterClrMapping/>
   </p:clrMapOvr>
-  <p:timing>
-    <p:tnLst>
-      <p:par>
-        <p:cTn id="1" dur="indefinite" restart="never" nodeType="tmRoot"/>
-      </p:par>
-    </p:tnLst>
-  </p:timing>
 </p:sld>
 </file>
 
@@ -12134,4 +12364,47 @@
     </a:ext>
   </a:extLst>
 </a:theme>
+</file>
+
+<file path=ppt/theme/themeOverride1.xml><?xml version="1.0" encoding="utf-8"?>
+<a:themeOverride xmlns:a="http://schemas.openxmlformats.org/drawingml/2006/main">
+  <a:clrScheme name="Office 主题">
+    <a:dk1>
+      <a:sysClr val="windowText" lastClr="000000"/>
+    </a:dk1>
+    <a:lt1>
+      <a:sysClr val="window" lastClr="FFFFFF"/>
+    </a:lt1>
+    <a:dk2>
+      <a:srgbClr val="44546A"/>
+    </a:dk2>
+    <a:lt2>
+      <a:srgbClr val="E7E6E6"/>
+    </a:lt2>
+    <a:accent1>
+      <a:srgbClr val="5B9BD5"/>
+    </a:accent1>
+    <a:accent2>
+      <a:srgbClr val="ED7D31"/>
+    </a:accent2>
+    <a:accent3>
+      <a:srgbClr val="A5A5A5"/>
+    </a:accent3>
+    <a:accent4>
+      <a:srgbClr val="FFC000"/>
+    </a:accent4>
+    <a:accent5>
+      <a:srgbClr val="4472C4"/>
+    </a:accent5>
+    <a:accent6>
+      <a:srgbClr val="70AD47"/>
+    </a:accent6>
+    <a:hlink>
+      <a:srgbClr val="0563C1"/>
+    </a:hlink>
+    <a:folHlink>
+      <a:srgbClr val="954F72"/>
+    </a:folHlink>
+  </a:clrScheme>
+</a:themeOverride>
 </file>
--- a/c++11.pptx
+++ b/c++11.pptx
@@ -206,7 +206,7 @@
           <a:p>
             <a:fld id="{84E2A798-07BE-4CD3-9344-46FF79751B14}" type="datetimeFigureOut">
               <a:rPr lang="zh-CN" altLang="en-US" smtClean="0"/>
-              <a:t>2017/6/14</a:t>
+              <a:t>2017/6/15</a:t>
             </a:fld>
             <a:endParaRPr lang="zh-CN" altLang="en-US"/>
           </a:p>
@@ -8833,8 +8833,34 @@
             </a:r>
             <a:r>
               <a:rPr lang="zh-CN" altLang="en-US" dirty="0"/>
-              <a:t>：让父类同名函数在子类中以重载方式使用</a:t>
-            </a:r>
+              <a:t>：让父类同名函数在子类中以重载方式</a:t>
+            </a:r>
+            <a:r>
+              <a:rPr lang="zh-CN" altLang="en-US" dirty="0" smtClean="0"/>
+              <a:t>使用</a:t>
+            </a:r>
+            <a:endParaRPr lang="en-US" altLang="zh-CN" dirty="0" smtClean="0"/>
+          </a:p>
+          <a:p>
+            <a:pPr marL="285750" indent="-285750">
+              <a:buFont typeface="Arial" panose="020B0604020202020204" pitchFamily="34" charset="0"/>
+              <a:buChar char="•"/>
+            </a:pPr>
+            <a:r>
+              <a:rPr lang="en-US" altLang="zh-CN" b="1" dirty="0" err="1" smtClean="0"/>
+              <a:t>decltype</a:t>
+            </a:r>
+            <a:r>
+              <a:rPr lang="en-US" altLang="zh-CN" b="1" dirty="0" smtClean="0"/>
+              <a:t> </a:t>
+            </a:r>
+            <a:endParaRPr lang="en-US" altLang="zh-CN" b="1" dirty="0"/>
+          </a:p>
+          <a:p>
+            <a:pPr marL="285750" indent="-285750">
+              <a:buFont typeface="Arial" panose="020B0604020202020204" pitchFamily="34" charset="0"/>
+              <a:buChar char="•"/>
+            </a:pPr>
             <a:endParaRPr lang="en-US" altLang="zh-CN" dirty="0"/>
           </a:p>
           <a:p>

--- a/c++11.pptx
+++ b/c++11.pptx
@@ -5,7 +5,7 @@
     <p:sldMasterId id="2147483660" r:id="rId1"/>
   </p:sldMasterIdLst>
   <p:notesMasterIdLst>
-    <p:notesMasterId r:id="rId12"/>
+    <p:notesMasterId r:id="rId14"/>
   </p:notesMasterIdLst>
   <p:sldIdLst>
     <p:sldId id="256" r:id="rId2"/>
@@ -17,7 +17,9 @@
     <p:sldId id="263" r:id="rId8"/>
     <p:sldId id="264" r:id="rId9"/>
     <p:sldId id="266" r:id="rId10"/>
-    <p:sldId id="259" r:id="rId11"/>
+    <p:sldId id="269" r:id="rId11"/>
+    <p:sldId id="268" r:id="rId12"/>
+    <p:sldId id="259" r:id="rId13"/>
   </p:sldIdLst>
   <p:sldSz cx="9144000" cy="6858000" type="screen4x3"/>
   <p:notesSz cx="6858000" cy="9144000"/>
@@ -8626,6 +8628,445 @@
           <a:chExt cx="0" cy="0"/>
         </a:xfrm>
       </p:grpSpPr>
+      <p:sp>
+        <p:nvSpPr>
+          <p:cNvPr id="2" name="标题 1"/>
+          <p:cNvSpPr>
+            <a:spLocks noGrp="1"/>
+          </p:cNvSpPr>
+          <p:nvPr>
+            <p:ph type="title"/>
+          </p:nvPr>
+        </p:nvSpPr>
+        <p:spPr/>
+        <p:txBody>
+          <a:bodyPr/>
+          <a:lstStyle/>
+          <a:p>
+            <a:r>
+              <a:rPr lang="en-US" altLang="zh-CN" dirty="0" err="1" smtClean="0"/>
+              <a:t>Mutex</a:t>
+            </a:r>
+            <a:endParaRPr lang="zh-CN" altLang="en-US" dirty="0"/>
+          </a:p>
+        </p:txBody>
+      </p:sp>
+      <p:sp>
+        <p:nvSpPr>
+          <p:cNvPr id="3" name="内容占位符 2"/>
+          <p:cNvSpPr>
+            <a:spLocks noGrp="1"/>
+          </p:cNvSpPr>
+          <p:nvPr>
+            <p:ph idx="1"/>
+          </p:nvPr>
+        </p:nvSpPr>
+        <p:spPr/>
+        <p:txBody>
+          <a:bodyPr/>
+          <a:lstStyle/>
+          <a:p>
+            <a:r>
+              <a:rPr lang="en-US" altLang="zh-CN" b="1" dirty="0" err="1"/>
+              <a:t>Mutex</a:t>
+            </a:r>
+            <a:r>
+              <a:rPr lang="en-US" altLang="zh-CN" b="1" dirty="0"/>
+              <a:t> </a:t>
+            </a:r>
+            <a:r>
+              <a:rPr lang="zh-CN" altLang="en-US" b="1" dirty="0"/>
+              <a:t>系列类</a:t>
+            </a:r>
+            <a:r>
+              <a:rPr lang="en-US" altLang="zh-CN" b="1" dirty="0"/>
+              <a:t>(</a:t>
+            </a:r>
+            <a:r>
+              <a:rPr lang="zh-CN" altLang="en-US" b="1" dirty="0"/>
+              <a:t>四种</a:t>
+            </a:r>
+            <a:r>
+              <a:rPr lang="en-US" altLang="zh-CN" b="1" dirty="0"/>
+              <a:t>)</a:t>
+            </a:r>
+          </a:p>
+          <a:p>
+            <a:r>
+              <a:rPr lang="en-US" altLang="zh-CN" dirty="0" err="1"/>
+              <a:t>std</a:t>
+            </a:r>
+            <a:r>
+              <a:rPr lang="en-US" altLang="zh-CN" dirty="0"/>
+              <a:t>::</a:t>
+            </a:r>
+            <a:r>
+              <a:rPr lang="en-US" altLang="zh-CN" dirty="0" err="1"/>
+              <a:t>mutex</a:t>
+            </a:r>
+            <a:r>
+              <a:rPr lang="zh-CN" altLang="en-US" dirty="0"/>
+              <a:t>，最基本的 </a:t>
+            </a:r>
+            <a:r>
+              <a:rPr lang="en-US" altLang="zh-CN" dirty="0" err="1"/>
+              <a:t>Mutex</a:t>
+            </a:r>
+            <a:r>
+              <a:rPr lang="en-US" altLang="zh-CN" dirty="0"/>
+              <a:t> </a:t>
+            </a:r>
+            <a:r>
+              <a:rPr lang="zh-CN" altLang="en-US" dirty="0"/>
+              <a:t>类。</a:t>
+            </a:r>
+          </a:p>
+          <a:p>
+            <a:r>
+              <a:rPr lang="en-US" altLang="zh-CN" dirty="0" err="1"/>
+              <a:t>std</a:t>
+            </a:r>
+            <a:r>
+              <a:rPr lang="en-US" altLang="zh-CN" dirty="0"/>
+              <a:t>::</a:t>
+            </a:r>
+            <a:r>
+              <a:rPr lang="en-US" altLang="zh-CN" dirty="0" err="1"/>
+              <a:t>recursive_mutex</a:t>
+            </a:r>
+            <a:r>
+              <a:rPr lang="zh-CN" altLang="en-US" dirty="0"/>
+              <a:t>，递归 </a:t>
+            </a:r>
+            <a:r>
+              <a:rPr lang="en-US" altLang="zh-CN" dirty="0" err="1"/>
+              <a:t>Mutex</a:t>
+            </a:r>
+            <a:r>
+              <a:rPr lang="en-US" altLang="zh-CN" dirty="0"/>
+              <a:t> </a:t>
+            </a:r>
+            <a:r>
+              <a:rPr lang="zh-CN" altLang="en-US" dirty="0"/>
+              <a:t>类</a:t>
+            </a:r>
+            <a:r>
+              <a:rPr lang="zh-CN" altLang="en-US" dirty="0" smtClean="0"/>
+              <a:t>。 </a:t>
+            </a:r>
+            <a:r>
+              <a:rPr lang="en-US" altLang="zh-CN" dirty="0" err="1"/>
+              <a:t>std</a:t>
+            </a:r>
+            <a:r>
+              <a:rPr lang="en-US" altLang="zh-CN" dirty="0"/>
+              <a:t>::</a:t>
+            </a:r>
+            <a:r>
+              <a:rPr lang="en-US" altLang="zh-CN" dirty="0" err="1"/>
+              <a:t>mutex</a:t>
+            </a:r>
+            <a:r>
+              <a:rPr lang="en-US" altLang="zh-CN" dirty="0"/>
+              <a:t> </a:t>
+            </a:r>
+            <a:r>
+              <a:rPr lang="zh-CN" altLang="en-US" dirty="0"/>
+              <a:t>不同的是，</a:t>
+            </a:r>
+            <a:r>
+              <a:rPr lang="en-US" altLang="zh-CN" dirty="0" err="1"/>
+              <a:t>std</a:t>
+            </a:r>
+            <a:r>
+              <a:rPr lang="en-US" altLang="zh-CN" dirty="0"/>
+              <a:t>::</a:t>
+            </a:r>
+            <a:r>
+              <a:rPr lang="en-US" altLang="zh-CN" dirty="0" err="1"/>
+              <a:t>recursive_mutex</a:t>
+            </a:r>
+            <a:r>
+              <a:rPr lang="en-US" altLang="zh-CN" dirty="0"/>
+              <a:t> </a:t>
+            </a:r>
+            <a:r>
+              <a:rPr lang="zh-CN" altLang="en-US" dirty="0"/>
+              <a:t>允许同一个线程对互斥量多次上锁（即递归上锁）</a:t>
+            </a:r>
+          </a:p>
+          <a:p>
+            <a:r>
+              <a:rPr lang="en-US" altLang="zh-CN" dirty="0" err="1"/>
+              <a:t>std</a:t>
+            </a:r>
+            <a:r>
+              <a:rPr lang="en-US" altLang="zh-CN" dirty="0"/>
+              <a:t>::</a:t>
+            </a:r>
+            <a:r>
+              <a:rPr lang="en-US" altLang="zh-CN" dirty="0" err="1"/>
+              <a:t>time_mutex</a:t>
+            </a:r>
+            <a:r>
+              <a:rPr lang="zh-CN" altLang="en-US" dirty="0"/>
+              <a:t>，定时 </a:t>
+            </a:r>
+            <a:r>
+              <a:rPr lang="en-US" altLang="zh-CN" dirty="0" err="1"/>
+              <a:t>Mutex</a:t>
+            </a:r>
+            <a:r>
+              <a:rPr lang="en-US" altLang="zh-CN" dirty="0"/>
+              <a:t> </a:t>
+            </a:r>
+            <a:r>
+              <a:rPr lang="zh-CN" altLang="en-US" dirty="0"/>
+              <a:t>类。</a:t>
+            </a:r>
+          </a:p>
+          <a:p>
+            <a:r>
+              <a:rPr lang="en-US" altLang="zh-CN" dirty="0" err="1"/>
+              <a:t>std</a:t>
+            </a:r>
+            <a:r>
+              <a:rPr lang="en-US" altLang="zh-CN" dirty="0"/>
+              <a:t>::</a:t>
+            </a:r>
+            <a:r>
+              <a:rPr lang="en-US" altLang="zh-CN" dirty="0" err="1"/>
+              <a:t>recursive_timed_mutex</a:t>
+            </a:r>
+            <a:r>
+              <a:rPr lang="zh-CN" altLang="en-US" dirty="0"/>
+              <a:t>，定时递归 </a:t>
+            </a:r>
+            <a:r>
+              <a:rPr lang="en-US" altLang="zh-CN" dirty="0" err="1"/>
+              <a:t>Mutex</a:t>
+            </a:r>
+            <a:r>
+              <a:rPr lang="en-US" altLang="zh-CN" dirty="0"/>
+              <a:t> </a:t>
+            </a:r>
+            <a:r>
+              <a:rPr lang="zh-CN" altLang="en-US" dirty="0"/>
+              <a:t>类。</a:t>
+            </a:r>
+          </a:p>
+          <a:p>
+            <a:r>
+              <a:rPr lang="en-US" altLang="zh-CN" b="1" dirty="0"/>
+              <a:t>Lock </a:t>
+            </a:r>
+            <a:r>
+              <a:rPr lang="zh-CN" altLang="en-US" b="1" dirty="0"/>
+              <a:t>类（两种）</a:t>
+            </a:r>
+          </a:p>
+          <a:p>
+            <a:r>
+              <a:rPr lang="en-US" altLang="zh-CN" dirty="0" err="1"/>
+              <a:t>std</a:t>
+            </a:r>
+            <a:r>
+              <a:rPr lang="en-US" altLang="zh-CN" dirty="0"/>
+              <a:t>::</a:t>
+            </a:r>
+            <a:r>
+              <a:rPr lang="en-US" altLang="zh-CN" dirty="0" err="1" smtClean="0"/>
+              <a:t>lock_guard</a:t>
+            </a:r>
+            <a:endParaRPr lang="en-US" altLang="zh-CN" dirty="0" smtClean="0"/>
+          </a:p>
+          <a:p>
+            <a:r>
+              <a:rPr lang="en-US" altLang="zh-CN" dirty="0" err="1" smtClean="0"/>
+              <a:t>std</a:t>
+            </a:r>
+            <a:r>
+              <a:rPr lang="en-US" altLang="zh-CN" dirty="0"/>
+              <a:t>::</a:t>
+            </a:r>
+            <a:r>
+              <a:rPr lang="en-US" altLang="zh-CN" dirty="0" err="1" smtClean="0"/>
+              <a:t>unique_lock</a:t>
+            </a:r>
+            <a:endParaRPr lang="zh-CN" altLang="en-US" dirty="0"/>
+          </a:p>
+          <a:p>
+            <a:endParaRPr lang="en-US" altLang="zh-CN" dirty="0"/>
+          </a:p>
+          <a:p>
+            <a:endParaRPr lang="zh-CN" altLang="en-US" dirty="0"/>
+          </a:p>
+        </p:txBody>
+      </p:sp>
+    </p:spTree>
+    <p:extLst>
+      <p:ext uri="{BB962C8B-B14F-4D97-AF65-F5344CB8AC3E}">
+        <p14:creationId xmlns:p14="http://schemas.microsoft.com/office/powerpoint/2010/main" val="402476896"/>
+      </p:ext>
+    </p:extLst>
+  </p:cSld>
+  <p:clrMapOvr>
+    <a:masterClrMapping/>
+  </p:clrMapOvr>
+</p:sld>
+</file>
+
+<file path=ppt/slides/slide11.xml><?xml version="1.0" encoding="utf-8"?>
+<p:sld xmlns:a="http://schemas.openxmlformats.org/drawingml/2006/main" xmlns:r="http://schemas.openxmlformats.org/officeDocument/2006/relationships" xmlns:p="http://schemas.openxmlformats.org/presentationml/2006/main">
+  <p:cSld>
+    <p:spTree>
+      <p:nvGrpSpPr>
+        <p:cNvPr id="1" name=""/>
+        <p:cNvGrpSpPr/>
+        <p:nvPr/>
+      </p:nvGrpSpPr>
+      <p:grpSpPr>
+        <a:xfrm>
+          <a:off x="0" y="0"/>
+          <a:ext cx="0" cy="0"/>
+          <a:chOff x="0" y="0"/>
+          <a:chExt cx="0" cy="0"/>
+        </a:xfrm>
+      </p:grpSpPr>
+      <p:sp>
+        <p:nvSpPr>
+          <p:cNvPr id="2" name="标题 1"/>
+          <p:cNvSpPr>
+            <a:spLocks noGrp="1"/>
+          </p:cNvSpPr>
+          <p:nvPr>
+            <p:ph type="title"/>
+          </p:nvPr>
+        </p:nvSpPr>
+        <p:spPr/>
+        <p:txBody>
+          <a:bodyPr/>
+          <a:lstStyle/>
+          <a:p>
+            <a:r>
+              <a:rPr lang="en-US" altLang="zh-CN" dirty="0" smtClean="0"/>
+              <a:t>Atomic </a:t>
+            </a:r>
+            <a:r>
+              <a:rPr lang="zh-CN" altLang="en-US" dirty="0" smtClean="0"/>
+              <a:t>原子操作</a:t>
+            </a:r>
+            <a:endParaRPr lang="zh-CN" altLang="en-US" dirty="0"/>
+          </a:p>
+        </p:txBody>
+      </p:sp>
+      <p:sp>
+        <p:nvSpPr>
+          <p:cNvPr id="3" name="内容占位符 2"/>
+          <p:cNvSpPr>
+            <a:spLocks noGrp="1"/>
+          </p:cNvSpPr>
+          <p:nvPr>
+            <p:ph idx="1"/>
+          </p:nvPr>
+        </p:nvSpPr>
+        <p:spPr/>
+        <p:txBody>
+          <a:bodyPr/>
+          <a:lstStyle/>
+          <a:p>
+            <a:r>
+              <a:rPr lang="zh-CN" altLang="en-US" dirty="0"/>
+              <a:t>所谓的原子操作，取的就是“原子是最小的、不可分割的最小个体”的意义，它表示在多个线程访问同一个全局资源的时候，能够确保所有其他的线程都不在同一时间内访问相同的资源。也就是他确保了在同一时刻只有唯一的线程对这个资源进行访问。这有点类似互斥对象对共享资源的访问的保护，但是原子操作更加接近底层，因而效率更高。</a:t>
+            </a:r>
+          </a:p>
+          <a:p>
+            <a:r>
+              <a:rPr lang="zh-CN" altLang="en-US" dirty="0"/>
+              <a:t>在以往的</a:t>
+            </a:r>
+            <a:r>
+              <a:rPr lang="en-US" altLang="zh-CN" dirty="0"/>
+              <a:t>C++</a:t>
+            </a:r>
+            <a:r>
+              <a:rPr lang="zh-CN" altLang="en-US" dirty="0"/>
+              <a:t>标准中并没有对原子操作进行规定，我们往往是使用汇编语言，或者是借助第三方的线程库，例如</a:t>
+            </a:r>
+            <a:r>
+              <a:rPr lang="en-US" altLang="zh-CN" dirty="0"/>
+              <a:t>intel</a:t>
+            </a:r>
+            <a:r>
+              <a:rPr lang="zh-CN" altLang="en-US" dirty="0"/>
+              <a:t>的</a:t>
+            </a:r>
+            <a:r>
+              <a:rPr lang="en-US" altLang="zh-CN" dirty="0" err="1"/>
+              <a:t>pthread</a:t>
+            </a:r>
+            <a:r>
+              <a:rPr lang="zh-CN" altLang="en-US" dirty="0"/>
+              <a:t>来实现。在新标准</a:t>
+            </a:r>
+            <a:r>
+              <a:rPr lang="en-US" altLang="zh-CN" b="1" dirty="0">
+                <a:hlinkClick r:id="rId2" tooltip="C++知识库"/>
+              </a:rPr>
+              <a:t>C++</a:t>
+            </a:r>
+            <a:r>
+              <a:rPr lang="en-US" altLang="zh-CN" dirty="0"/>
+              <a:t>11</a:t>
+            </a:r>
+            <a:r>
+              <a:rPr lang="zh-CN" altLang="en-US" dirty="0"/>
+              <a:t>，引入了原子操作的概念，并通过这个新的头文件提供了多种原子操作数据类型，例如，</a:t>
+            </a:r>
+            <a:r>
+              <a:rPr lang="en-US" altLang="zh-CN" dirty="0" err="1"/>
+              <a:t>atomic_bool,atomic_int</a:t>
+            </a:r>
+            <a:r>
+              <a:rPr lang="zh-CN" altLang="en-US" dirty="0"/>
+              <a:t>等等，如果我们在多个线程中对这些类型的共享资源进行操作，编译器将保证这些操作都是原子性的，也就是说，确保任意时刻只有一个线程对这个资源进行访问，编译器将保证，多个线程访问这个共享资源的正确性。从而避免了锁的使用，提高了效率。</a:t>
+            </a:r>
+          </a:p>
+          <a:p>
+            <a:endParaRPr lang="zh-CN" altLang="en-US" dirty="0"/>
+          </a:p>
+        </p:txBody>
+      </p:sp>
+    </p:spTree>
+    <p:extLst>
+      <p:ext uri="{BB962C8B-B14F-4D97-AF65-F5344CB8AC3E}">
+        <p14:creationId xmlns:p14="http://schemas.microsoft.com/office/powerpoint/2010/main" val="4147893697"/>
+      </p:ext>
+    </p:extLst>
+  </p:cSld>
+  <p:clrMapOvr>
+    <a:masterClrMapping/>
+  </p:clrMapOvr>
+</p:sld>
+</file>
+
+<file path=ppt/slides/slide12.xml><?xml version="1.0" encoding="utf-8"?>
+<p:sld xmlns:a="http://schemas.openxmlformats.org/drawingml/2006/main" xmlns:r="http://schemas.openxmlformats.org/officeDocument/2006/relationships" xmlns:p="http://schemas.openxmlformats.org/presentationml/2006/main">
+  <p:cSld>
+    <p:spTree>
+      <p:nvGrpSpPr>
+        <p:cNvPr id="1" name=""/>
+        <p:cNvGrpSpPr/>
+        <p:nvPr/>
+      </p:nvGrpSpPr>
+      <p:grpSpPr>
+        <a:xfrm>
+          <a:off x="0" y="0"/>
+          <a:ext cx="0" cy="0"/>
+          <a:chOff x="0" y="0"/>
+          <a:chExt cx="0" cy="0"/>
+        </a:xfrm>
+      </p:grpSpPr>
     </p:spTree>
     <p:extLst>
       <p:ext uri="{BB962C8B-B14F-4D97-AF65-F5344CB8AC3E}">

--- a/c++11.pptx
+++ b/c++11.pptx
@@ -5,21 +5,23 @@
     <p:sldMasterId id="2147483660" r:id="rId1"/>
   </p:sldMasterIdLst>
   <p:notesMasterIdLst>
-    <p:notesMasterId r:id="rId14"/>
+    <p:notesMasterId r:id="rId16"/>
   </p:notesMasterIdLst>
   <p:sldIdLst>
     <p:sldId id="256" r:id="rId2"/>
     <p:sldId id="260" r:id="rId3"/>
-    <p:sldId id="261" r:id="rId4"/>
-    <p:sldId id="262" r:id="rId5"/>
-    <p:sldId id="265" r:id="rId6"/>
-    <p:sldId id="267" r:id="rId7"/>
-    <p:sldId id="263" r:id="rId8"/>
-    <p:sldId id="264" r:id="rId9"/>
-    <p:sldId id="266" r:id="rId10"/>
-    <p:sldId id="269" r:id="rId11"/>
-    <p:sldId id="268" r:id="rId12"/>
-    <p:sldId id="259" r:id="rId13"/>
+    <p:sldId id="270" r:id="rId4"/>
+    <p:sldId id="261" r:id="rId5"/>
+    <p:sldId id="262" r:id="rId6"/>
+    <p:sldId id="265" r:id="rId7"/>
+    <p:sldId id="267" r:id="rId8"/>
+    <p:sldId id="263" r:id="rId9"/>
+    <p:sldId id="264" r:id="rId10"/>
+    <p:sldId id="266" r:id="rId11"/>
+    <p:sldId id="269" r:id="rId12"/>
+    <p:sldId id="271" r:id="rId13"/>
+    <p:sldId id="268" r:id="rId14"/>
+    <p:sldId id="259" r:id="rId15"/>
   </p:sldIdLst>
   <p:sldSz cx="9144000" cy="6858000" type="screen4x3"/>
   <p:notesSz cx="6858000" cy="9144000"/>
@@ -208,7 +210,7 @@
           <a:p>
             <a:fld id="{84E2A798-07BE-4CD3-9344-46FF79751B14}" type="datetimeFigureOut">
               <a:rPr lang="zh-CN" altLang="en-US" smtClean="0"/>
-              <a:t>2017/6/15</a:t>
+              <a:t>2017/6/16</a:t>
             </a:fld>
             <a:endParaRPr lang="zh-CN" altLang="en-US"/>
           </a:p>
@@ -8571,14 +8573,30 @@
             <p:ph type="ctrTitle"/>
           </p:nvPr>
         </p:nvSpPr>
-        <p:spPr/>
+        <p:spPr>
+          <a:xfrm>
+            <a:off x="2323520" y="2445961"/>
+            <a:ext cx="5817040" cy="1148265"/>
+          </a:xfrm>
+        </p:spPr>
         <p:txBody>
           <a:bodyPr/>
           <a:lstStyle/>
           <a:p>
             <a:r>
               <a:rPr lang="en-US" altLang="zh-CN" dirty="0" smtClean="0"/>
-              <a:t>	C</a:t>
+              <a:t>	</a:t>
+            </a:r>
+            <a:br>
+              <a:rPr lang="en-US" altLang="zh-CN" dirty="0" smtClean="0"/>
+            </a:br>
+            <a:r>
+              <a:rPr lang="en-US" altLang="zh-CN" dirty="0"/>
+              <a:t>	</a:t>
+            </a:r>
+            <a:r>
+              <a:rPr lang="en-US" altLang="zh-CN" dirty="0" smtClean="0"/>
+              <a:t>C</a:t>
             </a:r>
             <a:r>
               <a:rPr lang="en-US" altLang="zh-CN" dirty="0"/>
@@ -8644,8 +8662,8 @@
           <a:lstStyle/>
           <a:p>
             <a:r>
-              <a:rPr lang="en-US" altLang="zh-CN" dirty="0" err="1" smtClean="0"/>
-              <a:t>Mutex</a:t>
+              <a:rPr lang="en-US" altLang="zh-CN" dirty="0"/>
+              <a:t>Thread</a:t>
             </a:r>
             <a:endParaRPr lang="zh-CN" altLang="en-US" dirty="0"/>
           </a:p>
@@ -8667,236 +8685,326 @@
           <a:lstStyle/>
           <a:p>
             <a:r>
+              <a:rPr lang="en-US" altLang="zh-CN" b="1" dirty="0" err="1" smtClean="0"/>
+              <a:t>std</a:t>
+            </a:r>
+            <a:r>
+              <a:rPr lang="en-US" altLang="zh-CN" b="1" dirty="0"/>
+              <a:t>::</a:t>
+            </a:r>
+            <a:r>
               <a:rPr lang="en-US" altLang="zh-CN" b="1" dirty="0" err="1"/>
-              <a:t>Mutex</a:t>
-            </a:r>
-            <a:r>
-              <a:rPr lang="en-US" altLang="zh-CN" b="1" dirty="0"/>
-              <a:t> </a:t>
+              <a:t>async</a:t>
             </a:r>
             <a:r>
               <a:rPr lang="zh-CN" altLang="en-US" b="1" dirty="0"/>
-              <a:t>系列类</a:t>
-            </a:r>
-            <a:r>
-              <a:rPr lang="en-US" altLang="zh-CN" b="1" dirty="0"/>
-              <a:t>(</a:t>
-            </a:r>
-            <a:r>
-              <a:rPr lang="zh-CN" altLang="en-US" b="1" dirty="0"/>
-              <a:t>四种</a:t>
-            </a:r>
-            <a:r>
-              <a:rPr lang="en-US" altLang="zh-CN" b="1" dirty="0"/>
-              <a:t>)</a:t>
+              <a:t>代替线程的创建</a:t>
             </a:r>
           </a:p>
           <a:p>
             <a:r>
-              <a:rPr lang="en-US" altLang="zh-CN" dirty="0" err="1"/>
+              <a:rPr lang="zh-CN" altLang="en-US" dirty="0"/>
+              <a:t>　　</a:t>
+            </a:r>
+            <a:r>
+              <a:rPr lang="zh-CN" altLang="en-US" sz="1400" dirty="0" smtClean="0"/>
+              <a:t>大概</a:t>
+            </a:r>
+            <a:r>
+              <a:rPr lang="zh-CN" altLang="en-US" sz="1400" dirty="0"/>
+              <a:t>的工作过程是这样</a:t>
+            </a:r>
+            <a:r>
+              <a:rPr lang="zh-CN" altLang="en-US" sz="1400" dirty="0" smtClean="0"/>
+              <a:t>的，</a:t>
+            </a:r>
+            <a:r>
+              <a:rPr lang="en-US" altLang="zh-CN" sz="1400" dirty="0" err="1" smtClean="0"/>
               <a:t>std</a:t>
             </a:r>
             <a:r>
-              <a:rPr lang="en-US" altLang="zh-CN" dirty="0"/>
+              <a:rPr lang="en-US" altLang="zh-CN" sz="1400" dirty="0"/>
               <a:t>::</a:t>
             </a:r>
             <a:r>
-              <a:rPr lang="en-US" altLang="zh-CN" dirty="0" err="1"/>
-              <a:t>mutex</a:t>
-            </a:r>
-            <a:r>
-              <a:rPr lang="zh-CN" altLang="en-US" dirty="0"/>
-              <a:t>，最基本的 </a:t>
-            </a:r>
-            <a:r>
-              <a:rPr lang="en-US" altLang="zh-CN" dirty="0" err="1"/>
-              <a:t>Mutex</a:t>
-            </a:r>
-            <a:r>
-              <a:rPr lang="en-US" altLang="zh-CN" dirty="0"/>
-              <a:t> </a:t>
-            </a:r>
-            <a:r>
-              <a:rPr lang="zh-CN" altLang="en-US" dirty="0"/>
-              <a:t>类。</a:t>
+              <a:rPr lang="en-US" altLang="zh-CN" sz="1400" dirty="0" err="1"/>
+              <a:t>async</a:t>
+            </a:r>
+            <a:r>
+              <a:rPr lang="zh-CN" altLang="en-US" sz="1400" dirty="0"/>
+              <a:t>先将异步操作用</a:t>
+            </a:r>
+            <a:r>
+              <a:rPr lang="en-US" altLang="zh-CN" sz="1400" dirty="0" err="1"/>
+              <a:t>std</a:t>
+            </a:r>
+            <a:r>
+              <a:rPr lang="en-US" altLang="zh-CN" sz="1400" dirty="0"/>
+              <a:t>::</a:t>
+            </a:r>
+            <a:r>
+              <a:rPr lang="en-US" altLang="zh-CN" sz="1400" dirty="0" err="1"/>
+              <a:t>packaged_task</a:t>
+            </a:r>
+            <a:r>
+              <a:rPr lang="zh-CN" altLang="en-US" sz="1400" dirty="0"/>
+              <a:t>包装起来，然后将异步操作的结果放到</a:t>
+            </a:r>
+            <a:r>
+              <a:rPr lang="en-US" altLang="zh-CN" sz="1400" dirty="0" err="1"/>
+              <a:t>std</a:t>
+            </a:r>
+            <a:r>
+              <a:rPr lang="en-US" altLang="zh-CN" sz="1400" dirty="0"/>
+              <a:t>::promise</a:t>
+            </a:r>
+            <a:r>
+              <a:rPr lang="zh-CN" altLang="en-US" sz="1400" dirty="0"/>
+              <a:t>中，这个过程就是创造未来的过程。外面再通过</a:t>
+            </a:r>
+            <a:r>
+              <a:rPr lang="en-US" altLang="zh-CN" sz="1400" dirty="0" err="1"/>
+              <a:t>future.get</a:t>
+            </a:r>
+            <a:r>
+              <a:rPr lang="en-US" altLang="zh-CN" sz="1400" dirty="0"/>
+              <a:t>/wait</a:t>
+            </a:r>
+            <a:r>
+              <a:rPr lang="zh-CN" altLang="en-US" sz="1400" dirty="0"/>
+              <a:t>来获取这个未来的结果，怎么样，</a:t>
+            </a:r>
+            <a:r>
+              <a:rPr lang="en-US" altLang="zh-CN" sz="1400" dirty="0" err="1"/>
+              <a:t>std</a:t>
+            </a:r>
+            <a:r>
+              <a:rPr lang="en-US" altLang="zh-CN" sz="1400" dirty="0"/>
+              <a:t>::</a:t>
+            </a:r>
+            <a:r>
+              <a:rPr lang="en-US" altLang="zh-CN" sz="1400" dirty="0" err="1"/>
+              <a:t>async</a:t>
+            </a:r>
+            <a:r>
+              <a:rPr lang="zh-CN" altLang="en-US" sz="1400" dirty="0"/>
+              <a:t>真的是来帮忙的吧，你不用再想到底该怎么用</a:t>
+            </a:r>
+            <a:r>
+              <a:rPr lang="en-US" altLang="zh-CN" sz="1400" dirty="0" err="1"/>
+              <a:t>std</a:t>
+            </a:r>
+            <a:r>
+              <a:rPr lang="en-US" altLang="zh-CN" sz="1400" dirty="0"/>
+              <a:t>::future</a:t>
+            </a:r>
+            <a:r>
+              <a:rPr lang="zh-CN" altLang="en-US" sz="1400" dirty="0"/>
+              <a:t>、</a:t>
+            </a:r>
+            <a:r>
+              <a:rPr lang="en-US" altLang="zh-CN" sz="1400" dirty="0" err="1"/>
+              <a:t>std</a:t>
+            </a:r>
+            <a:r>
+              <a:rPr lang="en-US" altLang="zh-CN" sz="1400" dirty="0"/>
+              <a:t>::promise</a:t>
+            </a:r>
+            <a:r>
+              <a:rPr lang="zh-CN" altLang="en-US" sz="1400" dirty="0"/>
+              <a:t>和</a:t>
+            </a:r>
+            <a:r>
+              <a:rPr lang="en-US" altLang="zh-CN" sz="1400" dirty="0" err="1"/>
+              <a:t>std</a:t>
+            </a:r>
+            <a:r>
+              <a:rPr lang="en-US" altLang="zh-CN" sz="1400" dirty="0"/>
+              <a:t>::</a:t>
+            </a:r>
+            <a:r>
+              <a:rPr lang="en-US" altLang="zh-CN" sz="1400" dirty="0" err="1"/>
+              <a:t>packaged_task</a:t>
+            </a:r>
+            <a:r>
+              <a:rPr lang="zh-CN" altLang="en-US" sz="1400" dirty="0"/>
+              <a:t>了，</a:t>
+            </a:r>
+            <a:r>
+              <a:rPr lang="en-US" altLang="zh-CN" sz="1400" dirty="0" err="1"/>
+              <a:t>std</a:t>
+            </a:r>
+            <a:r>
+              <a:rPr lang="en-US" altLang="zh-CN" sz="1400" dirty="0"/>
+              <a:t>::</a:t>
+            </a:r>
+            <a:r>
+              <a:rPr lang="en-US" altLang="zh-CN" sz="1400" dirty="0" err="1"/>
+              <a:t>async</a:t>
+            </a:r>
+            <a:r>
+              <a:rPr lang="zh-CN" altLang="en-US" sz="1400" dirty="0"/>
+              <a:t>已经帮你搞定一切了！</a:t>
             </a:r>
           </a:p>
           <a:p>
             <a:r>
-              <a:rPr lang="en-US" altLang="zh-CN" dirty="0" err="1"/>
+              <a:rPr lang="en-US" altLang="zh-CN" sz="1400" dirty="0" err="1" smtClean="0"/>
               <a:t>std</a:t>
             </a:r>
             <a:r>
-              <a:rPr lang="en-US" altLang="zh-CN" dirty="0"/>
-              <a:t>::</a:t>
-            </a:r>
-            <a:r>
-              <a:rPr lang="en-US" altLang="zh-CN" dirty="0" err="1"/>
-              <a:t>recursive_mutex</a:t>
-            </a:r>
-            <a:r>
-              <a:rPr lang="zh-CN" altLang="en-US" dirty="0"/>
-              <a:t>，递归 </a:t>
-            </a:r>
-            <a:r>
-              <a:rPr lang="en-US" altLang="zh-CN" dirty="0" err="1"/>
-              <a:t>Mutex</a:t>
-            </a:r>
-            <a:r>
-              <a:rPr lang="en-US" altLang="zh-CN" dirty="0"/>
-              <a:t> </a:t>
-            </a:r>
-            <a:r>
-              <a:rPr lang="zh-CN" altLang="en-US" dirty="0"/>
-              <a:t>类</a:t>
-            </a:r>
-            <a:r>
-              <a:rPr lang="zh-CN" altLang="en-US" dirty="0" smtClean="0"/>
-              <a:t>。 </a:t>
-            </a:r>
-            <a:r>
-              <a:rPr lang="en-US" altLang="zh-CN" dirty="0" err="1"/>
-              <a:t>std</a:t>
-            </a:r>
-            <a:r>
-              <a:rPr lang="en-US" altLang="zh-CN" dirty="0"/>
-              <a:t>::</a:t>
-            </a:r>
-            <a:r>
-              <a:rPr lang="en-US" altLang="zh-CN" dirty="0" err="1"/>
-              <a:t>mutex</a:t>
-            </a:r>
-            <a:r>
-              <a:rPr lang="en-US" altLang="zh-CN" dirty="0"/>
-              <a:t> </a:t>
-            </a:r>
-            <a:r>
-              <a:rPr lang="zh-CN" altLang="en-US" dirty="0"/>
-              <a:t>不同的是，</a:t>
-            </a:r>
-            <a:r>
-              <a:rPr lang="en-US" altLang="zh-CN" dirty="0" err="1"/>
-              <a:t>std</a:t>
-            </a:r>
-            <a:r>
-              <a:rPr lang="en-US" altLang="zh-CN" dirty="0"/>
-              <a:t>::</a:t>
-            </a:r>
-            <a:r>
-              <a:rPr lang="en-US" altLang="zh-CN" dirty="0" err="1"/>
-              <a:t>recursive_mutex</a:t>
-            </a:r>
-            <a:r>
-              <a:rPr lang="en-US" altLang="zh-CN" dirty="0"/>
-              <a:t> </a:t>
-            </a:r>
-            <a:r>
-              <a:rPr lang="zh-CN" altLang="en-US" dirty="0"/>
-              <a:t>允许同一个线程对互斥量多次上锁（即递归上锁）</a:t>
+              <a:rPr lang="en-US" altLang="zh-CN" sz="1400" dirty="0"/>
+              <a:t>::launch::</a:t>
+            </a:r>
+            <a:r>
+              <a:rPr lang="en-US" altLang="zh-CN" sz="1400" dirty="0" err="1"/>
+              <a:t>async</a:t>
+            </a:r>
+            <a:r>
+              <a:rPr lang="zh-CN" altLang="en-US" sz="1400" dirty="0"/>
+              <a:t>：在调用</a:t>
+            </a:r>
+            <a:r>
+              <a:rPr lang="en-US" altLang="zh-CN" sz="1400" dirty="0" err="1"/>
+              <a:t>async</a:t>
+            </a:r>
+            <a:r>
+              <a:rPr lang="zh-CN" altLang="en-US" sz="1400" dirty="0"/>
+              <a:t>就开始创建线程。</a:t>
             </a:r>
           </a:p>
           <a:p>
             <a:r>
-              <a:rPr lang="en-US" altLang="zh-CN" dirty="0" err="1"/>
+              <a:rPr lang="en-US" altLang="zh-CN" sz="1400" dirty="0" err="1"/>
               <a:t>std</a:t>
             </a:r>
             <a:r>
-              <a:rPr lang="en-US" altLang="zh-CN" dirty="0"/>
-              <a:t>::</a:t>
-            </a:r>
-            <a:r>
-              <a:rPr lang="en-US" altLang="zh-CN" dirty="0" err="1"/>
-              <a:t>time_mutex</a:t>
-            </a:r>
-            <a:r>
-              <a:rPr lang="zh-CN" altLang="en-US" dirty="0"/>
-              <a:t>，定时 </a:t>
-            </a:r>
-            <a:r>
-              <a:rPr lang="en-US" altLang="zh-CN" dirty="0" err="1"/>
-              <a:t>Mutex</a:t>
-            </a:r>
-            <a:r>
-              <a:rPr lang="en-US" altLang="zh-CN" dirty="0"/>
-              <a:t> </a:t>
-            </a:r>
-            <a:r>
-              <a:rPr lang="zh-CN" altLang="en-US" dirty="0"/>
-              <a:t>类。</a:t>
-            </a:r>
+              <a:rPr lang="en-US" altLang="zh-CN" sz="1400" dirty="0"/>
+              <a:t>::launch::deferred</a:t>
+            </a:r>
+            <a:r>
+              <a:rPr lang="zh-CN" altLang="en-US" sz="1400" dirty="0"/>
+              <a:t>：延迟加载方式创建线程。调用</a:t>
+            </a:r>
+            <a:r>
+              <a:rPr lang="en-US" altLang="zh-CN" sz="1400" dirty="0" err="1"/>
+              <a:t>async</a:t>
+            </a:r>
+            <a:r>
+              <a:rPr lang="zh-CN" altLang="en-US" sz="1400" dirty="0"/>
+              <a:t>时不创建线程，直到调用了</a:t>
+            </a:r>
+            <a:r>
+              <a:rPr lang="en-US" altLang="zh-CN" sz="1400" dirty="0"/>
+              <a:t>future</a:t>
+            </a:r>
+            <a:r>
+              <a:rPr lang="zh-CN" altLang="en-US" sz="1400" dirty="0"/>
+              <a:t>的</a:t>
+            </a:r>
+            <a:r>
+              <a:rPr lang="en-US" altLang="zh-CN" sz="1400" dirty="0"/>
+              <a:t>get</a:t>
+            </a:r>
+            <a:r>
+              <a:rPr lang="zh-CN" altLang="en-US" sz="1400" dirty="0"/>
+              <a:t>或者</a:t>
+            </a:r>
+            <a:r>
+              <a:rPr lang="en-US" altLang="zh-CN" sz="1400" dirty="0"/>
+              <a:t>wait</a:t>
+            </a:r>
+            <a:r>
+              <a:rPr lang="zh-CN" altLang="en-US" sz="1400" dirty="0"/>
+              <a:t>时才创建线程</a:t>
+            </a:r>
+            <a:r>
+              <a:rPr lang="zh-CN" altLang="en-US" sz="1400" dirty="0" smtClean="0"/>
+              <a:t>。</a:t>
+            </a:r>
+            <a:endParaRPr lang="en-US" altLang="zh-CN" sz="1400" dirty="0" smtClean="0"/>
           </a:p>
           <a:p>
-            <a:r>
-              <a:rPr lang="en-US" altLang="zh-CN" dirty="0" err="1"/>
-              <a:t>std</a:t>
-            </a:r>
-            <a:r>
-              <a:rPr lang="en-US" altLang="zh-CN" dirty="0"/>
-              <a:t>::</a:t>
-            </a:r>
-            <a:r>
-              <a:rPr lang="en-US" altLang="zh-CN" dirty="0" err="1"/>
-              <a:t>recursive_timed_mutex</a:t>
-            </a:r>
-            <a:r>
-              <a:rPr lang="zh-CN" altLang="en-US" dirty="0"/>
-              <a:t>，定时递归 </a:t>
-            </a:r>
-            <a:r>
-              <a:rPr lang="en-US" altLang="zh-CN" dirty="0" err="1"/>
-              <a:t>Mutex</a:t>
-            </a:r>
-            <a:r>
-              <a:rPr lang="en-US" altLang="zh-CN" dirty="0"/>
-              <a:t> </a:t>
-            </a:r>
-            <a:r>
-              <a:rPr lang="zh-CN" altLang="en-US" dirty="0"/>
-              <a:t>类。</a:t>
-            </a:r>
-          </a:p>
-          <a:p>
-            <a:r>
-              <a:rPr lang="en-US" altLang="zh-CN" b="1" dirty="0"/>
-              <a:t>Lock </a:t>
-            </a:r>
-            <a:r>
-              <a:rPr lang="zh-CN" altLang="en-US" b="1" dirty="0"/>
-              <a:t>类（两种）</a:t>
-            </a:r>
-          </a:p>
-          <a:p>
-            <a:r>
-              <a:rPr lang="en-US" altLang="zh-CN" dirty="0" err="1"/>
-              <a:t>std</a:t>
-            </a:r>
-            <a:r>
-              <a:rPr lang="en-US" altLang="zh-CN" dirty="0"/>
-              <a:t>::</a:t>
-            </a:r>
-            <a:r>
-              <a:rPr lang="en-US" altLang="zh-CN" dirty="0" err="1" smtClean="0"/>
-              <a:t>lock_guard</a:t>
-            </a:r>
             <a:endParaRPr lang="en-US" altLang="zh-CN" dirty="0" smtClean="0"/>
           </a:p>
           <a:p>
             <a:r>
-              <a:rPr lang="en-US" altLang="zh-CN" dirty="0" err="1" smtClean="0"/>
-              <a:t>std</a:t>
+              <a:rPr lang="en-US" altLang="zh-CN" dirty="0" err="1"/>
+              <a:t>condition_variable</a:t>
+            </a:r>
+            <a:r>
+              <a:rPr lang="zh-CN" altLang="en-US" dirty="0"/>
+              <a:t>有</a:t>
             </a:r>
             <a:r>
               <a:rPr lang="en-US" altLang="zh-CN" dirty="0"/>
-              <a:t>::</a:t>
-            </a:r>
-            <a:r>
-              <a:rPr lang="en-US" altLang="zh-CN" dirty="0" err="1" smtClean="0"/>
-              <a:t>unique_lock</a:t>
-            </a:r>
-            <a:endParaRPr lang="zh-CN" altLang="en-US" dirty="0"/>
+              <a:t>5</a:t>
+            </a:r>
+            <a:r>
+              <a:rPr lang="zh-CN" altLang="en-US" dirty="0"/>
+              <a:t>个函数，函数名及对应的功能如下：</a:t>
+            </a:r>
           </a:p>
           <a:p>
-            <a:endParaRPr lang="en-US" altLang="zh-CN" dirty="0"/>
+            <a:r>
+              <a:rPr lang="en-US" altLang="zh-CN" sz="1400" dirty="0"/>
+              <a:t>wait</a:t>
+            </a:r>
+            <a:r>
+              <a:rPr lang="zh-CN" altLang="en-US" sz="1400" dirty="0"/>
+              <a:t>阻塞自己，等待唤醒</a:t>
+            </a:r>
+          </a:p>
+          <a:p>
+            <a:r>
+              <a:rPr lang="en-US" altLang="zh-CN" sz="1400" dirty="0" err="1"/>
+              <a:t>wait_for</a:t>
+            </a:r>
+            <a:r>
+              <a:rPr lang="zh-CN" altLang="en-US" sz="1400" dirty="0"/>
+              <a:t>阻塞自己，等待唤醒，最多等待一段时间</a:t>
+            </a:r>
+          </a:p>
+          <a:p>
+            <a:r>
+              <a:rPr lang="en-US" altLang="zh-CN" sz="1400" dirty="0" err="1"/>
+              <a:t>wait_until</a:t>
+            </a:r>
+            <a:r>
+              <a:rPr lang="zh-CN" altLang="en-US" sz="1400" dirty="0"/>
+              <a:t>阻塞自己，等待唤醒，最多等待到某个时间点</a:t>
+            </a:r>
+          </a:p>
+          <a:p>
+            <a:r>
+              <a:rPr lang="en-US" altLang="zh-CN" sz="1400" dirty="0" err="1"/>
+              <a:t>notify_one</a:t>
+            </a:r>
+            <a:r>
+              <a:rPr lang="en-US" altLang="zh-CN" sz="1400" dirty="0"/>
+              <a:t> </a:t>
+            </a:r>
+            <a:r>
+              <a:rPr lang="zh-CN" altLang="en-US" sz="1400" dirty="0"/>
+              <a:t>唤醒一个等待在这个条件变量上的线程</a:t>
+            </a:r>
+          </a:p>
+          <a:p>
+            <a:r>
+              <a:rPr lang="en-US" altLang="zh-CN" sz="1400" dirty="0" err="1"/>
+              <a:t>notify_all</a:t>
+            </a:r>
+            <a:r>
+              <a:rPr lang="en-US" altLang="zh-CN" sz="1400" dirty="0"/>
+              <a:t> </a:t>
+            </a:r>
+            <a:r>
+              <a:rPr lang="zh-CN" altLang="en-US" sz="1400" dirty="0"/>
+              <a:t>唤醒所有等待在这个条件变量上的线程</a:t>
+            </a:r>
+          </a:p>
+          <a:p>
+            <a:endParaRPr lang="zh-CN" altLang="en-US" dirty="0"/>
           </a:p>
           <a:p>
             <a:endParaRPr lang="zh-CN" altLang="en-US" dirty="0"/>
@@ -8906,7 +9014,7 @@
     </p:spTree>
     <p:extLst>
       <p:ext uri="{BB962C8B-B14F-4D97-AF65-F5344CB8AC3E}">
-        <p14:creationId xmlns:p14="http://schemas.microsoft.com/office/powerpoint/2010/main" val="402476896"/>
+        <p14:creationId xmlns:p14="http://schemas.microsoft.com/office/powerpoint/2010/main" val="1653435615"/>
       </p:ext>
     </p:extLst>
   </p:cSld>
@@ -8949,12 +9057,8 @@
           <a:lstStyle/>
           <a:p>
             <a:r>
-              <a:rPr lang="en-US" altLang="zh-CN" dirty="0" smtClean="0"/>
-              <a:t>Atomic </a:t>
-            </a:r>
-            <a:r>
-              <a:rPr lang="zh-CN" altLang="en-US" dirty="0" smtClean="0"/>
-              <a:t>原子操作</a:t>
+              <a:rPr lang="en-US" altLang="zh-CN" dirty="0" err="1" smtClean="0"/>
+              <a:t>Mutex</a:t>
             </a:r>
             <a:endParaRPr lang="zh-CN" altLang="en-US" dirty="0"/>
           </a:p>
@@ -8976,6 +9080,387 @@
           <a:lstStyle/>
           <a:p>
             <a:r>
+              <a:rPr lang="en-US" altLang="zh-CN" b="1" dirty="0" err="1"/>
+              <a:t>Mutex</a:t>
+            </a:r>
+            <a:r>
+              <a:rPr lang="en-US" altLang="zh-CN" b="1" dirty="0"/>
+              <a:t> </a:t>
+            </a:r>
+            <a:r>
+              <a:rPr lang="zh-CN" altLang="en-US" b="1" dirty="0"/>
+              <a:t>系列类</a:t>
+            </a:r>
+            <a:r>
+              <a:rPr lang="en-US" altLang="zh-CN" b="1" dirty="0"/>
+              <a:t>(</a:t>
+            </a:r>
+            <a:r>
+              <a:rPr lang="zh-CN" altLang="en-US" b="1" dirty="0"/>
+              <a:t>四种</a:t>
+            </a:r>
+            <a:r>
+              <a:rPr lang="en-US" altLang="zh-CN" b="1" dirty="0"/>
+              <a:t>)</a:t>
+            </a:r>
+          </a:p>
+          <a:p>
+            <a:r>
+              <a:rPr lang="en-US" altLang="zh-CN" dirty="0" err="1"/>
+              <a:t>std</a:t>
+            </a:r>
+            <a:r>
+              <a:rPr lang="en-US" altLang="zh-CN" dirty="0"/>
+              <a:t>::</a:t>
+            </a:r>
+            <a:r>
+              <a:rPr lang="en-US" altLang="zh-CN" dirty="0" err="1"/>
+              <a:t>mutex</a:t>
+            </a:r>
+            <a:r>
+              <a:rPr lang="zh-CN" altLang="en-US" dirty="0"/>
+              <a:t>，最基本的 </a:t>
+            </a:r>
+            <a:r>
+              <a:rPr lang="en-US" altLang="zh-CN" dirty="0" err="1"/>
+              <a:t>Mutex</a:t>
+            </a:r>
+            <a:r>
+              <a:rPr lang="en-US" altLang="zh-CN" dirty="0"/>
+              <a:t> </a:t>
+            </a:r>
+            <a:r>
+              <a:rPr lang="zh-CN" altLang="en-US" dirty="0"/>
+              <a:t>类。</a:t>
+            </a:r>
+          </a:p>
+          <a:p>
+            <a:r>
+              <a:rPr lang="en-US" altLang="zh-CN" dirty="0" err="1"/>
+              <a:t>std</a:t>
+            </a:r>
+            <a:r>
+              <a:rPr lang="en-US" altLang="zh-CN" dirty="0"/>
+              <a:t>::</a:t>
+            </a:r>
+            <a:r>
+              <a:rPr lang="en-US" altLang="zh-CN" dirty="0" err="1"/>
+              <a:t>recursive_mutex</a:t>
+            </a:r>
+            <a:r>
+              <a:rPr lang="zh-CN" altLang="en-US" dirty="0"/>
+              <a:t>，递归 </a:t>
+            </a:r>
+            <a:r>
+              <a:rPr lang="en-US" altLang="zh-CN" dirty="0" err="1"/>
+              <a:t>Mutex</a:t>
+            </a:r>
+            <a:r>
+              <a:rPr lang="en-US" altLang="zh-CN" dirty="0"/>
+              <a:t> </a:t>
+            </a:r>
+            <a:r>
+              <a:rPr lang="zh-CN" altLang="en-US" dirty="0"/>
+              <a:t>类</a:t>
+            </a:r>
+            <a:r>
+              <a:rPr lang="zh-CN" altLang="en-US" dirty="0" smtClean="0"/>
+              <a:t>。 </a:t>
+            </a:r>
+            <a:r>
+              <a:rPr lang="en-US" altLang="zh-CN" dirty="0" err="1"/>
+              <a:t>std</a:t>
+            </a:r>
+            <a:r>
+              <a:rPr lang="en-US" altLang="zh-CN" dirty="0"/>
+              <a:t>::</a:t>
+            </a:r>
+            <a:r>
+              <a:rPr lang="en-US" altLang="zh-CN" dirty="0" err="1"/>
+              <a:t>mutex</a:t>
+            </a:r>
+            <a:r>
+              <a:rPr lang="en-US" altLang="zh-CN" dirty="0"/>
+              <a:t> </a:t>
+            </a:r>
+            <a:r>
+              <a:rPr lang="zh-CN" altLang="en-US" dirty="0"/>
+              <a:t>不同的是，</a:t>
+            </a:r>
+            <a:r>
+              <a:rPr lang="en-US" altLang="zh-CN" dirty="0" err="1"/>
+              <a:t>std</a:t>
+            </a:r>
+            <a:r>
+              <a:rPr lang="en-US" altLang="zh-CN" dirty="0"/>
+              <a:t>::</a:t>
+            </a:r>
+            <a:r>
+              <a:rPr lang="en-US" altLang="zh-CN" dirty="0" err="1"/>
+              <a:t>recursive_mutex</a:t>
+            </a:r>
+            <a:r>
+              <a:rPr lang="en-US" altLang="zh-CN" dirty="0"/>
+              <a:t> </a:t>
+            </a:r>
+            <a:r>
+              <a:rPr lang="zh-CN" altLang="en-US" dirty="0"/>
+              <a:t>允许同一个线程对互斥量多次上锁（即递归上锁）</a:t>
+            </a:r>
+          </a:p>
+          <a:p>
+            <a:r>
+              <a:rPr lang="en-US" altLang="zh-CN" dirty="0" err="1"/>
+              <a:t>std</a:t>
+            </a:r>
+            <a:r>
+              <a:rPr lang="en-US" altLang="zh-CN" dirty="0"/>
+              <a:t>::</a:t>
+            </a:r>
+            <a:r>
+              <a:rPr lang="en-US" altLang="zh-CN" dirty="0" err="1"/>
+              <a:t>time_mutex</a:t>
+            </a:r>
+            <a:r>
+              <a:rPr lang="zh-CN" altLang="en-US" dirty="0"/>
+              <a:t>，定时 </a:t>
+            </a:r>
+            <a:r>
+              <a:rPr lang="en-US" altLang="zh-CN" dirty="0" err="1"/>
+              <a:t>Mutex</a:t>
+            </a:r>
+            <a:r>
+              <a:rPr lang="en-US" altLang="zh-CN" dirty="0"/>
+              <a:t> </a:t>
+            </a:r>
+            <a:r>
+              <a:rPr lang="zh-CN" altLang="en-US" dirty="0"/>
+              <a:t>类。</a:t>
+            </a:r>
+          </a:p>
+          <a:p>
+            <a:r>
+              <a:rPr lang="en-US" altLang="zh-CN" dirty="0" err="1"/>
+              <a:t>std</a:t>
+            </a:r>
+            <a:r>
+              <a:rPr lang="en-US" altLang="zh-CN" dirty="0"/>
+              <a:t>::</a:t>
+            </a:r>
+            <a:r>
+              <a:rPr lang="en-US" altLang="zh-CN" dirty="0" err="1"/>
+              <a:t>recursive_timed_mutex</a:t>
+            </a:r>
+            <a:r>
+              <a:rPr lang="zh-CN" altLang="en-US" dirty="0"/>
+              <a:t>，定时递归 </a:t>
+            </a:r>
+            <a:r>
+              <a:rPr lang="en-US" altLang="zh-CN" dirty="0" err="1"/>
+              <a:t>Mutex</a:t>
+            </a:r>
+            <a:r>
+              <a:rPr lang="en-US" altLang="zh-CN" dirty="0"/>
+              <a:t> </a:t>
+            </a:r>
+            <a:r>
+              <a:rPr lang="zh-CN" altLang="en-US" dirty="0"/>
+              <a:t>类。</a:t>
+            </a:r>
+          </a:p>
+          <a:p>
+            <a:r>
+              <a:rPr lang="en-US" altLang="zh-CN" b="1" dirty="0"/>
+              <a:t>Lock </a:t>
+            </a:r>
+            <a:r>
+              <a:rPr lang="zh-CN" altLang="en-US" b="1" dirty="0"/>
+              <a:t>类（两种）</a:t>
+            </a:r>
+          </a:p>
+          <a:p>
+            <a:r>
+              <a:rPr lang="en-US" altLang="zh-CN" dirty="0" err="1"/>
+              <a:t>std</a:t>
+            </a:r>
+            <a:r>
+              <a:rPr lang="en-US" altLang="zh-CN" dirty="0"/>
+              <a:t>::</a:t>
+            </a:r>
+            <a:r>
+              <a:rPr lang="en-US" altLang="zh-CN" dirty="0" err="1" smtClean="0"/>
+              <a:t>lock_guard</a:t>
+            </a:r>
+            <a:endParaRPr lang="en-US" altLang="zh-CN" dirty="0" smtClean="0"/>
+          </a:p>
+          <a:p>
+            <a:r>
+              <a:rPr lang="en-US" altLang="zh-CN" dirty="0" err="1" smtClean="0"/>
+              <a:t>std</a:t>
+            </a:r>
+            <a:r>
+              <a:rPr lang="en-US" altLang="zh-CN" dirty="0"/>
+              <a:t>::</a:t>
+            </a:r>
+            <a:r>
+              <a:rPr lang="en-US" altLang="zh-CN" dirty="0" err="1" smtClean="0"/>
+              <a:t>unique_lock</a:t>
+            </a:r>
+            <a:endParaRPr lang="zh-CN" altLang="en-US" dirty="0"/>
+          </a:p>
+          <a:p>
+            <a:endParaRPr lang="en-US" altLang="zh-CN" dirty="0"/>
+          </a:p>
+          <a:p>
+            <a:endParaRPr lang="zh-CN" altLang="en-US" dirty="0"/>
+          </a:p>
+        </p:txBody>
+      </p:sp>
+    </p:spTree>
+    <p:extLst>
+      <p:ext uri="{BB962C8B-B14F-4D97-AF65-F5344CB8AC3E}">
+        <p14:creationId xmlns:p14="http://schemas.microsoft.com/office/powerpoint/2010/main" val="402476896"/>
+      </p:ext>
+    </p:extLst>
+  </p:cSld>
+  <p:clrMapOvr>
+    <a:masterClrMapping/>
+  </p:clrMapOvr>
+</p:sld>
+</file>
+
+<file path=ppt/slides/slide12.xml><?xml version="1.0" encoding="utf-8"?>
+<p:sld xmlns:a="http://schemas.openxmlformats.org/drawingml/2006/main" xmlns:r="http://schemas.openxmlformats.org/officeDocument/2006/relationships" xmlns:p="http://schemas.openxmlformats.org/presentationml/2006/main">
+  <p:cSld>
+    <p:spTree>
+      <p:nvGrpSpPr>
+        <p:cNvPr id="1" name=""/>
+        <p:cNvGrpSpPr/>
+        <p:nvPr/>
+      </p:nvGrpSpPr>
+      <p:grpSpPr>
+        <a:xfrm>
+          <a:off x="0" y="0"/>
+          <a:ext cx="0" cy="0"/>
+          <a:chOff x="0" y="0"/>
+          <a:chExt cx="0" cy="0"/>
+        </a:xfrm>
+      </p:grpSpPr>
+      <p:sp>
+        <p:nvSpPr>
+          <p:cNvPr id="2" name="标题 1"/>
+          <p:cNvSpPr>
+            <a:spLocks noGrp="1"/>
+          </p:cNvSpPr>
+          <p:nvPr>
+            <p:ph type="title"/>
+          </p:nvPr>
+        </p:nvSpPr>
+        <p:spPr/>
+        <p:txBody>
+          <a:bodyPr/>
+          <a:lstStyle/>
+          <a:p>
+            <a:r>
+              <a:rPr lang="en-US" altLang="zh-CN" dirty="0" err="1" smtClean="0"/>
+              <a:t>Mutex</a:t>
+            </a:r>
+            <a:endParaRPr lang="zh-CN" altLang="en-US" dirty="0"/>
+          </a:p>
+        </p:txBody>
+      </p:sp>
+      <p:sp>
+        <p:nvSpPr>
+          <p:cNvPr id="3" name="内容占位符 2"/>
+          <p:cNvSpPr>
+            <a:spLocks noGrp="1"/>
+          </p:cNvSpPr>
+          <p:nvPr>
+            <p:ph idx="1"/>
+          </p:nvPr>
+        </p:nvSpPr>
+        <p:spPr/>
+        <p:txBody>
+          <a:bodyPr/>
+          <a:lstStyle/>
+          <a:p>
+            <a:endParaRPr lang="zh-CN" altLang="en-US" dirty="0"/>
+          </a:p>
+        </p:txBody>
+      </p:sp>
+    </p:spTree>
+    <p:extLst>
+      <p:ext uri="{BB962C8B-B14F-4D97-AF65-F5344CB8AC3E}">
+        <p14:creationId xmlns:p14="http://schemas.microsoft.com/office/powerpoint/2010/main" val="828031"/>
+      </p:ext>
+    </p:extLst>
+  </p:cSld>
+  <p:clrMapOvr>
+    <a:masterClrMapping/>
+  </p:clrMapOvr>
+</p:sld>
+</file>
+
+<file path=ppt/slides/slide13.xml><?xml version="1.0" encoding="utf-8"?>
+<p:sld xmlns:a="http://schemas.openxmlformats.org/drawingml/2006/main" xmlns:r="http://schemas.openxmlformats.org/officeDocument/2006/relationships" xmlns:p="http://schemas.openxmlformats.org/presentationml/2006/main">
+  <p:cSld>
+    <p:spTree>
+      <p:nvGrpSpPr>
+        <p:cNvPr id="1" name=""/>
+        <p:cNvGrpSpPr/>
+        <p:nvPr/>
+      </p:nvGrpSpPr>
+      <p:grpSpPr>
+        <a:xfrm>
+          <a:off x="0" y="0"/>
+          <a:ext cx="0" cy="0"/>
+          <a:chOff x="0" y="0"/>
+          <a:chExt cx="0" cy="0"/>
+        </a:xfrm>
+      </p:grpSpPr>
+      <p:sp>
+        <p:nvSpPr>
+          <p:cNvPr id="2" name="标题 1"/>
+          <p:cNvSpPr>
+            <a:spLocks noGrp="1"/>
+          </p:cNvSpPr>
+          <p:nvPr>
+            <p:ph type="title"/>
+          </p:nvPr>
+        </p:nvSpPr>
+        <p:spPr/>
+        <p:txBody>
+          <a:bodyPr/>
+          <a:lstStyle/>
+          <a:p>
+            <a:r>
+              <a:rPr lang="en-US" altLang="zh-CN" dirty="0" smtClean="0"/>
+              <a:t>Atomic </a:t>
+            </a:r>
+            <a:r>
+              <a:rPr lang="zh-CN" altLang="en-US" dirty="0" smtClean="0"/>
+              <a:t>原子操作</a:t>
+            </a:r>
+            <a:endParaRPr lang="zh-CN" altLang="en-US" dirty="0"/>
+          </a:p>
+        </p:txBody>
+      </p:sp>
+      <p:sp>
+        <p:nvSpPr>
+          <p:cNvPr id="3" name="内容占位符 2"/>
+          <p:cNvSpPr>
+            <a:spLocks noGrp="1"/>
+          </p:cNvSpPr>
+          <p:nvPr>
+            <p:ph idx="1"/>
+          </p:nvPr>
+        </p:nvSpPr>
+        <p:spPr/>
+        <p:txBody>
+          <a:bodyPr/>
+          <a:lstStyle/>
+          <a:p>
+            <a:r>
               <a:rPr lang="zh-CN" altLang="en-US" dirty="0"/>
               <a:t>所谓的原子操作，取的就是“原子是最小的、不可分割的最小个体”的意义，它表示在多个线程访问同一个全局资源的时候，能够确保所有其他的线程都不在同一时间内访问相同的资源。也就是他确保了在同一时刻只有唯一的线程对这个资源进行访问。这有点类似互斥对象对共享资源的访问的保护，但是原子操作更加接近底层，因而效率更高。</a:t>
             </a:r>
@@ -8991,23 +9476,15 @@
             </a:r>
             <a:r>
               <a:rPr lang="zh-CN" altLang="en-US" dirty="0"/>
-              <a:t>标准中并没有对原子操作进行规定，我们往往是使用汇编语言，或者是借助第三方的线程库，例如</a:t>
-            </a:r>
-            <a:r>
-              <a:rPr lang="en-US" altLang="zh-CN" dirty="0"/>
-              <a:t>intel</a:t>
+              <a:t>标准中并没有对原子操作进行规定，我们往往是使用汇编语言，或者是借助第三方的线程</a:t>
+            </a:r>
+            <a:r>
+              <a:rPr lang="zh-CN" altLang="en-US" dirty="0" smtClean="0"/>
+              <a:t>库。</a:t>
             </a:r>
             <a:r>
               <a:rPr lang="zh-CN" altLang="en-US" dirty="0"/>
-              <a:t>的</a:t>
-            </a:r>
-            <a:r>
-              <a:rPr lang="en-US" altLang="zh-CN" dirty="0" err="1"/>
-              <a:t>pthread</a:t>
-            </a:r>
-            <a:r>
-              <a:rPr lang="zh-CN" altLang="en-US" dirty="0"/>
-              <a:t>来实现。在新标准</a:t>
+              <a:t>在新标准</a:t>
             </a:r>
             <a:r>
               <a:rPr lang="en-US" altLang="zh-CN" b="1" dirty="0">
@@ -9050,7 +9527,7 @@
 </p:sld>
 </file>
 
-<file path=ppt/slides/slide12.xml><?xml version="1.0" encoding="utf-8"?>
+<file path=ppt/slides/slide14.xml><?xml version="1.0" encoding="utf-8"?>
 <p:sld xmlns:a="http://schemas.openxmlformats.org/drawingml/2006/main" xmlns:r="http://schemas.openxmlformats.org/officeDocument/2006/relationships" xmlns:p="http://schemas.openxmlformats.org/presentationml/2006/main">
   <p:cSld>
     <p:spTree>
@@ -9156,6 +9633,9 @@
           <a:lstStyle/>
           <a:p>
             <a:pPr marL="285750" indent="-285750">
+              <a:lnSpc>
+                <a:spcPct val="100000"/>
+              </a:lnSpc>
               <a:buFont typeface="Arial" panose="020B0604020202020204" pitchFamily="34" charset="0"/>
               <a:buChar char="•"/>
             </a:pPr>
@@ -9178,34 +9658,52 @@
           </a:p>
           <a:p>
             <a:pPr marL="285750" indent="-285750">
+              <a:lnSpc>
+                <a:spcPct val="100000"/>
+              </a:lnSpc>
               <a:buFont typeface="Arial" panose="020B0604020202020204" pitchFamily="34" charset="0"/>
               <a:buChar char="•"/>
             </a:pPr>
             <a:r>
               <a:rPr lang="en-US" altLang="zh-CN" dirty="0"/>
-              <a:t>friend      --friend class A ,C++11</a:t>
-            </a:r>
-            <a:r>
-              <a:rPr lang="zh-CN" altLang="en-US" dirty="0"/>
+              <a:t>friend      </a:t>
+            </a:r>
+            <a:r>
+              <a:rPr lang="en-US" altLang="zh-CN" sz="1200" dirty="0"/>
+              <a:t>--friend class A ,C++11</a:t>
+            </a:r>
+            <a:r>
+              <a:rPr lang="zh-CN" altLang="en-US" sz="1200" dirty="0"/>
               <a:t>中不再需要加 </a:t>
             </a:r>
             <a:r>
-              <a:rPr lang="en-US" altLang="zh-CN" dirty="0"/>
+              <a:rPr lang="en-US" altLang="zh-CN" sz="1200" dirty="0"/>
               <a:t>class</a:t>
             </a:r>
           </a:p>
           <a:p>
             <a:pPr marL="285750" indent="-285750">
+              <a:lnSpc>
+                <a:spcPct val="100000"/>
+              </a:lnSpc>
               <a:buFont typeface="Arial" panose="020B0604020202020204" pitchFamily="34" charset="0"/>
               <a:buChar char="•"/>
             </a:pPr>
             <a:r>
               <a:rPr lang="en-US" altLang="zh-CN" dirty="0"/>
-              <a:t>final  override</a:t>
-            </a:r>
+              <a:t>final  </a:t>
+            </a:r>
+            <a:r>
+              <a:rPr lang="en-US" altLang="zh-CN" dirty="0" smtClean="0"/>
+              <a:t>override</a:t>
+            </a:r>
+            <a:endParaRPr lang="en-US" altLang="zh-CN" dirty="0"/>
           </a:p>
           <a:p>
             <a:pPr marL="285750" indent="-285750">
+              <a:lnSpc>
+                <a:spcPct val="100000"/>
+              </a:lnSpc>
               <a:buFont typeface="Arial" panose="020B0604020202020204" pitchFamily="34" charset="0"/>
               <a:buChar char="•"/>
             </a:pPr>
@@ -9225,6 +9723,9 @@
           </a:p>
           <a:p>
             <a:pPr marL="285750" indent="-285750">
+              <a:lnSpc>
+                <a:spcPct val="100000"/>
+              </a:lnSpc>
               <a:buFont typeface="Arial" panose="020B0604020202020204" pitchFamily="34" charset="0"/>
               <a:buChar char="•"/>
             </a:pPr>
@@ -9233,79 +9734,344 @@
               <a:t>using  </a:t>
             </a:r>
             <a:r>
-              <a:rPr lang="zh-CN" altLang="en-US" dirty="0" smtClean="0"/>
+              <a:rPr lang="zh-CN" altLang="en-US" sz="1200" dirty="0" smtClean="0"/>
               <a:t>除了</a:t>
             </a:r>
             <a:r>
-              <a:rPr lang="en-US" altLang="zh-CN" dirty="0" smtClean="0"/>
+              <a:rPr lang="en-US" altLang="zh-CN" sz="1200" dirty="0" smtClean="0"/>
               <a:t>using namespace …,</a:t>
             </a:r>
             <a:r>
-              <a:rPr lang="zh-CN" altLang="en-US" dirty="0" smtClean="0"/>
+              <a:rPr lang="zh-CN" altLang="en-US" sz="1200" dirty="0" smtClean="0"/>
               <a:t>它</a:t>
             </a:r>
             <a:r>
-              <a:rPr lang="zh-CN" altLang="en-US" dirty="0"/>
+              <a:rPr lang="zh-CN" altLang="en-US" sz="1200" dirty="0"/>
               <a:t>的用处还有几个 </a:t>
             </a:r>
             <a:r>
+              <a:rPr lang="en-US" altLang="zh-CN" sz="1200" dirty="0"/>
+              <a:t>1</a:t>
+            </a:r>
+            <a:r>
+              <a:rPr lang="zh-CN" altLang="en-US" sz="1200" dirty="0"/>
+              <a:t>：取代</a:t>
+            </a:r>
+            <a:r>
+              <a:rPr lang="en-US" altLang="zh-CN" sz="1200" dirty="0" err="1"/>
+              <a:t>typedef</a:t>
+            </a:r>
+            <a:r>
+              <a:rPr lang="en-US" altLang="zh-CN" sz="1200" dirty="0"/>
+              <a:t>  </a:t>
+            </a:r>
+            <a:r>
+              <a:rPr lang="zh-CN" altLang="en-US" sz="1200" dirty="0"/>
+              <a:t>，</a:t>
+            </a:r>
+            <a:r>
+              <a:rPr lang="en-US" altLang="zh-CN" sz="1200" dirty="0"/>
+              <a:t>2</a:t>
+            </a:r>
+            <a:r>
+              <a:rPr lang="zh-CN" altLang="en-US" sz="1200" dirty="0"/>
+              <a:t>：让父类同名函数在子类中以重载方式</a:t>
+            </a:r>
+            <a:r>
+              <a:rPr lang="zh-CN" altLang="en-US" sz="1200" dirty="0" smtClean="0"/>
+              <a:t>使用</a:t>
+            </a:r>
+            <a:endParaRPr lang="en-US" altLang="zh-CN" sz="1200" dirty="0" smtClean="0"/>
+          </a:p>
+          <a:p>
+            <a:pPr marL="285750" indent="-285750">
+              <a:lnSpc>
+                <a:spcPct val="100000"/>
+              </a:lnSpc>
+              <a:buFont typeface="Arial" panose="020B0604020202020204" pitchFamily="34" charset="0"/>
+              <a:buChar char="•"/>
+            </a:pPr>
+            <a:r>
+              <a:rPr lang="en-US" altLang="zh-CN" dirty="0" err="1"/>
+              <a:t>decltype</a:t>
+            </a:r>
+            <a:r>
               <a:rPr lang="en-US" altLang="zh-CN" dirty="0"/>
-              <a:t>1</a:t>
-            </a:r>
-            <a:r>
-              <a:rPr lang="zh-CN" altLang="en-US" dirty="0"/>
-              <a:t>：取代</a:t>
-            </a:r>
-            <a:r>
-              <a:rPr lang="en-US" altLang="zh-CN" dirty="0" err="1"/>
-              <a:t>typedef</a:t>
-            </a:r>
-            <a:r>
-              <a:rPr lang="en-US" altLang="zh-CN" dirty="0"/>
-              <a:t>  </a:t>
-            </a:r>
-            <a:r>
-              <a:rPr lang="zh-CN" altLang="en-US" dirty="0"/>
-              <a:t>，</a:t>
-            </a:r>
-            <a:r>
-              <a:rPr lang="en-US" altLang="zh-CN" dirty="0"/>
-              <a:t>2</a:t>
-            </a:r>
-            <a:r>
-              <a:rPr lang="zh-CN" altLang="en-US" dirty="0"/>
-              <a:t>：让父类同名函数在子类中以重载方式</a:t>
-            </a:r>
-            <a:r>
-              <a:rPr lang="zh-CN" altLang="en-US" dirty="0" smtClean="0"/>
-              <a:t>使用</a:t>
-            </a:r>
+              <a:t> </a:t>
+            </a:r>
+            <a:endParaRPr lang="en-US" altLang="zh-CN" dirty="0" smtClean="0"/>
+          </a:p>
+          <a:p>
+            <a:pPr>
+              <a:lnSpc>
+                <a:spcPct val="100000"/>
+              </a:lnSpc>
+            </a:pPr>
+            <a:r>
+              <a:rPr lang="zh-CN" altLang="en-US" sz="1200" dirty="0" smtClean="0"/>
+              <a:t>自动识别类型</a:t>
+            </a:r>
+            <a:r>
+              <a:rPr lang="zh-CN" altLang="en-US" sz="1200" b="1" dirty="0"/>
+              <a:t>推导四</a:t>
+            </a:r>
+            <a:r>
+              <a:rPr lang="zh-CN" altLang="en-US" sz="1200" b="1" dirty="0" smtClean="0"/>
+              <a:t>规则</a:t>
+            </a:r>
+            <a:endParaRPr lang="en-US" altLang="zh-CN" sz="1200" b="1" dirty="0" smtClean="0"/>
+          </a:p>
+          <a:p>
+            <a:pPr>
+              <a:lnSpc>
+                <a:spcPct val="100000"/>
+              </a:lnSpc>
+            </a:pPr>
+            <a:r>
+              <a:rPr lang="zh-CN" altLang="en-US" sz="1200" dirty="0" smtClean="0"/>
+              <a:t>如果</a:t>
+            </a:r>
+            <a:r>
+              <a:rPr lang="en-US" altLang="zh-CN" sz="1200" dirty="0"/>
+              <a:t>e</a:t>
+            </a:r>
+            <a:r>
+              <a:rPr lang="zh-CN" altLang="en-US" sz="1200" dirty="0"/>
+              <a:t>是一个没有带括号的标记符表达式或者类成员访问表达式，那么的</a:t>
+            </a:r>
+            <a:r>
+              <a:rPr lang="en-US" altLang="zh-CN" sz="1200" dirty="0" err="1"/>
+              <a:t>decltype</a:t>
+            </a:r>
+            <a:r>
+              <a:rPr lang="zh-CN" altLang="en-US" sz="1200" dirty="0"/>
+              <a:t>（</a:t>
+            </a:r>
+            <a:r>
+              <a:rPr lang="en-US" altLang="zh-CN" sz="1200" dirty="0"/>
+              <a:t>e</a:t>
+            </a:r>
+            <a:r>
+              <a:rPr lang="zh-CN" altLang="en-US" sz="1200" dirty="0"/>
+              <a:t>）就是</a:t>
+            </a:r>
+            <a:r>
+              <a:rPr lang="en-US" altLang="zh-CN" sz="1200" dirty="0"/>
+              <a:t>e</a:t>
+            </a:r>
+            <a:r>
+              <a:rPr lang="zh-CN" altLang="en-US" sz="1200" dirty="0"/>
+              <a:t>所命名的实体的类型。此外，如果</a:t>
+            </a:r>
+            <a:r>
+              <a:rPr lang="en-US" altLang="zh-CN" sz="1200" dirty="0"/>
+              <a:t>e</a:t>
+            </a:r>
+            <a:r>
+              <a:rPr lang="zh-CN" altLang="en-US" sz="1200" dirty="0"/>
+              <a:t>是一个被重载的函数，则会导致编译错误。</a:t>
+            </a:r>
+          </a:p>
+          <a:p>
+            <a:pPr>
+              <a:lnSpc>
+                <a:spcPct val="100000"/>
+              </a:lnSpc>
+            </a:pPr>
+            <a:r>
+              <a:rPr lang="zh-CN" altLang="en-US" sz="1200" dirty="0"/>
+              <a:t>否则 ，假设</a:t>
+            </a:r>
+            <a:r>
+              <a:rPr lang="en-US" altLang="zh-CN" sz="1200" dirty="0"/>
+              <a:t>e</a:t>
+            </a:r>
+            <a:r>
+              <a:rPr lang="zh-CN" altLang="en-US" sz="1200" dirty="0"/>
+              <a:t>的类型是</a:t>
+            </a:r>
+            <a:r>
+              <a:rPr lang="en-US" altLang="zh-CN" sz="1200" dirty="0"/>
+              <a:t>T</a:t>
+            </a:r>
+            <a:r>
+              <a:rPr lang="zh-CN" altLang="en-US" sz="1200" dirty="0"/>
+              <a:t>，如果</a:t>
+            </a:r>
+            <a:r>
+              <a:rPr lang="en-US" altLang="zh-CN" sz="1200" dirty="0"/>
+              <a:t>e</a:t>
+            </a:r>
+            <a:r>
+              <a:rPr lang="zh-CN" altLang="en-US" sz="1200" dirty="0"/>
+              <a:t>是一个将亡值，那么</a:t>
+            </a:r>
+            <a:r>
+              <a:rPr lang="en-US" altLang="zh-CN" sz="1200" dirty="0" err="1"/>
+              <a:t>decltype</a:t>
+            </a:r>
+            <a:r>
+              <a:rPr lang="zh-CN" altLang="en-US" sz="1200" dirty="0"/>
+              <a:t>（</a:t>
+            </a:r>
+            <a:r>
+              <a:rPr lang="en-US" altLang="zh-CN" sz="1200" dirty="0"/>
+              <a:t>e</a:t>
+            </a:r>
+            <a:r>
+              <a:rPr lang="zh-CN" altLang="en-US" sz="1200" dirty="0"/>
+              <a:t>）为</a:t>
+            </a:r>
+            <a:r>
+              <a:rPr lang="en-US" altLang="zh-CN" sz="1200" dirty="0"/>
+              <a:t>T&amp;&amp;</a:t>
+            </a:r>
+          </a:p>
+          <a:p>
+            <a:pPr>
+              <a:lnSpc>
+                <a:spcPct val="100000"/>
+              </a:lnSpc>
+            </a:pPr>
+            <a:r>
+              <a:rPr lang="zh-CN" altLang="en-US" sz="1200" dirty="0"/>
+              <a:t>否则，假设</a:t>
+            </a:r>
+            <a:r>
+              <a:rPr lang="en-US" altLang="zh-CN" sz="1200" dirty="0"/>
+              <a:t>e</a:t>
+            </a:r>
+            <a:r>
+              <a:rPr lang="zh-CN" altLang="en-US" sz="1200" dirty="0"/>
+              <a:t>的类型是</a:t>
+            </a:r>
+            <a:r>
+              <a:rPr lang="en-US" altLang="zh-CN" sz="1200" dirty="0"/>
+              <a:t>T</a:t>
+            </a:r>
+            <a:r>
+              <a:rPr lang="zh-CN" altLang="en-US" sz="1200" dirty="0"/>
+              <a:t>，如果</a:t>
+            </a:r>
+            <a:r>
+              <a:rPr lang="en-US" altLang="zh-CN" sz="1200" dirty="0"/>
+              <a:t>e</a:t>
+            </a:r>
+            <a:r>
+              <a:rPr lang="zh-CN" altLang="en-US" sz="1200" dirty="0"/>
+              <a:t>是一个左值，那么</a:t>
+            </a:r>
+            <a:r>
+              <a:rPr lang="en-US" altLang="zh-CN" sz="1200" dirty="0" err="1"/>
+              <a:t>decltype</a:t>
+            </a:r>
+            <a:r>
+              <a:rPr lang="zh-CN" altLang="en-US" sz="1200" dirty="0"/>
+              <a:t>（</a:t>
+            </a:r>
+            <a:r>
+              <a:rPr lang="en-US" altLang="zh-CN" sz="1200" dirty="0"/>
+              <a:t>e</a:t>
+            </a:r>
+            <a:r>
+              <a:rPr lang="zh-CN" altLang="en-US" sz="1200" dirty="0"/>
+              <a:t>）为</a:t>
+            </a:r>
+            <a:r>
+              <a:rPr lang="en-US" altLang="zh-CN" sz="1200" dirty="0"/>
+              <a:t>T&amp;</a:t>
+            </a:r>
+            <a:r>
+              <a:rPr lang="zh-CN" altLang="en-US" sz="1200" dirty="0"/>
+              <a:t>。</a:t>
+            </a:r>
+          </a:p>
+          <a:p>
+            <a:pPr>
+              <a:lnSpc>
+                <a:spcPct val="100000"/>
+              </a:lnSpc>
+            </a:pPr>
+            <a:r>
+              <a:rPr lang="zh-CN" altLang="en-US" sz="1200" dirty="0"/>
+              <a:t>否则，假设</a:t>
+            </a:r>
+            <a:r>
+              <a:rPr lang="en-US" altLang="zh-CN" sz="1200" dirty="0"/>
+              <a:t>e</a:t>
+            </a:r>
+            <a:r>
+              <a:rPr lang="zh-CN" altLang="en-US" sz="1200" dirty="0"/>
+              <a:t>的类型是</a:t>
+            </a:r>
+            <a:r>
+              <a:rPr lang="en-US" altLang="zh-CN" sz="1200" dirty="0"/>
+              <a:t>T</a:t>
+            </a:r>
+            <a:r>
+              <a:rPr lang="zh-CN" altLang="en-US" sz="1200" dirty="0"/>
+              <a:t>，则</a:t>
+            </a:r>
+            <a:r>
+              <a:rPr lang="en-US" altLang="zh-CN" sz="1200" dirty="0" err="1"/>
+              <a:t>decltype</a:t>
+            </a:r>
+            <a:r>
+              <a:rPr lang="zh-CN" altLang="en-US" sz="1200" dirty="0"/>
+              <a:t>（</a:t>
+            </a:r>
+            <a:r>
+              <a:rPr lang="en-US" altLang="zh-CN" sz="1200" dirty="0"/>
+              <a:t>e</a:t>
+            </a:r>
+            <a:r>
+              <a:rPr lang="zh-CN" altLang="en-US" sz="1200" dirty="0"/>
+              <a:t>）为</a:t>
+            </a:r>
+            <a:r>
+              <a:rPr lang="en-US" altLang="zh-CN" sz="1200" dirty="0"/>
+              <a:t>T</a:t>
+            </a:r>
+            <a:r>
+              <a:rPr lang="zh-CN" altLang="en-US" sz="1200" dirty="0" smtClean="0"/>
+              <a:t>。</a:t>
+            </a:r>
+            <a:endParaRPr lang="en-US" altLang="zh-CN" dirty="0" smtClean="0"/>
+          </a:p>
+          <a:p>
+            <a:pPr>
+              <a:lnSpc>
+                <a:spcPct val="100000"/>
+              </a:lnSpc>
+            </a:pPr>
             <a:endParaRPr lang="en-US" altLang="zh-CN" dirty="0" smtClean="0"/>
           </a:p>
           <a:p>
             <a:pPr marL="285750" indent="-285750">
-              <a:buFont typeface="Arial" panose="020B0604020202020204" pitchFamily="34" charset="0"/>
-              <a:buChar char="•"/>
-            </a:pPr>
-            <a:r>
-              <a:rPr lang="en-US" altLang="zh-CN" b="1" dirty="0" err="1" smtClean="0"/>
-              <a:t>decltype</a:t>
-            </a:r>
-            <a:r>
-              <a:rPr lang="en-US" altLang="zh-CN" b="1" dirty="0" smtClean="0"/>
-              <a:t> </a:t>
-            </a:r>
-            <a:endParaRPr lang="en-US" altLang="zh-CN" b="1" dirty="0"/>
-          </a:p>
-          <a:p>
-            <a:pPr marL="285750" indent="-285750">
+              <a:lnSpc>
+                <a:spcPct val="100000"/>
+              </a:lnSpc>
               <a:buFont typeface="Arial" panose="020B0604020202020204" pitchFamily="34" charset="0"/>
               <a:buChar char="•"/>
             </a:pPr>
             <a:endParaRPr lang="en-US" altLang="zh-CN" dirty="0"/>
           </a:p>
           <a:p>
-            <a:pPr algn="ctr"/>
+            <a:pPr marL="285750" indent="-285750">
+              <a:lnSpc>
+                <a:spcPct val="100000"/>
+              </a:lnSpc>
+              <a:buFont typeface="Arial" panose="020B0604020202020204" pitchFamily="34" charset="0"/>
+              <a:buChar char="•"/>
+            </a:pPr>
+            <a:endParaRPr lang="en-US" altLang="zh-CN" dirty="0"/>
+          </a:p>
+          <a:p>
+            <a:pPr algn="ctr">
+              <a:lnSpc>
+                <a:spcPct val="100000"/>
+              </a:lnSpc>
+            </a:pPr>
             <a:endParaRPr lang="en-US" altLang="zh-CN" dirty="0" smtClean="0"/>
           </a:p>
         </p:txBody>
@@ -9743,6 +10509,337 @@
           <a:lstStyle/>
           <a:p>
             <a:r>
+              <a:rPr lang="zh-CN" altLang="en-US" dirty="0" smtClean="0"/>
+              <a:t>关键字</a:t>
+            </a:r>
+            <a:endParaRPr lang="zh-CN" altLang="en-US" dirty="0"/>
+          </a:p>
+        </p:txBody>
+      </p:sp>
+      <p:sp>
+        <p:nvSpPr>
+          <p:cNvPr id="3" name="内容占位符 2"/>
+          <p:cNvSpPr>
+            <a:spLocks noGrp="1"/>
+          </p:cNvSpPr>
+          <p:nvPr>
+            <p:ph idx="1"/>
+          </p:nvPr>
+        </p:nvSpPr>
+        <p:spPr/>
+        <p:txBody>
+          <a:bodyPr/>
+          <a:lstStyle/>
+          <a:p>
+            <a:pPr marL="285750" indent="-285750">
+              <a:lnSpc>
+                <a:spcPct val="100000"/>
+              </a:lnSpc>
+              <a:buFont typeface="Arial" panose="020B0604020202020204" pitchFamily="34" charset="0"/>
+              <a:buChar char="•"/>
+            </a:pPr>
+            <a:r>
+              <a:rPr lang="en-US" altLang="zh-CN" dirty="0" err="1"/>
+              <a:t>constexpr</a:t>
+            </a:r>
+            <a:r>
+              <a:rPr lang="en-US" altLang="zh-CN" dirty="0"/>
+              <a:t> </a:t>
+            </a:r>
+            <a:endParaRPr lang="en-US" altLang="zh-CN" dirty="0" smtClean="0"/>
+          </a:p>
+          <a:p>
+            <a:pPr>
+              <a:lnSpc>
+                <a:spcPct val="100000"/>
+              </a:lnSpc>
+            </a:pPr>
+            <a:r>
+              <a:rPr lang="en-US" altLang="zh-CN" dirty="0" smtClean="0"/>
+              <a:t> </a:t>
+            </a:r>
+            <a:r>
+              <a:rPr lang="zh-CN" altLang="en-US" sz="1200" dirty="0"/>
+              <a:t>常量表达式主要是允许一些计算发生在编译时，即发生在代码编译而不是运行的时候。使用</a:t>
+            </a:r>
+            <a:r>
+              <a:rPr lang="en-US" altLang="zh-CN" sz="1200" dirty="0" err="1"/>
+              <a:t>constexpr</a:t>
+            </a:r>
+            <a:r>
+              <a:rPr lang="zh-CN" altLang="en-US" sz="1200" dirty="0"/>
+              <a:t>有</a:t>
+            </a:r>
+            <a:r>
+              <a:rPr lang="en-US" altLang="zh-CN" sz="1200" dirty="0"/>
+              <a:t>3</a:t>
+            </a:r>
+            <a:r>
+              <a:rPr lang="zh-CN" altLang="en-US" sz="1200" dirty="0"/>
+              <a:t>个限制：</a:t>
+            </a:r>
+          </a:p>
+          <a:p>
+            <a:pPr>
+              <a:lnSpc>
+                <a:spcPct val="100000"/>
+              </a:lnSpc>
+            </a:pPr>
+            <a:r>
+              <a:rPr lang="zh-CN" altLang="en-US" sz="1200" dirty="0"/>
+              <a:t>　　</a:t>
+            </a:r>
+            <a:r>
+              <a:rPr lang="en-US" altLang="zh-CN" sz="1200" dirty="0"/>
+              <a:t>1</a:t>
+            </a:r>
+            <a:r>
+              <a:rPr lang="zh-CN" altLang="en-US" sz="1200" dirty="0"/>
+              <a:t>、函数中只能有一个</a:t>
+            </a:r>
+            <a:r>
+              <a:rPr lang="en-US" altLang="zh-CN" sz="1200" dirty="0"/>
+              <a:t>return</a:t>
+            </a:r>
+            <a:r>
+              <a:rPr lang="zh-CN" altLang="en-US" sz="1200" dirty="0"/>
+              <a:t>语句（有极少特例）</a:t>
+            </a:r>
+          </a:p>
+          <a:p>
+            <a:pPr>
+              <a:lnSpc>
+                <a:spcPct val="100000"/>
+              </a:lnSpc>
+            </a:pPr>
+            <a:r>
+              <a:rPr lang="zh-CN" altLang="en-US" sz="1200" dirty="0"/>
+              <a:t>　　</a:t>
+            </a:r>
+            <a:r>
+              <a:rPr lang="en-US" altLang="zh-CN" sz="1200" dirty="0"/>
+              <a:t>2</a:t>
+            </a:r>
+            <a:r>
+              <a:rPr lang="zh-CN" altLang="en-US" sz="1200" dirty="0"/>
+              <a:t>、只能调用其它</a:t>
+            </a:r>
+            <a:r>
+              <a:rPr lang="en-US" altLang="zh-CN" sz="1200" dirty="0" err="1"/>
+              <a:t>constexpr</a:t>
+            </a:r>
+            <a:r>
+              <a:rPr lang="zh-CN" altLang="en-US" sz="1200" dirty="0"/>
+              <a:t>函数</a:t>
+            </a:r>
+          </a:p>
+          <a:p>
+            <a:pPr>
+              <a:lnSpc>
+                <a:spcPct val="100000"/>
+              </a:lnSpc>
+            </a:pPr>
+            <a:r>
+              <a:rPr lang="zh-CN" altLang="en-US" sz="1200" dirty="0"/>
+              <a:t>　　</a:t>
+            </a:r>
+            <a:r>
+              <a:rPr lang="en-US" altLang="zh-CN" sz="1200" dirty="0"/>
+              <a:t>3</a:t>
+            </a:r>
+            <a:r>
+              <a:rPr lang="zh-CN" altLang="en-US" sz="1200" dirty="0"/>
+              <a:t>、只能使用全局</a:t>
+            </a:r>
+            <a:r>
+              <a:rPr lang="en-US" altLang="zh-CN" sz="1200" dirty="0" err="1"/>
+              <a:t>constexpr</a:t>
+            </a:r>
+            <a:r>
+              <a:rPr lang="zh-CN" altLang="en-US" sz="1200" dirty="0"/>
+              <a:t>变量</a:t>
+            </a:r>
+            <a:endParaRPr lang="en-US" altLang="zh-CN" sz="1200" dirty="0"/>
+          </a:p>
+          <a:p>
+            <a:pPr>
+              <a:lnSpc>
+                <a:spcPct val="100000"/>
+              </a:lnSpc>
+            </a:pPr>
+            <a:r>
+              <a:rPr lang="zh-CN" altLang="en-US" sz="1200" dirty="0"/>
+              <a:t> 一个</a:t>
+            </a:r>
+            <a:r>
+              <a:rPr lang="en-US" altLang="zh-CN" sz="1200" dirty="0" err="1"/>
+              <a:t>constexpr</a:t>
+            </a:r>
+            <a:r>
+              <a:rPr lang="zh-CN" altLang="en-US" sz="1200" dirty="0"/>
+              <a:t>函数，只允许包含一行可执行代码。但允许包含</a:t>
+            </a:r>
+            <a:r>
+              <a:rPr lang="en-US" altLang="zh-CN" sz="1200" dirty="0" err="1"/>
+              <a:t>typedefs</a:t>
+            </a:r>
+            <a:r>
+              <a:rPr lang="zh-CN" altLang="en-US" sz="1200" dirty="0"/>
+              <a:t>、 </a:t>
+            </a:r>
+            <a:r>
+              <a:rPr lang="en-US" altLang="zh-CN" sz="1200" dirty="0"/>
+              <a:t>using declaration &amp;&amp; directives</a:t>
+            </a:r>
+            <a:r>
+              <a:rPr lang="zh-CN" altLang="en-US" sz="1200" dirty="0"/>
+              <a:t>、静态断言等</a:t>
+            </a:r>
+            <a:r>
+              <a:rPr lang="zh-CN" altLang="en-US" sz="1200" dirty="0" smtClean="0"/>
+              <a:t>。</a:t>
+            </a:r>
+            <a:endParaRPr lang="en-US" altLang="zh-CN" sz="1200" dirty="0" smtClean="0"/>
+          </a:p>
+          <a:p>
+            <a:pPr marL="285750" indent="-285750">
+              <a:buFont typeface="Arial" panose="020B0604020202020204" pitchFamily="34" charset="0"/>
+              <a:buChar char="•"/>
+            </a:pPr>
+            <a:r>
+              <a:rPr lang="en-US" altLang="zh-CN" dirty="0" smtClean="0"/>
+              <a:t>default delete  </a:t>
+            </a:r>
+          </a:p>
+          <a:p>
+            <a:r>
+              <a:rPr lang="zh-CN" altLang="en-US" sz="1200" dirty="0" smtClean="0"/>
+              <a:t>在</a:t>
+            </a:r>
+            <a:r>
+              <a:rPr lang="en-US" altLang="zh-CN" sz="1200" dirty="0" smtClean="0"/>
+              <a:t>C+11</a:t>
+            </a:r>
+            <a:r>
+              <a:rPr lang="zh-CN" altLang="en-US" sz="1200" dirty="0"/>
+              <a:t>中，对于</a:t>
+            </a:r>
+            <a:r>
+              <a:rPr lang="en-US" altLang="zh-CN" sz="1200" dirty="0" smtClean="0"/>
+              <a:t>default</a:t>
+            </a:r>
+            <a:r>
+              <a:rPr lang="zh-CN" altLang="en-US" sz="1200" dirty="0" smtClean="0"/>
+              <a:t>函数</a:t>
+            </a:r>
+            <a:r>
+              <a:rPr lang="zh-CN" altLang="en-US" sz="1200" dirty="0"/>
+              <a:t>，编译器会为其自动生成默认的函数定义体，从而获得更高的代码执行效率</a:t>
+            </a:r>
+            <a:r>
+              <a:rPr lang="zh-CN" altLang="en-US" sz="1200" dirty="0" smtClean="0"/>
+              <a:t>，缺省</a:t>
+            </a:r>
+            <a:r>
+              <a:rPr lang="zh-CN" altLang="en-US" sz="1200" dirty="0"/>
+              <a:t>构造函数，析构函数，拷贝构造函数 </a:t>
+            </a:r>
+            <a:r>
+              <a:rPr lang="zh-CN" altLang="en-US" sz="1200" dirty="0" smtClean="0"/>
+              <a:t>和</a:t>
+            </a:r>
+            <a:r>
+              <a:rPr lang="zh-CN" altLang="en-US" sz="1200" dirty="0"/>
+              <a:t>也可免除程序员手动定义该函数的工作量。</a:t>
+            </a:r>
+            <a:r>
+              <a:rPr lang="en-US" altLang="zh-CN" sz="1200" dirty="0"/>
+              <a:t>C++98 </a:t>
+            </a:r>
+            <a:r>
+              <a:rPr lang="zh-CN" altLang="en-US" sz="1200" dirty="0"/>
+              <a:t>编译器会隐式的产生四个函数：</a:t>
+            </a:r>
+            <a:r>
+              <a:rPr lang="zh-CN" altLang="en-US" sz="1200" dirty="0" smtClean="0"/>
+              <a:t> </a:t>
+            </a:r>
+            <a:r>
+              <a:rPr lang="zh-CN" altLang="en-US" sz="1200" dirty="0"/>
+              <a:t>拷贝赋值算子，它们被称为特殊成员函数 </a:t>
+            </a:r>
+            <a:r>
+              <a:rPr lang="en-US" altLang="zh-CN" sz="1200" dirty="0"/>
+              <a:t>(special member function</a:t>
+            </a:r>
+            <a:r>
+              <a:rPr lang="en-US" altLang="zh-CN" sz="1200" dirty="0" smtClean="0"/>
+              <a:t>)</a:t>
+            </a:r>
+            <a:r>
+              <a:rPr lang="zh-CN" altLang="en-US" sz="1200" dirty="0" smtClean="0"/>
+              <a:t>。 在 </a:t>
+            </a:r>
+            <a:r>
+              <a:rPr lang="en-US" altLang="zh-CN" sz="1200" dirty="0"/>
+              <a:t>C++11 </a:t>
+            </a:r>
+            <a:r>
+              <a:rPr lang="zh-CN" altLang="en-US" sz="1200" dirty="0"/>
+              <a:t>中，被称为 “特殊成员函数” 的还有两个：移动构造函数 和 移动赋值算子</a:t>
+            </a:r>
+          </a:p>
+          <a:p>
+            <a:endParaRPr lang="zh-CN" altLang="en-US" dirty="0"/>
+          </a:p>
+        </p:txBody>
+      </p:sp>
+    </p:spTree>
+    <p:extLst>
+      <p:ext uri="{BB962C8B-B14F-4D97-AF65-F5344CB8AC3E}">
+        <p14:creationId xmlns:p14="http://schemas.microsoft.com/office/powerpoint/2010/main" val="2307809258"/>
+      </p:ext>
+    </p:extLst>
+  </p:cSld>
+  <p:clrMapOvr>
+    <a:masterClrMapping/>
+  </p:clrMapOvr>
+</p:sld>
+</file>
+
+<file path=ppt/slides/slide4.xml><?xml version="1.0" encoding="utf-8"?>
+<p:sld xmlns:a="http://schemas.openxmlformats.org/drawingml/2006/main" xmlns:r="http://schemas.openxmlformats.org/officeDocument/2006/relationships" xmlns:p="http://schemas.openxmlformats.org/presentationml/2006/main">
+  <p:cSld>
+    <p:spTree>
+      <p:nvGrpSpPr>
+        <p:cNvPr id="1" name=""/>
+        <p:cNvGrpSpPr/>
+        <p:nvPr/>
+      </p:nvGrpSpPr>
+      <p:grpSpPr>
+        <a:xfrm>
+          <a:off x="0" y="0"/>
+          <a:ext cx="0" cy="0"/>
+          <a:chOff x="0" y="0"/>
+          <a:chExt cx="0" cy="0"/>
+        </a:xfrm>
+      </p:grpSpPr>
+      <p:sp>
+        <p:nvSpPr>
+          <p:cNvPr id="2" name="标题 1"/>
+          <p:cNvSpPr>
+            <a:spLocks noGrp="1"/>
+          </p:cNvSpPr>
+          <p:nvPr>
+            <p:ph type="title"/>
+          </p:nvPr>
+        </p:nvSpPr>
+        <p:spPr/>
+        <p:txBody>
+          <a:bodyPr/>
+          <a:lstStyle/>
+          <a:p>
+            <a:r>
               <a:rPr lang="zh-CN" altLang="en-US" dirty="0"/>
               <a:t>异常</a:t>
             </a:r>
@@ -10304,7 +11401,7 @@
 </p:sld>
 </file>
 
-<file path=ppt/slides/slide4.xml><?xml version="1.0" encoding="utf-8"?>
+<file path=ppt/slides/slide5.xml><?xml version="1.0" encoding="utf-8"?>
 <p:sld xmlns:a="http://schemas.openxmlformats.org/drawingml/2006/main" xmlns:r="http://schemas.openxmlformats.org/officeDocument/2006/relationships" xmlns:p="http://schemas.openxmlformats.org/presentationml/2006/main">
   <p:cSld>
     <p:spTree>
@@ -10912,251 +12009,6 @@
 </p:sld>
 </file>
 
-<file path=ppt/slides/slide5.xml><?xml version="1.0" encoding="utf-8"?>
-<p:sld xmlns:a="http://schemas.openxmlformats.org/drawingml/2006/main" xmlns:r="http://schemas.openxmlformats.org/officeDocument/2006/relationships" xmlns:p="http://schemas.openxmlformats.org/presentationml/2006/main">
-  <p:cSld>
-    <p:spTree>
-      <p:nvGrpSpPr>
-        <p:cNvPr id="1" name=""/>
-        <p:cNvGrpSpPr/>
-        <p:nvPr/>
-      </p:nvGrpSpPr>
-      <p:grpSpPr>
-        <a:xfrm>
-          <a:off x="0" y="0"/>
-          <a:ext cx="0" cy="0"/>
-          <a:chOff x="0" y="0"/>
-          <a:chExt cx="0" cy="0"/>
-        </a:xfrm>
-      </p:grpSpPr>
-      <p:sp>
-        <p:nvSpPr>
-          <p:cNvPr id="2" name="标题 1"/>
-          <p:cNvSpPr>
-            <a:spLocks noGrp="1"/>
-          </p:cNvSpPr>
-          <p:nvPr>
-            <p:ph type="title"/>
-          </p:nvPr>
-        </p:nvSpPr>
-        <p:spPr/>
-        <p:txBody>
-          <a:bodyPr/>
-          <a:lstStyle/>
-          <a:p>
-            <a:r>
-              <a:rPr lang="zh-CN" altLang="en-US" dirty="0"/>
-              <a:t>左值、右值</a:t>
-            </a:r>
-          </a:p>
-        </p:txBody>
-      </p:sp>
-      <p:sp>
-        <p:nvSpPr>
-          <p:cNvPr id="3" name="内容占位符 2"/>
-          <p:cNvSpPr>
-            <a:spLocks noGrp="1"/>
-          </p:cNvSpPr>
-          <p:nvPr>
-            <p:ph idx="1"/>
-          </p:nvPr>
-        </p:nvSpPr>
-        <p:spPr/>
-        <p:txBody>
-          <a:bodyPr/>
-          <a:lstStyle/>
-          <a:p>
-            <a:r>
-              <a:rPr lang="zh-CN" altLang="en-US" b="1" dirty="0"/>
-              <a:t>左值、右值</a:t>
-            </a:r>
-          </a:p>
-          <a:p>
-            <a:r>
-              <a:rPr lang="zh-CN" altLang="en-US" dirty="0"/>
-              <a:t>在</a:t>
-            </a:r>
-            <a:r>
-              <a:rPr lang="en-US" altLang="zh-CN" b="1" dirty="0">
-                <a:hlinkClick r:id="rId2" tooltip="C++知识库"/>
-              </a:rPr>
-              <a:t>C++</a:t>
-            </a:r>
-            <a:r>
-              <a:rPr lang="en-US" altLang="zh-CN" dirty="0"/>
-              <a:t>11</a:t>
-            </a:r>
-            <a:r>
-              <a:rPr lang="zh-CN" altLang="en-US" dirty="0"/>
-              <a:t>中所有的值必属于左值、右值两者之一，右值又可以细分为纯右值、将亡值。在</a:t>
-            </a:r>
-            <a:r>
-              <a:rPr lang="en-US" altLang="zh-CN" b="1" dirty="0" err="1">
-                <a:hlinkClick r:id="rId2" tooltip="C++知识库"/>
-              </a:rPr>
-              <a:t>c++</a:t>
-            </a:r>
-            <a:r>
-              <a:rPr lang="en-US" altLang="zh-CN" dirty="0"/>
-              <a:t>11</a:t>
-            </a:r>
-            <a:r>
-              <a:rPr lang="zh-CN" altLang="en-US" dirty="0"/>
-              <a:t>中可以取地址的、有名字的就是左值，反之，不能取地址的、没有名字的就是右值（将亡值或纯右值）。举个例子，</a:t>
-            </a:r>
-            <a:r>
-              <a:rPr lang="en-US" altLang="zh-CN" dirty="0" err="1"/>
-              <a:t>int</a:t>
-            </a:r>
-            <a:r>
-              <a:rPr lang="en-US" altLang="zh-CN" dirty="0"/>
-              <a:t> a = </a:t>
-            </a:r>
-            <a:r>
-              <a:rPr lang="en-US" altLang="zh-CN" dirty="0" err="1"/>
-              <a:t>b+c</a:t>
-            </a:r>
-            <a:r>
-              <a:rPr lang="en-US" altLang="zh-CN" dirty="0"/>
-              <a:t>, a </a:t>
-            </a:r>
-            <a:r>
-              <a:rPr lang="zh-CN" altLang="en-US" dirty="0"/>
-              <a:t>就是左值，其有变量名为</a:t>
-            </a:r>
-            <a:r>
-              <a:rPr lang="en-US" altLang="zh-CN" dirty="0"/>
-              <a:t>a</a:t>
-            </a:r>
-            <a:r>
-              <a:rPr lang="zh-CN" altLang="en-US" dirty="0"/>
-              <a:t>，通过</a:t>
-            </a:r>
-            <a:r>
-              <a:rPr lang="en-US" altLang="zh-CN" dirty="0"/>
-              <a:t>&amp;a</a:t>
-            </a:r>
-            <a:r>
-              <a:rPr lang="zh-CN" altLang="en-US" dirty="0"/>
-              <a:t>可以获取该变量的地址；表达式</a:t>
-            </a:r>
-            <a:r>
-              <a:rPr lang="en-US" altLang="zh-CN" dirty="0" err="1"/>
-              <a:t>b+c</a:t>
-            </a:r>
-            <a:r>
-              <a:rPr lang="zh-CN" altLang="en-US" dirty="0"/>
-              <a:t>、函数</a:t>
-            </a:r>
-            <a:r>
-              <a:rPr lang="en-US" altLang="zh-CN" dirty="0" err="1"/>
-              <a:t>int</a:t>
-            </a:r>
-            <a:r>
-              <a:rPr lang="en-US" altLang="zh-CN" dirty="0"/>
-              <a:t> </a:t>
-            </a:r>
-            <a:r>
-              <a:rPr lang="en-US" altLang="zh-CN" dirty="0" err="1"/>
-              <a:t>func</a:t>
-            </a:r>
-            <a:r>
-              <a:rPr lang="en-US" altLang="zh-CN" dirty="0"/>
-              <a:t>()</a:t>
-            </a:r>
-            <a:r>
-              <a:rPr lang="zh-CN" altLang="en-US" dirty="0"/>
-              <a:t>的返回值是右值，在其被赋值给某一变量前，我们不能通过变量名找到它，＆</a:t>
-            </a:r>
-            <a:r>
-              <a:rPr lang="en-US" altLang="zh-CN" dirty="0"/>
-              <a:t>(</a:t>
-            </a:r>
-            <a:r>
-              <a:rPr lang="en-US" altLang="zh-CN" dirty="0" err="1"/>
-              <a:t>b+c</a:t>
-            </a:r>
-            <a:r>
-              <a:rPr lang="en-US" altLang="zh-CN" dirty="0"/>
-              <a:t>)</a:t>
-            </a:r>
-            <a:r>
-              <a:rPr lang="zh-CN" altLang="en-US" dirty="0"/>
-              <a:t>这样的操作则不会通过编译。</a:t>
-            </a:r>
-            <a:endParaRPr lang="en-US" altLang="zh-CN" dirty="0"/>
-          </a:p>
-          <a:p>
-            <a:r>
-              <a:rPr lang="zh-CN" altLang="en-US" dirty="0"/>
-              <a:t>可以看出，传入不同类型的值，编译器自动识别调用了不同的函数。 </a:t>
-            </a:r>
-            <a:br>
-              <a:rPr lang="zh-CN" altLang="en-US" dirty="0"/>
-            </a:br>
-            <a:r>
-              <a:rPr lang="zh-CN" altLang="en-US" dirty="0"/>
-              <a:t>右值引用是用来支持转移语义的。转移语义可以将资源 </a:t>
-            </a:r>
-            <a:r>
-              <a:rPr lang="en-US" altLang="zh-CN" dirty="0"/>
-              <a:t>( </a:t>
-            </a:r>
-            <a:r>
-              <a:rPr lang="zh-CN" altLang="en-US" dirty="0"/>
-              <a:t>堆，系统对象等 </a:t>
-            </a:r>
-            <a:r>
-              <a:rPr lang="en-US" altLang="zh-CN" dirty="0"/>
-              <a:t>) </a:t>
-            </a:r>
-            <a:r>
-              <a:rPr lang="zh-CN" altLang="en-US" dirty="0"/>
-              <a:t>从一个对象转移到另一个对象，这样能够减少不必要的临时对象的创建、拷贝以及销毁，能够大幅度提高 </a:t>
-            </a:r>
-            <a:r>
-              <a:rPr lang="en-US" altLang="zh-CN" dirty="0"/>
-              <a:t>C++ </a:t>
-            </a:r>
-            <a:r>
-              <a:rPr lang="zh-CN" altLang="en-US" dirty="0"/>
-              <a:t>应用程序的性能。临时对象的维护 </a:t>
-            </a:r>
-            <a:r>
-              <a:rPr lang="en-US" altLang="zh-CN" dirty="0"/>
-              <a:t>( </a:t>
-            </a:r>
-            <a:r>
-              <a:rPr lang="zh-CN" altLang="en-US" dirty="0"/>
-              <a:t>创建和销毁 </a:t>
-            </a:r>
-            <a:r>
-              <a:rPr lang="en-US" altLang="zh-CN" dirty="0"/>
-              <a:t>) </a:t>
-            </a:r>
-            <a:r>
-              <a:rPr lang="zh-CN" altLang="en-US" dirty="0"/>
-              <a:t>对性能有严重影响。</a:t>
-            </a:r>
-          </a:p>
-          <a:p>
-            <a:endParaRPr lang="zh-CN" altLang="en-US" dirty="0"/>
-          </a:p>
-        </p:txBody>
-      </p:sp>
-    </p:spTree>
-    <p:extLst>
-      <p:ext uri="{BB962C8B-B14F-4D97-AF65-F5344CB8AC3E}">
-        <p14:creationId xmlns:p14="http://schemas.microsoft.com/office/powerpoint/2010/main" val="3999193295"/>
-      </p:ext>
-    </p:extLst>
-  </p:cSld>
-  <p:clrMapOvr>
-    <a:masterClrMapping/>
-  </p:clrMapOvr>
-</p:sld>
-</file>
-
 <file path=ppt/slides/slide6.xml><?xml version="1.0" encoding="utf-8"?>
 <p:sld xmlns:a="http://schemas.openxmlformats.org/drawingml/2006/main" xmlns:r="http://schemas.openxmlformats.org/officeDocument/2006/relationships" xmlns:p="http://schemas.openxmlformats.org/presentationml/2006/main">
   <p:cSld>
@@ -11190,10 +12042,9 @@
           <a:lstStyle/>
           <a:p>
             <a:r>
-              <a:rPr lang="zh-CN" altLang="en-US" dirty="0" smtClean="0"/>
-              <a:t>强类型枚举</a:t>
-            </a:r>
-            <a:endParaRPr lang="zh-CN" altLang="en-US" dirty="0"/>
+              <a:rPr lang="zh-CN" altLang="en-US" dirty="0"/>
+              <a:t>左值、右值</a:t>
+            </a:r>
           </a:p>
         </p:txBody>
       </p:sp>
@@ -11213,89 +12064,179 @@
           <a:lstStyle/>
           <a:p>
             <a:r>
-              <a:rPr lang="en-US" altLang="zh-CN" dirty="0" err="1"/>
-              <a:t>enum</a:t>
-            </a:r>
-            <a:r>
-              <a:rPr lang="en-US" altLang="zh-CN" dirty="0"/>
-              <a:t> class Enumeration </a:t>
-            </a:r>
-            <a:endParaRPr lang="en-US" altLang="zh-CN" dirty="0" smtClean="0"/>
+              <a:rPr lang="zh-CN" altLang="en-US" b="1" dirty="0"/>
+              <a:t>左值、右值</a:t>
+            </a:r>
           </a:p>
           <a:p>
             <a:r>
-              <a:rPr lang="en-US" altLang="zh-CN" dirty="0" smtClean="0"/>
-              <a:t>{</a:t>
-            </a:r>
-          </a:p>
-          <a:p>
+              <a:rPr lang="zh-CN" altLang="en-US" dirty="0"/>
+              <a:t>在</a:t>
+            </a:r>
+            <a:r>
+              <a:rPr lang="en-US" altLang="zh-CN" b="1" dirty="0">
+                <a:hlinkClick r:id="rId2" tooltip="C++知识库"/>
+              </a:rPr>
+              <a:t>C++</a:t>
+            </a:r>
             <a:r>
               <a:rPr lang="en-US" altLang="zh-CN" dirty="0"/>
-              <a:t>	</a:t>
-            </a:r>
-            <a:r>
-              <a:rPr lang="en-US" altLang="zh-CN" dirty="0" smtClean="0"/>
-              <a:t> Val1 = 1,</a:t>
-            </a:r>
-          </a:p>
-          <a:p>
+              <a:t>11</a:t>
+            </a:r>
+            <a:r>
+              <a:rPr lang="zh-CN" altLang="en-US" dirty="0"/>
+              <a:t>中所有的值必属于左值、右值两者之一，右值又可以细分为纯右值、将亡值。在</a:t>
+            </a:r>
+            <a:r>
+              <a:rPr lang="en-US" altLang="zh-CN" b="1" dirty="0" err="1">
+                <a:hlinkClick r:id="rId2" tooltip="C++知识库"/>
+              </a:rPr>
+              <a:t>c++</a:t>
+            </a:r>
             <a:r>
               <a:rPr lang="en-US" altLang="zh-CN" dirty="0"/>
-              <a:t>	</a:t>
-            </a:r>
-            <a:r>
-              <a:rPr lang="en-US" altLang="zh-CN" dirty="0" smtClean="0"/>
+              <a:t>11</a:t>
+            </a:r>
+            <a:r>
+              <a:rPr lang="zh-CN" altLang="en-US" dirty="0"/>
+              <a:t>中可以取地址的、有名字的就是左值，反之，不能取地址的、没有名字的就是右值（将亡值或纯右值）。举个例子，</a:t>
+            </a:r>
+            <a:r>
+              <a:rPr lang="en-US" altLang="zh-CN" dirty="0" err="1"/>
+              <a:t>int</a:t>
+            </a:r>
+            <a:r>
+              <a:rPr lang="en-US" altLang="zh-CN" dirty="0"/>
+              <a:t> a = </a:t>
+            </a:r>
+            <a:r>
+              <a:rPr lang="en-US" altLang="zh-CN" dirty="0" err="1"/>
+              <a:t>b+c</a:t>
+            </a:r>
+            <a:r>
+              <a:rPr lang="en-US" altLang="zh-CN" dirty="0"/>
+              <a:t>, a </a:t>
+            </a:r>
+            <a:r>
+              <a:rPr lang="zh-CN" altLang="en-US" dirty="0"/>
+              <a:t>就是左值，其有变量名为</a:t>
+            </a:r>
+            <a:r>
+              <a:rPr lang="en-US" altLang="zh-CN" dirty="0"/>
+              <a:t>a</a:t>
+            </a:r>
+            <a:r>
+              <a:rPr lang="zh-CN" altLang="en-US" dirty="0"/>
+              <a:t>，通过</a:t>
+            </a:r>
+            <a:r>
+              <a:rPr lang="en-US" altLang="zh-CN" dirty="0"/>
+              <a:t>&amp;a</a:t>
+            </a:r>
+            <a:r>
+              <a:rPr lang="zh-CN" altLang="en-US" dirty="0"/>
+              <a:t>可以获取该变量的地址；表达式</a:t>
+            </a:r>
+            <a:r>
+              <a:rPr lang="en-US" altLang="zh-CN" dirty="0" err="1"/>
+              <a:t>b+c</a:t>
+            </a:r>
+            <a:r>
+              <a:rPr lang="zh-CN" altLang="en-US" dirty="0"/>
+              <a:t>、函数</a:t>
+            </a:r>
+            <a:r>
+              <a:rPr lang="en-US" altLang="zh-CN" dirty="0" err="1"/>
+              <a:t>int</a:t>
+            </a:r>
+            <a:r>
+              <a:rPr lang="en-US" altLang="zh-CN" dirty="0"/>
               <a:t> </a:t>
             </a:r>
             <a:r>
+              <a:rPr lang="en-US" altLang="zh-CN" dirty="0" err="1"/>
+              <a:t>func</a:t>
+            </a:r>
+            <a:r>
               <a:rPr lang="en-US" altLang="zh-CN" dirty="0"/>
-              <a:t>Val2, </a:t>
-            </a:r>
-            <a:endParaRPr lang="en-US" altLang="zh-CN" dirty="0" smtClean="0"/>
-          </a:p>
-          <a:p>
-            <a:r>
-              <a:rPr lang="en-US" altLang="zh-CN" dirty="0" smtClean="0"/>
-              <a:t>}; </a:t>
+              <a:t>()</a:t>
+            </a:r>
+            <a:r>
+              <a:rPr lang="zh-CN" altLang="en-US" dirty="0"/>
+              <a:t>的返回值是右值，在其被赋值给某一变量前，我们不能通过变量名找到它，＆</a:t>
+            </a:r>
+            <a:r>
+              <a:rPr lang="en-US" altLang="zh-CN" dirty="0"/>
+              <a:t>(</a:t>
+            </a:r>
+            <a:r>
+              <a:rPr lang="en-US" altLang="zh-CN" dirty="0" err="1"/>
+              <a:t>b+c</a:t>
+            </a:r>
+            <a:r>
+              <a:rPr lang="en-US" altLang="zh-CN" dirty="0"/>
+              <a:t>)</a:t>
+            </a:r>
+            <a:r>
+              <a:rPr lang="zh-CN" altLang="en-US" dirty="0"/>
+              <a:t>这样的操作则不会通过编译。</a:t>
             </a:r>
             <a:endParaRPr lang="en-US" altLang="zh-CN" dirty="0"/>
           </a:p>
           <a:p>
             <a:r>
               <a:rPr lang="zh-CN" altLang="en-US" dirty="0"/>
-              <a:t>此种枚举为类型安全的。枚举类型不能隐式地转换为整数；也无法与整数数值做比较</a:t>
-            </a:r>
-            <a:r>
-              <a:rPr lang="zh-CN" altLang="en-US" dirty="0" smtClean="0"/>
-              <a:t>。</a:t>
-            </a:r>
-            <a:endParaRPr lang="en-US" altLang="zh-CN" dirty="0" smtClean="0"/>
+              <a:t>可以看出，传入不同类型的值，编译器自动识别调用了不同的函数。 </a:t>
+            </a:r>
+            <a:br>
+              <a:rPr lang="zh-CN" altLang="en-US" dirty="0"/>
+            </a:br>
+            <a:r>
+              <a:rPr lang="zh-CN" altLang="en-US" dirty="0"/>
+              <a:t>右值引用是用来支持转移语义的。转移语义可以将资源 </a:t>
+            </a:r>
+            <a:r>
+              <a:rPr lang="en-US" altLang="zh-CN" dirty="0"/>
+              <a:t>( </a:t>
+            </a:r>
+            <a:r>
+              <a:rPr lang="zh-CN" altLang="en-US" dirty="0"/>
+              <a:t>堆，系统对象等 </a:t>
+            </a:r>
+            <a:r>
+              <a:rPr lang="en-US" altLang="zh-CN" dirty="0"/>
+              <a:t>) </a:t>
+            </a:r>
+            <a:r>
+              <a:rPr lang="zh-CN" altLang="en-US" dirty="0"/>
+              <a:t>从一个对象转移到另一个对象，这样能够减少不必要的临时对象的创建、拷贝以及销毁，能够大幅度提高 </a:t>
+            </a:r>
+            <a:r>
+              <a:rPr lang="en-US" altLang="zh-CN" dirty="0"/>
+              <a:t>C++ </a:t>
+            </a:r>
+            <a:r>
+              <a:rPr lang="zh-CN" altLang="en-US" dirty="0"/>
+              <a:t>应用程序的性能。临时对象的维护 </a:t>
+            </a:r>
+            <a:r>
+              <a:rPr lang="en-US" altLang="zh-CN" dirty="0"/>
+              <a:t>( </a:t>
+            </a:r>
+            <a:r>
+              <a:rPr lang="zh-CN" altLang="en-US" dirty="0"/>
+              <a:t>创建和销毁 </a:t>
+            </a:r>
+            <a:r>
+              <a:rPr lang="en-US" altLang="zh-CN" dirty="0"/>
+              <a:t>) </a:t>
+            </a:r>
+            <a:r>
+              <a:rPr lang="zh-CN" altLang="en-US" dirty="0"/>
+              <a:t>对性能有严重影响。</a:t>
+            </a:r>
           </a:p>
           <a:p>
-            <a:r>
-              <a:rPr lang="zh-CN" altLang="en-US" dirty="0"/>
-              <a:t>枚举类型所使用类型必须显式</a:t>
-            </a:r>
-            <a:r>
-              <a:rPr lang="zh-CN" altLang="en-US" dirty="0" smtClean="0"/>
-              <a:t>指定 </a:t>
-            </a:r>
-            <a:r>
-              <a:rPr lang="en-US" altLang="zh-CN" dirty="0" err="1"/>
-              <a:t>enum</a:t>
-            </a:r>
-            <a:r>
-              <a:rPr lang="en-US" altLang="zh-CN" dirty="0"/>
-              <a:t> class Enum2 : unsigned </a:t>
-            </a:r>
-            <a:r>
-              <a:rPr lang="en-US" altLang="zh-CN" dirty="0" err="1"/>
-              <a:t>int</a:t>
-            </a:r>
-            <a:r>
-              <a:rPr lang="en-US" altLang="zh-CN" dirty="0"/>
-              <a:t> {Val1, Val2};</a:t>
-            </a:r>
             <a:endParaRPr lang="zh-CN" altLang="en-US" dirty="0"/>
           </a:p>
         </p:txBody>
@@ -11303,7 +12244,7 @@
     </p:spTree>
     <p:extLst>
       <p:ext uri="{BB962C8B-B14F-4D97-AF65-F5344CB8AC3E}">
-        <p14:creationId xmlns:p14="http://schemas.microsoft.com/office/powerpoint/2010/main" val="593130355"/>
+        <p14:creationId xmlns:p14="http://schemas.microsoft.com/office/powerpoint/2010/main" val="3999193295"/>
       </p:ext>
     </p:extLst>
   </p:cSld>
@@ -11346,28 +12287,8 @@
           <a:lstStyle/>
           <a:p>
             <a:r>
-              <a:rPr lang="en-US" altLang="zh-CN" dirty="0" err="1"/>
-              <a:t>Lamda</a:t>
-            </a:r>
-            <a:r>
-              <a:rPr lang="en-US" altLang="zh-CN" dirty="0"/>
-              <a:t>  </a:t>
-            </a:r>
-            <a:r>
-              <a:rPr lang="en-US" altLang="zh-CN" dirty="0" err="1"/>
-              <a:t>std</a:t>
-            </a:r>
-            <a:r>
-              <a:rPr lang="en-US" altLang="zh-CN" dirty="0"/>
-              <a:t>::function </a:t>
-            </a:r>
-            <a:r>
-              <a:rPr lang="en-US" altLang="zh-CN" dirty="0" err="1"/>
-              <a:t>std</a:t>
-            </a:r>
-            <a:r>
-              <a:rPr lang="en-US" altLang="zh-CN" dirty="0"/>
-              <a:t>::bind</a:t>
+              <a:rPr lang="zh-CN" altLang="en-US" dirty="0" smtClean="0"/>
+              <a:t>强类型枚举</a:t>
             </a:r>
             <a:endParaRPr lang="zh-CN" altLang="en-US" dirty="0"/>
           </a:p>
@@ -11388,288 +12309,98 @@
           <a:bodyPr/>
           <a:lstStyle/>
           <a:p>
-            <a:pPr fontAlgn="ctr"/>
-            <a:r>
-              <a:rPr lang="en-US" altLang="zh-CN" dirty="0" err="1" smtClean="0"/>
-              <a:t>Lamda</a:t>
+            <a:r>
+              <a:rPr lang="en-US" altLang="zh-CN" dirty="0" err="1"/>
+              <a:t>enum</a:t>
+            </a:r>
+            <a:r>
+              <a:rPr lang="en-US" altLang="zh-CN" dirty="0"/>
+              <a:t> class Enumeration </a:t>
+            </a:r>
+            <a:endParaRPr lang="en-US" altLang="zh-CN" dirty="0" smtClean="0"/>
+          </a:p>
+          <a:p>
+            <a:r>
+              <a:rPr lang="en-US" altLang="zh-CN" dirty="0" smtClean="0"/>
+              <a:t>{</a:t>
+            </a:r>
+          </a:p>
+          <a:p>
+            <a:r>
+              <a:rPr lang="en-US" altLang="zh-CN" dirty="0"/>
+              <a:t>	</a:t>
+            </a:r>
+            <a:r>
+              <a:rPr lang="en-US" altLang="zh-CN" dirty="0" smtClean="0"/>
+              <a:t> Val1 = 1,</a:t>
+            </a:r>
+          </a:p>
+          <a:p>
+            <a:r>
+              <a:rPr lang="en-US" altLang="zh-CN" dirty="0"/>
+              <a:t>	</a:t>
             </a:r>
             <a:r>
               <a:rPr lang="en-US" altLang="zh-CN" dirty="0" smtClean="0"/>
               <a:t> </a:t>
             </a:r>
             <a:r>
-              <a:rPr lang="zh-CN" altLang="en-US" dirty="0" smtClean="0"/>
-              <a:t>是</a:t>
-            </a:r>
-            <a:r>
-              <a:rPr lang="zh-CN" altLang="en-US" dirty="0"/>
-              <a:t>一个匿名函数，即没有函数名的函数。</a:t>
-            </a:r>
-            <a:endParaRPr lang="en-US" altLang="zh-CN" b="1" dirty="0" smtClean="0"/>
+              <a:rPr lang="en-US" altLang="zh-CN" dirty="0"/>
+              <a:t>Val2, </a:t>
+            </a:r>
+            <a:endParaRPr lang="en-US" altLang="zh-CN" dirty="0" smtClean="0"/>
           </a:p>
           <a:p>
-            <a:pPr fontAlgn="ctr"/>
-            <a:r>
-              <a:rPr lang="en-US" altLang="zh-CN" dirty="0" err="1"/>
-              <a:t>Lamda</a:t>
-            </a:r>
-            <a:r>
-              <a:rPr lang="en-US" altLang="zh-CN" dirty="0"/>
-              <a:t> </a:t>
-            </a:r>
-            <a:r>
-              <a:rPr lang="zh-CN" altLang="en-US" dirty="0"/>
-              <a:t>语法</a:t>
-            </a:r>
-            <a:r>
-              <a:rPr lang="zh-CN" altLang="en-US" dirty="0" smtClean="0"/>
-              <a:t>类型：</a:t>
+            <a:r>
+              <a:rPr lang="en-US" altLang="zh-CN" dirty="0" smtClean="0"/>
+              <a:t>}; </a:t>
             </a:r>
             <a:endParaRPr lang="en-US" altLang="zh-CN" dirty="0"/>
           </a:p>
           <a:p>
-            <a:pPr marL="285750" indent="-285750" fontAlgn="ctr">
-              <a:buFont typeface="Arial" panose="020B0604020202020204" pitchFamily="34" charset="0"/>
-              <a:buChar char="•"/>
-            </a:pPr>
-            <a:r>
-              <a:rPr lang="en-US" altLang="zh-CN" dirty="0"/>
-              <a:t>[ capture ] ( </a:t>
-            </a:r>
-            <a:r>
-              <a:rPr lang="en-US" altLang="zh-CN" dirty="0" err="1"/>
-              <a:t>params</a:t>
-            </a:r>
-            <a:r>
-              <a:rPr lang="en-US" altLang="zh-CN" dirty="0"/>
-              <a:t> ) mutable exception attribute -&gt; ret { body }</a:t>
-            </a:r>
-            <a:endParaRPr lang="zh-CN" altLang="zh-CN" dirty="0"/>
-          </a:p>
-          <a:p>
-            <a:pPr marL="285750" indent="-285750" fontAlgn="ctr">
-              <a:buFont typeface="Arial" panose="020B0604020202020204" pitchFamily="34" charset="0"/>
-              <a:buChar char="•"/>
-            </a:pPr>
-            <a:r>
-              <a:rPr lang="en-US" altLang="zh-CN" dirty="0"/>
-              <a:t>[ capture ] ( </a:t>
-            </a:r>
-            <a:r>
-              <a:rPr lang="en-US" altLang="zh-CN" dirty="0" err="1"/>
-              <a:t>params</a:t>
-            </a:r>
-            <a:r>
-              <a:rPr lang="en-US" altLang="zh-CN" dirty="0"/>
-              <a:t> ) -&gt; ret { body }</a:t>
-            </a:r>
-            <a:endParaRPr lang="zh-CN" altLang="zh-CN" dirty="0"/>
-          </a:p>
-          <a:p>
-            <a:pPr marL="285750" indent="-285750" fontAlgn="ctr">
-              <a:buFont typeface="Arial" panose="020B0604020202020204" pitchFamily="34" charset="0"/>
-              <a:buChar char="•"/>
-            </a:pPr>
-            <a:r>
-              <a:rPr lang="en-US" altLang="zh-CN" dirty="0"/>
-              <a:t>[ capture ] ( </a:t>
-            </a:r>
-            <a:r>
-              <a:rPr lang="en-US" altLang="zh-CN" dirty="0" err="1"/>
-              <a:t>params</a:t>
-            </a:r>
-            <a:r>
-              <a:rPr lang="en-US" altLang="zh-CN" dirty="0"/>
-              <a:t> ) { body }</a:t>
-            </a:r>
-            <a:endParaRPr lang="zh-CN" altLang="zh-CN" dirty="0"/>
-          </a:p>
-          <a:p>
-            <a:pPr marL="285750" indent="-285750" fontAlgn="ctr">
-              <a:buFont typeface="Arial" panose="020B0604020202020204" pitchFamily="34" charset="0"/>
-              <a:buChar char="•"/>
-            </a:pPr>
-            <a:r>
-              <a:rPr lang="en-US" altLang="zh-CN" dirty="0"/>
-              <a:t>[ capture ] { body }</a:t>
-            </a:r>
-            <a:endParaRPr lang="zh-CN" altLang="zh-CN" dirty="0"/>
-          </a:p>
-          <a:p>
-            <a:r>
-              <a:rPr lang="en-US" altLang="zh-CN" dirty="0" smtClean="0"/>
-              <a:t>Capture </a:t>
+            <a:r>
+              <a:rPr lang="zh-CN" altLang="en-US" dirty="0"/>
+              <a:t>此种枚举为类型安全的。枚举类型不能隐式地转换为整数；也无法与整数数值做比较</a:t>
             </a:r>
             <a:r>
               <a:rPr lang="zh-CN" altLang="en-US" dirty="0" smtClean="0"/>
-              <a:t>类型</a:t>
+              <a:t>。</a:t>
             </a:r>
             <a:endParaRPr lang="en-US" altLang="zh-CN" dirty="0" smtClean="0"/>
           </a:p>
           <a:p>
-            <a:pPr marL="285750" lvl="0" indent="-285750" eaLnBrk="0" fontAlgn="base" hangingPunct="0">
-              <a:lnSpc>
-                <a:spcPct val="100000"/>
-              </a:lnSpc>
-              <a:spcBef>
-                <a:spcPct val="0"/>
-              </a:spcBef>
-              <a:spcAft>
-                <a:spcPct val="0"/>
-              </a:spcAft>
-              <a:buFont typeface="Arial" panose="020B0604020202020204" pitchFamily="34" charset="0"/>
-              <a:buChar char="•"/>
-            </a:pPr>
-            <a:r>
-              <a:rPr lang="zh-CN" altLang="zh-CN" dirty="0"/>
-              <a:t>[a,&amp;b] </a:t>
-            </a:r>
-            <a:r>
-              <a:rPr lang="en-US" altLang="zh-CN" dirty="0" smtClean="0"/>
-              <a:t>	</a:t>
-            </a:r>
-            <a:r>
-              <a:rPr lang="zh-CN" altLang="zh-CN" dirty="0" smtClean="0"/>
-              <a:t>a</a:t>
-            </a:r>
-            <a:r>
-              <a:rPr lang="zh-CN" altLang="zh-CN" dirty="0"/>
-              <a:t>变量以值的方式呗捕获，b以引用的方式被捕获。 </a:t>
-            </a:r>
-          </a:p>
-          <a:p>
-            <a:pPr marL="285750" lvl="0" indent="-285750" eaLnBrk="0" fontAlgn="base" hangingPunct="0">
-              <a:lnSpc>
-                <a:spcPct val="100000"/>
-              </a:lnSpc>
-              <a:spcBef>
-                <a:spcPct val="0"/>
-              </a:spcBef>
-              <a:spcAft>
-                <a:spcPct val="0"/>
-              </a:spcAft>
-              <a:buFont typeface="Arial" panose="020B0604020202020204" pitchFamily="34" charset="0"/>
-              <a:buChar char="•"/>
-            </a:pPr>
-            <a:r>
-              <a:rPr lang="zh-CN" altLang="zh-CN" dirty="0"/>
-              <a:t>[this] </a:t>
-            </a:r>
-            <a:r>
-              <a:rPr lang="en-US" altLang="zh-CN" dirty="0" smtClean="0"/>
-              <a:t>		</a:t>
-            </a:r>
-            <a:r>
-              <a:rPr lang="zh-CN" altLang="zh-CN" dirty="0" smtClean="0"/>
-              <a:t>以</a:t>
-            </a:r>
-            <a:r>
-              <a:rPr lang="zh-CN" altLang="zh-CN" dirty="0"/>
-              <a:t>值的方式捕获 this 指针。 </a:t>
-            </a:r>
-          </a:p>
-          <a:p>
-            <a:pPr marL="285750" lvl="0" indent="-285750" eaLnBrk="0" fontAlgn="base" hangingPunct="0">
-              <a:lnSpc>
-                <a:spcPct val="100000"/>
-              </a:lnSpc>
-              <a:spcBef>
-                <a:spcPct val="0"/>
-              </a:spcBef>
-              <a:spcAft>
-                <a:spcPct val="0"/>
-              </a:spcAft>
-              <a:buFont typeface="Arial" panose="020B0604020202020204" pitchFamily="34" charset="0"/>
-              <a:buChar char="•"/>
-            </a:pPr>
-            <a:r>
-              <a:rPr lang="zh-CN" altLang="zh-CN" dirty="0"/>
-              <a:t>[&amp;] </a:t>
-            </a:r>
-            <a:r>
-              <a:rPr lang="en-US" altLang="zh-CN" dirty="0" smtClean="0"/>
-              <a:t>		</a:t>
-            </a:r>
-            <a:r>
-              <a:rPr lang="zh-CN" altLang="zh-CN" dirty="0" smtClean="0"/>
-              <a:t>以</a:t>
-            </a:r>
-            <a:r>
-              <a:rPr lang="zh-CN" altLang="zh-CN" dirty="0"/>
-              <a:t>引用的方式捕获所有的外部自动变量。 </a:t>
-            </a:r>
-          </a:p>
-          <a:p>
-            <a:pPr marL="285750" lvl="0" indent="-285750" eaLnBrk="0" fontAlgn="base" hangingPunct="0">
-              <a:lnSpc>
-                <a:spcPct val="100000"/>
-              </a:lnSpc>
-              <a:spcBef>
-                <a:spcPct val="0"/>
-              </a:spcBef>
-              <a:spcAft>
-                <a:spcPct val="0"/>
-              </a:spcAft>
-              <a:buFont typeface="Arial" panose="020B0604020202020204" pitchFamily="34" charset="0"/>
-              <a:buChar char="•"/>
-            </a:pPr>
-            <a:r>
-              <a:rPr lang="zh-CN" altLang="zh-CN" dirty="0"/>
-              <a:t>[=] </a:t>
-            </a:r>
-            <a:r>
-              <a:rPr lang="en-US" altLang="zh-CN" dirty="0" smtClean="0"/>
-              <a:t>		</a:t>
-            </a:r>
-            <a:r>
-              <a:rPr lang="zh-CN" altLang="zh-CN" dirty="0" smtClean="0"/>
-              <a:t>以</a:t>
-            </a:r>
-            <a:r>
-              <a:rPr lang="zh-CN" altLang="zh-CN" dirty="0"/>
-              <a:t>值的方式捕获所有的外部自动变量。 </a:t>
-            </a:r>
-          </a:p>
-          <a:p>
-            <a:pPr marL="285750" lvl="0" indent="-285750" eaLnBrk="0" fontAlgn="base" hangingPunct="0">
-              <a:lnSpc>
-                <a:spcPct val="100000"/>
-              </a:lnSpc>
-              <a:spcBef>
-                <a:spcPct val="0"/>
-              </a:spcBef>
-              <a:spcAft>
-                <a:spcPct val="0"/>
-              </a:spcAft>
-              <a:buFont typeface="Arial" panose="020B0604020202020204" pitchFamily="34" charset="0"/>
-              <a:buChar char="•"/>
-            </a:pPr>
-            <a:r>
-              <a:rPr lang="zh-CN" altLang="zh-CN" dirty="0"/>
-              <a:t>[] </a:t>
-            </a:r>
-            <a:r>
-              <a:rPr lang="en-US" altLang="zh-CN" dirty="0" smtClean="0"/>
-              <a:t>		</a:t>
-            </a:r>
-            <a:r>
-              <a:rPr lang="zh-CN" altLang="zh-CN" dirty="0" smtClean="0"/>
-              <a:t>不</a:t>
-            </a:r>
-            <a:r>
-              <a:rPr lang="zh-CN" altLang="zh-CN" dirty="0"/>
-              <a:t>捕获外部的任何变量。 </a:t>
-            </a:r>
-          </a:p>
-          <a:p>
-            <a:endParaRPr lang="en-US" altLang="zh-CN" dirty="0" smtClean="0"/>
+            <a:r>
+              <a:rPr lang="zh-CN" altLang="en-US" dirty="0"/>
+              <a:t>枚举类型所使用类型必须显式</a:t>
+            </a:r>
+            <a:r>
+              <a:rPr lang="zh-CN" altLang="en-US" dirty="0" smtClean="0"/>
+              <a:t>指定 </a:t>
+            </a:r>
+            <a:r>
+              <a:rPr lang="en-US" altLang="zh-CN" dirty="0" err="1"/>
+              <a:t>enum</a:t>
+            </a:r>
+            <a:r>
+              <a:rPr lang="en-US" altLang="zh-CN" dirty="0"/>
+              <a:t> class Enum2 : unsigned </a:t>
+            </a:r>
+            <a:r>
+              <a:rPr lang="en-US" altLang="zh-CN" dirty="0" err="1"/>
+              <a:t>int</a:t>
+            </a:r>
+            <a:r>
+              <a:rPr lang="en-US" altLang="zh-CN" dirty="0"/>
+              <a:t> {Val1, Val2};</a:t>
+            </a:r>
+            <a:endParaRPr lang="zh-CN" altLang="en-US" dirty="0"/>
           </a:p>
         </p:txBody>
       </p:sp>
     </p:spTree>
     <p:extLst>
       <p:ext uri="{BB962C8B-B14F-4D97-AF65-F5344CB8AC3E}">
-        <p14:creationId xmlns:p14="http://schemas.microsoft.com/office/powerpoint/2010/main" val="251307693"/>
+        <p14:creationId xmlns:p14="http://schemas.microsoft.com/office/powerpoint/2010/main" val="593130355"/>
       </p:ext>
     </p:extLst>
   </p:cSld>
@@ -11712,8 +12443,28 @@
           <a:lstStyle/>
           <a:p>
             <a:r>
+              <a:rPr lang="en-US" altLang="zh-CN" dirty="0" err="1"/>
+              <a:t>Lamda</a:t>
+            </a:r>
+            <a:r>
               <a:rPr lang="en-US" altLang="zh-CN" dirty="0"/>
-              <a:t>Thread</a:t>
+              <a:t>  </a:t>
+            </a:r>
+            <a:r>
+              <a:rPr lang="en-US" altLang="zh-CN" dirty="0" err="1"/>
+              <a:t>std</a:t>
+            </a:r>
+            <a:r>
+              <a:rPr lang="en-US" altLang="zh-CN" dirty="0"/>
+              <a:t>::function </a:t>
+            </a:r>
+            <a:r>
+              <a:rPr lang="en-US" altLang="zh-CN" dirty="0" err="1"/>
+              <a:t>std</a:t>
+            </a:r>
+            <a:r>
+              <a:rPr lang="en-US" altLang="zh-CN" dirty="0"/>
+              <a:t>::bind</a:t>
             </a:r>
             <a:endParaRPr lang="zh-CN" altLang="en-US" dirty="0"/>
           </a:p>
@@ -11734,180 +12485,288 @@
           <a:bodyPr/>
           <a:lstStyle/>
           <a:p>
+            <a:pPr fontAlgn="ctr"/>
+            <a:r>
+              <a:rPr lang="en-US" altLang="zh-CN" dirty="0" err="1" smtClean="0"/>
+              <a:t>Lamda</a:t>
+            </a:r>
             <a:r>
               <a:rPr lang="en-US" altLang="zh-CN" dirty="0" smtClean="0"/>
-              <a:t/>
-            </a:r>
-            <a:br>
-              <a:rPr lang="en-US" altLang="zh-CN" dirty="0" smtClean="0"/>
-            </a:br>
-            <a:r>
-              <a:rPr lang="en-US" altLang="zh-CN" b="1" dirty="0" err="1" smtClean="0"/>
-              <a:t>std</a:t>
-            </a:r>
-            <a:r>
-              <a:rPr lang="en-US" altLang="zh-CN" b="1" dirty="0"/>
-              <a:t>::future</a:t>
-            </a:r>
+              <a:t> </a:t>
+            </a:r>
+            <a:r>
+              <a:rPr lang="zh-CN" altLang="en-US" dirty="0" smtClean="0"/>
+              <a:t>是</a:t>
+            </a:r>
+            <a:r>
+              <a:rPr lang="zh-CN" altLang="en-US" dirty="0"/>
+              <a:t>一个匿名函数，即没有函数名的函数。</a:t>
+            </a:r>
+            <a:endParaRPr lang="en-US" altLang="zh-CN" b="1" dirty="0" smtClean="0"/>
           </a:p>
           <a:p>
+            <a:pPr fontAlgn="ctr"/>
+            <a:r>
+              <a:rPr lang="en-US" altLang="zh-CN" dirty="0" err="1"/>
+              <a:t>Lamda</a:t>
+            </a:r>
+            <a:r>
+              <a:rPr lang="en-US" altLang="zh-CN" dirty="0"/>
+              <a:t> </a:t>
+            </a:r>
             <a:r>
               <a:rPr lang="zh-CN" altLang="en-US" dirty="0"/>
-              <a:t>　　</a:t>
-            </a:r>
-            <a:r>
-              <a:rPr lang="en-US" altLang="zh-CN" dirty="0" err="1"/>
-              <a:t>std</a:t>
-            </a:r>
-            <a:r>
-              <a:rPr lang="en-US" altLang="zh-CN" dirty="0"/>
-              <a:t>::future</a:t>
-            </a:r>
-            <a:r>
-              <a:rPr lang="zh-CN" altLang="en-US" dirty="0"/>
-              <a:t>是一个非常有用也很有意思的东西，简单说</a:t>
-            </a:r>
-            <a:r>
-              <a:rPr lang="en-US" altLang="zh-CN" dirty="0" err="1"/>
-              <a:t>std</a:t>
-            </a:r>
-            <a:r>
-              <a:rPr lang="en-US" altLang="zh-CN" dirty="0"/>
-              <a:t>::future</a:t>
-            </a:r>
-            <a:r>
-              <a:rPr lang="zh-CN" altLang="en-US" dirty="0"/>
-              <a:t>提供了一种访问异步操作结果的机制。从字面意思来理解，它表示未来，我觉得这个名字非常贴切，因为一个异步操作我们是不可能马上就获取操作结果的，只能在未来某个时候获取，但是我们可以以同步等待的方式来获取结果，可以通过查询</a:t>
-            </a:r>
-            <a:r>
-              <a:rPr lang="en-US" altLang="zh-CN" dirty="0"/>
-              <a:t>future</a:t>
-            </a:r>
-            <a:r>
-              <a:rPr lang="zh-CN" altLang="en-US" dirty="0"/>
-              <a:t>的状态（</a:t>
-            </a:r>
-            <a:r>
-              <a:rPr lang="en-US" altLang="zh-CN" dirty="0" err="1"/>
-              <a:t>future_status</a:t>
-            </a:r>
-            <a:r>
-              <a:rPr lang="zh-CN" altLang="en-US" dirty="0"/>
-              <a:t>）来获取异步操作的结果。</a:t>
-            </a:r>
-            <a:r>
-              <a:rPr lang="en-US" altLang="zh-CN" dirty="0" err="1"/>
-              <a:t>future_status</a:t>
-            </a:r>
-            <a:r>
-              <a:rPr lang="zh-CN" altLang="en-US" dirty="0"/>
-              <a:t>有三种状态：</a:t>
-            </a:r>
+              <a:t>语法</a:t>
+            </a:r>
+            <a:r>
+              <a:rPr lang="zh-CN" altLang="en-US" dirty="0" smtClean="0"/>
+              <a:t>类型：</a:t>
+            </a:r>
+            <a:endParaRPr lang="en-US" altLang="zh-CN" dirty="0"/>
           </a:p>
           <a:p>
-            <a:r>
-              <a:rPr lang="en-US" altLang="zh-CN" sz="1400" dirty="0"/>
-              <a:t>deferred</a:t>
-            </a:r>
-            <a:r>
-              <a:rPr lang="zh-CN" altLang="en-US" sz="1400" dirty="0"/>
-              <a:t>：异步操作还没开始</a:t>
-            </a:r>
+            <a:pPr marL="285750" indent="-285750" fontAlgn="ctr">
+              <a:buFont typeface="Arial" panose="020B0604020202020204" pitchFamily="34" charset="0"/>
+              <a:buChar char="•"/>
+            </a:pPr>
+            <a:r>
+              <a:rPr lang="en-US" altLang="zh-CN" dirty="0"/>
+              <a:t>[ capture ] ( </a:t>
+            </a:r>
+            <a:r>
+              <a:rPr lang="en-US" altLang="zh-CN" dirty="0" err="1"/>
+              <a:t>params</a:t>
+            </a:r>
+            <a:r>
+              <a:rPr lang="en-US" altLang="zh-CN" dirty="0"/>
+              <a:t> ) mutable exception attribute -&gt; ret { body }</a:t>
+            </a:r>
+            <a:endParaRPr lang="zh-CN" altLang="zh-CN" dirty="0"/>
           </a:p>
           <a:p>
-            <a:r>
-              <a:rPr lang="en-US" altLang="zh-CN" sz="1400" dirty="0"/>
-              <a:t>ready</a:t>
-            </a:r>
-            <a:r>
-              <a:rPr lang="zh-CN" altLang="en-US" sz="1400" dirty="0"/>
-              <a:t>：异步操作已经完成</a:t>
-            </a:r>
+            <a:pPr marL="285750" indent="-285750" fontAlgn="ctr">
+              <a:buFont typeface="Arial" panose="020B0604020202020204" pitchFamily="34" charset="0"/>
+              <a:buChar char="•"/>
+            </a:pPr>
+            <a:r>
+              <a:rPr lang="en-US" altLang="zh-CN" dirty="0"/>
+              <a:t>[ capture ] ( </a:t>
+            </a:r>
+            <a:r>
+              <a:rPr lang="en-US" altLang="zh-CN" dirty="0" err="1"/>
+              <a:t>params</a:t>
+            </a:r>
+            <a:r>
+              <a:rPr lang="en-US" altLang="zh-CN" dirty="0"/>
+              <a:t> ) -&gt; ret { body }</a:t>
+            </a:r>
+            <a:endParaRPr lang="zh-CN" altLang="zh-CN" dirty="0"/>
           </a:p>
           <a:p>
-            <a:r>
-              <a:rPr lang="en-US" altLang="zh-CN" sz="1400" dirty="0"/>
-              <a:t>timeout</a:t>
-            </a:r>
-            <a:r>
-              <a:rPr lang="zh-CN" altLang="en-US" sz="1400" dirty="0"/>
-              <a:t>：异步操作</a:t>
-            </a:r>
-            <a:r>
-              <a:rPr lang="zh-CN" altLang="en-US" sz="1400" dirty="0" smtClean="0"/>
-              <a:t>超时</a:t>
+            <a:pPr marL="285750" indent="-285750" fontAlgn="ctr">
+              <a:buFont typeface="Arial" panose="020B0604020202020204" pitchFamily="34" charset="0"/>
+              <a:buChar char="•"/>
+            </a:pPr>
+            <a:r>
+              <a:rPr lang="en-US" altLang="zh-CN" dirty="0"/>
+              <a:t>[ capture ] ( </a:t>
+            </a:r>
+            <a:r>
+              <a:rPr lang="en-US" altLang="zh-CN" dirty="0" err="1"/>
+              <a:t>params</a:t>
+            </a:r>
+            <a:r>
+              <a:rPr lang="en-US" altLang="zh-CN" dirty="0"/>
+              <a:t> ) { body }</a:t>
+            </a:r>
+            <a:endParaRPr lang="zh-CN" altLang="zh-CN" dirty="0"/>
+          </a:p>
+          <a:p>
+            <a:pPr marL="285750" indent="-285750" fontAlgn="ctr">
+              <a:buFont typeface="Arial" panose="020B0604020202020204" pitchFamily="34" charset="0"/>
+              <a:buChar char="•"/>
+            </a:pPr>
+            <a:r>
+              <a:rPr lang="en-US" altLang="zh-CN" dirty="0"/>
+              <a:t>[ capture ] { body }</a:t>
+            </a:r>
+            <a:endParaRPr lang="zh-CN" altLang="zh-CN" dirty="0"/>
+          </a:p>
+          <a:p>
+            <a:r>
+              <a:rPr lang="en-US" altLang="zh-CN" dirty="0" smtClean="0"/>
+              <a:t>Capture </a:t>
+            </a:r>
+            <a:r>
+              <a:rPr lang="zh-CN" altLang="en-US" dirty="0" smtClean="0"/>
+              <a:t>类型</a:t>
             </a:r>
             <a:endParaRPr lang="en-US" altLang="zh-CN" dirty="0" smtClean="0"/>
           </a:p>
           <a:p>
-            <a:r>
-              <a:rPr lang="en-US" altLang="zh-CN" b="1" dirty="0" err="1"/>
-              <a:t>std</a:t>
-            </a:r>
-            <a:r>
-              <a:rPr lang="en-US" altLang="zh-CN" b="1" dirty="0"/>
-              <a:t>::promise</a:t>
+            <a:pPr marL="285750" lvl="0" indent="-285750" eaLnBrk="0" fontAlgn="base" hangingPunct="0">
+              <a:lnSpc>
+                <a:spcPct val="100000"/>
+              </a:lnSpc>
+              <a:spcBef>
+                <a:spcPct val="0"/>
+              </a:spcBef>
+              <a:spcAft>
+                <a:spcPct val="0"/>
+              </a:spcAft>
+              <a:buFont typeface="Arial" panose="020B0604020202020204" pitchFamily="34" charset="0"/>
+              <a:buChar char="•"/>
+            </a:pPr>
+            <a:r>
+              <a:rPr lang="zh-CN" altLang="zh-CN" dirty="0"/>
+              <a:t>[a,&amp;b] </a:t>
+            </a:r>
+            <a:r>
+              <a:rPr lang="en-US" altLang="zh-CN" dirty="0" smtClean="0"/>
+              <a:t>	</a:t>
+            </a:r>
+            <a:r>
+              <a:rPr lang="zh-CN" altLang="zh-CN" dirty="0" smtClean="0"/>
+              <a:t>a</a:t>
+            </a:r>
+            <a:r>
+              <a:rPr lang="zh-CN" altLang="zh-CN" dirty="0"/>
+              <a:t>变量以值的方式呗捕获，b以引用的方式被捕获。 </a:t>
             </a:r>
           </a:p>
           <a:p>
-            <a:r>
-              <a:rPr lang="zh-CN" altLang="en-US" dirty="0"/>
-              <a:t>　　</a:t>
-            </a:r>
-            <a:r>
-              <a:rPr lang="en-US" altLang="zh-CN" dirty="0" err="1"/>
-              <a:t>std</a:t>
-            </a:r>
-            <a:r>
-              <a:rPr lang="en-US" altLang="zh-CN" dirty="0"/>
-              <a:t>::promise</a:t>
-            </a:r>
-            <a:r>
-              <a:rPr lang="zh-CN" altLang="en-US" dirty="0"/>
-              <a:t>为获取线程函数中的某个值提供便利，在线程函数中给外面传进来的</a:t>
-            </a:r>
-            <a:r>
-              <a:rPr lang="en-US" altLang="zh-CN" dirty="0"/>
-              <a:t>promise</a:t>
-            </a:r>
-            <a:r>
-              <a:rPr lang="zh-CN" altLang="en-US" dirty="0"/>
-              <a:t>赋值，当线程函数执行完成之后就可以通过</a:t>
-            </a:r>
-            <a:r>
-              <a:rPr lang="en-US" altLang="zh-CN" dirty="0" err="1"/>
-              <a:t>promis</a:t>
-            </a:r>
-            <a:r>
-              <a:rPr lang="zh-CN" altLang="en-US" dirty="0"/>
-              <a:t>获取该值了，值得注意的是取值是间接的通过</a:t>
-            </a:r>
-            <a:r>
-              <a:rPr lang="en-US" altLang="zh-CN" dirty="0"/>
-              <a:t>promise</a:t>
-            </a:r>
-            <a:r>
-              <a:rPr lang="zh-CN" altLang="en-US" dirty="0"/>
-              <a:t>内部提供的</a:t>
-            </a:r>
-            <a:r>
-              <a:rPr lang="en-US" altLang="zh-CN" dirty="0"/>
-              <a:t>future</a:t>
-            </a:r>
-            <a:r>
-              <a:rPr lang="zh-CN" altLang="en-US" dirty="0"/>
-              <a:t>来获取的。</a:t>
+            <a:pPr marL="285750" lvl="0" indent="-285750" eaLnBrk="0" fontAlgn="base" hangingPunct="0">
+              <a:lnSpc>
+                <a:spcPct val="100000"/>
+              </a:lnSpc>
+              <a:spcBef>
+                <a:spcPct val="0"/>
+              </a:spcBef>
+              <a:spcAft>
+                <a:spcPct val="0"/>
+              </a:spcAft>
+              <a:buFont typeface="Arial" panose="020B0604020202020204" pitchFamily="34" charset="0"/>
+              <a:buChar char="•"/>
+            </a:pPr>
+            <a:r>
+              <a:rPr lang="zh-CN" altLang="zh-CN" dirty="0"/>
+              <a:t>[this] </a:t>
+            </a:r>
+            <a:r>
+              <a:rPr lang="en-US" altLang="zh-CN" dirty="0" smtClean="0"/>
+              <a:t>		</a:t>
+            </a:r>
+            <a:r>
+              <a:rPr lang="zh-CN" altLang="zh-CN" dirty="0" smtClean="0"/>
+              <a:t>以</a:t>
+            </a:r>
+            <a:r>
+              <a:rPr lang="zh-CN" altLang="zh-CN" dirty="0"/>
+              <a:t>值的方式捕获 this 指针。 </a:t>
             </a:r>
           </a:p>
           <a:p>
-            <a:endParaRPr lang="zh-CN" altLang="en-US" dirty="0"/>
+            <a:pPr marL="285750" lvl="0" indent="-285750" eaLnBrk="0" fontAlgn="base" hangingPunct="0">
+              <a:lnSpc>
+                <a:spcPct val="100000"/>
+              </a:lnSpc>
+              <a:spcBef>
+                <a:spcPct val="0"/>
+              </a:spcBef>
+              <a:spcAft>
+                <a:spcPct val="0"/>
+              </a:spcAft>
+              <a:buFont typeface="Arial" panose="020B0604020202020204" pitchFamily="34" charset="0"/>
+              <a:buChar char="•"/>
+            </a:pPr>
+            <a:r>
+              <a:rPr lang="zh-CN" altLang="zh-CN" dirty="0"/>
+              <a:t>[&amp;] </a:t>
+            </a:r>
+            <a:r>
+              <a:rPr lang="en-US" altLang="zh-CN" dirty="0" smtClean="0"/>
+              <a:t>		</a:t>
+            </a:r>
+            <a:r>
+              <a:rPr lang="zh-CN" altLang="zh-CN" dirty="0" smtClean="0"/>
+              <a:t>以</a:t>
+            </a:r>
+            <a:r>
+              <a:rPr lang="zh-CN" altLang="zh-CN" dirty="0"/>
+              <a:t>引用的方式捕获所有的外部自动变量。 </a:t>
+            </a:r>
+          </a:p>
+          <a:p>
+            <a:pPr marL="285750" lvl="0" indent="-285750" eaLnBrk="0" fontAlgn="base" hangingPunct="0">
+              <a:lnSpc>
+                <a:spcPct val="100000"/>
+              </a:lnSpc>
+              <a:spcBef>
+                <a:spcPct val="0"/>
+              </a:spcBef>
+              <a:spcAft>
+                <a:spcPct val="0"/>
+              </a:spcAft>
+              <a:buFont typeface="Arial" panose="020B0604020202020204" pitchFamily="34" charset="0"/>
+              <a:buChar char="•"/>
+            </a:pPr>
+            <a:r>
+              <a:rPr lang="zh-CN" altLang="zh-CN" dirty="0"/>
+              <a:t>[=] </a:t>
+            </a:r>
+            <a:r>
+              <a:rPr lang="en-US" altLang="zh-CN" dirty="0" smtClean="0"/>
+              <a:t>		</a:t>
+            </a:r>
+            <a:r>
+              <a:rPr lang="zh-CN" altLang="zh-CN" dirty="0" smtClean="0"/>
+              <a:t>以</a:t>
+            </a:r>
+            <a:r>
+              <a:rPr lang="zh-CN" altLang="zh-CN" dirty="0"/>
+              <a:t>值的方式捕获所有的外部自动变量。 </a:t>
+            </a:r>
+          </a:p>
+          <a:p>
+            <a:pPr marL="285750" lvl="0" indent="-285750" eaLnBrk="0" fontAlgn="base" hangingPunct="0">
+              <a:lnSpc>
+                <a:spcPct val="100000"/>
+              </a:lnSpc>
+              <a:spcBef>
+                <a:spcPct val="0"/>
+              </a:spcBef>
+              <a:spcAft>
+                <a:spcPct val="0"/>
+              </a:spcAft>
+              <a:buFont typeface="Arial" panose="020B0604020202020204" pitchFamily="34" charset="0"/>
+              <a:buChar char="•"/>
+            </a:pPr>
+            <a:r>
+              <a:rPr lang="zh-CN" altLang="zh-CN" dirty="0"/>
+              <a:t>[] </a:t>
+            </a:r>
+            <a:r>
+              <a:rPr lang="en-US" altLang="zh-CN" dirty="0" smtClean="0"/>
+              <a:t>		</a:t>
+            </a:r>
+            <a:r>
+              <a:rPr lang="zh-CN" altLang="zh-CN" dirty="0" smtClean="0"/>
+              <a:t>不</a:t>
+            </a:r>
+            <a:r>
+              <a:rPr lang="zh-CN" altLang="zh-CN" dirty="0"/>
+              <a:t>捕获外部的任何变量。 </a:t>
+            </a:r>
+          </a:p>
+          <a:p>
+            <a:endParaRPr lang="en-US" altLang="zh-CN" dirty="0" smtClean="0"/>
           </a:p>
         </p:txBody>
       </p:sp>
     </p:spTree>
     <p:extLst>
       <p:ext uri="{BB962C8B-B14F-4D97-AF65-F5344CB8AC3E}">
-        <p14:creationId xmlns:p14="http://schemas.microsoft.com/office/powerpoint/2010/main" val="3921107210"/>
+        <p14:creationId xmlns:p14="http://schemas.microsoft.com/office/powerpoint/2010/main" val="251307693"/>
       </p:ext>
     </p:extLst>
   </p:cSld>
@@ -11973,6 +12832,37 @@
           <a:lstStyle/>
           <a:p>
             <a:r>
+              <a:rPr lang="en-US" altLang="zh-CN" dirty="0" smtClean="0"/>
+              <a:t/>
+            </a:r>
+            <a:br>
+              <a:rPr lang="en-US" altLang="zh-CN" dirty="0" smtClean="0"/>
+            </a:br>
+            <a:r>
+              <a:rPr lang="en-US" altLang="zh-CN" b="1" dirty="0" err="1" smtClean="0"/>
+              <a:t>std</a:t>
+            </a:r>
+            <a:r>
+              <a:rPr lang="en-US" altLang="zh-CN" b="1" dirty="0"/>
+              <a:t>::future</a:t>
+            </a:r>
+          </a:p>
+          <a:p>
+            <a:r>
+              <a:rPr lang="en-US" altLang="zh-CN" b="1" dirty="0" err="1" smtClean="0"/>
+              <a:t>std</a:t>
+            </a:r>
+            <a:r>
+              <a:rPr lang="en-US" altLang="zh-CN" b="1" dirty="0"/>
+              <a:t>::</a:t>
+            </a:r>
+            <a:r>
+              <a:rPr lang="en-US" altLang="zh-CN" b="1" dirty="0" smtClean="0"/>
+              <a:t>promise</a:t>
+            </a:r>
+          </a:p>
+          <a:p>
+            <a:r>
               <a:rPr lang="en-US" altLang="zh-CN" b="1" dirty="0" err="1"/>
               <a:t>std</a:t>
             </a:r>
@@ -12045,263 +12935,25 @@
             </a:r>
             <a:r>
               <a:rPr lang="zh-CN" altLang="en-US" dirty="0"/>
-              <a:t>保存的是一个函数</a:t>
-            </a:r>
-            <a:r>
-              <a:rPr lang="zh-CN" altLang="en-US" dirty="0" smtClean="0"/>
-              <a:t>。</a:t>
-            </a:r>
-            <a:endParaRPr lang="en-US" altLang="zh-CN" dirty="0" smtClean="0"/>
+              <a:t>保存的是一个函数。</a:t>
+            </a:r>
+            <a:endParaRPr lang="en-US" altLang="zh-CN" dirty="0"/>
           </a:p>
           <a:p>
-            <a:r>
-              <a:rPr lang="en-US" altLang="zh-CN" b="1" dirty="0" err="1"/>
-              <a:t>std</a:t>
-            </a:r>
-            <a:r>
-              <a:rPr lang="en-US" altLang="zh-CN" b="1" dirty="0"/>
-              <a:t>::</a:t>
-            </a:r>
-            <a:r>
-              <a:rPr lang="en-US" altLang="zh-CN" b="1" dirty="0" err="1"/>
-              <a:t>async</a:t>
-            </a:r>
-            <a:r>
-              <a:rPr lang="zh-CN" altLang="en-US" b="1" dirty="0"/>
-              <a:t>代替线程的创建</a:t>
-            </a:r>
+            <a:endParaRPr lang="en-US" altLang="zh-CN" b="1" dirty="0"/>
           </a:p>
           <a:p>
             <a:r>
               <a:rPr lang="zh-CN" altLang="en-US" dirty="0"/>
               <a:t>　　</a:t>
             </a:r>
-            <a:r>
-              <a:rPr lang="en-US" altLang="zh-CN" dirty="0" err="1" smtClean="0"/>
-              <a:t>std</a:t>
-            </a:r>
-            <a:r>
-              <a:rPr lang="en-US" altLang="zh-CN" dirty="0"/>
-              <a:t>::</a:t>
-            </a:r>
-            <a:r>
-              <a:rPr lang="en-US" altLang="zh-CN" dirty="0" err="1"/>
-              <a:t>async</a:t>
-            </a:r>
-            <a:r>
-              <a:rPr lang="zh-CN" altLang="en-US" dirty="0"/>
-              <a:t>是为了让用户的少费点脑子的，它让这三个对象默契的工作。大概的工作过程是这样的：</a:t>
-            </a:r>
-            <a:r>
-              <a:rPr lang="en-US" altLang="zh-CN" dirty="0" err="1"/>
-              <a:t>std</a:t>
-            </a:r>
-            <a:r>
-              <a:rPr lang="en-US" altLang="zh-CN" dirty="0"/>
-              <a:t>::</a:t>
-            </a:r>
-            <a:r>
-              <a:rPr lang="en-US" altLang="zh-CN" dirty="0" err="1"/>
-              <a:t>async</a:t>
-            </a:r>
-            <a:r>
-              <a:rPr lang="zh-CN" altLang="en-US" dirty="0"/>
-              <a:t>先将异步操作用</a:t>
-            </a:r>
-            <a:r>
-              <a:rPr lang="en-US" altLang="zh-CN" dirty="0" err="1"/>
-              <a:t>std</a:t>
-            </a:r>
-            <a:r>
-              <a:rPr lang="en-US" altLang="zh-CN" dirty="0"/>
-              <a:t>::</a:t>
-            </a:r>
-            <a:r>
-              <a:rPr lang="en-US" altLang="zh-CN" dirty="0" err="1"/>
-              <a:t>packaged_task</a:t>
-            </a:r>
-            <a:r>
-              <a:rPr lang="zh-CN" altLang="en-US" dirty="0"/>
-              <a:t>包装起来，然后将异步操作的结果放到</a:t>
-            </a:r>
-            <a:r>
-              <a:rPr lang="en-US" altLang="zh-CN" dirty="0" err="1"/>
-              <a:t>std</a:t>
-            </a:r>
-            <a:r>
-              <a:rPr lang="en-US" altLang="zh-CN" dirty="0"/>
-              <a:t>::promise</a:t>
-            </a:r>
-            <a:r>
-              <a:rPr lang="zh-CN" altLang="en-US" dirty="0"/>
-              <a:t>中，这个过程就是创造未来的过程。外面再通过</a:t>
-            </a:r>
-            <a:r>
-              <a:rPr lang="en-US" altLang="zh-CN" dirty="0" err="1"/>
-              <a:t>future.get</a:t>
-            </a:r>
-            <a:r>
-              <a:rPr lang="en-US" altLang="zh-CN" dirty="0"/>
-              <a:t>/wait</a:t>
-            </a:r>
-            <a:r>
-              <a:rPr lang="zh-CN" altLang="en-US" dirty="0"/>
-              <a:t>来获取这个未来的结果，怎么样，</a:t>
-            </a:r>
-            <a:r>
-              <a:rPr lang="en-US" altLang="zh-CN" dirty="0" err="1"/>
-              <a:t>std</a:t>
-            </a:r>
-            <a:r>
-              <a:rPr lang="en-US" altLang="zh-CN" dirty="0"/>
-              <a:t>::</a:t>
-            </a:r>
-            <a:r>
-              <a:rPr lang="en-US" altLang="zh-CN" dirty="0" err="1"/>
-              <a:t>async</a:t>
-            </a:r>
-            <a:r>
-              <a:rPr lang="zh-CN" altLang="en-US" dirty="0"/>
-              <a:t>真的是来帮忙的吧，你不用再想到底该怎么用</a:t>
-            </a:r>
-            <a:r>
-              <a:rPr lang="en-US" altLang="zh-CN" dirty="0" err="1"/>
-              <a:t>std</a:t>
-            </a:r>
-            <a:r>
-              <a:rPr lang="en-US" altLang="zh-CN" dirty="0"/>
-              <a:t>::future</a:t>
-            </a:r>
-            <a:r>
-              <a:rPr lang="zh-CN" altLang="en-US" dirty="0"/>
-              <a:t>、</a:t>
-            </a:r>
-            <a:r>
-              <a:rPr lang="en-US" altLang="zh-CN" dirty="0" err="1"/>
-              <a:t>std</a:t>
-            </a:r>
-            <a:r>
-              <a:rPr lang="en-US" altLang="zh-CN" dirty="0"/>
-              <a:t>::promise</a:t>
-            </a:r>
-            <a:r>
-              <a:rPr lang="zh-CN" altLang="en-US" dirty="0"/>
-              <a:t>和</a:t>
-            </a:r>
-            <a:r>
-              <a:rPr lang="en-US" altLang="zh-CN" dirty="0" err="1"/>
-              <a:t>std</a:t>
-            </a:r>
-            <a:r>
-              <a:rPr lang="en-US" altLang="zh-CN" dirty="0"/>
-              <a:t>::</a:t>
-            </a:r>
-            <a:r>
-              <a:rPr lang="en-US" altLang="zh-CN" dirty="0" err="1"/>
-              <a:t>packaged_task</a:t>
-            </a:r>
-            <a:r>
-              <a:rPr lang="zh-CN" altLang="en-US" dirty="0"/>
-              <a:t>了，</a:t>
-            </a:r>
-            <a:r>
-              <a:rPr lang="en-US" altLang="zh-CN" dirty="0" err="1"/>
-              <a:t>std</a:t>
-            </a:r>
-            <a:r>
-              <a:rPr lang="en-US" altLang="zh-CN" dirty="0"/>
-              <a:t>::</a:t>
-            </a:r>
-            <a:r>
-              <a:rPr lang="en-US" altLang="zh-CN" dirty="0" err="1"/>
-              <a:t>async</a:t>
-            </a:r>
-            <a:r>
-              <a:rPr lang="zh-CN" altLang="en-US" dirty="0"/>
-              <a:t>已经帮你搞定一切了！</a:t>
-            </a:r>
-          </a:p>
-          <a:p>
-            <a:r>
-              <a:rPr lang="en-US" altLang="zh-CN" dirty="0" err="1" smtClean="0"/>
-              <a:t>std</a:t>
-            </a:r>
-            <a:r>
-              <a:rPr lang="en-US" altLang="zh-CN" dirty="0"/>
-              <a:t>::launch::</a:t>
-            </a:r>
-            <a:r>
-              <a:rPr lang="en-US" altLang="zh-CN" dirty="0" err="1"/>
-              <a:t>async</a:t>
-            </a:r>
-            <a:r>
-              <a:rPr lang="zh-CN" altLang="en-US" dirty="0"/>
-              <a:t>：在调用</a:t>
-            </a:r>
-            <a:r>
-              <a:rPr lang="en-US" altLang="zh-CN" dirty="0" err="1"/>
-              <a:t>async</a:t>
-            </a:r>
-            <a:r>
-              <a:rPr lang="zh-CN" altLang="en-US" dirty="0"/>
-              <a:t>就开始创建线程。</a:t>
-            </a:r>
-          </a:p>
-          <a:p>
-            <a:r>
-              <a:rPr lang="en-US" altLang="zh-CN" dirty="0" err="1"/>
-              <a:t>std</a:t>
-            </a:r>
-            <a:r>
-              <a:rPr lang="en-US" altLang="zh-CN" dirty="0"/>
-              <a:t>::launch::deferred</a:t>
-            </a:r>
-            <a:r>
-              <a:rPr lang="zh-CN" altLang="en-US" dirty="0"/>
-              <a:t>：延迟加载方式创建线程。调用</a:t>
-            </a:r>
-            <a:r>
-              <a:rPr lang="en-US" altLang="zh-CN" dirty="0" err="1"/>
-              <a:t>async</a:t>
-            </a:r>
-            <a:r>
-              <a:rPr lang="zh-CN" altLang="en-US" dirty="0"/>
-              <a:t>时不创建线程，直到调用了</a:t>
-            </a:r>
-            <a:r>
-              <a:rPr lang="en-US" altLang="zh-CN" dirty="0"/>
-              <a:t>future</a:t>
-            </a:r>
-            <a:r>
-              <a:rPr lang="zh-CN" altLang="en-US" dirty="0"/>
-              <a:t>的</a:t>
-            </a:r>
-            <a:r>
-              <a:rPr lang="en-US" altLang="zh-CN" dirty="0"/>
-              <a:t>get</a:t>
-            </a:r>
-            <a:r>
-              <a:rPr lang="zh-CN" altLang="en-US" dirty="0"/>
-              <a:t>或者</a:t>
-            </a:r>
-            <a:r>
-              <a:rPr lang="en-US" altLang="zh-CN" dirty="0"/>
-              <a:t>wait</a:t>
-            </a:r>
-            <a:r>
-              <a:rPr lang="zh-CN" altLang="en-US" dirty="0"/>
-              <a:t>时才创建线程。</a:t>
-            </a:r>
-          </a:p>
-          <a:p>
-            <a:endParaRPr lang="zh-CN" altLang="en-US" dirty="0"/>
           </a:p>
         </p:txBody>
       </p:sp>
     </p:spTree>
     <p:extLst>
       <p:ext uri="{BB962C8B-B14F-4D97-AF65-F5344CB8AC3E}">
-        <p14:creationId xmlns:p14="http://schemas.microsoft.com/office/powerpoint/2010/main" val="1653435615"/>
+        <p14:creationId xmlns:p14="http://schemas.microsoft.com/office/powerpoint/2010/main" val="3921107210"/>
       </p:ext>
     </p:extLst>
   </p:cSld>
